--- a/doc/Vsomeip knowledge.pptx
+++ b/doc/Vsomeip knowledge.pptx
@@ -5,8 +5,11 @@
     <p:sldMasterId id="2147483660" r:id="rId1"/>
   </p:sldMasterIdLst>
   <p:notesMasterIdLst>
-    <p:notesMasterId r:id="rId15"/>
+    <p:notesMasterId r:id="rId18"/>
   </p:notesMasterIdLst>
+  <p:handoutMasterIdLst>
+    <p:handoutMasterId r:id="rId19"/>
+  </p:handoutMasterIdLst>
   <p:sldIdLst>
     <p:sldId id="256" r:id="rId2"/>
     <p:sldId id="258" r:id="rId3"/>
@@ -18,9 +21,12 @@
     <p:sldId id="265" r:id="rId9"/>
     <p:sldId id="264" r:id="rId10"/>
     <p:sldId id="263" r:id="rId11"/>
-    <p:sldId id="269" r:id="rId12"/>
-    <p:sldId id="267" r:id="rId13"/>
-    <p:sldId id="268" r:id="rId14"/>
+    <p:sldId id="267" r:id="rId12"/>
+    <p:sldId id="269" r:id="rId13"/>
+    <p:sldId id="271" r:id="rId14"/>
+    <p:sldId id="268" r:id="rId15"/>
+    <p:sldId id="270" r:id="rId16"/>
+    <p:sldId id="272" r:id="rId17"/>
   </p:sldIdLst>
   <p:sldSz cx="9144000" cy="6858000" type="screen4x3"/>
   <p:notesSz cx="6858000" cy="9144000"/>
@@ -219,6 +225,172 @@
 </p:cmLst>
 </file>
 
+<file path=ppt/handoutMasters/handoutMaster1.xml><?xml version="1.0" encoding="utf-8"?>
+<p:handoutMaster xmlns:a="http://schemas.openxmlformats.org/drawingml/2006/main" xmlns:r="http://schemas.openxmlformats.org/officeDocument/2006/relationships" xmlns:p="http://schemas.openxmlformats.org/presentationml/2006/main">
+  <p:cSld>
+    <p:bg>
+      <p:bgRef idx="1001">
+        <a:schemeClr val="bg1"/>
+      </p:bgRef>
+    </p:bg>
+    <p:spTree>
+      <p:nvGrpSpPr>
+        <p:cNvPr id="1" name=""/>
+        <p:cNvGrpSpPr/>
+        <p:nvPr/>
+      </p:nvGrpSpPr>
+      <p:grpSpPr>
+        <a:xfrm>
+          <a:off x="0" y="0"/>
+          <a:ext cx="0" cy="0"/>
+          <a:chOff x="0" y="0"/>
+          <a:chExt cx="0" cy="0"/>
+        </a:xfrm>
+      </p:grpSpPr>
+      <p:sp>
+        <p:nvSpPr>
+          <p:cNvPr id="2" name="Header Placeholder 1"/>
+          <p:cNvSpPr>
+            <a:spLocks noGrp="1"/>
+          </p:cNvSpPr>
+          <p:nvPr>
+            <p:ph type="hdr" sz="quarter"/>
+          </p:nvPr>
+        </p:nvSpPr>
+        <p:spPr>
+          <a:xfrm>
+            <a:off x="0" y="0"/>
+            <a:ext cx="2971800" cy="458788"/>
+          </a:xfrm>
+          <a:prstGeom prst="rect">
+            <a:avLst/>
+          </a:prstGeom>
+        </p:spPr>
+        <p:txBody>
+          <a:bodyPr vert="horz" lIns="91440" tIns="45720" rIns="91440" bIns="45720" rtlCol="0"/>
+          <a:lstStyle>
+            <a:lvl1pPr algn="l">
+              <a:defRPr sz="1200"/>
+            </a:lvl1pPr>
+          </a:lstStyle>
+          <a:p>
+            <a:endParaRPr lang="en-US"/>
+          </a:p>
+        </p:txBody>
+      </p:sp>
+      <p:sp>
+        <p:nvSpPr>
+          <p:cNvPr id="3" name="Date Placeholder 2"/>
+          <p:cNvSpPr>
+            <a:spLocks noGrp="1"/>
+          </p:cNvSpPr>
+          <p:nvPr>
+            <p:ph type="dt" sz="quarter" idx="1"/>
+          </p:nvPr>
+        </p:nvSpPr>
+        <p:spPr>
+          <a:xfrm>
+            <a:off x="3884613" y="0"/>
+            <a:ext cx="2971800" cy="458788"/>
+          </a:xfrm>
+          <a:prstGeom prst="rect">
+            <a:avLst/>
+          </a:prstGeom>
+        </p:spPr>
+        <p:txBody>
+          <a:bodyPr vert="horz" lIns="91440" tIns="45720" rIns="91440" bIns="45720" rtlCol="0"/>
+          <a:lstStyle>
+            <a:lvl1pPr algn="r">
+              <a:defRPr sz="1200"/>
+            </a:lvl1pPr>
+          </a:lstStyle>
+          <a:p>
+            <a:fld id="{FE167CA5-76A5-4126-94F0-796E0C5E0D54}" type="datetimeFigureOut">
+              <a:rPr lang="en-US" smtClean="0"/>
+              <a:t>10/11/2025</a:t>
+            </a:fld>
+            <a:endParaRPr lang="en-US"/>
+          </a:p>
+        </p:txBody>
+      </p:sp>
+      <p:sp>
+        <p:nvSpPr>
+          <p:cNvPr id="4" name="Footer Placeholder 3"/>
+          <p:cNvSpPr>
+            <a:spLocks noGrp="1"/>
+          </p:cNvSpPr>
+          <p:nvPr>
+            <p:ph type="ftr" sz="quarter" idx="2"/>
+          </p:nvPr>
+        </p:nvSpPr>
+        <p:spPr>
+          <a:xfrm>
+            <a:off x="0" y="8685213"/>
+            <a:ext cx="2971800" cy="458787"/>
+          </a:xfrm>
+          <a:prstGeom prst="rect">
+            <a:avLst/>
+          </a:prstGeom>
+        </p:spPr>
+        <p:txBody>
+          <a:bodyPr vert="horz" lIns="91440" tIns="45720" rIns="91440" bIns="45720" rtlCol="0" anchor="b"/>
+          <a:lstStyle>
+            <a:lvl1pPr algn="l">
+              <a:defRPr sz="1200"/>
+            </a:lvl1pPr>
+          </a:lstStyle>
+          <a:p>
+            <a:endParaRPr lang="en-US"/>
+          </a:p>
+        </p:txBody>
+      </p:sp>
+      <p:sp>
+        <p:nvSpPr>
+          <p:cNvPr id="5" name="Slide Number Placeholder 4"/>
+          <p:cNvSpPr>
+            <a:spLocks noGrp="1"/>
+          </p:cNvSpPr>
+          <p:nvPr>
+            <p:ph type="sldNum" sz="quarter" idx="3"/>
+          </p:nvPr>
+        </p:nvSpPr>
+        <p:spPr>
+          <a:xfrm>
+            <a:off x="3884613" y="8685213"/>
+            <a:ext cx="2971800" cy="458787"/>
+          </a:xfrm>
+          <a:prstGeom prst="rect">
+            <a:avLst/>
+          </a:prstGeom>
+        </p:spPr>
+        <p:txBody>
+          <a:bodyPr vert="horz" lIns="91440" tIns="45720" rIns="91440" bIns="45720" rtlCol="0" anchor="b"/>
+          <a:lstStyle>
+            <a:lvl1pPr algn="r">
+              <a:defRPr sz="1200"/>
+            </a:lvl1pPr>
+          </a:lstStyle>
+          <a:p>
+            <a:fld id="{65C4E0D4-913E-4106-B139-5696517870FE}" type="slidenum">
+              <a:rPr lang="en-US" smtClean="0"/>
+              <a:t>‹#›</a:t>
+            </a:fld>
+            <a:endParaRPr lang="en-US"/>
+          </a:p>
+        </p:txBody>
+      </p:sp>
+    </p:spTree>
+    <p:extLst>
+      <p:ext uri="{BB962C8B-B14F-4D97-AF65-F5344CB8AC3E}">
+        <p14:creationId xmlns:p14="http://schemas.microsoft.com/office/powerpoint/2010/main" val="1837198886"/>
+      </p:ext>
+    </p:extLst>
+  </p:cSld>
+  <p:clrMap bg1="lt1" tx1="dk1" bg2="lt2" tx2="dk2" accent1="accent1" accent2="accent2" accent3="accent3" accent4="accent4" accent5="accent5" accent6="accent6" hlink="hlink" folHlink="folHlink"/>
+  <p:hf sldNum="0" hdr="0" ftr="0" dt="0"/>
+</p:handoutMaster>
+</file>
+
 <file path=ppt/notesMasters/notesMaster1.xml><?xml version="1.0" encoding="utf-8"?>
 <p:notesMaster xmlns:a="http://schemas.openxmlformats.org/drawingml/2006/main" xmlns:r="http://schemas.openxmlformats.org/officeDocument/2006/relationships" xmlns:p="http://schemas.openxmlformats.org/presentationml/2006/main">
   <p:cSld>
@@ -301,7 +473,7 @@
           <a:p>
             <a:fld id="{A0BE7B6A-3411-47A0-8068-0F7C7217377E}" type="datetimeFigureOut">
               <a:rPr lang="en-US" smtClean="0"/>
-              <a:t>10/10/2025</a:t>
+              <a:t>10/11/2025</a:t>
             </a:fld>
             <a:endParaRPr lang="en-US"/>
           </a:p>
@@ -474,6 +646,7 @@
     </p:extLst>
   </p:cSld>
   <p:clrMap bg1="lt1" tx1="dk1" bg2="lt2" tx2="dk2" accent1="accent1" accent2="accent2" accent3="accent3" accent4="accent4" accent5="accent5" accent6="accent6" hlink="hlink" folHlink="folHlink"/>
+  <p:hf sldNum="0" hdr="0" ftr="0" dt="0"/>
   <p:notesStyle>
     <a:lvl1pPr marL="0" algn="l" defTabSz="914400" rtl="0" eaLnBrk="1" latinLnBrk="0" hangingPunct="1">
       <a:defRPr sz="1200" kern="1200">
@@ -2216,29 +2389,6 @@
           </a:p>
         </p:txBody>
       </p:sp>
-      <p:sp>
-        <p:nvSpPr>
-          <p:cNvPr id="4" name="Slide Number Placeholder 3"/>
-          <p:cNvSpPr>
-            <a:spLocks noGrp="1"/>
-          </p:cNvSpPr>
-          <p:nvPr>
-            <p:ph type="sldNum" sz="quarter" idx="10"/>
-          </p:nvPr>
-        </p:nvSpPr>
-        <p:spPr/>
-        <p:txBody>
-          <a:bodyPr/>
-          <a:lstStyle/>
-          <a:p>
-            <a:fld id="{177F5824-DBE3-4687-A20D-2C35C275B368}" type="slidenum">
-              <a:rPr lang="en-US" smtClean="0"/>
-              <a:t>1</a:t>
-            </a:fld>
-            <a:endParaRPr lang="en-US"/>
-          </a:p>
-        </p:txBody>
-      </p:sp>
     </p:spTree>
     <p:extLst>
       <p:ext uri="{BB962C8B-B14F-4D97-AF65-F5344CB8AC3E}">
@@ -2304,29 +2454,6 @@
           </a:p>
         </p:txBody>
       </p:sp>
-      <p:sp>
-        <p:nvSpPr>
-          <p:cNvPr id="4" name="Slide Number Placeholder 3"/>
-          <p:cNvSpPr>
-            <a:spLocks noGrp="1"/>
-          </p:cNvSpPr>
-          <p:nvPr>
-            <p:ph type="sldNum" sz="quarter" idx="10"/>
-          </p:nvPr>
-        </p:nvSpPr>
-        <p:spPr/>
-        <p:txBody>
-          <a:bodyPr/>
-          <a:lstStyle/>
-          <a:p>
-            <a:fld id="{177F5824-DBE3-4687-A20D-2C35C275B368}" type="slidenum">
-              <a:rPr lang="en-US" smtClean="0"/>
-              <a:t>10</a:t>
-            </a:fld>
-            <a:endParaRPr lang="en-US"/>
-          </a:p>
-        </p:txBody>
-      </p:sp>
     </p:spTree>
     <p:extLst>
       <p:ext uri="{BB962C8B-B14F-4D97-AF65-F5344CB8AC3E}">
@@ -2384,44 +2511,99 @@
           <a:bodyPr/>
           <a:lstStyle/>
           <a:p>
+            <a:r>
+              <a:rPr lang="en-US" dirty="0" smtClean="0"/>
+              <a:t>https://aws.amazon.com/what-is/service-oriented-architecture/</a:t>
+            </a:r>
+          </a:p>
+          <a:p>
+            <a:r>
+              <a:rPr lang="en-US" dirty="0" smtClean="0"/>
+              <a:t>https://github.com/COVESA/vsomeip/tree/master/documentation</a:t>
+            </a:r>
+          </a:p>
+          <a:p>
+            <a:r>
+              <a:rPr lang="en-US" sz="1200" b="0" i="0" kern="1200" dirty="0" smtClean="0">
+                <a:solidFill>
+                  <a:schemeClr val="tx1"/>
+                </a:solidFill>
+                <a:effectLst/>
+                <a:latin typeface="+mn-lt"/>
+                <a:ea typeface="+mn-ea"/>
+                <a:cs typeface="+mn-cs"/>
+              </a:rPr>
+              <a:t>Local socket</a:t>
+            </a:r>
+            <a:r>
+              <a:rPr lang="en-US" sz="1200" b="0" i="0" kern="1200" baseline="0" dirty="0" smtClean="0">
+                <a:solidFill>
+                  <a:schemeClr val="tx1"/>
+                </a:solidFill>
+                <a:effectLst/>
+                <a:latin typeface="+mn-lt"/>
+                <a:ea typeface="+mn-ea"/>
+                <a:cs typeface="+mn-cs"/>
+              </a:rPr>
+              <a:t> (UDS): </a:t>
+            </a:r>
+            <a:r>
+              <a:rPr lang="en-US" sz="1200" b="0" i="0" kern="1200" dirty="0" smtClean="0">
+                <a:solidFill>
+                  <a:schemeClr val="tx1"/>
+                </a:solidFill>
+                <a:effectLst/>
+                <a:latin typeface="+mn-lt"/>
+                <a:ea typeface="+mn-ea"/>
+                <a:cs typeface="+mn-cs"/>
+              </a:rPr>
+              <a:t>https://github.com/COVESA/vsomeip/blob/master/documentation/vsomeipProtocol.md</a:t>
+            </a:r>
+          </a:p>
+          <a:p>
+            <a:r>
+              <a:rPr lang="en-US" sz="1200" b="0" i="0" kern="1200" dirty="0" err="1" smtClean="0">
+                <a:solidFill>
+                  <a:schemeClr val="tx1"/>
+                </a:solidFill>
+                <a:effectLst/>
+                <a:latin typeface="+mn-lt"/>
+                <a:ea typeface="+mn-ea"/>
+                <a:cs typeface="+mn-cs"/>
+              </a:rPr>
+              <a:t>Vsomeip.json</a:t>
+            </a:r>
+            <a:r>
+              <a:rPr lang="en-US" sz="1200" b="0" i="0" kern="1200" dirty="0" smtClean="0">
+                <a:solidFill>
+                  <a:schemeClr val="tx1"/>
+                </a:solidFill>
+                <a:effectLst/>
+                <a:latin typeface="+mn-lt"/>
+                <a:ea typeface="+mn-ea"/>
+                <a:cs typeface="+mn-cs"/>
+              </a:rPr>
+              <a:t>: https://github.com/COVESA/vsomeip/blob/master/documentation/vsomeipConfiguration.md</a:t>
+            </a:r>
+            <a:endParaRPr lang="en-US" sz="1200" b="0" i="0" kern="1200" dirty="0" smtClean="0">
+              <a:solidFill>
+                <a:schemeClr val="tx1"/>
+              </a:solidFill>
+              <a:effectLst/>
+              <a:latin typeface="+mn-lt"/>
+              <a:ea typeface="+mn-ea"/>
+              <a:cs typeface="+mn-cs"/>
+            </a:endParaRPr>
+          </a:p>
+          <a:p>
             <a:endParaRPr lang="en-US" dirty="0" smtClean="0"/>
-          </a:p>
-          <a:p>
-            <a:r>
-              <a:rPr lang="en-US" dirty="0" smtClean="0"/>
-              <a:t>https://github.com/COVESA/vsomeip/wiki/vsomeip-in-10-minutes</a:t>
-            </a:r>
-            <a:endParaRPr lang="en-US" dirty="0"/>
-          </a:p>
-        </p:txBody>
-      </p:sp>
-      <p:sp>
-        <p:nvSpPr>
-          <p:cNvPr id="4" name="Slide Number Placeholder 3"/>
-          <p:cNvSpPr>
-            <a:spLocks noGrp="1"/>
-          </p:cNvSpPr>
-          <p:nvPr>
-            <p:ph type="sldNum" sz="quarter" idx="10"/>
-          </p:nvPr>
-        </p:nvSpPr>
-        <p:spPr/>
-        <p:txBody>
-          <a:bodyPr/>
-          <a:lstStyle/>
-          <a:p>
-            <a:fld id="{177F5824-DBE3-4687-A20D-2C35C275B368}" type="slidenum">
-              <a:rPr lang="en-US" smtClean="0"/>
-              <a:t>11</a:t>
-            </a:fld>
-            <a:endParaRPr lang="en-US"/>
           </a:p>
         </p:txBody>
       </p:sp>
     </p:spTree>
     <p:extLst>
       <p:ext uri="{BB962C8B-B14F-4D97-AF65-F5344CB8AC3E}">
-        <p14:creationId xmlns:p14="http://schemas.microsoft.com/office/powerpoint/2010/main" val="2384462642"/>
+        <p14:creationId xmlns:p14="http://schemas.microsoft.com/office/powerpoint/2010/main" val="2013136425"/>
       </p:ext>
     </p:extLst>
   </p:cSld>
@@ -2475,65 +2657,21 @@
           <a:bodyPr/>
           <a:lstStyle/>
           <a:p>
+            <a:endParaRPr lang="en-US" dirty="0" smtClean="0"/>
+          </a:p>
+          <a:p>
             <a:r>
               <a:rPr lang="en-US" dirty="0" smtClean="0"/>
-              <a:t>https://aws.amazon.com/what-is/service-oriented-architecture</a:t>
-            </a:r>
-            <a:r>
-              <a:rPr lang="en-US" dirty="0" smtClean="0"/>
-              <a:t>/</a:t>
-            </a:r>
-          </a:p>
-          <a:p>
-            <a:r>
-              <a:rPr lang="en-US" dirty="0" smtClean="0"/>
-              <a:t>https://github.com/COVESA/vsomeip/tree/master/documentation</a:t>
-            </a:r>
-            <a:endParaRPr lang="en-US" dirty="0" smtClean="0"/>
-          </a:p>
-          <a:p>
-            <a:endParaRPr lang="en-US" sz="1200" b="0" i="0" kern="1200" dirty="0" smtClean="0">
-              <a:solidFill>
-                <a:schemeClr val="tx1"/>
-              </a:solidFill>
-              <a:effectLst/>
-              <a:latin typeface="+mn-lt"/>
-              <a:ea typeface="+mn-ea"/>
-              <a:cs typeface="+mn-cs"/>
-            </a:endParaRPr>
-          </a:p>
-          <a:p>
-            <a:endParaRPr lang="en-US" dirty="0" smtClean="0"/>
-          </a:p>
-        </p:txBody>
-      </p:sp>
-      <p:sp>
-        <p:nvSpPr>
-          <p:cNvPr id="4" name="Slide Number Placeholder 3"/>
-          <p:cNvSpPr>
-            <a:spLocks noGrp="1"/>
-          </p:cNvSpPr>
-          <p:nvPr>
-            <p:ph type="sldNum" sz="quarter" idx="10"/>
-          </p:nvPr>
-        </p:nvSpPr>
-        <p:spPr/>
-        <p:txBody>
-          <a:bodyPr/>
-          <a:lstStyle/>
-          <a:p>
-            <a:fld id="{177F5824-DBE3-4687-A20D-2C35C275B368}" type="slidenum">
-              <a:rPr lang="en-US" smtClean="0"/>
-              <a:t>12</a:t>
-            </a:fld>
-            <a:endParaRPr lang="en-US"/>
+              <a:t>https://github.com/COVESA/vsomeip/wiki/vsomeip-in-10-minutes</a:t>
+            </a:r>
+            <a:endParaRPr lang="en-US" dirty="0"/>
           </a:p>
         </p:txBody>
       </p:sp>
     </p:spTree>
     <p:extLst>
       <p:ext uri="{BB962C8B-B14F-4D97-AF65-F5344CB8AC3E}">
-        <p14:creationId xmlns:p14="http://schemas.microsoft.com/office/powerpoint/2010/main" val="2013136425"/>
+        <p14:creationId xmlns:p14="http://schemas.microsoft.com/office/powerpoint/2010/main" val="2384462642"/>
       </p:ext>
     </p:extLst>
   </p:cSld>
@@ -2587,32 +2725,67 @@
           <a:bodyPr/>
           <a:lstStyle/>
           <a:p>
+            <a:endParaRPr lang="en-US" dirty="0" smtClean="0"/>
+          </a:p>
+          <a:p>
             <a:r>
               <a:rPr lang="en-US" dirty="0" smtClean="0"/>
-              <a:t>https://aws.amazon.com/what-is/service-oriented-architecture</a:t>
-            </a:r>
-            <a:r>
-              <a:rPr lang="en-US" dirty="0" smtClean="0"/>
-              <a:t>/</a:t>
-            </a:r>
-          </a:p>
-          <a:p>
-            <a:r>
-              <a:rPr lang="en-US" dirty="0" smtClean="0"/>
-              <a:t>https://github.com/COVESA/vsomeip/tree/master/documentation</a:t>
-            </a:r>
-            <a:endParaRPr lang="en-US" dirty="0" smtClean="0"/>
-          </a:p>
-        </p:txBody>
-      </p:sp>
-      <p:sp>
-        <p:nvSpPr>
-          <p:cNvPr id="4" name="Slide Number Placeholder 3"/>
+              <a:t>https://github.com/COVESA/vsomeip/wiki/vsomeip-in-10-minutes</a:t>
+            </a:r>
+            <a:endParaRPr lang="en-US" dirty="0"/>
+          </a:p>
+        </p:txBody>
+      </p:sp>
+    </p:spTree>
+    <p:extLst>
+      <p:ext uri="{BB962C8B-B14F-4D97-AF65-F5344CB8AC3E}">
+        <p14:creationId xmlns:p14="http://schemas.microsoft.com/office/powerpoint/2010/main" val="2499936270"/>
+      </p:ext>
+    </p:extLst>
+  </p:cSld>
+  <p:clrMapOvr>
+    <a:masterClrMapping/>
+  </p:clrMapOvr>
+</p:notes>
+</file>
+
+<file path=ppt/notesSlides/notesSlide14.xml><?xml version="1.0" encoding="utf-8"?>
+<p:notes xmlns:a="http://schemas.openxmlformats.org/drawingml/2006/main" xmlns:r="http://schemas.openxmlformats.org/officeDocument/2006/relationships" xmlns:p="http://schemas.openxmlformats.org/presentationml/2006/main">
+  <p:cSld>
+    <p:spTree>
+      <p:nvGrpSpPr>
+        <p:cNvPr id="1" name=""/>
+        <p:cNvGrpSpPr/>
+        <p:nvPr/>
+      </p:nvGrpSpPr>
+      <p:grpSpPr>
+        <a:xfrm>
+          <a:off x="0" y="0"/>
+          <a:ext cx="0" cy="0"/>
+          <a:chOff x="0" y="0"/>
+          <a:chExt cx="0" cy="0"/>
+        </a:xfrm>
+      </p:grpSpPr>
+      <p:sp>
+        <p:nvSpPr>
+          <p:cNvPr id="2" name="Slide Image Placeholder 1"/>
+          <p:cNvSpPr>
+            <a:spLocks noGrp="1" noRot="1" noChangeAspect="1"/>
+          </p:cNvSpPr>
+          <p:nvPr>
+            <p:ph type="sldImg"/>
+          </p:nvPr>
+        </p:nvSpPr>
+        <p:spPr/>
+      </p:sp>
+      <p:sp>
+        <p:nvSpPr>
+          <p:cNvPr id="3" name="Notes Placeholder 2"/>
           <p:cNvSpPr>
             <a:spLocks noGrp="1"/>
           </p:cNvSpPr>
           <p:nvPr>
-            <p:ph type="sldNum" sz="quarter" idx="10"/>
+            <p:ph type="body" idx="1"/>
           </p:nvPr>
         </p:nvSpPr>
         <p:spPr/>
@@ -2620,11 +2793,16 @@
           <a:bodyPr/>
           <a:lstStyle/>
           <a:p>
-            <a:fld id="{177F5824-DBE3-4687-A20D-2C35C275B368}" type="slidenum">
-              <a:rPr lang="en-US" smtClean="0"/>
-              <a:t>13</a:t>
-            </a:fld>
-            <a:endParaRPr lang="en-US"/>
+            <a:r>
+              <a:rPr lang="en-US" dirty="0" smtClean="0"/>
+              <a:t>https://aws.amazon.com/what-is/service-oriented-architecture/</a:t>
+            </a:r>
+          </a:p>
+          <a:p>
+            <a:r>
+              <a:rPr lang="en-US" dirty="0" smtClean="0"/>
+              <a:t>https://github.com/COVESA/vsomeip/tree/master/documentation</a:t>
+            </a:r>
           </a:p>
         </p:txBody>
       </p:sp>
@@ -2632,6 +2810,146 @@
     <p:extLst>
       <p:ext uri="{BB962C8B-B14F-4D97-AF65-F5344CB8AC3E}">
         <p14:creationId xmlns:p14="http://schemas.microsoft.com/office/powerpoint/2010/main" val="3886056448"/>
+      </p:ext>
+    </p:extLst>
+  </p:cSld>
+  <p:clrMapOvr>
+    <a:masterClrMapping/>
+  </p:clrMapOvr>
+</p:notes>
+</file>
+
+<file path=ppt/notesSlides/notesSlide15.xml><?xml version="1.0" encoding="utf-8"?>
+<p:notes xmlns:a="http://schemas.openxmlformats.org/drawingml/2006/main" xmlns:r="http://schemas.openxmlformats.org/officeDocument/2006/relationships" xmlns:p="http://schemas.openxmlformats.org/presentationml/2006/main">
+  <p:cSld>
+    <p:spTree>
+      <p:nvGrpSpPr>
+        <p:cNvPr id="1" name=""/>
+        <p:cNvGrpSpPr/>
+        <p:nvPr/>
+      </p:nvGrpSpPr>
+      <p:grpSpPr>
+        <a:xfrm>
+          <a:off x="0" y="0"/>
+          <a:ext cx="0" cy="0"/>
+          <a:chOff x="0" y="0"/>
+          <a:chExt cx="0" cy="0"/>
+        </a:xfrm>
+      </p:grpSpPr>
+      <p:sp>
+        <p:nvSpPr>
+          <p:cNvPr id="2" name="Slide Image Placeholder 1"/>
+          <p:cNvSpPr>
+            <a:spLocks noGrp="1" noRot="1" noChangeAspect="1"/>
+          </p:cNvSpPr>
+          <p:nvPr>
+            <p:ph type="sldImg"/>
+          </p:nvPr>
+        </p:nvSpPr>
+        <p:spPr/>
+      </p:sp>
+      <p:sp>
+        <p:nvSpPr>
+          <p:cNvPr id="3" name="Notes Placeholder 2"/>
+          <p:cNvSpPr>
+            <a:spLocks noGrp="1"/>
+          </p:cNvSpPr>
+          <p:nvPr>
+            <p:ph type="body" idx="1"/>
+          </p:nvPr>
+        </p:nvSpPr>
+        <p:spPr/>
+        <p:txBody>
+          <a:bodyPr/>
+          <a:lstStyle/>
+          <a:p>
+            <a:r>
+              <a:rPr lang="en-US" dirty="0" smtClean="0"/>
+              <a:t>https://aws.amazon.com/what-is/service-oriented-architecture/</a:t>
+            </a:r>
+          </a:p>
+          <a:p>
+            <a:r>
+              <a:rPr lang="en-US" dirty="0" smtClean="0"/>
+              <a:t>https://github.com/COVESA/vsomeip/tree/master/documentation</a:t>
+            </a:r>
+          </a:p>
+        </p:txBody>
+      </p:sp>
+    </p:spTree>
+    <p:extLst>
+      <p:ext uri="{BB962C8B-B14F-4D97-AF65-F5344CB8AC3E}">
+        <p14:creationId xmlns:p14="http://schemas.microsoft.com/office/powerpoint/2010/main" val="3813032156"/>
+      </p:ext>
+    </p:extLst>
+  </p:cSld>
+  <p:clrMapOvr>
+    <a:masterClrMapping/>
+  </p:clrMapOvr>
+</p:notes>
+</file>
+
+<file path=ppt/notesSlides/notesSlide16.xml><?xml version="1.0" encoding="utf-8"?>
+<p:notes xmlns:a="http://schemas.openxmlformats.org/drawingml/2006/main" xmlns:r="http://schemas.openxmlformats.org/officeDocument/2006/relationships" xmlns:p="http://schemas.openxmlformats.org/presentationml/2006/main">
+  <p:cSld>
+    <p:spTree>
+      <p:nvGrpSpPr>
+        <p:cNvPr id="1" name=""/>
+        <p:cNvGrpSpPr/>
+        <p:nvPr/>
+      </p:nvGrpSpPr>
+      <p:grpSpPr>
+        <a:xfrm>
+          <a:off x="0" y="0"/>
+          <a:ext cx="0" cy="0"/>
+          <a:chOff x="0" y="0"/>
+          <a:chExt cx="0" cy="0"/>
+        </a:xfrm>
+      </p:grpSpPr>
+      <p:sp>
+        <p:nvSpPr>
+          <p:cNvPr id="2" name="Slide Image Placeholder 1"/>
+          <p:cNvSpPr>
+            <a:spLocks noGrp="1" noRot="1" noChangeAspect="1"/>
+          </p:cNvSpPr>
+          <p:nvPr>
+            <p:ph type="sldImg"/>
+          </p:nvPr>
+        </p:nvSpPr>
+        <p:spPr/>
+      </p:sp>
+      <p:sp>
+        <p:nvSpPr>
+          <p:cNvPr id="3" name="Notes Placeholder 2"/>
+          <p:cNvSpPr>
+            <a:spLocks noGrp="1"/>
+          </p:cNvSpPr>
+          <p:nvPr>
+            <p:ph type="body" idx="1"/>
+          </p:nvPr>
+        </p:nvSpPr>
+        <p:spPr/>
+        <p:txBody>
+          <a:bodyPr/>
+          <a:lstStyle/>
+          <a:p>
+            <a:r>
+              <a:rPr lang="en-US" dirty="0" smtClean="0"/>
+              <a:t>https://aws.amazon.com/what-is/service-oriented-architecture/</a:t>
+            </a:r>
+          </a:p>
+          <a:p>
+            <a:r>
+              <a:rPr lang="en-US" dirty="0" smtClean="0"/>
+              <a:t>https://github.com/COVESA/vsomeip/tree/master/documentation</a:t>
+            </a:r>
+          </a:p>
+        </p:txBody>
+      </p:sp>
+    </p:spTree>
+    <p:extLst>
+      <p:ext uri="{BB962C8B-B14F-4D97-AF65-F5344CB8AC3E}">
+        <p14:creationId xmlns:p14="http://schemas.microsoft.com/office/powerpoint/2010/main" val="613017959"/>
       </p:ext>
     </p:extLst>
   </p:cSld>
@@ -2690,29 +3008,6 @@
               <a:t>https://some-ip.com/papers/2024-AEC_Ampere_TechnicaEngineering_-_SOMEIP-next-10-years_final_v1.1a.pdf</a:t>
             </a:r>
             <a:endParaRPr lang="en-US" dirty="0"/>
-          </a:p>
-        </p:txBody>
-      </p:sp>
-      <p:sp>
-        <p:nvSpPr>
-          <p:cNvPr id="4" name="Slide Number Placeholder 3"/>
-          <p:cNvSpPr>
-            <a:spLocks noGrp="1"/>
-          </p:cNvSpPr>
-          <p:nvPr>
-            <p:ph type="sldNum" sz="quarter" idx="10"/>
-          </p:nvPr>
-        </p:nvSpPr>
-        <p:spPr/>
-        <p:txBody>
-          <a:bodyPr/>
-          <a:lstStyle/>
-          <a:p>
-            <a:fld id="{177F5824-DBE3-4687-A20D-2C35C275B368}" type="slidenum">
-              <a:rPr lang="en-US" smtClean="0"/>
-              <a:t>2</a:t>
-            </a:fld>
-            <a:endParaRPr lang="en-US"/>
           </a:p>
         </p:txBody>
       </p:sp>
@@ -2781,29 +3076,6 @@
           </a:p>
         </p:txBody>
       </p:sp>
-      <p:sp>
-        <p:nvSpPr>
-          <p:cNvPr id="4" name="Slide Number Placeholder 3"/>
-          <p:cNvSpPr>
-            <a:spLocks noGrp="1"/>
-          </p:cNvSpPr>
-          <p:nvPr>
-            <p:ph type="sldNum" sz="quarter" idx="10"/>
-          </p:nvPr>
-        </p:nvSpPr>
-        <p:spPr/>
-        <p:txBody>
-          <a:bodyPr/>
-          <a:lstStyle/>
-          <a:p>
-            <a:fld id="{177F5824-DBE3-4687-A20D-2C35C275B368}" type="slidenum">
-              <a:rPr lang="en-US" smtClean="0"/>
-              <a:t>3</a:t>
-            </a:fld>
-            <a:endParaRPr lang="en-US"/>
-          </a:p>
-        </p:txBody>
-      </p:sp>
     </p:spTree>
     <p:extLst>
       <p:ext uri="{BB962C8B-B14F-4D97-AF65-F5344CB8AC3E}">
@@ -2977,29 +3249,6 @@
           </a:p>
         </p:txBody>
       </p:sp>
-      <p:sp>
-        <p:nvSpPr>
-          <p:cNvPr id="4" name="Slide Number Placeholder 3"/>
-          <p:cNvSpPr>
-            <a:spLocks noGrp="1"/>
-          </p:cNvSpPr>
-          <p:nvPr>
-            <p:ph type="sldNum" sz="quarter" idx="10"/>
-          </p:nvPr>
-        </p:nvSpPr>
-        <p:spPr/>
-        <p:txBody>
-          <a:bodyPr/>
-          <a:lstStyle/>
-          <a:p>
-            <a:fld id="{177F5824-DBE3-4687-A20D-2C35C275B368}" type="slidenum">
-              <a:rPr lang="en-US" smtClean="0"/>
-              <a:t>4</a:t>
-            </a:fld>
-            <a:endParaRPr lang="en-US"/>
-          </a:p>
-        </p:txBody>
-      </p:sp>
     </p:spTree>
     <p:extLst>
       <p:ext uri="{BB962C8B-B14F-4D97-AF65-F5344CB8AC3E}">
@@ -3173,29 +3422,6 @@
           </a:p>
         </p:txBody>
       </p:sp>
-      <p:sp>
-        <p:nvSpPr>
-          <p:cNvPr id="4" name="Slide Number Placeholder 3"/>
-          <p:cNvSpPr>
-            <a:spLocks noGrp="1"/>
-          </p:cNvSpPr>
-          <p:nvPr>
-            <p:ph type="sldNum" sz="quarter" idx="10"/>
-          </p:nvPr>
-        </p:nvSpPr>
-        <p:spPr/>
-        <p:txBody>
-          <a:bodyPr/>
-          <a:lstStyle/>
-          <a:p>
-            <a:fld id="{177F5824-DBE3-4687-A20D-2C35C275B368}" type="slidenum">
-              <a:rPr lang="en-US" smtClean="0"/>
-              <a:t>5</a:t>
-            </a:fld>
-            <a:endParaRPr lang="en-US"/>
-          </a:p>
-        </p:txBody>
-      </p:sp>
     </p:spTree>
     <p:extLst>
       <p:ext uri="{BB962C8B-B14F-4D97-AF65-F5344CB8AC3E}">
@@ -3261,29 +3487,6 @@
           </a:p>
         </p:txBody>
       </p:sp>
-      <p:sp>
-        <p:nvSpPr>
-          <p:cNvPr id="4" name="Slide Number Placeholder 3"/>
-          <p:cNvSpPr>
-            <a:spLocks noGrp="1"/>
-          </p:cNvSpPr>
-          <p:nvPr>
-            <p:ph type="sldNum" sz="quarter" idx="10"/>
-          </p:nvPr>
-        </p:nvSpPr>
-        <p:spPr/>
-        <p:txBody>
-          <a:bodyPr/>
-          <a:lstStyle/>
-          <a:p>
-            <a:fld id="{177F5824-DBE3-4687-A20D-2C35C275B368}" type="slidenum">
-              <a:rPr lang="en-US" smtClean="0"/>
-              <a:t>6</a:t>
-            </a:fld>
-            <a:endParaRPr lang="en-US"/>
-          </a:p>
-        </p:txBody>
-      </p:sp>
     </p:spTree>
     <p:extLst>
       <p:ext uri="{BB962C8B-B14F-4D97-AF65-F5344CB8AC3E}">
@@ -3349,29 +3552,6 @@
           </a:p>
         </p:txBody>
       </p:sp>
-      <p:sp>
-        <p:nvSpPr>
-          <p:cNvPr id="4" name="Slide Number Placeholder 3"/>
-          <p:cNvSpPr>
-            <a:spLocks noGrp="1"/>
-          </p:cNvSpPr>
-          <p:nvPr>
-            <p:ph type="sldNum" sz="quarter" idx="10"/>
-          </p:nvPr>
-        </p:nvSpPr>
-        <p:spPr/>
-        <p:txBody>
-          <a:bodyPr/>
-          <a:lstStyle/>
-          <a:p>
-            <a:fld id="{177F5824-DBE3-4687-A20D-2C35C275B368}" type="slidenum">
-              <a:rPr lang="en-US" smtClean="0"/>
-              <a:t>7</a:t>
-            </a:fld>
-            <a:endParaRPr lang="en-US"/>
-          </a:p>
-        </p:txBody>
-      </p:sp>
     </p:spTree>
     <p:extLst>
       <p:ext uri="{BB962C8B-B14F-4D97-AF65-F5344CB8AC3E}">
@@ -3437,29 +3617,6 @@
           </a:p>
         </p:txBody>
       </p:sp>
-      <p:sp>
-        <p:nvSpPr>
-          <p:cNvPr id="4" name="Slide Number Placeholder 3"/>
-          <p:cNvSpPr>
-            <a:spLocks noGrp="1"/>
-          </p:cNvSpPr>
-          <p:nvPr>
-            <p:ph type="sldNum" sz="quarter" idx="10"/>
-          </p:nvPr>
-        </p:nvSpPr>
-        <p:spPr/>
-        <p:txBody>
-          <a:bodyPr/>
-          <a:lstStyle/>
-          <a:p>
-            <a:fld id="{177F5824-DBE3-4687-A20D-2C35C275B368}" type="slidenum">
-              <a:rPr lang="en-US" smtClean="0"/>
-              <a:t>8</a:t>
-            </a:fld>
-            <a:endParaRPr lang="en-US"/>
-          </a:p>
-        </p:txBody>
-      </p:sp>
     </p:spTree>
     <p:extLst>
       <p:ext uri="{BB962C8B-B14F-4D97-AF65-F5344CB8AC3E}">
@@ -3522,29 +3679,6 @@
               <a:t>https://www.accuratetechnologies.com/blog/post/automotive-ethernet-vs.-regular-ethernet</a:t>
             </a:r>
             <a:endParaRPr lang="en-US" dirty="0"/>
-          </a:p>
-        </p:txBody>
-      </p:sp>
-      <p:sp>
-        <p:nvSpPr>
-          <p:cNvPr id="4" name="Slide Number Placeholder 3"/>
-          <p:cNvSpPr>
-            <a:spLocks noGrp="1"/>
-          </p:cNvSpPr>
-          <p:nvPr>
-            <p:ph type="sldNum" sz="quarter" idx="10"/>
-          </p:nvPr>
-        </p:nvSpPr>
-        <p:spPr/>
-        <p:txBody>
-          <a:bodyPr/>
-          <a:lstStyle/>
-          <a:p>
-            <a:fld id="{177F5824-DBE3-4687-A20D-2C35C275B368}" type="slidenum">
-              <a:rPr lang="en-US" smtClean="0"/>
-              <a:t>9</a:t>
-            </a:fld>
-            <a:endParaRPr lang="en-US"/>
           </a:p>
         </p:txBody>
       </p:sp>
@@ -3704,10 +3838,6 @@
           <a:bodyPr/>
           <a:lstStyle/>
           <a:p>
-            <a:fld id="{98A9690E-B08A-49D2-B1A5-6D8B652C5443}" type="datetimeFigureOut">
-              <a:rPr lang="en-US" smtClean="0"/>
-              <a:t>10/10/2025</a:t>
-            </a:fld>
             <a:endParaRPr lang="en-US"/>
           </a:p>
         </p:txBody>
@@ -3921,10 +4051,6 @@
           <a:bodyPr/>
           <a:lstStyle/>
           <a:p>
-            <a:fld id="{98A9690E-B08A-49D2-B1A5-6D8B652C5443}" type="datetimeFigureOut">
-              <a:rPr lang="en-US" smtClean="0"/>
-              <a:t>10/10/2025</a:t>
-            </a:fld>
             <a:endParaRPr lang="en-US"/>
           </a:p>
         </p:txBody>
@@ -4131,10 +4257,6 @@
           <a:bodyPr/>
           <a:lstStyle/>
           <a:p>
-            <a:fld id="{98A9690E-B08A-49D2-B1A5-6D8B652C5443}" type="datetimeFigureOut">
-              <a:rPr lang="en-US" smtClean="0"/>
-              <a:t>10/10/2025</a:t>
-            </a:fld>
             <a:endParaRPr lang="en-US"/>
           </a:p>
         </p:txBody>
@@ -4345,10 +4467,6 @@
           <a:bodyPr/>
           <a:lstStyle/>
           <a:p>
-            <a:fld id="{98A9690E-B08A-49D2-B1A5-6D8B652C5443}" type="datetimeFigureOut">
-              <a:rPr lang="en-US" smtClean="0"/>
-              <a:t>10/10/2025</a:t>
-            </a:fld>
             <a:endParaRPr lang="en-US"/>
           </a:p>
         </p:txBody>
@@ -4626,10 +4744,6 @@
           <a:bodyPr/>
           <a:lstStyle/>
           <a:p>
-            <a:fld id="{98A9690E-B08A-49D2-B1A5-6D8B652C5443}" type="datetimeFigureOut">
-              <a:rPr lang="en-US" smtClean="0"/>
-              <a:t>10/10/2025</a:t>
-            </a:fld>
             <a:endParaRPr lang="en-US"/>
           </a:p>
         </p:txBody>
@@ -4896,10 +5010,6 @@
           <a:bodyPr/>
           <a:lstStyle/>
           <a:p>
-            <a:fld id="{98A9690E-B08A-49D2-B1A5-6D8B652C5443}" type="datetimeFigureOut">
-              <a:rPr lang="en-US" smtClean="0"/>
-              <a:t>10/10/2025</a:t>
-            </a:fld>
             <a:endParaRPr lang="en-US"/>
           </a:p>
         </p:txBody>
@@ -5302,10 +5412,6 @@
           <a:bodyPr/>
           <a:lstStyle/>
           <a:p>
-            <a:fld id="{98A9690E-B08A-49D2-B1A5-6D8B652C5443}" type="datetimeFigureOut">
-              <a:rPr lang="en-US" smtClean="0"/>
-              <a:t>10/10/2025</a:t>
-            </a:fld>
             <a:endParaRPr lang="en-US"/>
           </a:p>
         </p:txBody>
@@ -5452,10 +5558,6 @@
           <a:bodyPr/>
           <a:lstStyle/>
           <a:p>
-            <a:fld id="{98A9690E-B08A-49D2-B1A5-6D8B652C5443}" type="datetimeFigureOut">
-              <a:rPr lang="en-US" smtClean="0"/>
-              <a:t>10/10/2025</a:t>
-            </a:fld>
             <a:endParaRPr lang="en-US"/>
           </a:p>
         </p:txBody>
@@ -5571,10 +5673,6 @@
           <a:bodyPr/>
           <a:lstStyle/>
           <a:p>
-            <a:fld id="{98A9690E-B08A-49D2-B1A5-6D8B652C5443}" type="datetimeFigureOut">
-              <a:rPr lang="en-US" smtClean="0"/>
-              <a:t>10/10/2025</a:t>
-            </a:fld>
             <a:endParaRPr lang="en-US"/>
           </a:p>
         </p:txBody>
@@ -5888,10 +5986,6 @@
           <a:bodyPr/>
           <a:lstStyle/>
           <a:p>
-            <a:fld id="{98A9690E-B08A-49D2-B1A5-6D8B652C5443}" type="datetimeFigureOut">
-              <a:rPr lang="en-US" smtClean="0"/>
-              <a:t>10/10/2025</a:t>
-            </a:fld>
             <a:endParaRPr lang="en-US"/>
           </a:p>
         </p:txBody>
@@ -6178,10 +6272,6 @@
           <a:bodyPr/>
           <a:lstStyle/>
           <a:p>
-            <a:fld id="{98A9690E-B08A-49D2-B1A5-6D8B652C5443}" type="datetimeFigureOut">
-              <a:rPr lang="en-US" smtClean="0"/>
-              <a:t>10/10/2025</a:t>
-            </a:fld>
             <a:endParaRPr lang="en-US"/>
           </a:p>
         </p:txBody>
@@ -6359,47 +6449,6 @@
           </a:p>
         </p:txBody>
       </p:sp>
-      <p:sp>
-        <p:nvSpPr>
-          <p:cNvPr id="2" name="Slide Number Placeholder 1"/>
-          <p:cNvSpPr>
-            <a:spLocks noGrp="1"/>
-          </p:cNvSpPr>
-          <p:nvPr>
-            <p:ph type="sldNum" sz="quarter" idx="4"/>
-          </p:nvPr>
-        </p:nvSpPr>
-        <p:spPr>
-          <a:xfrm>
-            <a:off x="6457950" y="6356350"/>
-            <a:ext cx="2057400" cy="365125"/>
-          </a:xfrm>
-          <a:prstGeom prst="rect">
-            <a:avLst/>
-          </a:prstGeom>
-        </p:spPr>
-        <p:txBody>
-          <a:bodyPr vert="horz" lIns="91440" tIns="45720" rIns="91440" bIns="45720" rtlCol="0" anchor="ctr"/>
-          <a:lstStyle>
-            <a:lvl1pPr algn="r">
-              <a:defRPr sz="1200">
-                <a:solidFill>
-                  <a:schemeClr val="tx1">
-                    <a:tint val="75000"/>
-                  </a:schemeClr>
-                </a:solidFill>
-              </a:defRPr>
-            </a:lvl1pPr>
-          </a:lstStyle>
-          <a:p>
-            <a:r>
-              <a:rPr lang="en-US" dirty="0" smtClean="0"/>
-              <a:t>1</a:t>
-            </a:r>
-            <a:endParaRPr lang="en-US" dirty="0"/>
-          </a:p>
-        </p:txBody>
-      </p:sp>
     </p:spTree>
     <p:extLst>
       <p:ext uri="{BB962C8B-B14F-4D97-AF65-F5344CB8AC3E}">
@@ -6428,6 +6477,7 @@
       </p:par>
     </p:tnLst>
   </p:timing>
+  <p:hf hdr="0" ftr="0" dt="0"/>
   <p:txStyles>
     <p:titleStyle>
       <a:lvl1pPr algn="l" defTabSz="914400" rtl="0" eaLnBrk="1" latinLnBrk="0" hangingPunct="1">
@@ -6755,11 +6805,7 @@
             </a:pPr>
             <a:r>
               <a:rPr lang="en-US" b="1" dirty="0" smtClean="0"/>
-              <a:t>SOME/IP </a:t>
-            </a:r>
-            <a:r>
-              <a:rPr lang="en-US" b="1" dirty="0" smtClean="0"/>
-              <a:t>introduction</a:t>
+              <a:t>SOME/IP introduction</a:t>
             </a:r>
             <a:r>
               <a:rPr lang="en-US" b="1" dirty="0"/>
@@ -6855,12 +6901,8 @@
               <a:buChar char="ü"/>
             </a:pPr>
             <a:r>
-              <a:rPr lang="en-US" b="1" dirty="0"/>
-              <a:t>Message </a:t>
-            </a:r>
-            <a:r>
               <a:rPr lang="en-US" b="1" dirty="0" smtClean="0"/>
-              <a:t>Format</a:t>
+              <a:t>SOME/IP Message Format</a:t>
             </a:r>
           </a:p>
           <a:p>
@@ -6913,14 +6955,13 @@
               <a:t>RPC (Remote </a:t>
             </a:r>
             <a:r>
-              <a:rPr lang="en-US" b="1" dirty="0" err="1" smtClean="0"/>
-              <a:t>proceduce</a:t>
-            </a:r>
-            <a:r>
               <a:rPr lang="en-US" b="1" dirty="0" smtClean="0"/>
-              <a:t> call)</a:t>
-            </a:r>
-            <a:endParaRPr lang="en-US" b="1" dirty="0" smtClean="0"/>
+              <a:t>procedure </a:t>
+            </a:r>
+            <a:r>
+              <a:rPr lang="en-US" b="1" dirty="0" smtClean="0"/>
+              <a:t>call)</a:t>
+            </a:r>
           </a:p>
           <a:p>
             <a:pPr marL="342900" indent="-342900">
@@ -7006,6 +7047,87 @@
           </a:p>
           <a:p>
             <a:endParaRPr lang="en-US" dirty="0" smtClean="0"/>
+          </a:p>
+        </p:txBody>
+      </p:sp>
+      <p:sp>
+        <p:nvSpPr>
+          <p:cNvPr id="2" name="TextBox 1"/>
+          <p:cNvSpPr txBox="1"/>
+          <p:nvPr/>
+        </p:nvSpPr>
+        <p:spPr>
+          <a:xfrm>
+            <a:off x="2224584" y="5360894"/>
+            <a:ext cx="4790927" cy="646331"/>
+          </a:xfrm>
+          <a:prstGeom prst="rect">
+            <a:avLst/>
+          </a:prstGeom>
+          <a:noFill/>
+        </p:spPr>
+        <p:txBody>
+          <a:bodyPr wrap="none" rtlCol="0">
+            <a:spAutoFit/>
+          </a:bodyPr>
+          <a:lstStyle/>
+          <a:p>
+            <a:r>
+              <a:rPr lang="en-US" dirty="0">
+                <a:hlinkClick r:id="rId3"/>
+              </a:rPr>
+              <a:t>https://</a:t>
+            </a:r>
+            <a:r>
+              <a:rPr lang="en-US" dirty="0" smtClean="0">
+                <a:hlinkClick r:id="rId3"/>
+              </a:rPr>
+              <a:t>github.com/minhthedt/vsomeip-example</a:t>
+            </a:r>
+            <a:endParaRPr lang="en-US" dirty="0" smtClean="0"/>
+          </a:p>
+          <a:p>
+            <a:endParaRPr lang="en-US" dirty="0" smtClean="0"/>
+          </a:p>
+        </p:txBody>
+      </p:sp>
+      <p:sp>
+        <p:nvSpPr>
+          <p:cNvPr id="9" name="Slide Number Placeholder 8"/>
+          <p:cNvSpPr>
+            <a:spLocks noGrp="1"/>
+          </p:cNvSpPr>
+          <p:nvPr>
+            <p:ph type="sldNum" sz="quarter" idx="12"/>
+          </p:nvPr>
+        </p:nvSpPr>
+        <p:spPr>
+          <a:xfrm>
+            <a:off x="8803986" y="6492875"/>
+            <a:ext cx="2057400" cy="365125"/>
+          </a:xfrm>
+        </p:spPr>
+        <p:txBody>
+          <a:bodyPr/>
+          <a:lstStyle/>
+          <a:p>
+            <a:fld id="{96C55251-E90D-44CC-8B75-53FCEE02E655}" type="slidenum">
+              <a:rPr lang="en-US" smtClean="0">
+                <a:solidFill>
+                  <a:schemeClr val="bg1">
+                    <a:lumMod val="50000"/>
+                  </a:schemeClr>
+                </a:solidFill>
+              </a:rPr>
+              <a:t>1</a:t>
+            </a:fld>
+            <a:endParaRPr lang="en-US" dirty="0">
+              <a:solidFill>
+                <a:schemeClr val="bg1">
+                  <a:lumMod val="50000"/>
+                </a:schemeClr>
+              </a:solidFill>
+            </a:endParaRPr>
           </a:p>
         </p:txBody>
       </p:sp>
@@ -8014,6 +8136,46 @@
           </a:p>
         </p:txBody>
       </p:sp>
+      <p:sp>
+        <p:nvSpPr>
+          <p:cNvPr id="21" name="Slide Number Placeholder 20"/>
+          <p:cNvSpPr>
+            <a:spLocks noGrp="1"/>
+          </p:cNvSpPr>
+          <p:nvPr>
+            <p:ph type="sldNum" sz="quarter" idx="12"/>
+          </p:nvPr>
+        </p:nvSpPr>
+        <p:spPr>
+          <a:xfrm>
+            <a:off x="8702387" y="6492875"/>
+            <a:ext cx="2057400" cy="365125"/>
+          </a:xfrm>
+        </p:spPr>
+        <p:txBody>
+          <a:bodyPr/>
+          <a:lstStyle/>
+          <a:p>
+            <a:fld id="{96C55251-E90D-44CC-8B75-53FCEE02E655}" type="slidenum">
+              <a:rPr lang="en-US" smtClean="0">
+                <a:solidFill>
+                  <a:schemeClr val="bg1">
+                    <a:lumMod val="50000"/>
+                  </a:schemeClr>
+                </a:solidFill>
+              </a:rPr>
+              <a:t>10</a:t>
+            </a:fld>
+            <a:endParaRPr lang="en-US" dirty="0">
+              <a:solidFill>
+                <a:schemeClr val="bg1">
+                  <a:lumMod val="50000"/>
+                </a:schemeClr>
+              </a:solidFill>
+            </a:endParaRPr>
+          </a:p>
+        </p:txBody>
+      </p:sp>
     </p:spTree>
     <p:extLst>
       <p:ext uri="{BB962C8B-B14F-4D97-AF65-F5344CB8AC3E}">
@@ -8053,6 +8215,55 @@
       </p:grpSpPr>
       <p:sp>
         <p:nvSpPr>
+          <p:cNvPr id="65" name="Rectangle 64"/>
+          <p:cNvSpPr/>
+          <p:nvPr/>
+        </p:nvSpPr>
+        <p:spPr>
+          <a:xfrm>
+            <a:off x="4063043" y="2323344"/>
+            <a:ext cx="1065404" cy="3123789"/>
+          </a:xfrm>
+          <a:prstGeom prst="rect">
+            <a:avLst/>
+          </a:prstGeom>
+          <a:solidFill>
+            <a:schemeClr val="bg1">
+              <a:lumMod val="75000"/>
+            </a:schemeClr>
+          </a:solidFill>
+        </p:spPr>
+        <p:style>
+          <a:lnRef idx="2">
+            <a:schemeClr val="accent1">
+              <a:shade val="50000"/>
+            </a:schemeClr>
+          </a:lnRef>
+          <a:fillRef idx="1">
+            <a:schemeClr val="accent1"/>
+          </a:fillRef>
+          <a:effectRef idx="0">
+            <a:schemeClr val="accent1"/>
+          </a:effectRef>
+          <a:fontRef idx="minor">
+            <a:schemeClr val="lt1"/>
+          </a:fontRef>
+        </p:style>
+        <p:txBody>
+          <a:bodyPr rtlCol="0" anchor="ctr"/>
+          <a:lstStyle/>
+          <a:p>
+            <a:pPr algn="ctr"/>
+            <a:r>
+              <a:rPr lang="en-US" dirty="0" smtClean="0"/>
+              <a:t>Ethernet</a:t>
+            </a:r>
+            <a:endParaRPr lang="en-US" dirty="0"/>
+          </a:p>
+        </p:txBody>
+      </p:sp>
+      <p:sp>
+        <p:nvSpPr>
           <p:cNvPr id="3" name="Content Placeholder 2"/>
           <p:cNvSpPr>
             <a:spLocks noGrp="1"/>
@@ -8076,11 +8287,7 @@
             </a:pPr>
             <a:r>
               <a:rPr lang="en-US" sz="2400" b="1" dirty="0"/>
-              <a:t>3</a:t>
-            </a:r>
-            <a:r>
-              <a:rPr lang="en-US" sz="2400" b="1" dirty="0" smtClean="0"/>
-              <a:t>. </a:t>
+              <a:t>3. </a:t>
             </a:r>
             <a:r>
               <a:rPr lang="en-US" sz="2400" b="1" dirty="0" err="1"/>
@@ -8099,7 +8306,7 @@
         <p:spPr>
           <a:xfrm>
             <a:off x="351940" y="948721"/>
-            <a:ext cx="2945996" cy="646331"/>
+            <a:ext cx="3846374" cy="369332"/>
           </a:xfrm>
           <a:prstGeom prst="rect">
             <a:avLst/>
@@ -8107,7 +8314,7 @@
           <a:noFill/>
         </p:spPr>
         <p:txBody>
-          <a:bodyPr wrap="square" rtlCol="0">
+          <a:bodyPr wrap="none" rtlCol="0">
             <a:spAutoFit/>
           </a:bodyPr>
           <a:lstStyle/>
@@ -8117,85 +8324,837 @@
               <a:buChar char="Ø"/>
             </a:pPr>
             <a:r>
-              <a:rPr lang="en-US" dirty="0"/>
-              <a:t>SOME/IP </a:t>
-            </a:r>
-            <a:r>
               <a:rPr lang="en-US" dirty="0" smtClean="0"/>
-              <a:t>Message </a:t>
-            </a:r>
-            <a:r>
-              <a:rPr lang="en-US" dirty="0"/>
-              <a:t>Format</a:t>
-            </a:r>
-          </a:p>
-          <a:p>
-            <a:pPr marL="285750" indent="-285750">
-              <a:buFont typeface="Wingdings" panose="05000000000000000000" pitchFamily="2" charset="2"/>
-              <a:buChar char="Ø"/>
-            </a:pPr>
+              <a:t>Service-Oriented Architecture (SOA)</a:t>
+            </a:r>
+            <a:endParaRPr lang="en-US" b="1" dirty="0"/>
+          </a:p>
+        </p:txBody>
+      </p:sp>
+      <p:sp>
+        <p:nvSpPr>
+          <p:cNvPr id="16" name="Rectangle 15"/>
+          <p:cNvSpPr/>
+          <p:nvPr/>
+        </p:nvSpPr>
+        <p:spPr>
+          <a:xfrm>
+            <a:off x="347330" y="2341623"/>
+            <a:ext cx="3200400" cy="3105510"/>
+          </a:xfrm>
+          <a:prstGeom prst="rect">
+            <a:avLst/>
+          </a:prstGeom>
+          <a:noFill/>
+        </p:spPr>
+        <p:style>
+          <a:lnRef idx="2">
+            <a:schemeClr val="accent1">
+              <a:shade val="50000"/>
+            </a:schemeClr>
+          </a:lnRef>
+          <a:fillRef idx="1">
+            <a:schemeClr val="accent1"/>
+          </a:fillRef>
+          <a:effectRef idx="0">
+            <a:schemeClr val="accent1"/>
+          </a:effectRef>
+          <a:fontRef idx="minor">
+            <a:schemeClr val="lt1"/>
+          </a:fontRef>
+        </p:style>
+        <p:txBody>
+          <a:bodyPr rtlCol="0" anchor="ctr"/>
+          <a:lstStyle/>
+          <a:p>
+            <a:pPr algn="ctr"/>
+            <a:endParaRPr lang="en-US"/>
+          </a:p>
+        </p:txBody>
+      </p:sp>
+      <p:sp>
+        <p:nvSpPr>
+          <p:cNvPr id="22" name="Rectangle 21"/>
+          <p:cNvSpPr/>
+          <p:nvPr/>
+        </p:nvSpPr>
+        <p:spPr>
+          <a:xfrm>
+            <a:off x="2112655" y="2596254"/>
+            <a:ext cx="1148130" cy="739348"/>
+          </a:xfrm>
+          <a:prstGeom prst="rect">
+            <a:avLst/>
+          </a:prstGeom>
+          <a:noFill/>
+        </p:spPr>
+        <p:style>
+          <a:lnRef idx="2">
+            <a:schemeClr val="accent1">
+              <a:shade val="50000"/>
+            </a:schemeClr>
+          </a:lnRef>
+          <a:fillRef idx="1">
+            <a:schemeClr val="accent1"/>
+          </a:fillRef>
+          <a:effectRef idx="0">
+            <a:schemeClr val="accent1"/>
+          </a:effectRef>
+          <a:fontRef idx="minor">
+            <a:schemeClr val="lt1"/>
+          </a:fontRef>
+        </p:style>
+        <p:txBody>
+          <a:bodyPr rtlCol="0" anchor="ctr"/>
+          <a:lstStyle/>
+          <a:p>
+            <a:pPr algn="ctr"/>
             <a:endParaRPr lang="en-US" dirty="0"/>
           </a:p>
         </p:txBody>
       </p:sp>
-      <p:pic>
-        <p:nvPicPr>
-          <p:cNvPr id="4" name="Picture 3"/>
-          <p:cNvPicPr>
-            <a:picLocks noChangeAspect="1"/>
-          </p:cNvPicPr>
-          <p:nvPr/>
-        </p:nvPicPr>
-        <p:blipFill>
-          <a:blip r:embed="rId3"/>
-          <a:stretch>
-            <a:fillRect/>
-          </a:stretch>
-        </p:blipFill>
-        <p:spPr>
-          <a:xfrm>
-            <a:off x="1075740" y="1854192"/>
-            <a:ext cx="8068260" cy="3929464"/>
-          </a:xfrm>
-          <a:prstGeom prst="rect">
-            <a:avLst/>
-          </a:prstGeom>
-        </p:spPr>
-      </p:pic>
-      <p:pic>
-        <p:nvPicPr>
-          <p:cNvPr id="5" name="Picture 4"/>
-          <p:cNvPicPr>
-            <a:picLocks noChangeAspect="1"/>
-          </p:cNvPicPr>
-          <p:nvPr/>
-        </p:nvPicPr>
-        <p:blipFill>
-          <a:blip r:embed="rId4"/>
-          <a:stretch>
-            <a:fillRect/>
-          </a:stretch>
-        </p:blipFill>
-        <p:spPr>
-          <a:xfrm>
-            <a:off x="-6427" y="5141916"/>
-            <a:ext cx="5258599" cy="1716084"/>
-          </a:xfrm>
-          <a:prstGeom prst="rect">
-            <a:avLst/>
-          </a:prstGeom>
-        </p:spPr>
-      </p:pic>
-      <p:sp>
-        <p:nvSpPr>
-          <p:cNvPr id="6" name="TextBox 5"/>
+      <p:sp>
+        <p:nvSpPr>
+          <p:cNvPr id="23" name="Rectangle 22"/>
+          <p:cNvSpPr/>
+          <p:nvPr/>
+        </p:nvSpPr>
+        <p:spPr>
+          <a:xfrm>
+            <a:off x="5863047" y="2255359"/>
+            <a:ext cx="2881223" cy="3191774"/>
+          </a:xfrm>
+          <a:prstGeom prst="rect">
+            <a:avLst/>
+          </a:prstGeom>
+          <a:noFill/>
+        </p:spPr>
+        <p:style>
+          <a:lnRef idx="2">
+            <a:schemeClr val="accent1">
+              <a:shade val="50000"/>
+            </a:schemeClr>
+          </a:lnRef>
+          <a:fillRef idx="1">
+            <a:schemeClr val="accent1"/>
+          </a:fillRef>
+          <a:effectRef idx="0">
+            <a:schemeClr val="accent1"/>
+          </a:effectRef>
+          <a:fontRef idx="minor">
+            <a:schemeClr val="lt1"/>
+          </a:fontRef>
+        </p:style>
+        <p:txBody>
+          <a:bodyPr rtlCol="0" anchor="ctr"/>
+          <a:lstStyle/>
+          <a:p>
+            <a:pPr algn="ctr"/>
+            <a:endParaRPr lang="en-US"/>
+          </a:p>
+        </p:txBody>
+      </p:sp>
+      <p:sp>
+        <p:nvSpPr>
+          <p:cNvPr id="35" name="Rectangle 34"/>
+          <p:cNvSpPr/>
+          <p:nvPr/>
+        </p:nvSpPr>
+        <p:spPr>
+          <a:xfrm>
+            <a:off x="2156195" y="2992919"/>
+            <a:ext cx="1061049" cy="276045"/>
+          </a:xfrm>
+          <a:prstGeom prst="rect">
+            <a:avLst/>
+          </a:prstGeom>
+          <a:solidFill>
+            <a:schemeClr val="accent2"/>
+          </a:solidFill>
+        </p:spPr>
+        <p:style>
+          <a:lnRef idx="2">
+            <a:schemeClr val="accent1">
+              <a:shade val="50000"/>
+            </a:schemeClr>
+          </a:lnRef>
+          <a:fillRef idx="1">
+            <a:schemeClr val="accent1"/>
+          </a:fillRef>
+          <a:effectRef idx="0">
+            <a:schemeClr val="accent1"/>
+          </a:effectRef>
+          <a:fontRef idx="minor">
+            <a:schemeClr val="lt1"/>
+          </a:fontRef>
+        </p:style>
+        <p:txBody>
+          <a:bodyPr rtlCol="0" anchor="ctr"/>
+          <a:lstStyle/>
+          <a:p>
+            <a:pPr algn="ctr"/>
+            <a:r>
+              <a:rPr lang="en-US" sz="1400" dirty="0" err="1" smtClean="0"/>
+              <a:t>Vsomeip</a:t>
+            </a:r>
+            <a:r>
+              <a:rPr lang="en-US" sz="1400" dirty="0" smtClean="0"/>
+              <a:t> lib</a:t>
+            </a:r>
+            <a:endParaRPr lang="en-US" sz="1400" dirty="0"/>
+          </a:p>
+        </p:txBody>
+      </p:sp>
+      <p:sp>
+        <p:nvSpPr>
+          <p:cNvPr id="36" name="Rectangle 35"/>
+          <p:cNvSpPr/>
+          <p:nvPr/>
+        </p:nvSpPr>
+        <p:spPr>
+          <a:xfrm>
+            <a:off x="2138451" y="2673442"/>
+            <a:ext cx="1061048" cy="276046"/>
+          </a:xfrm>
+          <a:prstGeom prst="rect">
+            <a:avLst/>
+          </a:prstGeom>
+          <a:noFill/>
+        </p:spPr>
+        <p:style>
+          <a:lnRef idx="2">
+            <a:schemeClr val="accent1">
+              <a:shade val="50000"/>
+            </a:schemeClr>
+          </a:lnRef>
+          <a:fillRef idx="1">
+            <a:schemeClr val="accent1"/>
+          </a:fillRef>
+          <a:effectRef idx="0">
+            <a:schemeClr val="accent1"/>
+          </a:effectRef>
+          <a:fontRef idx="minor">
+            <a:schemeClr val="lt1"/>
+          </a:fontRef>
+        </p:style>
+        <p:txBody>
+          <a:bodyPr rtlCol="0" anchor="ctr"/>
+          <a:lstStyle/>
+          <a:p>
+            <a:pPr algn="ctr"/>
+            <a:endParaRPr lang="en-US" sz="1200" dirty="0">
+              <a:solidFill>
+                <a:schemeClr val="tx1"/>
+              </a:solidFill>
+            </a:endParaRPr>
+          </a:p>
+        </p:txBody>
+      </p:sp>
+      <p:sp>
+        <p:nvSpPr>
+          <p:cNvPr id="38" name="Rectangle 37"/>
+          <p:cNvSpPr/>
+          <p:nvPr/>
+        </p:nvSpPr>
+        <p:spPr>
+          <a:xfrm>
+            <a:off x="1220549" y="4325698"/>
+            <a:ext cx="1404192" cy="1052423"/>
+          </a:xfrm>
+          <a:prstGeom prst="rect">
+            <a:avLst/>
+          </a:prstGeom>
+          <a:noFill/>
+        </p:spPr>
+        <p:style>
+          <a:lnRef idx="2">
+            <a:schemeClr val="accent1">
+              <a:shade val="50000"/>
+            </a:schemeClr>
+          </a:lnRef>
+          <a:fillRef idx="1">
+            <a:schemeClr val="accent1"/>
+          </a:fillRef>
+          <a:effectRef idx="0">
+            <a:schemeClr val="accent1"/>
+          </a:effectRef>
+          <a:fontRef idx="minor">
+            <a:schemeClr val="lt1"/>
+          </a:fontRef>
+        </p:style>
+        <p:txBody>
+          <a:bodyPr rtlCol="0" anchor="ctr"/>
+          <a:lstStyle/>
+          <a:p>
+            <a:pPr algn="ctr"/>
+            <a:endParaRPr lang="en-US" dirty="0"/>
+          </a:p>
+        </p:txBody>
+      </p:sp>
+      <p:sp>
+        <p:nvSpPr>
+          <p:cNvPr id="39" name="Rectangle 38"/>
+          <p:cNvSpPr/>
+          <p:nvPr/>
+        </p:nvSpPr>
+        <p:spPr>
+          <a:xfrm>
+            <a:off x="1264089" y="4772764"/>
+            <a:ext cx="1319318" cy="276045"/>
+          </a:xfrm>
+          <a:prstGeom prst="rect">
+            <a:avLst/>
+          </a:prstGeom>
+          <a:solidFill>
+            <a:schemeClr val="accent2"/>
+          </a:solidFill>
+        </p:spPr>
+        <p:style>
+          <a:lnRef idx="2">
+            <a:schemeClr val="accent1">
+              <a:shade val="50000"/>
+            </a:schemeClr>
+          </a:lnRef>
+          <a:fillRef idx="1">
+            <a:schemeClr val="accent1"/>
+          </a:fillRef>
+          <a:effectRef idx="0">
+            <a:schemeClr val="accent1"/>
+          </a:effectRef>
+          <a:fontRef idx="minor">
+            <a:schemeClr val="lt1"/>
+          </a:fontRef>
+        </p:style>
+        <p:txBody>
+          <a:bodyPr rtlCol="0" anchor="ctr"/>
+          <a:lstStyle/>
+          <a:p>
+            <a:pPr algn="ctr"/>
+            <a:r>
+              <a:rPr lang="en-US" sz="1400" dirty="0" err="1" smtClean="0"/>
+              <a:t>Vsomeip</a:t>
+            </a:r>
+            <a:r>
+              <a:rPr lang="en-US" sz="1400" dirty="0" smtClean="0"/>
+              <a:t> lib</a:t>
+            </a:r>
+            <a:endParaRPr lang="en-US" sz="1400" dirty="0"/>
+          </a:p>
+        </p:txBody>
+      </p:sp>
+      <p:sp>
+        <p:nvSpPr>
+          <p:cNvPr id="40" name="Rectangle 39"/>
+          <p:cNvSpPr/>
+          <p:nvPr/>
+        </p:nvSpPr>
+        <p:spPr>
+          <a:xfrm>
+            <a:off x="1253204" y="4392667"/>
+            <a:ext cx="1341088" cy="313459"/>
+          </a:xfrm>
+          <a:prstGeom prst="rect">
+            <a:avLst/>
+          </a:prstGeom>
+          <a:solidFill>
+            <a:schemeClr val="accent1"/>
+          </a:solidFill>
+          <a:ln>
+            <a:solidFill>
+              <a:schemeClr val="accent1"/>
+            </a:solidFill>
+          </a:ln>
+        </p:spPr>
+        <p:style>
+          <a:lnRef idx="2">
+            <a:schemeClr val="accent1">
+              <a:shade val="50000"/>
+            </a:schemeClr>
+          </a:lnRef>
+          <a:fillRef idx="1">
+            <a:schemeClr val="accent1"/>
+          </a:fillRef>
+          <a:effectRef idx="0">
+            <a:schemeClr val="accent1"/>
+          </a:effectRef>
+          <a:fontRef idx="minor">
+            <a:schemeClr val="lt1"/>
+          </a:fontRef>
+        </p:style>
+        <p:txBody>
+          <a:bodyPr rtlCol="0" anchor="ctr"/>
+          <a:lstStyle/>
+          <a:p>
+            <a:pPr algn="ctr"/>
+            <a:r>
+              <a:rPr lang="en-US" sz="1200" dirty="0" err="1" smtClean="0">
+                <a:solidFill>
+                  <a:schemeClr val="tx1"/>
+                </a:solidFill>
+              </a:rPr>
+              <a:t>RoutingManagerd</a:t>
+            </a:r>
+            <a:r>
+              <a:rPr lang="en-US" sz="1200" dirty="0" smtClean="0">
+                <a:solidFill>
+                  <a:schemeClr val="tx1"/>
+                </a:solidFill>
+              </a:rPr>
+              <a:t> </a:t>
+            </a:r>
+            <a:r>
+              <a:rPr lang="en-US" sz="1200" dirty="0" err="1" smtClean="0">
+                <a:solidFill>
+                  <a:schemeClr val="tx1"/>
+                </a:solidFill>
+              </a:rPr>
+              <a:t>impl</a:t>
+            </a:r>
+            <a:endParaRPr lang="en-US" sz="1200" dirty="0">
+              <a:solidFill>
+                <a:schemeClr val="tx1"/>
+              </a:solidFill>
+            </a:endParaRPr>
+          </a:p>
+        </p:txBody>
+      </p:sp>
+      <p:sp>
+        <p:nvSpPr>
+          <p:cNvPr id="41" name="Rectangle 40"/>
+          <p:cNvSpPr/>
+          <p:nvPr/>
+        </p:nvSpPr>
+        <p:spPr>
+          <a:xfrm>
+            <a:off x="6128104" y="2531257"/>
+            <a:ext cx="1148130" cy="739348"/>
+          </a:xfrm>
+          <a:prstGeom prst="rect">
+            <a:avLst/>
+          </a:prstGeom>
+          <a:noFill/>
+        </p:spPr>
+        <p:style>
+          <a:lnRef idx="2">
+            <a:schemeClr val="accent1">
+              <a:shade val="50000"/>
+            </a:schemeClr>
+          </a:lnRef>
+          <a:fillRef idx="1">
+            <a:schemeClr val="accent1"/>
+          </a:fillRef>
+          <a:effectRef idx="0">
+            <a:schemeClr val="accent1"/>
+          </a:effectRef>
+          <a:fontRef idx="minor">
+            <a:schemeClr val="lt1"/>
+          </a:fontRef>
+        </p:style>
+        <p:txBody>
+          <a:bodyPr rtlCol="0" anchor="ctr"/>
+          <a:lstStyle/>
+          <a:p>
+            <a:pPr algn="ctr"/>
+            <a:endParaRPr lang="en-US" dirty="0"/>
+          </a:p>
+        </p:txBody>
+      </p:sp>
+      <p:sp>
+        <p:nvSpPr>
+          <p:cNvPr id="42" name="Rectangle 41"/>
+          <p:cNvSpPr/>
+          <p:nvPr/>
+        </p:nvSpPr>
+        <p:spPr>
+          <a:xfrm>
+            <a:off x="6171644" y="2927922"/>
+            <a:ext cx="1061049" cy="276045"/>
+          </a:xfrm>
+          <a:prstGeom prst="rect">
+            <a:avLst/>
+          </a:prstGeom>
+          <a:solidFill>
+            <a:schemeClr val="accent2"/>
+          </a:solidFill>
+        </p:spPr>
+        <p:style>
+          <a:lnRef idx="2">
+            <a:schemeClr val="accent1">
+              <a:shade val="50000"/>
+            </a:schemeClr>
+          </a:lnRef>
+          <a:fillRef idx="1">
+            <a:schemeClr val="accent1"/>
+          </a:fillRef>
+          <a:effectRef idx="0">
+            <a:schemeClr val="accent1"/>
+          </a:effectRef>
+          <a:fontRef idx="minor">
+            <a:schemeClr val="lt1"/>
+          </a:fontRef>
+        </p:style>
+        <p:txBody>
+          <a:bodyPr rtlCol="0" anchor="ctr"/>
+          <a:lstStyle/>
+          <a:p>
+            <a:pPr algn="ctr"/>
+            <a:r>
+              <a:rPr lang="en-US" sz="1400" dirty="0" err="1" smtClean="0"/>
+              <a:t>Vsomeip</a:t>
+            </a:r>
+            <a:r>
+              <a:rPr lang="en-US" sz="1400" dirty="0" smtClean="0"/>
+              <a:t> lib</a:t>
+            </a:r>
+            <a:endParaRPr lang="en-US" sz="1400" dirty="0"/>
+          </a:p>
+        </p:txBody>
+      </p:sp>
+      <p:sp>
+        <p:nvSpPr>
+          <p:cNvPr id="43" name="Rectangle 42"/>
+          <p:cNvSpPr/>
+          <p:nvPr/>
+        </p:nvSpPr>
+        <p:spPr>
+          <a:xfrm>
+            <a:off x="6171645" y="2535419"/>
+            <a:ext cx="1061048" cy="276046"/>
+          </a:xfrm>
+          <a:prstGeom prst="rect">
+            <a:avLst/>
+          </a:prstGeom>
+          <a:noFill/>
+        </p:spPr>
+        <p:style>
+          <a:lnRef idx="2">
+            <a:schemeClr val="accent1">
+              <a:shade val="50000"/>
+            </a:schemeClr>
+          </a:lnRef>
+          <a:fillRef idx="1">
+            <a:schemeClr val="accent1"/>
+          </a:fillRef>
+          <a:effectRef idx="0">
+            <a:schemeClr val="accent1"/>
+          </a:effectRef>
+          <a:fontRef idx="minor">
+            <a:schemeClr val="lt1"/>
+          </a:fontRef>
+        </p:style>
+        <p:txBody>
+          <a:bodyPr rtlCol="0" anchor="ctr"/>
+          <a:lstStyle/>
+          <a:p>
+            <a:pPr algn="ctr"/>
+            <a:endParaRPr lang="en-US" sz="1200" dirty="0">
+              <a:solidFill>
+                <a:schemeClr val="tx1"/>
+              </a:solidFill>
+            </a:endParaRPr>
+          </a:p>
+        </p:txBody>
+      </p:sp>
+      <p:sp>
+        <p:nvSpPr>
+          <p:cNvPr id="49" name="Rectangle 48"/>
+          <p:cNvSpPr/>
+          <p:nvPr/>
+        </p:nvSpPr>
+        <p:spPr>
+          <a:xfrm>
+            <a:off x="630132" y="2596254"/>
+            <a:ext cx="1148130" cy="739348"/>
+          </a:xfrm>
+          <a:prstGeom prst="rect">
+            <a:avLst/>
+          </a:prstGeom>
+          <a:noFill/>
+        </p:spPr>
+        <p:style>
+          <a:lnRef idx="2">
+            <a:schemeClr val="accent1">
+              <a:shade val="50000"/>
+            </a:schemeClr>
+          </a:lnRef>
+          <a:fillRef idx="1">
+            <a:schemeClr val="accent1"/>
+          </a:fillRef>
+          <a:effectRef idx="0">
+            <a:schemeClr val="accent1"/>
+          </a:effectRef>
+          <a:fontRef idx="minor">
+            <a:schemeClr val="lt1"/>
+          </a:fontRef>
+        </p:style>
+        <p:txBody>
+          <a:bodyPr rtlCol="0" anchor="ctr"/>
+          <a:lstStyle/>
+          <a:p>
+            <a:pPr algn="ctr"/>
+            <a:endParaRPr lang="en-US" dirty="0"/>
+          </a:p>
+        </p:txBody>
+      </p:sp>
+      <p:sp>
+        <p:nvSpPr>
+          <p:cNvPr id="50" name="Rectangle 49"/>
+          <p:cNvSpPr/>
+          <p:nvPr/>
+        </p:nvSpPr>
+        <p:spPr>
+          <a:xfrm>
+            <a:off x="673672" y="2992919"/>
+            <a:ext cx="1061049" cy="276045"/>
+          </a:xfrm>
+          <a:prstGeom prst="rect">
+            <a:avLst/>
+          </a:prstGeom>
+          <a:solidFill>
+            <a:schemeClr val="accent2"/>
+          </a:solidFill>
+        </p:spPr>
+        <p:style>
+          <a:lnRef idx="2">
+            <a:schemeClr val="accent1">
+              <a:shade val="50000"/>
+            </a:schemeClr>
+          </a:lnRef>
+          <a:fillRef idx="1">
+            <a:schemeClr val="accent1"/>
+          </a:fillRef>
+          <a:effectRef idx="0">
+            <a:schemeClr val="accent1"/>
+          </a:effectRef>
+          <a:fontRef idx="minor">
+            <a:schemeClr val="lt1"/>
+          </a:fontRef>
+        </p:style>
+        <p:txBody>
+          <a:bodyPr rtlCol="0" anchor="ctr"/>
+          <a:lstStyle/>
+          <a:p>
+            <a:pPr algn="ctr"/>
+            <a:r>
+              <a:rPr lang="en-US" sz="1400" dirty="0" err="1" smtClean="0"/>
+              <a:t>Vsomeip</a:t>
+            </a:r>
+            <a:r>
+              <a:rPr lang="en-US" sz="1400" dirty="0" smtClean="0"/>
+              <a:t> lib</a:t>
+            </a:r>
+            <a:endParaRPr lang="en-US" sz="1400" dirty="0"/>
+          </a:p>
+        </p:txBody>
+      </p:sp>
+      <p:sp>
+        <p:nvSpPr>
+          <p:cNvPr id="51" name="Rectangle 50"/>
+          <p:cNvSpPr/>
+          <p:nvPr/>
+        </p:nvSpPr>
+        <p:spPr>
+          <a:xfrm>
+            <a:off x="655928" y="2673442"/>
+            <a:ext cx="1061048" cy="276046"/>
+          </a:xfrm>
+          <a:prstGeom prst="rect">
+            <a:avLst/>
+          </a:prstGeom>
+          <a:noFill/>
+        </p:spPr>
+        <p:style>
+          <a:lnRef idx="2">
+            <a:schemeClr val="accent1">
+              <a:shade val="50000"/>
+            </a:schemeClr>
+          </a:lnRef>
+          <a:fillRef idx="1">
+            <a:schemeClr val="accent1"/>
+          </a:fillRef>
+          <a:effectRef idx="0">
+            <a:schemeClr val="accent1"/>
+          </a:effectRef>
+          <a:fontRef idx="minor">
+            <a:schemeClr val="lt1"/>
+          </a:fontRef>
+        </p:style>
+        <p:txBody>
+          <a:bodyPr rtlCol="0" anchor="ctr"/>
+          <a:lstStyle/>
+          <a:p>
+            <a:pPr algn="ctr"/>
+            <a:endParaRPr lang="en-US" sz="1200" dirty="0">
+              <a:solidFill>
+                <a:schemeClr val="tx1"/>
+              </a:solidFill>
+            </a:endParaRPr>
+          </a:p>
+        </p:txBody>
+      </p:sp>
+      <p:sp>
+        <p:nvSpPr>
+          <p:cNvPr id="52" name="Rectangle 51"/>
+          <p:cNvSpPr/>
+          <p:nvPr/>
+        </p:nvSpPr>
+        <p:spPr>
+          <a:xfrm>
+            <a:off x="7420563" y="2519066"/>
+            <a:ext cx="1148130" cy="739348"/>
+          </a:xfrm>
+          <a:prstGeom prst="rect">
+            <a:avLst/>
+          </a:prstGeom>
+          <a:noFill/>
+        </p:spPr>
+        <p:style>
+          <a:lnRef idx="2">
+            <a:schemeClr val="accent1">
+              <a:shade val="50000"/>
+            </a:schemeClr>
+          </a:lnRef>
+          <a:fillRef idx="1">
+            <a:schemeClr val="accent1"/>
+          </a:fillRef>
+          <a:effectRef idx="0">
+            <a:schemeClr val="accent1"/>
+          </a:effectRef>
+          <a:fontRef idx="minor">
+            <a:schemeClr val="lt1"/>
+          </a:fontRef>
+        </p:style>
+        <p:txBody>
+          <a:bodyPr rtlCol="0" anchor="ctr"/>
+          <a:lstStyle/>
+          <a:p>
+            <a:pPr algn="ctr"/>
+            <a:endParaRPr lang="en-US" dirty="0"/>
+          </a:p>
+        </p:txBody>
+      </p:sp>
+      <p:sp>
+        <p:nvSpPr>
+          <p:cNvPr id="53" name="Rectangle 52"/>
+          <p:cNvSpPr/>
+          <p:nvPr/>
+        </p:nvSpPr>
+        <p:spPr>
+          <a:xfrm>
+            <a:off x="7464103" y="2915731"/>
+            <a:ext cx="1061049" cy="276045"/>
+          </a:xfrm>
+          <a:prstGeom prst="rect">
+            <a:avLst/>
+          </a:prstGeom>
+          <a:solidFill>
+            <a:schemeClr val="accent2"/>
+          </a:solidFill>
+        </p:spPr>
+        <p:style>
+          <a:lnRef idx="2">
+            <a:schemeClr val="accent1">
+              <a:shade val="50000"/>
+            </a:schemeClr>
+          </a:lnRef>
+          <a:fillRef idx="1">
+            <a:schemeClr val="accent1"/>
+          </a:fillRef>
+          <a:effectRef idx="0">
+            <a:schemeClr val="accent1"/>
+          </a:effectRef>
+          <a:fontRef idx="minor">
+            <a:schemeClr val="lt1"/>
+          </a:fontRef>
+        </p:style>
+        <p:txBody>
+          <a:bodyPr rtlCol="0" anchor="ctr"/>
+          <a:lstStyle/>
+          <a:p>
+            <a:pPr algn="ctr"/>
+            <a:r>
+              <a:rPr lang="en-US" sz="1400" dirty="0" err="1" smtClean="0"/>
+              <a:t>Vsomeip</a:t>
+            </a:r>
+            <a:r>
+              <a:rPr lang="en-US" sz="1400" dirty="0" smtClean="0"/>
+              <a:t> lib</a:t>
+            </a:r>
+            <a:endParaRPr lang="en-US" sz="1400" dirty="0"/>
+          </a:p>
+        </p:txBody>
+      </p:sp>
+      <p:sp>
+        <p:nvSpPr>
+          <p:cNvPr id="54" name="Rectangle 53"/>
+          <p:cNvSpPr/>
+          <p:nvPr/>
+        </p:nvSpPr>
+        <p:spPr>
+          <a:xfrm>
+            <a:off x="7446359" y="2596254"/>
+            <a:ext cx="1061048" cy="276046"/>
+          </a:xfrm>
+          <a:prstGeom prst="rect">
+            <a:avLst/>
+          </a:prstGeom>
+          <a:noFill/>
+        </p:spPr>
+        <p:style>
+          <a:lnRef idx="2">
+            <a:schemeClr val="accent1">
+              <a:shade val="50000"/>
+            </a:schemeClr>
+          </a:lnRef>
+          <a:fillRef idx="1">
+            <a:schemeClr val="accent1"/>
+          </a:fillRef>
+          <a:effectRef idx="0">
+            <a:schemeClr val="accent1"/>
+          </a:effectRef>
+          <a:fontRef idx="minor">
+            <a:schemeClr val="lt1"/>
+          </a:fontRef>
+        </p:style>
+        <p:txBody>
+          <a:bodyPr rtlCol="0" anchor="ctr"/>
+          <a:lstStyle/>
+          <a:p>
+            <a:pPr algn="ctr"/>
+            <a:r>
+              <a:rPr lang="en-US" sz="1200" dirty="0" smtClean="0">
+                <a:solidFill>
+                  <a:schemeClr val="tx1"/>
+                </a:solidFill>
+              </a:rPr>
+              <a:t>App4 </a:t>
+            </a:r>
+            <a:r>
+              <a:rPr lang="en-US" sz="1200" dirty="0" err="1" smtClean="0">
+                <a:solidFill>
+                  <a:schemeClr val="tx1"/>
+                </a:solidFill>
+              </a:rPr>
+              <a:t>impl</a:t>
+            </a:r>
+            <a:endParaRPr lang="en-US" sz="1200" dirty="0">
+              <a:solidFill>
+                <a:schemeClr val="tx1"/>
+              </a:solidFill>
+            </a:endParaRPr>
+          </a:p>
+        </p:txBody>
+      </p:sp>
+      <p:sp>
+        <p:nvSpPr>
+          <p:cNvPr id="55" name="TextBox 54"/>
           <p:cNvSpPr txBox="1"/>
           <p:nvPr/>
         </p:nvSpPr>
         <p:spPr>
           <a:xfrm>
-            <a:off x="347330" y="4882776"/>
-            <a:ext cx="5133521" cy="276999"/>
+            <a:off x="904666" y="1977800"/>
+            <a:ext cx="2503058" cy="369332"/>
           </a:xfrm>
           <a:prstGeom prst="rect">
             <a:avLst/>
@@ -8208,28 +9167,1198 @@
           </a:bodyPr>
           <a:lstStyle/>
           <a:p>
+            <a:r>
+              <a:rPr lang="en-US" dirty="0" smtClean="0"/>
+              <a:t>Device1(192.168.1.3/24)</a:t>
+            </a:r>
+            <a:endParaRPr lang="en-US" dirty="0"/>
+          </a:p>
+        </p:txBody>
+      </p:sp>
+      <p:sp>
+        <p:nvSpPr>
+          <p:cNvPr id="56" name="TextBox 55"/>
+          <p:cNvSpPr txBox="1"/>
+          <p:nvPr/>
+        </p:nvSpPr>
+        <p:spPr>
+          <a:xfrm>
+            <a:off x="6150869" y="1923193"/>
+            <a:ext cx="2503058" cy="369332"/>
+          </a:xfrm>
+          <a:prstGeom prst="rect">
+            <a:avLst/>
+          </a:prstGeom>
+          <a:noFill/>
+        </p:spPr>
+        <p:txBody>
+          <a:bodyPr wrap="none" rtlCol="0">
+            <a:spAutoFit/>
+          </a:bodyPr>
+          <a:lstStyle/>
+          <a:p>
+            <a:r>
+              <a:rPr lang="en-US" dirty="0" smtClean="0"/>
+              <a:t>Device2(192.168.1.4/24)</a:t>
+            </a:r>
+            <a:endParaRPr lang="en-US" dirty="0"/>
+          </a:p>
+        </p:txBody>
+      </p:sp>
+      <p:cxnSp>
+        <p:nvCxnSpPr>
+          <p:cNvPr id="58" name="Straight Arrow Connector 57"/>
+          <p:cNvCxnSpPr>
+            <a:stCxn id="49" idx="2"/>
+            <a:endCxn id="38" idx="0"/>
+          </p:cNvCxnSpPr>
+          <p:nvPr/>
+        </p:nvCxnSpPr>
+        <p:spPr>
+          <a:xfrm>
+            <a:off x="1204197" y="3335602"/>
+            <a:ext cx="718448" cy="990096"/>
+          </a:xfrm>
+          <a:prstGeom prst="straightConnector1">
+            <a:avLst/>
+          </a:prstGeom>
+          <a:ln>
+            <a:solidFill>
+              <a:schemeClr val="tx1"/>
+            </a:solidFill>
+            <a:prstDash val="solid"/>
+            <a:headEnd type="triangle"/>
+            <a:tailEnd type="triangle"/>
+          </a:ln>
+        </p:spPr>
+        <p:style>
+          <a:lnRef idx="1">
+            <a:schemeClr val="accent1"/>
+          </a:lnRef>
+          <a:fillRef idx="0">
+            <a:schemeClr val="accent1"/>
+          </a:fillRef>
+          <a:effectRef idx="0">
+            <a:schemeClr val="accent1"/>
+          </a:effectRef>
+          <a:fontRef idx="minor">
+            <a:schemeClr val="tx1"/>
+          </a:fontRef>
+        </p:style>
+      </p:cxnSp>
+      <p:cxnSp>
+        <p:nvCxnSpPr>
+          <p:cNvPr id="60" name="Straight Arrow Connector 59"/>
+          <p:cNvCxnSpPr>
+            <a:stCxn id="22" idx="2"/>
+            <a:endCxn id="38" idx="0"/>
+          </p:cNvCxnSpPr>
+          <p:nvPr/>
+        </p:nvCxnSpPr>
+        <p:spPr>
+          <a:xfrm flipH="1">
+            <a:off x="1922645" y="3335602"/>
+            <a:ext cx="764075" cy="990096"/>
+          </a:xfrm>
+          <a:prstGeom prst="straightConnector1">
+            <a:avLst/>
+          </a:prstGeom>
+          <a:ln>
+            <a:solidFill>
+              <a:schemeClr val="tx1"/>
+            </a:solidFill>
+            <a:headEnd type="triangle"/>
+            <a:tailEnd type="triangle"/>
+          </a:ln>
+        </p:spPr>
+        <p:style>
+          <a:lnRef idx="1">
+            <a:schemeClr val="accent1"/>
+          </a:lnRef>
+          <a:fillRef idx="0">
+            <a:schemeClr val="accent1"/>
+          </a:fillRef>
+          <a:effectRef idx="0">
+            <a:schemeClr val="accent1"/>
+          </a:effectRef>
+          <a:fontRef idx="minor">
+            <a:schemeClr val="tx1"/>
+          </a:fontRef>
+        </p:style>
+      </p:cxnSp>
+      <p:sp>
+        <p:nvSpPr>
+          <p:cNvPr id="61" name="Rectangle 60"/>
+          <p:cNvSpPr/>
+          <p:nvPr/>
+        </p:nvSpPr>
+        <p:spPr>
+          <a:xfrm>
+            <a:off x="6529494" y="4392337"/>
+            <a:ext cx="1373743" cy="985784"/>
+          </a:xfrm>
+          <a:prstGeom prst="rect">
+            <a:avLst/>
+          </a:prstGeom>
+          <a:noFill/>
+        </p:spPr>
+        <p:style>
+          <a:lnRef idx="2">
+            <a:schemeClr val="accent1">
+              <a:shade val="50000"/>
+            </a:schemeClr>
+          </a:lnRef>
+          <a:fillRef idx="1">
+            <a:schemeClr val="accent1"/>
+          </a:fillRef>
+          <a:effectRef idx="0">
+            <a:schemeClr val="accent1"/>
+          </a:effectRef>
+          <a:fontRef idx="minor">
+            <a:schemeClr val="lt1"/>
+          </a:fontRef>
+        </p:style>
+        <p:txBody>
+          <a:bodyPr rtlCol="0" anchor="ctr"/>
+          <a:lstStyle/>
+          <a:p>
+            <a:pPr algn="ctr"/>
+            <a:endParaRPr lang="en-US" dirty="0"/>
+          </a:p>
+        </p:txBody>
+      </p:sp>
+      <p:sp>
+        <p:nvSpPr>
+          <p:cNvPr id="62" name="Rectangle 61"/>
+          <p:cNvSpPr/>
+          <p:nvPr/>
+        </p:nvSpPr>
+        <p:spPr>
+          <a:xfrm>
+            <a:off x="6573034" y="4839402"/>
+            <a:ext cx="1254008" cy="342683"/>
+          </a:xfrm>
+          <a:prstGeom prst="rect">
+            <a:avLst/>
+          </a:prstGeom>
+          <a:solidFill>
+            <a:schemeClr val="accent2"/>
+          </a:solidFill>
+        </p:spPr>
+        <p:style>
+          <a:lnRef idx="2">
+            <a:schemeClr val="accent1">
+              <a:shade val="50000"/>
+            </a:schemeClr>
+          </a:lnRef>
+          <a:fillRef idx="1">
+            <a:schemeClr val="accent1"/>
+          </a:fillRef>
+          <a:effectRef idx="0">
+            <a:schemeClr val="accent1"/>
+          </a:effectRef>
+          <a:fontRef idx="minor">
+            <a:schemeClr val="lt1"/>
+          </a:fontRef>
+        </p:style>
+        <p:txBody>
+          <a:bodyPr rtlCol="0" anchor="ctr"/>
+          <a:lstStyle/>
+          <a:p>
+            <a:pPr algn="ctr"/>
+            <a:r>
+              <a:rPr lang="en-US" sz="1400" dirty="0" err="1" smtClean="0"/>
+              <a:t>Vsomeip</a:t>
+            </a:r>
+            <a:r>
+              <a:rPr lang="en-US" sz="1400" dirty="0" smtClean="0"/>
+              <a:t> lib</a:t>
+            </a:r>
+            <a:endParaRPr lang="en-US" sz="1400" dirty="0"/>
+          </a:p>
+        </p:txBody>
+      </p:sp>
+      <p:sp>
+        <p:nvSpPr>
+          <p:cNvPr id="63" name="Rectangle 62"/>
+          <p:cNvSpPr/>
+          <p:nvPr/>
+        </p:nvSpPr>
+        <p:spPr>
+          <a:xfrm>
+            <a:off x="6562149" y="4459305"/>
+            <a:ext cx="1341088" cy="313459"/>
+          </a:xfrm>
+          <a:prstGeom prst="rect">
+            <a:avLst/>
+          </a:prstGeom>
+          <a:solidFill>
+            <a:schemeClr val="accent1"/>
+          </a:solidFill>
+          <a:ln>
+            <a:solidFill>
+              <a:schemeClr val="accent1"/>
+            </a:solidFill>
+          </a:ln>
+        </p:spPr>
+        <p:style>
+          <a:lnRef idx="2">
+            <a:schemeClr val="accent1">
+              <a:shade val="50000"/>
+            </a:schemeClr>
+          </a:lnRef>
+          <a:fillRef idx="1">
+            <a:schemeClr val="accent1"/>
+          </a:fillRef>
+          <a:effectRef idx="0">
+            <a:schemeClr val="accent1"/>
+          </a:effectRef>
+          <a:fontRef idx="minor">
+            <a:schemeClr val="lt1"/>
+          </a:fontRef>
+        </p:style>
+        <p:txBody>
+          <a:bodyPr rtlCol="0" anchor="ctr"/>
+          <a:lstStyle/>
+          <a:p>
+            <a:pPr algn="ctr"/>
+            <a:r>
+              <a:rPr lang="en-US" sz="1200" dirty="0" err="1" smtClean="0">
+                <a:solidFill>
+                  <a:schemeClr val="tx1"/>
+                </a:solidFill>
+              </a:rPr>
+              <a:t>RoutingManagerd</a:t>
+            </a:r>
+            <a:r>
+              <a:rPr lang="en-US" sz="1200" dirty="0" smtClean="0">
+                <a:solidFill>
+                  <a:schemeClr val="tx1"/>
+                </a:solidFill>
+              </a:rPr>
+              <a:t> </a:t>
+            </a:r>
+            <a:r>
+              <a:rPr lang="en-US" sz="1200" dirty="0" err="1" smtClean="0">
+                <a:solidFill>
+                  <a:schemeClr val="tx1"/>
+                </a:solidFill>
+              </a:rPr>
+              <a:t>impl</a:t>
+            </a:r>
+            <a:endParaRPr lang="en-US" sz="1200" dirty="0">
+              <a:solidFill>
+                <a:schemeClr val="tx1"/>
+              </a:solidFill>
+            </a:endParaRPr>
+          </a:p>
+        </p:txBody>
+      </p:sp>
+      <p:cxnSp>
+        <p:nvCxnSpPr>
+          <p:cNvPr id="67" name="Straight Arrow Connector 66"/>
+          <p:cNvCxnSpPr/>
+          <p:nvPr/>
+        </p:nvCxnSpPr>
+        <p:spPr>
+          <a:xfrm flipV="1">
+            <a:off x="2608810" y="4516127"/>
+            <a:ext cx="3895189" cy="33631"/>
+          </a:xfrm>
+          <a:prstGeom prst="straightConnector1">
+            <a:avLst/>
+          </a:prstGeom>
+          <a:ln>
+            <a:headEnd type="triangle"/>
+            <a:tailEnd type="triangle"/>
+          </a:ln>
+        </p:spPr>
+        <p:style>
+          <a:lnRef idx="1">
+            <a:schemeClr val="accent1"/>
+          </a:lnRef>
+          <a:fillRef idx="0">
+            <a:schemeClr val="accent1"/>
+          </a:fillRef>
+          <a:effectRef idx="0">
+            <a:schemeClr val="accent1"/>
+          </a:effectRef>
+          <a:fontRef idx="minor">
+            <a:schemeClr val="tx1"/>
+          </a:fontRef>
+        </p:style>
+      </p:cxnSp>
+      <p:cxnSp>
+        <p:nvCxnSpPr>
+          <p:cNvPr id="69" name="Straight Arrow Connector 68"/>
+          <p:cNvCxnSpPr/>
+          <p:nvPr/>
+        </p:nvCxnSpPr>
+        <p:spPr>
+          <a:xfrm>
+            <a:off x="2624741" y="5004934"/>
+            <a:ext cx="3851410" cy="4223"/>
+          </a:xfrm>
+          <a:prstGeom prst="straightConnector1">
+            <a:avLst/>
+          </a:prstGeom>
+          <a:ln>
+            <a:headEnd type="triangle"/>
+            <a:tailEnd type="triangle"/>
+          </a:ln>
+        </p:spPr>
+        <p:style>
+          <a:lnRef idx="1">
+            <a:schemeClr val="accent1"/>
+          </a:lnRef>
+          <a:fillRef idx="0">
+            <a:schemeClr val="accent1"/>
+          </a:fillRef>
+          <a:effectRef idx="0">
+            <a:schemeClr val="accent1"/>
+          </a:effectRef>
+          <a:fontRef idx="minor">
+            <a:schemeClr val="tx1"/>
+          </a:fontRef>
+        </p:style>
+      </p:cxnSp>
+      <p:sp>
+        <p:nvSpPr>
+          <p:cNvPr id="71" name="TextBox 70"/>
+          <p:cNvSpPr txBox="1"/>
+          <p:nvPr/>
+        </p:nvSpPr>
+        <p:spPr>
+          <a:xfrm>
+            <a:off x="3882548" y="4061425"/>
+            <a:ext cx="1613199" cy="523220"/>
+          </a:xfrm>
+          <a:prstGeom prst="rect">
+            <a:avLst/>
+          </a:prstGeom>
+          <a:noFill/>
+        </p:spPr>
+        <p:txBody>
+          <a:bodyPr wrap="none" rtlCol="0">
+            <a:spAutoFit/>
+          </a:bodyPr>
+          <a:lstStyle/>
+          <a:p>
+            <a:r>
+              <a:rPr lang="en-US" sz="1400" dirty="0" smtClean="0"/>
+              <a:t>S</a:t>
+            </a:r>
+            <a:r>
+              <a:rPr lang="en-US" sz="1400" dirty="0" smtClean="0"/>
+              <a:t>ervice-Discovery</a:t>
+            </a:r>
+            <a:endParaRPr lang="en-US" sz="1400" dirty="0" smtClean="0"/>
+          </a:p>
+          <a:p>
+            <a:r>
+              <a:rPr lang="en-US" sz="1400" dirty="0" smtClean="0"/>
+              <a:t>(Offer/Find Service)</a:t>
+            </a:r>
+            <a:endParaRPr lang="en-US" sz="1400" dirty="0"/>
+          </a:p>
+        </p:txBody>
+      </p:sp>
+      <p:sp>
+        <p:nvSpPr>
+          <p:cNvPr id="75" name="TextBox 74"/>
+          <p:cNvSpPr txBox="1"/>
+          <p:nvPr/>
+        </p:nvSpPr>
+        <p:spPr>
+          <a:xfrm>
+            <a:off x="3530367" y="4740187"/>
+            <a:ext cx="1740028" cy="523220"/>
+          </a:xfrm>
+          <a:prstGeom prst="rect">
+            <a:avLst/>
+          </a:prstGeom>
+          <a:noFill/>
+        </p:spPr>
+        <p:txBody>
+          <a:bodyPr wrap="none" rtlCol="0">
+            <a:spAutoFit/>
+          </a:bodyPr>
+          <a:lstStyle/>
+          <a:p>
+            <a:r>
+              <a:rPr lang="en-US" sz="1400" b="1" dirty="0" smtClean="0"/>
+              <a:t>    request/response/</a:t>
+            </a:r>
+          </a:p>
+          <a:p>
+            <a:r>
+              <a:rPr lang="en-US" sz="1400" b="1" dirty="0"/>
+              <a:t> </a:t>
+            </a:r>
+            <a:r>
+              <a:rPr lang="en-US" sz="1400" b="1" dirty="0" smtClean="0"/>
+              <a:t>    publish-subscribe</a:t>
+            </a:r>
+            <a:endParaRPr lang="en-US" sz="1400" b="1" dirty="0"/>
+          </a:p>
+        </p:txBody>
+      </p:sp>
+      <p:cxnSp>
+        <p:nvCxnSpPr>
+          <p:cNvPr id="77" name="Straight Arrow Connector 76"/>
+          <p:cNvCxnSpPr>
+            <a:stCxn id="61" idx="0"/>
+            <a:endCxn id="41" idx="2"/>
+          </p:cNvCxnSpPr>
+          <p:nvPr/>
+        </p:nvCxnSpPr>
+        <p:spPr>
+          <a:xfrm flipH="1" flipV="1">
+            <a:off x="6702169" y="3270605"/>
+            <a:ext cx="514197" cy="1121732"/>
+          </a:xfrm>
+          <a:prstGeom prst="straightConnector1">
+            <a:avLst/>
+          </a:prstGeom>
+          <a:ln>
+            <a:solidFill>
+              <a:schemeClr val="tx1"/>
+            </a:solidFill>
+            <a:headEnd type="triangle"/>
+            <a:tailEnd type="triangle"/>
+          </a:ln>
+        </p:spPr>
+        <p:style>
+          <a:lnRef idx="1">
+            <a:schemeClr val="accent1"/>
+          </a:lnRef>
+          <a:fillRef idx="0">
+            <a:schemeClr val="accent1"/>
+          </a:fillRef>
+          <a:effectRef idx="0">
+            <a:schemeClr val="accent1"/>
+          </a:effectRef>
+          <a:fontRef idx="minor">
+            <a:schemeClr val="tx1"/>
+          </a:fontRef>
+        </p:style>
+      </p:cxnSp>
+      <p:cxnSp>
+        <p:nvCxnSpPr>
+          <p:cNvPr id="79" name="Straight Arrow Connector 78"/>
+          <p:cNvCxnSpPr>
+            <a:stCxn id="61" idx="0"/>
+            <a:endCxn id="52" idx="2"/>
+          </p:cNvCxnSpPr>
+          <p:nvPr/>
+        </p:nvCxnSpPr>
+        <p:spPr>
+          <a:xfrm flipV="1">
+            <a:off x="7216366" y="3258414"/>
+            <a:ext cx="778262" cy="1133923"/>
+          </a:xfrm>
+          <a:prstGeom prst="straightConnector1">
+            <a:avLst/>
+          </a:prstGeom>
+          <a:ln>
+            <a:solidFill>
+              <a:schemeClr val="tx1"/>
+            </a:solidFill>
+            <a:headEnd type="triangle"/>
+            <a:tailEnd type="triangle"/>
+          </a:ln>
+        </p:spPr>
+        <p:style>
+          <a:lnRef idx="1">
+            <a:schemeClr val="accent1"/>
+          </a:lnRef>
+          <a:fillRef idx="0">
+            <a:schemeClr val="accent1"/>
+          </a:fillRef>
+          <a:effectRef idx="0">
+            <a:schemeClr val="accent1"/>
+          </a:effectRef>
+          <a:fontRef idx="minor">
+            <a:schemeClr val="tx1"/>
+          </a:fontRef>
+        </p:style>
+      </p:cxnSp>
+      <p:sp>
+        <p:nvSpPr>
+          <p:cNvPr id="80" name="TextBox 79"/>
+          <p:cNvSpPr txBox="1"/>
+          <p:nvPr/>
+        </p:nvSpPr>
+        <p:spPr>
+          <a:xfrm>
+            <a:off x="1734721" y="3656676"/>
+            <a:ext cx="1333378" cy="276999"/>
+          </a:xfrm>
+          <a:prstGeom prst="rect">
+            <a:avLst/>
+          </a:prstGeom>
+          <a:noFill/>
+        </p:spPr>
+        <p:txBody>
+          <a:bodyPr wrap="none" rtlCol="0">
+            <a:spAutoFit/>
+          </a:bodyPr>
+          <a:lstStyle/>
+          <a:p>
+            <a:r>
+              <a:rPr lang="en-US" sz="1200" dirty="0" smtClean="0">
+                <a:solidFill>
+                  <a:schemeClr val="bg1">
+                    <a:lumMod val="50000"/>
+                  </a:schemeClr>
+                </a:solidFill>
+              </a:rPr>
+              <a:t>Local socket (UDS)</a:t>
+            </a:r>
+            <a:endParaRPr lang="en-US" sz="1200" dirty="0">
+              <a:solidFill>
+                <a:schemeClr val="bg1">
+                  <a:lumMod val="50000"/>
+                </a:schemeClr>
+              </a:solidFill>
+            </a:endParaRPr>
+          </a:p>
+        </p:txBody>
+      </p:sp>
+      <p:sp>
+        <p:nvSpPr>
+          <p:cNvPr id="81" name="TextBox 80"/>
+          <p:cNvSpPr txBox="1"/>
+          <p:nvPr/>
+        </p:nvSpPr>
+        <p:spPr>
+          <a:xfrm>
+            <a:off x="6263035" y="3567798"/>
+            <a:ext cx="1333378" cy="276999"/>
+          </a:xfrm>
+          <a:prstGeom prst="rect">
+            <a:avLst/>
+          </a:prstGeom>
+          <a:noFill/>
+        </p:spPr>
+        <p:txBody>
+          <a:bodyPr wrap="none" rtlCol="0">
+            <a:spAutoFit/>
+          </a:bodyPr>
+          <a:lstStyle/>
+          <a:p>
+            <a:r>
+              <a:rPr lang="en-US" sz="1200" dirty="0" smtClean="0">
+                <a:solidFill>
+                  <a:schemeClr val="bg1">
+                    <a:lumMod val="50000"/>
+                  </a:schemeClr>
+                </a:solidFill>
+              </a:rPr>
+              <a:t>Local socket (UDS)</a:t>
+            </a:r>
+            <a:endParaRPr lang="en-US" sz="1200" dirty="0">
+              <a:solidFill>
+                <a:schemeClr val="bg1">
+                  <a:lumMod val="50000"/>
+                </a:schemeClr>
+              </a:solidFill>
+            </a:endParaRPr>
+          </a:p>
+        </p:txBody>
+      </p:sp>
+      <p:sp>
+        <p:nvSpPr>
+          <p:cNvPr id="84" name="TextBox 83"/>
+          <p:cNvSpPr txBox="1"/>
+          <p:nvPr/>
+        </p:nvSpPr>
+        <p:spPr>
+          <a:xfrm>
+            <a:off x="2623713" y="4149549"/>
+            <a:ext cx="1438214" cy="830997"/>
+          </a:xfrm>
+          <a:prstGeom prst="rect">
+            <a:avLst/>
+          </a:prstGeom>
+          <a:noFill/>
+        </p:spPr>
+        <p:txBody>
+          <a:bodyPr wrap="none" rtlCol="0">
+            <a:spAutoFit/>
+          </a:bodyPr>
+          <a:lstStyle/>
+          <a:p>
+            <a:r>
+              <a:rPr lang="en-US" sz="1200" dirty="0" err="1" smtClean="0">
+                <a:solidFill>
+                  <a:schemeClr val="bg1">
+                    <a:lumMod val="50000"/>
+                  </a:schemeClr>
+                </a:solidFill>
+              </a:rPr>
+              <a:t>Mutilcast</a:t>
+            </a:r>
+            <a:r>
+              <a:rPr lang="en-US" sz="1200" dirty="0" smtClean="0">
+                <a:solidFill>
+                  <a:schemeClr val="bg1">
+                    <a:lumMod val="50000"/>
+                  </a:schemeClr>
+                </a:solidFill>
+              </a:rPr>
+              <a:t> {</a:t>
+            </a:r>
+          </a:p>
+          <a:p>
+            <a:r>
+              <a:rPr lang="en-US" sz="1200" dirty="0" smtClean="0">
+                <a:solidFill>
+                  <a:schemeClr val="bg1">
+                    <a:lumMod val="50000"/>
+                  </a:schemeClr>
+                </a:solidFill>
+              </a:rPr>
+              <a:t>IP: 224.224.224.245</a:t>
+            </a:r>
+          </a:p>
+          <a:p>
+            <a:r>
+              <a:rPr lang="en-US" sz="1200" dirty="0" smtClean="0">
+                <a:solidFill>
+                  <a:schemeClr val="bg1">
+                    <a:lumMod val="50000"/>
+                  </a:schemeClr>
+                </a:solidFill>
+              </a:rPr>
+              <a:t>Port: 30490</a:t>
+            </a:r>
+          </a:p>
+          <a:p>
+            <a:r>
+              <a:rPr lang="en-US" sz="1200" dirty="0">
+                <a:solidFill>
+                  <a:schemeClr val="bg1">
+                    <a:lumMod val="50000"/>
+                  </a:schemeClr>
+                </a:solidFill>
+              </a:rPr>
+              <a:t>}</a:t>
+            </a:r>
+            <a:endParaRPr lang="en-US" sz="1200" dirty="0" smtClean="0">
+              <a:solidFill>
+                <a:schemeClr val="bg1">
+                  <a:lumMod val="50000"/>
+                </a:schemeClr>
+              </a:solidFill>
+            </a:endParaRPr>
+          </a:p>
+        </p:txBody>
+      </p:sp>
+      <p:sp>
+        <p:nvSpPr>
+          <p:cNvPr id="87" name="TextBox 86"/>
+          <p:cNvSpPr txBox="1"/>
+          <p:nvPr/>
+        </p:nvSpPr>
+        <p:spPr>
+          <a:xfrm>
+            <a:off x="4693442" y="5564882"/>
+            <a:ext cx="4719500" cy="1384995"/>
+          </a:xfrm>
+          <a:prstGeom prst="rect">
+            <a:avLst/>
+          </a:prstGeom>
+          <a:noFill/>
+        </p:spPr>
+        <p:txBody>
+          <a:bodyPr wrap="square" rtlCol="0">
+            <a:spAutoFit/>
+          </a:bodyPr>
+          <a:lstStyle/>
+          <a:p>
             <a:pPr marL="171450" indent="-171450">
+              <a:buFont typeface="Wingdings" panose="05000000000000000000" pitchFamily="2" charset="2"/>
+              <a:buChar char="§"/>
+            </a:pPr>
+            <a:r>
+              <a:rPr lang="en-US" sz="1200" dirty="0"/>
+              <a:t>The </a:t>
+            </a:r>
+            <a:r>
+              <a:rPr lang="en-US" sz="1200" b="1" dirty="0" err="1" smtClean="0"/>
+              <a:t>RoutingManagerd</a:t>
+            </a:r>
+            <a:r>
+              <a:rPr lang="en-US" sz="1200" dirty="0" smtClean="0"/>
+              <a:t> </a:t>
+            </a:r>
+            <a:r>
+              <a:rPr lang="en-US" sz="1200" dirty="0"/>
+              <a:t>(</a:t>
+            </a:r>
+            <a:r>
+              <a:rPr lang="en-US" sz="1200" dirty="0" smtClean="0"/>
+              <a:t>Middleware </a:t>
+            </a:r>
+            <a:r>
+              <a:rPr lang="en-US" sz="1200" dirty="0" smtClean="0"/>
+              <a:t>daemon</a:t>
+            </a:r>
+            <a:r>
+              <a:rPr lang="en-US" sz="1200" dirty="0" smtClean="0"/>
+              <a:t>) is </a:t>
+            </a:r>
+            <a:r>
+              <a:rPr lang="en-US" sz="1200" dirty="0"/>
+              <a:t>responsible </a:t>
+            </a:r>
+            <a:r>
+              <a:rPr lang="en-US" sz="1200" dirty="0" smtClean="0"/>
+              <a:t>for:</a:t>
+            </a:r>
+          </a:p>
+          <a:p>
+            <a:r>
+              <a:rPr lang="en-US" sz="1200" dirty="0"/>
+              <a:t> </a:t>
+            </a:r>
+            <a:r>
+              <a:rPr lang="en-US" sz="1200" dirty="0" smtClean="0"/>
+              <a:t>   </a:t>
+            </a:r>
+            <a:r>
+              <a:rPr lang="en-US" sz="1200" b="1" dirty="0" smtClean="0"/>
+              <a:t>Routing</a:t>
+            </a:r>
+            <a:r>
+              <a:rPr lang="en-US" sz="1200" dirty="0" smtClean="0"/>
+              <a:t> </a:t>
+            </a:r>
+            <a:r>
+              <a:rPr lang="en-US" sz="1200" dirty="0"/>
+              <a:t>service messages between applications on the same device.</a:t>
+            </a:r>
+          </a:p>
+          <a:p>
+            <a:r>
+              <a:rPr lang="en-US" sz="1200" dirty="0" smtClean="0"/>
+              <a:t>    Forwarding </a:t>
+            </a:r>
+            <a:r>
+              <a:rPr lang="en-US" sz="1200" dirty="0"/>
+              <a:t>messages between devices over Ethernet.</a:t>
+            </a:r>
+          </a:p>
+          <a:p>
+            <a:r>
+              <a:rPr lang="en-US" sz="1200" dirty="0" smtClean="0"/>
+              <a:t>    Managing </a:t>
+            </a:r>
+            <a:r>
+              <a:rPr lang="en-US" sz="1200" b="1" dirty="0"/>
+              <a:t>service discovery</a:t>
+            </a:r>
+            <a:r>
+              <a:rPr lang="en-US" sz="1200" dirty="0"/>
+              <a:t> and subscription handling</a:t>
+            </a:r>
+            <a:r>
+              <a:rPr lang="en-US" sz="1200" dirty="0" smtClean="0"/>
+              <a:t>.</a:t>
+            </a:r>
+          </a:p>
+          <a:p>
+            <a:r>
+              <a:rPr lang="en-US" sz="1200" dirty="0"/>
+              <a:t>    </a:t>
+            </a:r>
+            <a:r>
+              <a:rPr lang="en-US" sz="1200" i="1" dirty="0" smtClean="0"/>
+              <a:t>There </a:t>
+            </a:r>
+            <a:r>
+              <a:rPr lang="en-US" sz="1200" i="1" dirty="0"/>
+              <a:t>is only one </a:t>
+            </a:r>
+            <a:r>
+              <a:rPr lang="en-US" sz="1200" i="1" dirty="0" err="1"/>
+              <a:t>routingmanagerd</a:t>
+            </a:r>
+            <a:r>
+              <a:rPr lang="en-US" sz="1200" i="1" dirty="0"/>
+              <a:t> per </a:t>
+            </a:r>
+            <a:r>
+              <a:rPr lang="en-US" sz="1200" i="1" dirty="0" smtClean="0"/>
+              <a:t>device/host.</a:t>
+            </a:r>
+          </a:p>
+          <a:p>
+            <a:pPr marL="171450" indent="-171450">
+              <a:buFont typeface="Wingdings" panose="05000000000000000000" pitchFamily="2" charset="2"/>
+              <a:buChar char="§"/>
+            </a:pPr>
+            <a:r>
+              <a:rPr lang="en-US" sz="1200" b="1" dirty="0" err="1">
+                <a:solidFill>
+                  <a:srgbClr val="FF0000"/>
+                </a:solidFill>
+              </a:rPr>
+              <a:t>v</a:t>
+            </a:r>
+            <a:r>
+              <a:rPr lang="en-US" sz="1200" b="1" dirty="0" err="1" smtClean="0">
+                <a:solidFill>
+                  <a:srgbClr val="FF0000"/>
+                </a:solidFill>
+              </a:rPr>
+              <a:t>someip.json</a:t>
+            </a:r>
+            <a:r>
+              <a:rPr lang="en-US" sz="1200" dirty="0" smtClean="0"/>
+              <a:t> </a:t>
+            </a:r>
+            <a:r>
+              <a:rPr lang="en-US" sz="1200" dirty="0"/>
+              <a:t>define multiple critical purposes in the </a:t>
+            </a:r>
+            <a:r>
+              <a:rPr lang="en-US" sz="1200" dirty="0" err="1"/>
+              <a:t>vsomeip</a:t>
+            </a:r>
+            <a:r>
+              <a:rPr lang="en-US" sz="1200" dirty="0"/>
+              <a:t> </a:t>
+            </a:r>
+            <a:r>
+              <a:rPr lang="en-US" sz="1200" dirty="0" smtClean="0"/>
+              <a:t>architecture (include </a:t>
+            </a:r>
+            <a:r>
+              <a:rPr lang="fr-FR" sz="1200" i="1" dirty="0" err="1"/>
+              <a:t>ServiceA</a:t>
+            </a:r>
+            <a:r>
+              <a:rPr lang="fr-FR" sz="1200" i="1" dirty="0"/>
+              <a:t> </a:t>
+            </a:r>
+            <a:r>
+              <a:rPr lang="fr-FR" sz="1200" i="1" dirty="0" smtClean="0"/>
+              <a:t>identifier, </a:t>
+            </a:r>
+            <a:r>
+              <a:rPr lang="fr-FR" sz="1200" i="1" dirty="0" err="1"/>
+              <a:t>ServiceA</a:t>
+            </a:r>
+            <a:r>
+              <a:rPr lang="fr-FR" sz="1200" i="1" dirty="0"/>
+              <a:t> </a:t>
+            </a:r>
+            <a:r>
+              <a:rPr lang="fr-FR" sz="1200" i="1" dirty="0" err="1"/>
+              <a:t>endpoint</a:t>
+            </a:r>
+            <a:r>
+              <a:rPr lang="en-US" sz="1200" dirty="0" smtClean="0"/>
+              <a:t>)</a:t>
+            </a:r>
+            <a:endParaRPr lang="en-US" sz="1200" dirty="0"/>
+          </a:p>
+        </p:txBody>
+      </p:sp>
+      <p:sp>
+        <p:nvSpPr>
+          <p:cNvPr id="2" name="TextBox 1"/>
+          <p:cNvSpPr txBox="1"/>
+          <p:nvPr/>
+        </p:nvSpPr>
+        <p:spPr>
+          <a:xfrm>
+            <a:off x="6249893" y="2272297"/>
+            <a:ext cx="823260" cy="276999"/>
+          </a:xfrm>
+          <a:prstGeom prst="rect">
+            <a:avLst/>
+          </a:prstGeom>
+          <a:noFill/>
+        </p:spPr>
+        <p:txBody>
+          <a:bodyPr wrap="square" rtlCol="0">
+            <a:spAutoFit/>
+          </a:bodyPr>
+          <a:lstStyle/>
+          <a:p>
+            <a:r>
+              <a:rPr lang="en-US" sz="1200" dirty="0"/>
+              <a:t>App3 </a:t>
+            </a:r>
+            <a:r>
+              <a:rPr lang="en-US" sz="1200" dirty="0" err="1" smtClean="0"/>
+              <a:t>impl</a:t>
+            </a:r>
+            <a:endParaRPr lang="en-US" sz="1200" dirty="0"/>
+          </a:p>
+        </p:txBody>
+      </p:sp>
+      <p:sp>
+        <p:nvSpPr>
+          <p:cNvPr id="4" name="Rectangle 3"/>
+          <p:cNvSpPr/>
+          <p:nvPr/>
+        </p:nvSpPr>
+        <p:spPr>
+          <a:xfrm>
+            <a:off x="6176963" y="2558616"/>
+            <a:ext cx="528836" cy="225390"/>
+          </a:xfrm>
+          <a:prstGeom prst="rect">
+            <a:avLst/>
+          </a:prstGeom>
+        </p:spPr>
+        <p:style>
+          <a:lnRef idx="2">
+            <a:schemeClr val="accent1"/>
+          </a:lnRef>
+          <a:fillRef idx="1">
+            <a:schemeClr val="lt1"/>
+          </a:fillRef>
+          <a:effectRef idx="0">
+            <a:schemeClr val="accent1"/>
+          </a:effectRef>
+          <a:fontRef idx="minor">
+            <a:schemeClr val="dk1"/>
+          </a:fontRef>
+        </p:style>
+        <p:txBody>
+          <a:bodyPr rtlCol="0" anchor="ctr"/>
+          <a:lstStyle/>
+          <a:p>
+            <a:pPr algn="ctr"/>
+            <a:r>
+              <a:rPr lang="en-US" sz="800" dirty="0" smtClean="0"/>
+              <a:t>Service A</a:t>
+            </a:r>
+            <a:endParaRPr lang="en-US" sz="800" dirty="0"/>
+          </a:p>
+        </p:txBody>
+      </p:sp>
+      <p:sp>
+        <p:nvSpPr>
+          <p:cNvPr id="44" name="Rectangle 43"/>
+          <p:cNvSpPr/>
+          <p:nvPr/>
+        </p:nvSpPr>
+        <p:spPr>
+          <a:xfrm>
+            <a:off x="6731595" y="2565944"/>
+            <a:ext cx="528836" cy="225390"/>
+          </a:xfrm>
+          <a:prstGeom prst="rect">
+            <a:avLst/>
+          </a:prstGeom>
+        </p:spPr>
+        <p:style>
+          <a:lnRef idx="2">
+            <a:schemeClr val="accent1"/>
+          </a:lnRef>
+          <a:fillRef idx="1">
+            <a:schemeClr val="lt1"/>
+          </a:fillRef>
+          <a:effectRef idx="0">
+            <a:schemeClr val="accent1"/>
+          </a:effectRef>
+          <a:fontRef idx="minor">
+            <a:schemeClr val="dk1"/>
+          </a:fontRef>
+        </p:style>
+        <p:txBody>
+          <a:bodyPr rtlCol="0" anchor="ctr"/>
+          <a:lstStyle/>
+          <a:p>
+            <a:pPr algn="ctr"/>
+            <a:r>
+              <a:rPr lang="en-US" sz="800" dirty="0" smtClean="0"/>
+              <a:t>Service B</a:t>
+            </a:r>
+            <a:endParaRPr lang="en-US" sz="800" dirty="0"/>
+          </a:p>
+        </p:txBody>
+      </p:sp>
+      <p:sp>
+        <p:nvSpPr>
+          <p:cNvPr id="5" name="TextBox 4"/>
+          <p:cNvSpPr txBox="1"/>
+          <p:nvPr/>
+        </p:nvSpPr>
+        <p:spPr>
+          <a:xfrm>
+            <a:off x="761190" y="1269363"/>
+            <a:ext cx="3473002" cy="738664"/>
+          </a:xfrm>
+          <a:prstGeom prst="rect">
+            <a:avLst/>
+          </a:prstGeom>
+          <a:noFill/>
+        </p:spPr>
+        <p:txBody>
+          <a:bodyPr wrap="none" rtlCol="0">
+            <a:spAutoFit/>
+          </a:bodyPr>
+          <a:lstStyle/>
+          <a:p>
+            <a:pPr marL="285750" indent="-285750">
               <a:buFont typeface="Wingdings" panose="05000000000000000000" pitchFamily="2" charset="2"/>
               <a:buChar char="q"/>
             </a:pPr>
             <a:r>
-              <a:rPr lang="en-US" sz="1200" dirty="0"/>
-              <a:t>The following picture shows the general structure of a SOME/IP SD message.</a:t>
-            </a:r>
-            <a:endParaRPr lang="en-US" sz="1200" dirty="0"/>
-          </a:p>
-        </p:txBody>
-      </p:sp>
-      <p:sp>
-        <p:nvSpPr>
-          <p:cNvPr id="7" name="TextBox 6"/>
+              <a:rPr lang="en-US" sz="1400" dirty="0" smtClean="0"/>
+              <a:t>Abstraction: Service interfaces</a:t>
+            </a:r>
+          </a:p>
+          <a:p>
+            <a:pPr marL="285750" indent="-285750">
+              <a:buFont typeface="Wingdings" panose="05000000000000000000" pitchFamily="2" charset="2"/>
+              <a:buChar char="q"/>
+            </a:pPr>
+            <a:r>
+              <a:rPr lang="en-US" sz="1400" dirty="0"/>
+              <a:t>Discoverability: Find services dynamically</a:t>
+            </a:r>
+          </a:p>
+          <a:p>
+            <a:pPr marL="285750" indent="-285750">
+              <a:buFont typeface="Wingdings" panose="05000000000000000000" pitchFamily="2" charset="2"/>
+              <a:buChar char="q"/>
+            </a:pPr>
+            <a:r>
+              <a:rPr lang="en-US" sz="1400" dirty="0" smtClean="0"/>
+              <a:t>…</a:t>
+            </a:r>
+            <a:endParaRPr lang="en-US" sz="1400" dirty="0"/>
+          </a:p>
+        </p:txBody>
+      </p:sp>
+      <p:cxnSp>
+        <p:nvCxnSpPr>
+          <p:cNvPr id="10" name="Straight Connector 9"/>
+          <p:cNvCxnSpPr/>
+          <p:nvPr/>
+        </p:nvCxnSpPr>
+        <p:spPr>
+          <a:xfrm flipV="1">
+            <a:off x="6503999" y="1579874"/>
+            <a:ext cx="485311" cy="1078419"/>
+          </a:xfrm>
+          <a:prstGeom prst="line">
+            <a:avLst/>
+          </a:prstGeom>
+          <a:ln w="6350">
+            <a:prstDash val="dash"/>
+          </a:ln>
+        </p:spPr>
+        <p:style>
+          <a:lnRef idx="1">
+            <a:schemeClr val="accent1"/>
+          </a:lnRef>
+          <a:fillRef idx="0">
+            <a:schemeClr val="accent1"/>
+          </a:fillRef>
+          <a:effectRef idx="0">
+            <a:schemeClr val="accent1"/>
+          </a:effectRef>
+          <a:fontRef idx="minor">
+            <a:schemeClr val="tx1"/>
+          </a:fontRef>
+        </p:style>
+      </p:cxnSp>
+      <p:sp>
+        <p:nvSpPr>
+          <p:cNvPr id="12" name="Double Brace 11"/>
+          <p:cNvSpPr/>
+          <p:nvPr/>
+        </p:nvSpPr>
+        <p:spPr>
+          <a:xfrm>
+            <a:off x="7976883" y="1214107"/>
+            <a:ext cx="767387" cy="228830"/>
+          </a:xfrm>
+          <a:prstGeom prst="bracePair">
+            <a:avLst/>
+          </a:prstGeom>
+        </p:spPr>
+        <p:style>
+          <a:lnRef idx="1">
+            <a:schemeClr val="accent1"/>
+          </a:lnRef>
+          <a:fillRef idx="0">
+            <a:schemeClr val="accent1"/>
+          </a:fillRef>
+          <a:effectRef idx="0">
+            <a:schemeClr val="accent1"/>
+          </a:effectRef>
+          <a:fontRef idx="minor">
+            <a:schemeClr val="tx1"/>
+          </a:fontRef>
+        </p:style>
+        <p:txBody>
+          <a:bodyPr rtlCol="0" anchor="ctr"/>
+          <a:lstStyle/>
+          <a:p>
+            <a:pPr algn="ctr"/>
+            <a:r>
+              <a:rPr lang="en-US" sz="1200" i="1" dirty="0" smtClean="0"/>
+              <a:t>App ID = 0x1212</a:t>
+            </a:r>
+            <a:endParaRPr lang="en-US" sz="1200" i="1" dirty="0"/>
+          </a:p>
+        </p:txBody>
+      </p:sp>
+      <p:cxnSp>
+        <p:nvCxnSpPr>
+          <p:cNvPr id="14" name="Straight Connector 13"/>
+          <p:cNvCxnSpPr>
+            <a:endCxn id="41" idx="3"/>
+          </p:cNvCxnSpPr>
+          <p:nvPr/>
+        </p:nvCxnSpPr>
+        <p:spPr>
+          <a:xfrm flipH="1">
+            <a:off x="7276234" y="1471567"/>
+            <a:ext cx="1107658" cy="1429364"/>
+          </a:xfrm>
+          <a:prstGeom prst="line">
+            <a:avLst/>
+          </a:prstGeom>
+          <a:ln w="6350">
+            <a:prstDash val="dash"/>
+          </a:ln>
+        </p:spPr>
+        <p:style>
+          <a:lnRef idx="1">
+            <a:schemeClr val="accent1"/>
+          </a:lnRef>
+          <a:fillRef idx="0">
+            <a:schemeClr val="accent1"/>
+          </a:fillRef>
+          <a:effectRef idx="0">
+            <a:schemeClr val="accent1"/>
+          </a:effectRef>
+          <a:fontRef idx="minor">
+            <a:schemeClr val="tx1"/>
+          </a:fontRef>
+        </p:style>
+      </p:cxnSp>
+      <p:sp>
+        <p:nvSpPr>
+          <p:cNvPr id="6" name="TextBox 5"/>
           <p:cNvSpPr txBox="1"/>
           <p:nvPr/>
         </p:nvSpPr>
         <p:spPr>
           <a:xfrm>
-            <a:off x="347330" y="1520682"/>
-            <a:ext cx="6845785" cy="276999"/>
+            <a:off x="729262" y="2363171"/>
+            <a:ext cx="822661" cy="276999"/>
           </a:xfrm>
           <a:prstGeom prst="rect">
             <a:avLst/>
@@ -8242,26 +10371,830 @@
           </a:bodyPr>
           <a:lstStyle/>
           <a:p>
-            <a:pPr marL="171450" indent="-171450">
-              <a:buFont typeface="Wingdings" panose="05000000000000000000" pitchFamily="2" charset="2"/>
-              <a:buChar char="q"/>
-            </a:pPr>
-            <a:r>
-              <a:rPr lang="en-US" sz="1200" dirty="0"/>
-              <a:t>In principle, SOME/IP communication consists of messages sent between devices or subscribers over IP</a:t>
-            </a:r>
             <a:r>
               <a:rPr lang="en-US" sz="1200" dirty="0" smtClean="0"/>
-              <a:t>.</a:t>
+              <a:t>App1 </a:t>
+            </a:r>
+            <a:r>
+              <a:rPr lang="en-US" sz="1200" dirty="0" err="1" smtClean="0"/>
+              <a:t>impl</a:t>
             </a:r>
             <a:endParaRPr lang="en-US" sz="1200" dirty="0"/>
           </a:p>
         </p:txBody>
       </p:sp>
+      <p:sp>
+        <p:nvSpPr>
+          <p:cNvPr id="57" name="Rectangle 56"/>
+          <p:cNvSpPr/>
+          <p:nvPr/>
+        </p:nvSpPr>
+        <p:spPr>
+          <a:xfrm>
+            <a:off x="682912" y="2705963"/>
+            <a:ext cx="528836" cy="225390"/>
+          </a:xfrm>
+          <a:prstGeom prst="rect">
+            <a:avLst/>
+          </a:prstGeom>
+        </p:spPr>
+        <p:style>
+          <a:lnRef idx="2">
+            <a:schemeClr val="accent1"/>
+          </a:lnRef>
+          <a:fillRef idx="1">
+            <a:schemeClr val="lt1"/>
+          </a:fillRef>
+          <a:effectRef idx="0">
+            <a:schemeClr val="accent1"/>
+          </a:effectRef>
+          <a:fontRef idx="minor">
+            <a:schemeClr val="dk1"/>
+          </a:fontRef>
+        </p:style>
+        <p:txBody>
+          <a:bodyPr rtlCol="0" anchor="ctr"/>
+          <a:lstStyle/>
+          <a:p>
+            <a:pPr algn="ctr"/>
+            <a:r>
+              <a:rPr lang="en-US" sz="800" dirty="0" smtClean="0"/>
+              <a:t>Service C</a:t>
+            </a:r>
+            <a:endParaRPr lang="en-US" sz="800" dirty="0"/>
+          </a:p>
+        </p:txBody>
+      </p:sp>
+      <p:sp>
+        <p:nvSpPr>
+          <p:cNvPr id="59" name="Rectangle 58"/>
+          <p:cNvSpPr/>
+          <p:nvPr/>
+        </p:nvSpPr>
+        <p:spPr>
+          <a:xfrm>
+            <a:off x="1240715" y="2712218"/>
+            <a:ext cx="475320" cy="218453"/>
+          </a:xfrm>
+          <a:prstGeom prst="rect">
+            <a:avLst/>
+          </a:prstGeom>
+        </p:spPr>
+        <p:style>
+          <a:lnRef idx="2">
+            <a:schemeClr val="accent1"/>
+          </a:lnRef>
+          <a:fillRef idx="1">
+            <a:schemeClr val="lt1"/>
+          </a:fillRef>
+          <a:effectRef idx="0">
+            <a:schemeClr val="accent1"/>
+          </a:effectRef>
+          <a:fontRef idx="minor">
+            <a:schemeClr val="dk1"/>
+          </a:fontRef>
+        </p:style>
+        <p:txBody>
+          <a:bodyPr rtlCol="0" anchor="ctr"/>
+          <a:lstStyle/>
+          <a:p>
+            <a:pPr algn="ctr"/>
+            <a:r>
+              <a:rPr lang="en-US" sz="800" dirty="0" smtClean="0"/>
+              <a:t>Client  A</a:t>
+            </a:r>
+            <a:endParaRPr lang="en-US" sz="800" dirty="0"/>
+          </a:p>
+        </p:txBody>
+      </p:sp>
+      <p:sp>
+        <p:nvSpPr>
+          <p:cNvPr id="64" name="TextBox 63"/>
+          <p:cNvSpPr txBox="1"/>
+          <p:nvPr/>
+        </p:nvSpPr>
+        <p:spPr>
+          <a:xfrm>
+            <a:off x="2131392" y="2336358"/>
+            <a:ext cx="822661" cy="276999"/>
+          </a:xfrm>
+          <a:prstGeom prst="rect">
+            <a:avLst/>
+          </a:prstGeom>
+          <a:noFill/>
+        </p:spPr>
+        <p:txBody>
+          <a:bodyPr wrap="none" rtlCol="0">
+            <a:spAutoFit/>
+          </a:bodyPr>
+          <a:lstStyle/>
+          <a:p>
+            <a:r>
+              <a:rPr lang="en-US" sz="1200" dirty="0" smtClean="0"/>
+              <a:t>App2 </a:t>
+            </a:r>
+            <a:r>
+              <a:rPr lang="en-US" sz="1200" dirty="0" err="1" smtClean="0"/>
+              <a:t>impl</a:t>
+            </a:r>
+            <a:endParaRPr lang="en-US" sz="1200" dirty="0"/>
+          </a:p>
+        </p:txBody>
+      </p:sp>
+      <p:sp>
+        <p:nvSpPr>
+          <p:cNvPr id="66" name="Rectangle 65"/>
+          <p:cNvSpPr/>
+          <p:nvPr/>
+        </p:nvSpPr>
+        <p:spPr>
+          <a:xfrm>
+            <a:off x="2187973" y="2697687"/>
+            <a:ext cx="475320" cy="218453"/>
+          </a:xfrm>
+          <a:prstGeom prst="rect">
+            <a:avLst/>
+          </a:prstGeom>
+        </p:spPr>
+        <p:style>
+          <a:lnRef idx="2">
+            <a:schemeClr val="accent1"/>
+          </a:lnRef>
+          <a:fillRef idx="1">
+            <a:schemeClr val="lt1"/>
+          </a:fillRef>
+          <a:effectRef idx="0">
+            <a:schemeClr val="accent1"/>
+          </a:effectRef>
+          <a:fontRef idx="minor">
+            <a:schemeClr val="dk1"/>
+          </a:fontRef>
+        </p:style>
+        <p:txBody>
+          <a:bodyPr rtlCol="0" anchor="ctr"/>
+          <a:lstStyle/>
+          <a:p>
+            <a:pPr algn="ctr"/>
+            <a:r>
+              <a:rPr lang="en-US" sz="800" dirty="0" smtClean="0"/>
+              <a:t>Client  </a:t>
+            </a:r>
+            <a:r>
+              <a:rPr lang="en-US" sz="800" dirty="0"/>
+              <a:t>C</a:t>
+            </a:r>
+          </a:p>
+        </p:txBody>
+      </p:sp>
+      <p:sp>
+        <p:nvSpPr>
+          <p:cNvPr id="68" name="Rectangle 67"/>
+          <p:cNvSpPr/>
+          <p:nvPr/>
+        </p:nvSpPr>
+        <p:spPr>
+          <a:xfrm>
+            <a:off x="2686546" y="2708695"/>
+            <a:ext cx="475320" cy="218453"/>
+          </a:xfrm>
+          <a:prstGeom prst="rect">
+            <a:avLst/>
+          </a:prstGeom>
+        </p:spPr>
+        <p:style>
+          <a:lnRef idx="2">
+            <a:schemeClr val="accent1"/>
+          </a:lnRef>
+          <a:fillRef idx="1">
+            <a:schemeClr val="lt1"/>
+          </a:fillRef>
+          <a:effectRef idx="0">
+            <a:schemeClr val="accent1"/>
+          </a:effectRef>
+          <a:fontRef idx="minor">
+            <a:schemeClr val="dk1"/>
+          </a:fontRef>
+        </p:style>
+        <p:txBody>
+          <a:bodyPr rtlCol="0" anchor="ctr"/>
+          <a:lstStyle/>
+          <a:p>
+            <a:pPr algn="ctr"/>
+            <a:r>
+              <a:rPr lang="en-US" sz="800" dirty="0" smtClean="0"/>
+              <a:t>Client  A</a:t>
+            </a:r>
+            <a:endParaRPr lang="en-US" sz="800" dirty="0"/>
+          </a:p>
+        </p:txBody>
+      </p:sp>
+      <p:sp>
+        <p:nvSpPr>
+          <p:cNvPr id="13" name="TextBox 12"/>
+          <p:cNvSpPr txBox="1"/>
+          <p:nvPr/>
+        </p:nvSpPr>
+        <p:spPr>
+          <a:xfrm>
+            <a:off x="5171987" y="4603547"/>
+            <a:ext cx="1401346" cy="830997"/>
+          </a:xfrm>
+          <a:prstGeom prst="rect">
+            <a:avLst/>
+          </a:prstGeom>
+          <a:noFill/>
+        </p:spPr>
+        <p:txBody>
+          <a:bodyPr wrap="none" rtlCol="0">
+            <a:spAutoFit/>
+          </a:bodyPr>
+          <a:lstStyle/>
+          <a:p>
+            <a:r>
+              <a:rPr lang="fr-FR" sz="1200" i="1" dirty="0" err="1"/>
+              <a:t>ServiceA</a:t>
+            </a:r>
+            <a:r>
+              <a:rPr lang="fr-FR" sz="1200" i="1" dirty="0"/>
+              <a:t> </a:t>
+            </a:r>
+            <a:r>
+              <a:rPr lang="fr-FR" sz="1200" i="1" dirty="0" err="1" smtClean="0"/>
+              <a:t>endpoint</a:t>
+            </a:r>
+            <a:r>
+              <a:rPr lang="fr-FR" sz="1200" i="1" dirty="0" smtClean="0"/>
+              <a:t>{</a:t>
+            </a:r>
+            <a:endParaRPr lang="fr-FR" sz="1200" i="1" dirty="0"/>
+          </a:p>
+          <a:p>
+            <a:r>
+              <a:rPr lang="fr-FR" sz="1200" i="1" dirty="0"/>
+              <a:t>   </a:t>
+            </a:r>
+            <a:r>
+              <a:rPr lang="fr-FR" sz="1200" i="1" dirty="0">
+                <a:solidFill>
+                  <a:srgbClr val="00B050"/>
+                </a:solidFill>
+              </a:rPr>
+              <a:t>TCP port= </a:t>
+            </a:r>
+            <a:r>
+              <a:rPr lang="fr-FR" sz="1200" i="1" dirty="0" smtClean="0">
+                <a:solidFill>
+                  <a:srgbClr val="00B050"/>
+                </a:solidFill>
+              </a:rPr>
+              <a:t>30500</a:t>
+            </a:r>
+            <a:endParaRPr lang="fr-FR" sz="1200" i="1" dirty="0">
+              <a:solidFill>
+                <a:srgbClr val="00B050"/>
+              </a:solidFill>
+            </a:endParaRPr>
+          </a:p>
+          <a:p>
+            <a:r>
+              <a:rPr lang="fr-FR" sz="1200" i="1" dirty="0">
+                <a:solidFill>
+                  <a:srgbClr val="00B050"/>
+                </a:solidFill>
+              </a:rPr>
+              <a:t>   UDP port = </a:t>
+            </a:r>
+            <a:r>
+              <a:rPr lang="fr-FR" sz="1200" i="1" dirty="0" smtClean="0">
+                <a:solidFill>
+                  <a:srgbClr val="00B050"/>
+                </a:solidFill>
+              </a:rPr>
+              <a:t>30501</a:t>
+            </a:r>
+            <a:endParaRPr lang="fr-FR" sz="1200" i="1" dirty="0">
+              <a:solidFill>
+                <a:srgbClr val="00B050"/>
+              </a:solidFill>
+            </a:endParaRPr>
+          </a:p>
+          <a:p>
+            <a:r>
+              <a:rPr lang="fr-FR" sz="1200" i="1" dirty="0"/>
+              <a:t>}</a:t>
+            </a:r>
+            <a:endParaRPr lang="en-US" sz="1200" i="1" dirty="0"/>
+          </a:p>
+        </p:txBody>
+      </p:sp>
+      <p:sp>
+        <p:nvSpPr>
+          <p:cNvPr id="70" name="TextBox 69"/>
+          <p:cNvSpPr txBox="1"/>
+          <p:nvPr/>
+        </p:nvSpPr>
+        <p:spPr>
+          <a:xfrm>
+            <a:off x="6214795" y="1152314"/>
+            <a:ext cx="1580882" cy="830997"/>
+          </a:xfrm>
+          <a:prstGeom prst="rect">
+            <a:avLst/>
+          </a:prstGeom>
+          <a:noFill/>
+        </p:spPr>
+        <p:txBody>
+          <a:bodyPr wrap="none" rtlCol="0">
+            <a:spAutoFit/>
+          </a:bodyPr>
+          <a:lstStyle/>
+          <a:p>
+            <a:r>
+              <a:rPr lang="fr-FR" sz="1200" i="1" dirty="0" err="1"/>
+              <a:t>ServiceA</a:t>
+            </a:r>
+            <a:r>
+              <a:rPr lang="fr-FR" sz="1200" i="1" dirty="0"/>
+              <a:t> identifier {</a:t>
+            </a:r>
+          </a:p>
+          <a:p>
+            <a:r>
+              <a:rPr lang="fr-FR" sz="1200" i="1" dirty="0"/>
+              <a:t>   </a:t>
+            </a:r>
+            <a:r>
+              <a:rPr lang="fr-FR" sz="1200" i="1" dirty="0">
+                <a:solidFill>
+                  <a:srgbClr val="00B050"/>
+                </a:solidFill>
+              </a:rPr>
+              <a:t>service </a:t>
+            </a:r>
+            <a:r>
+              <a:rPr lang="fr-FR" sz="1200" i="1" dirty="0" smtClean="0">
+                <a:solidFill>
+                  <a:srgbClr val="00B050"/>
+                </a:solidFill>
+              </a:rPr>
+              <a:t>ID = 0x1234</a:t>
+            </a:r>
+            <a:endParaRPr lang="fr-FR" sz="1200" i="1" dirty="0">
+              <a:solidFill>
+                <a:srgbClr val="00B050"/>
+              </a:solidFill>
+            </a:endParaRPr>
+          </a:p>
+          <a:p>
+            <a:r>
+              <a:rPr lang="fr-FR" sz="1200" i="1" dirty="0"/>
+              <a:t>   </a:t>
+            </a:r>
+            <a:r>
+              <a:rPr lang="fr-FR" sz="1200" i="1" dirty="0">
+                <a:solidFill>
+                  <a:srgbClr val="00B050"/>
+                </a:solidFill>
+              </a:rPr>
+              <a:t>instance </a:t>
+            </a:r>
+            <a:r>
+              <a:rPr lang="fr-FR" sz="1200" i="1" dirty="0" smtClean="0">
+                <a:solidFill>
+                  <a:srgbClr val="00B050"/>
+                </a:solidFill>
+              </a:rPr>
+              <a:t>ID = 0x5678</a:t>
+            </a:r>
+            <a:endParaRPr lang="fr-FR" sz="1200" i="1" dirty="0">
+              <a:solidFill>
+                <a:srgbClr val="00B050"/>
+              </a:solidFill>
+            </a:endParaRPr>
+          </a:p>
+          <a:p>
+            <a:r>
+              <a:rPr lang="fr-FR" sz="1200" i="1" dirty="0"/>
+              <a:t>}</a:t>
+            </a:r>
+            <a:endParaRPr lang="en-US" sz="1200" i="1" dirty="0"/>
+          </a:p>
+        </p:txBody>
+      </p:sp>
+      <p:sp>
+        <p:nvSpPr>
+          <p:cNvPr id="17" name="TextBox 16"/>
+          <p:cNvSpPr txBox="1"/>
+          <p:nvPr/>
+        </p:nvSpPr>
+        <p:spPr>
+          <a:xfrm>
+            <a:off x="208753" y="5696255"/>
+            <a:ext cx="4048288" cy="677108"/>
+          </a:xfrm>
+          <a:prstGeom prst="rect">
+            <a:avLst/>
+          </a:prstGeom>
+          <a:noFill/>
+        </p:spPr>
+        <p:txBody>
+          <a:bodyPr wrap="none" rtlCol="0">
+            <a:spAutoFit/>
+          </a:bodyPr>
+          <a:lstStyle/>
+          <a:p>
+            <a:r>
+              <a:rPr lang="fr-FR" sz="1200" i="1" dirty="0" err="1" smtClean="0"/>
+              <a:t>ClientA</a:t>
+            </a:r>
+            <a:r>
+              <a:rPr lang="fr-FR" sz="1200" i="1" dirty="0" smtClean="0"/>
+              <a:t> </a:t>
+            </a:r>
+            <a:r>
+              <a:rPr lang="fr-FR" sz="1200" i="1" dirty="0" err="1" smtClean="0"/>
+              <a:t>don’t</a:t>
+            </a:r>
+            <a:r>
+              <a:rPr lang="fr-FR" sz="1200" i="1" dirty="0" smtClean="0"/>
+              <a:t> know Device2 (IP + TCP/UDP Port)</a:t>
+            </a:r>
+          </a:p>
+          <a:p>
+            <a:r>
+              <a:rPr lang="en-US" sz="1200" i="1" dirty="0" err="1"/>
+              <a:t>ClientA</a:t>
+            </a:r>
+            <a:r>
+              <a:rPr lang="en-US" sz="1200" i="1" dirty="0"/>
+              <a:t> only know </a:t>
+            </a:r>
+            <a:r>
+              <a:rPr lang="fr-FR" sz="1200" i="1" dirty="0" err="1"/>
+              <a:t>ServiceA</a:t>
+            </a:r>
+            <a:r>
+              <a:rPr lang="fr-FR" sz="1200" i="1" dirty="0"/>
+              <a:t> identifier </a:t>
+            </a:r>
+            <a:r>
+              <a:rPr lang="fr-FR" sz="1200" i="1" dirty="0" smtClean="0"/>
+              <a:t>(</a:t>
+            </a:r>
+            <a:r>
+              <a:rPr lang="fr-FR" sz="1200" i="1" dirty="0"/>
+              <a:t>service ID + instance ID</a:t>
+            </a:r>
+            <a:r>
+              <a:rPr lang="fr-FR" sz="1200" i="1" dirty="0" smtClean="0"/>
+              <a:t>).</a:t>
+            </a:r>
+          </a:p>
+          <a:p>
+            <a:r>
+              <a:rPr lang="en-US" sz="1400" dirty="0" smtClean="0">
+                <a:solidFill>
+                  <a:srgbClr val="FF0000"/>
+                </a:solidFill>
+              </a:rPr>
+              <a:t>Q</a:t>
+            </a:r>
+            <a:r>
+              <a:rPr lang="en-US" sz="1400" dirty="0">
+                <a:solidFill>
+                  <a:srgbClr val="FF0000"/>
+                </a:solidFill>
+              </a:rPr>
+              <a:t>: </a:t>
+            </a:r>
+            <a:r>
+              <a:rPr lang="en-US" sz="1400" dirty="0" smtClean="0">
+                <a:solidFill>
+                  <a:srgbClr val="FF0000"/>
+                </a:solidFill>
+              </a:rPr>
+              <a:t>How client A can send data to Service A ?</a:t>
+            </a:r>
+            <a:endParaRPr lang="en-US" sz="1400" dirty="0">
+              <a:solidFill>
+                <a:srgbClr val="FF0000"/>
+              </a:solidFill>
+            </a:endParaRPr>
+          </a:p>
+        </p:txBody>
+      </p:sp>
+      <p:sp>
+        <p:nvSpPr>
+          <p:cNvPr id="20" name="Right Arrow 19"/>
+          <p:cNvSpPr/>
+          <p:nvPr/>
+        </p:nvSpPr>
+        <p:spPr>
+          <a:xfrm>
+            <a:off x="3845062" y="6139717"/>
+            <a:ext cx="960020" cy="264834"/>
+          </a:xfrm>
+          <a:prstGeom prst="rightArrow">
+            <a:avLst/>
+          </a:prstGeom>
+        </p:spPr>
+        <p:style>
+          <a:lnRef idx="2">
+            <a:schemeClr val="accent1">
+              <a:shade val="50000"/>
+            </a:schemeClr>
+          </a:lnRef>
+          <a:fillRef idx="1">
+            <a:schemeClr val="accent1"/>
+          </a:fillRef>
+          <a:effectRef idx="0">
+            <a:schemeClr val="accent1"/>
+          </a:effectRef>
+          <a:fontRef idx="minor">
+            <a:schemeClr val="lt1"/>
+          </a:fontRef>
+        </p:style>
+        <p:txBody>
+          <a:bodyPr rtlCol="0" anchor="ctr"/>
+          <a:lstStyle/>
+          <a:p>
+            <a:pPr algn="ctr"/>
+            <a:endParaRPr lang="en-US"/>
+          </a:p>
+        </p:txBody>
+      </p:sp>
+      <p:sp>
+        <p:nvSpPr>
+          <p:cNvPr id="8" name="TextBox 7"/>
+          <p:cNvSpPr txBox="1"/>
+          <p:nvPr/>
+        </p:nvSpPr>
+        <p:spPr>
+          <a:xfrm>
+            <a:off x="6757790" y="4164749"/>
+            <a:ext cx="870751" cy="215444"/>
+          </a:xfrm>
+          <a:prstGeom prst="rect">
+            <a:avLst/>
+          </a:prstGeom>
+          <a:noFill/>
+        </p:spPr>
+        <p:txBody>
+          <a:bodyPr wrap="none" rtlCol="0">
+            <a:spAutoFit/>
+          </a:bodyPr>
+          <a:lstStyle/>
+          <a:p>
+            <a:r>
+              <a:rPr lang="en-US" sz="800" dirty="0"/>
+              <a:t>/</a:t>
+            </a:r>
+            <a:r>
+              <a:rPr lang="en-US" sz="800" dirty="0" err="1"/>
+              <a:t>tmp</a:t>
+            </a:r>
+            <a:r>
+              <a:rPr lang="en-US" sz="800" dirty="0"/>
+              <a:t>/vsomeip-0</a:t>
+            </a:r>
+          </a:p>
+        </p:txBody>
+      </p:sp>
+      <p:sp>
+        <p:nvSpPr>
+          <p:cNvPr id="72" name="TextBox 71"/>
+          <p:cNvSpPr txBox="1"/>
+          <p:nvPr/>
+        </p:nvSpPr>
+        <p:spPr>
+          <a:xfrm>
+            <a:off x="6256991" y="3277744"/>
+            <a:ext cx="1024639" cy="215444"/>
+          </a:xfrm>
+          <a:prstGeom prst="rect">
+            <a:avLst/>
+          </a:prstGeom>
+          <a:noFill/>
+        </p:spPr>
+        <p:txBody>
+          <a:bodyPr wrap="none" rtlCol="0">
+            <a:spAutoFit/>
+          </a:bodyPr>
+          <a:lstStyle/>
+          <a:p>
+            <a:r>
+              <a:rPr lang="en-US" sz="800" dirty="0"/>
+              <a:t>/</a:t>
+            </a:r>
+            <a:r>
+              <a:rPr lang="en-US" sz="800" dirty="0" err="1" smtClean="0"/>
+              <a:t>tmp</a:t>
+            </a:r>
+            <a:r>
+              <a:rPr lang="en-US" sz="800" dirty="0" smtClean="0"/>
+              <a:t>/vsomeip-1212</a:t>
+            </a:r>
+            <a:endParaRPr lang="en-US" sz="800" dirty="0"/>
+          </a:p>
+        </p:txBody>
+      </p:sp>
+      <p:sp>
+        <p:nvSpPr>
+          <p:cNvPr id="9" name="Slide Number Placeholder 8"/>
+          <p:cNvSpPr>
+            <a:spLocks noGrp="1"/>
+          </p:cNvSpPr>
+          <p:nvPr>
+            <p:ph type="sldNum" sz="quarter" idx="12"/>
+          </p:nvPr>
+        </p:nvSpPr>
+        <p:spPr>
+          <a:xfrm>
+            <a:off x="8744270" y="6492875"/>
+            <a:ext cx="2057400" cy="365125"/>
+          </a:xfrm>
+        </p:spPr>
+        <p:txBody>
+          <a:bodyPr/>
+          <a:lstStyle/>
+          <a:p>
+            <a:fld id="{96C55251-E90D-44CC-8B75-53FCEE02E655}" type="slidenum">
+              <a:rPr lang="en-US" smtClean="0">
+                <a:solidFill>
+                  <a:schemeClr val="bg1">
+                    <a:lumMod val="50000"/>
+                  </a:schemeClr>
+                </a:solidFill>
+              </a:rPr>
+              <a:t>11</a:t>
+            </a:fld>
+            <a:endParaRPr lang="en-US" dirty="0">
+              <a:solidFill>
+                <a:schemeClr val="bg1">
+                  <a:lumMod val="50000"/>
+                </a:schemeClr>
+              </a:solidFill>
+            </a:endParaRPr>
+          </a:p>
+        </p:txBody>
+      </p:sp>
+      <p:sp>
+        <p:nvSpPr>
+          <p:cNvPr id="11" name="TextBox 10"/>
+          <p:cNvSpPr txBox="1"/>
+          <p:nvPr/>
+        </p:nvSpPr>
+        <p:spPr>
+          <a:xfrm>
+            <a:off x="3882548" y="1854089"/>
+            <a:ext cx="1448730" cy="369332"/>
+          </a:xfrm>
+          <a:prstGeom prst="rect">
+            <a:avLst/>
+          </a:prstGeom>
+          <a:noFill/>
+        </p:spPr>
+        <p:txBody>
+          <a:bodyPr wrap="none" rtlCol="0">
+            <a:spAutoFit/>
+          </a:bodyPr>
+          <a:lstStyle/>
+          <a:p>
+            <a:r>
+              <a:rPr lang="en-US" b="1" dirty="0" err="1">
+                <a:solidFill>
+                  <a:srgbClr val="FF0000"/>
+                </a:solidFill>
+              </a:rPr>
+              <a:t>vsomeip.json</a:t>
+            </a:r>
+            <a:endParaRPr lang="en-US" dirty="0"/>
+          </a:p>
+        </p:txBody>
+      </p:sp>
+      <p:cxnSp>
+        <p:nvCxnSpPr>
+          <p:cNvPr id="18" name="Straight Connector 17"/>
+          <p:cNvCxnSpPr>
+            <a:stCxn id="11" idx="2"/>
+            <a:endCxn id="84" idx="0"/>
+          </p:cNvCxnSpPr>
+          <p:nvPr/>
+        </p:nvCxnSpPr>
+        <p:spPr>
+          <a:xfrm flipH="1">
+            <a:off x="3342820" y="2223421"/>
+            <a:ext cx="1264093" cy="1926128"/>
+          </a:xfrm>
+          <a:prstGeom prst="line">
+            <a:avLst/>
+          </a:prstGeom>
+          <a:ln>
+            <a:solidFill>
+              <a:schemeClr val="bg1">
+                <a:lumMod val="75000"/>
+              </a:schemeClr>
+            </a:solidFill>
+            <a:prstDash val="dash"/>
+          </a:ln>
+        </p:spPr>
+        <p:style>
+          <a:lnRef idx="1">
+            <a:schemeClr val="accent1"/>
+          </a:lnRef>
+          <a:fillRef idx="0">
+            <a:schemeClr val="accent1"/>
+          </a:fillRef>
+          <a:effectRef idx="0">
+            <a:schemeClr val="accent1"/>
+          </a:effectRef>
+          <a:fontRef idx="minor">
+            <a:schemeClr val="tx1"/>
+          </a:fontRef>
+        </p:style>
+      </p:cxnSp>
+      <p:cxnSp>
+        <p:nvCxnSpPr>
+          <p:cNvPr id="73" name="Straight Connector 72"/>
+          <p:cNvCxnSpPr>
+            <a:endCxn id="13" idx="0"/>
+          </p:cNvCxnSpPr>
+          <p:nvPr/>
+        </p:nvCxnSpPr>
+        <p:spPr>
+          <a:xfrm>
+            <a:off x="4713530" y="2162466"/>
+            <a:ext cx="1159130" cy="2441081"/>
+          </a:xfrm>
+          <a:prstGeom prst="line">
+            <a:avLst/>
+          </a:prstGeom>
+          <a:ln>
+            <a:solidFill>
+              <a:schemeClr val="bg1">
+                <a:lumMod val="75000"/>
+              </a:schemeClr>
+            </a:solidFill>
+            <a:prstDash val="dash"/>
+          </a:ln>
+        </p:spPr>
+        <p:style>
+          <a:lnRef idx="1">
+            <a:schemeClr val="accent1"/>
+          </a:lnRef>
+          <a:fillRef idx="0">
+            <a:schemeClr val="accent1"/>
+          </a:fillRef>
+          <a:effectRef idx="0">
+            <a:schemeClr val="accent1"/>
+          </a:effectRef>
+          <a:fontRef idx="minor">
+            <a:schemeClr val="tx1"/>
+          </a:fontRef>
+        </p:style>
+      </p:cxnSp>
+      <p:cxnSp>
+        <p:nvCxnSpPr>
+          <p:cNvPr id="74" name="Straight Connector 73"/>
+          <p:cNvCxnSpPr/>
+          <p:nvPr/>
+        </p:nvCxnSpPr>
+        <p:spPr>
+          <a:xfrm flipV="1">
+            <a:off x="4742790" y="1416113"/>
+            <a:ext cx="1540434" cy="717369"/>
+          </a:xfrm>
+          <a:prstGeom prst="line">
+            <a:avLst/>
+          </a:prstGeom>
+          <a:ln>
+            <a:solidFill>
+              <a:schemeClr val="bg1">
+                <a:lumMod val="75000"/>
+              </a:schemeClr>
+            </a:solidFill>
+            <a:prstDash val="dash"/>
+          </a:ln>
+        </p:spPr>
+        <p:style>
+          <a:lnRef idx="1">
+            <a:schemeClr val="accent1"/>
+          </a:lnRef>
+          <a:fillRef idx="0">
+            <a:schemeClr val="accent1"/>
+          </a:fillRef>
+          <a:effectRef idx="0">
+            <a:schemeClr val="accent1"/>
+          </a:effectRef>
+          <a:fontRef idx="minor">
+            <a:schemeClr val="tx1"/>
+          </a:fontRef>
+        </p:style>
+      </p:cxnSp>
     </p:spTree>
     <p:extLst>
       <p:ext uri="{BB962C8B-B14F-4D97-AF65-F5344CB8AC3E}">
-        <p14:creationId xmlns:p14="http://schemas.microsoft.com/office/powerpoint/2010/main" val="592141662"/>
+        <p14:creationId xmlns:p14="http://schemas.microsoft.com/office/powerpoint/2010/main" val="3212027933"/>
       </p:ext>
     </p:extLst>
   </p:cSld>
@@ -8295,6 +11228,30 @@
           <a:chExt cx="0" cy="0"/>
         </a:xfrm>
       </p:grpSpPr>
+      <p:pic>
+        <p:nvPicPr>
+          <p:cNvPr id="9" name="Picture 8"/>
+          <p:cNvPicPr>
+            <a:picLocks noChangeAspect="1"/>
+          </p:cNvPicPr>
+          <p:nvPr/>
+        </p:nvPicPr>
+        <p:blipFill>
+          <a:blip r:embed="rId3"/>
+          <a:stretch>
+            <a:fillRect/>
+          </a:stretch>
+        </p:blipFill>
+        <p:spPr>
+          <a:xfrm>
+            <a:off x="685943" y="1854192"/>
+            <a:ext cx="8067675" cy="3924300"/>
+          </a:xfrm>
+          <a:prstGeom prst="rect">
+            <a:avLst/>
+          </a:prstGeom>
+        </p:spPr>
+      </p:pic>
       <p:sp>
         <p:nvSpPr>
           <p:cNvPr id="3" name="Content Placeholder 2"/>
@@ -8323,7 +11280,7 @@
               <a:t>3</a:t>
             </a:r>
             <a:r>
-              <a:rPr lang="en-US" sz="2400" b="1" dirty="0"/>
+              <a:rPr lang="en-US" sz="2400" b="1" dirty="0" smtClean="0"/>
               <a:t>. </a:t>
             </a:r>
             <a:r>
@@ -8343,7 +11300,7 @@
         <p:spPr>
           <a:xfrm>
             <a:off x="351940" y="948721"/>
-            <a:ext cx="3846374" cy="369332"/>
+            <a:ext cx="2945996" cy="646331"/>
           </a:xfrm>
           <a:prstGeom prst="rect">
             <a:avLst/>
@@ -8351,7 +11308,7 @@
           <a:noFill/>
         </p:spPr>
         <p:txBody>
-          <a:bodyPr wrap="none" rtlCol="0">
+          <a:bodyPr wrap="square" rtlCol="0">
             <a:spAutoFit/>
           </a:bodyPr>
           <a:lstStyle/>
@@ -8362,836 +11319,60 @@
             </a:pPr>
             <a:r>
               <a:rPr lang="en-US" dirty="0"/>
-              <a:t>Service-Oriented Architecture (SOA)</a:t>
-            </a:r>
-            <a:endParaRPr lang="en-US" b="1" dirty="0"/>
-          </a:p>
-        </p:txBody>
-      </p:sp>
-      <p:sp>
-        <p:nvSpPr>
-          <p:cNvPr id="16" name="Rectangle 15"/>
-          <p:cNvSpPr/>
-          <p:nvPr/>
-        </p:nvSpPr>
-        <p:spPr>
-          <a:xfrm>
-            <a:off x="347330" y="2341623"/>
-            <a:ext cx="3200400" cy="3105510"/>
-          </a:xfrm>
-          <a:prstGeom prst="rect">
-            <a:avLst/>
-          </a:prstGeom>
-          <a:noFill/>
-        </p:spPr>
-        <p:style>
-          <a:lnRef idx="2">
-            <a:schemeClr val="accent1">
-              <a:shade val="50000"/>
-            </a:schemeClr>
-          </a:lnRef>
-          <a:fillRef idx="1">
-            <a:schemeClr val="accent1"/>
-          </a:fillRef>
-          <a:effectRef idx="0">
-            <a:schemeClr val="accent1"/>
-          </a:effectRef>
-          <a:fontRef idx="minor">
-            <a:schemeClr val="lt1"/>
-          </a:fontRef>
-        </p:style>
-        <p:txBody>
-          <a:bodyPr rtlCol="0" anchor="ctr"/>
-          <a:lstStyle/>
-          <a:p>
-            <a:pPr algn="ctr"/>
-            <a:endParaRPr lang="en-US"/>
-          </a:p>
-        </p:txBody>
-      </p:sp>
-      <p:sp>
-        <p:nvSpPr>
-          <p:cNvPr id="22" name="Rectangle 21"/>
-          <p:cNvSpPr/>
-          <p:nvPr/>
-        </p:nvSpPr>
-        <p:spPr>
-          <a:xfrm>
-            <a:off x="2112655" y="2596254"/>
-            <a:ext cx="1148130" cy="739348"/>
-          </a:xfrm>
-          <a:prstGeom prst="rect">
-            <a:avLst/>
-          </a:prstGeom>
-          <a:noFill/>
-        </p:spPr>
-        <p:style>
-          <a:lnRef idx="2">
-            <a:schemeClr val="accent1">
-              <a:shade val="50000"/>
-            </a:schemeClr>
-          </a:lnRef>
-          <a:fillRef idx="1">
-            <a:schemeClr val="accent1"/>
-          </a:fillRef>
-          <a:effectRef idx="0">
-            <a:schemeClr val="accent1"/>
-          </a:effectRef>
-          <a:fontRef idx="minor">
-            <a:schemeClr val="lt1"/>
-          </a:fontRef>
-        </p:style>
-        <p:txBody>
-          <a:bodyPr rtlCol="0" anchor="ctr"/>
-          <a:lstStyle/>
-          <a:p>
-            <a:pPr algn="ctr"/>
+              <a:t>SOME/IP </a:t>
+            </a:r>
+            <a:r>
+              <a:rPr lang="en-US" dirty="0" smtClean="0"/>
+              <a:t>Message </a:t>
+            </a:r>
+            <a:r>
+              <a:rPr lang="en-US" dirty="0"/>
+              <a:t>Format</a:t>
+            </a:r>
+          </a:p>
+          <a:p>
+            <a:pPr marL="285750" indent="-285750">
+              <a:buFont typeface="Wingdings" panose="05000000000000000000" pitchFamily="2" charset="2"/>
+              <a:buChar char="Ø"/>
+            </a:pPr>
             <a:endParaRPr lang="en-US" dirty="0"/>
           </a:p>
         </p:txBody>
       </p:sp>
-      <p:sp>
-        <p:nvSpPr>
-          <p:cNvPr id="23" name="Rectangle 22"/>
-          <p:cNvSpPr/>
-          <p:nvPr/>
-        </p:nvSpPr>
-        <p:spPr>
-          <a:xfrm>
-            <a:off x="5863047" y="2255359"/>
-            <a:ext cx="2881223" cy="3191774"/>
-          </a:xfrm>
-          <a:prstGeom prst="rect">
-            <a:avLst/>
-          </a:prstGeom>
-          <a:noFill/>
-        </p:spPr>
-        <p:style>
-          <a:lnRef idx="2">
-            <a:schemeClr val="accent1">
-              <a:shade val="50000"/>
-            </a:schemeClr>
-          </a:lnRef>
-          <a:fillRef idx="1">
-            <a:schemeClr val="accent1"/>
-          </a:fillRef>
-          <a:effectRef idx="0">
-            <a:schemeClr val="accent1"/>
-          </a:effectRef>
-          <a:fontRef idx="minor">
-            <a:schemeClr val="lt1"/>
-          </a:fontRef>
-        </p:style>
-        <p:txBody>
-          <a:bodyPr rtlCol="0" anchor="ctr"/>
-          <a:lstStyle/>
-          <a:p>
-            <a:pPr algn="ctr"/>
-            <a:endParaRPr lang="en-US"/>
-          </a:p>
-        </p:txBody>
-      </p:sp>
-      <p:sp>
-        <p:nvSpPr>
-          <p:cNvPr id="35" name="Rectangle 34"/>
-          <p:cNvSpPr/>
-          <p:nvPr/>
-        </p:nvSpPr>
-        <p:spPr>
-          <a:xfrm>
-            <a:off x="2156195" y="2992919"/>
-            <a:ext cx="1061049" cy="276045"/>
-          </a:xfrm>
-          <a:prstGeom prst="rect">
-            <a:avLst/>
-          </a:prstGeom>
-          <a:solidFill>
-            <a:schemeClr val="accent2"/>
-          </a:solidFill>
-        </p:spPr>
-        <p:style>
-          <a:lnRef idx="2">
-            <a:schemeClr val="accent1">
-              <a:shade val="50000"/>
-            </a:schemeClr>
-          </a:lnRef>
-          <a:fillRef idx="1">
-            <a:schemeClr val="accent1"/>
-          </a:fillRef>
-          <a:effectRef idx="0">
-            <a:schemeClr val="accent1"/>
-          </a:effectRef>
-          <a:fontRef idx="minor">
-            <a:schemeClr val="lt1"/>
-          </a:fontRef>
-        </p:style>
-        <p:txBody>
-          <a:bodyPr rtlCol="0" anchor="ctr"/>
-          <a:lstStyle/>
-          <a:p>
-            <a:pPr algn="ctr"/>
-            <a:r>
-              <a:rPr lang="en-US" sz="1400" dirty="0" err="1" smtClean="0"/>
-              <a:t>Vsomeip</a:t>
-            </a:r>
-            <a:r>
-              <a:rPr lang="en-US" sz="1400" dirty="0" smtClean="0"/>
-              <a:t> lib</a:t>
-            </a:r>
-            <a:endParaRPr lang="en-US" sz="1400" dirty="0"/>
-          </a:p>
-        </p:txBody>
-      </p:sp>
-      <p:sp>
-        <p:nvSpPr>
-          <p:cNvPr id="36" name="Rectangle 35"/>
-          <p:cNvSpPr/>
-          <p:nvPr/>
-        </p:nvSpPr>
-        <p:spPr>
-          <a:xfrm>
-            <a:off x="2138451" y="2673442"/>
-            <a:ext cx="1061048" cy="276046"/>
-          </a:xfrm>
-          <a:prstGeom prst="rect">
-            <a:avLst/>
-          </a:prstGeom>
-          <a:noFill/>
-        </p:spPr>
-        <p:style>
-          <a:lnRef idx="2">
-            <a:schemeClr val="accent1">
-              <a:shade val="50000"/>
-            </a:schemeClr>
-          </a:lnRef>
-          <a:fillRef idx="1">
-            <a:schemeClr val="accent1"/>
-          </a:fillRef>
-          <a:effectRef idx="0">
-            <a:schemeClr val="accent1"/>
-          </a:effectRef>
-          <a:fontRef idx="minor">
-            <a:schemeClr val="lt1"/>
-          </a:fontRef>
-        </p:style>
-        <p:txBody>
-          <a:bodyPr rtlCol="0" anchor="ctr"/>
-          <a:lstStyle/>
-          <a:p>
-            <a:pPr algn="ctr"/>
-            <a:endParaRPr lang="en-US" sz="1200" dirty="0">
-              <a:solidFill>
-                <a:schemeClr val="tx1"/>
-              </a:solidFill>
-            </a:endParaRPr>
-          </a:p>
-        </p:txBody>
-      </p:sp>
-      <p:sp>
-        <p:nvSpPr>
-          <p:cNvPr id="38" name="Rectangle 37"/>
-          <p:cNvSpPr/>
-          <p:nvPr/>
-        </p:nvSpPr>
-        <p:spPr>
-          <a:xfrm>
-            <a:off x="1220549" y="4325698"/>
-            <a:ext cx="1404192" cy="1052423"/>
-          </a:xfrm>
-          <a:prstGeom prst="rect">
-            <a:avLst/>
-          </a:prstGeom>
-          <a:noFill/>
-        </p:spPr>
-        <p:style>
-          <a:lnRef idx="2">
-            <a:schemeClr val="accent1">
-              <a:shade val="50000"/>
-            </a:schemeClr>
-          </a:lnRef>
-          <a:fillRef idx="1">
-            <a:schemeClr val="accent1"/>
-          </a:fillRef>
-          <a:effectRef idx="0">
-            <a:schemeClr val="accent1"/>
-          </a:effectRef>
-          <a:fontRef idx="minor">
-            <a:schemeClr val="lt1"/>
-          </a:fontRef>
-        </p:style>
-        <p:txBody>
-          <a:bodyPr rtlCol="0" anchor="ctr"/>
-          <a:lstStyle/>
-          <a:p>
-            <a:pPr algn="ctr"/>
-            <a:endParaRPr lang="en-US" dirty="0"/>
-          </a:p>
-        </p:txBody>
-      </p:sp>
-      <p:sp>
-        <p:nvSpPr>
-          <p:cNvPr id="39" name="Rectangle 38"/>
-          <p:cNvSpPr/>
-          <p:nvPr/>
-        </p:nvSpPr>
-        <p:spPr>
-          <a:xfrm>
-            <a:off x="1264089" y="4772764"/>
-            <a:ext cx="1319318" cy="276045"/>
-          </a:xfrm>
-          <a:prstGeom prst="rect">
-            <a:avLst/>
-          </a:prstGeom>
-          <a:solidFill>
-            <a:schemeClr val="accent2"/>
-          </a:solidFill>
-        </p:spPr>
-        <p:style>
-          <a:lnRef idx="2">
-            <a:schemeClr val="accent1">
-              <a:shade val="50000"/>
-            </a:schemeClr>
-          </a:lnRef>
-          <a:fillRef idx="1">
-            <a:schemeClr val="accent1"/>
-          </a:fillRef>
-          <a:effectRef idx="0">
-            <a:schemeClr val="accent1"/>
-          </a:effectRef>
-          <a:fontRef idx="minor">
-            <a:schemeClr val="lt1"/>
-          </a:fontRef>
-        </p:style>
-        <p:txBody>
-          <a:bodyPr rtlCol="0" anchor="ctr"/>
-          <a:lstStyle/>
-          <a:p>
-            <a:pPr algn="ctr"/>
-            <a:r>
-              <a:rPr lang="en-US" sz="1400" dirty="0" err="1" smtClean="0"/>
-              <a:t>Vsomeip</a:t>
-            </a:r>
-            <a:r>
-              <a:rPr lang="en-US" sz="1400" dirty="0" smtClean="0"/>
-              <a:t> lib</a:t>
-            </a:r>
-            <a:endParaRPr lang="en-US" sz="1400" dirty="0"/>
-          </a:p>
-        </p:txBody>
-      </p:sp>
-      <p:sp>
-        <p:nvSpPr>
-          <p:cNvPr id="40" name="Rectangle 39"/>
-          <p:cNvSpPr/>
-          <p:nvPr/>
-        </p:nvSpPr>
-        <p:spPr>
-          <a:xfrm>
-            <a:off x="1253204" y="4392667"/>
-            <a:ext cx="1341088" cy="313459"/>
-          </a:xfrm>
-          <a:prstGeom prst="rect">
-            <a:avLst/>
-          </a:prstGeom>
-          <a:solidFill>
-            <a:schemeClr val="accent1"/>
-          </a:solidFill>
-          <a:ln>
-            <a:solidFill>
-              <a:schemeClr val="accent1"/>
-            </a:solidFill>
-          </a:ln>
-        </p:spPr>
-        <p:style>
-          <a:lnRef idx="2">
-            <a:schemeClr val="accent1">
-              <a:shade val="50000"/>
-            </a:schemeClr>
-          </a:lnRef>
-          <a:fillRef idx="1">
-            <a:schemeClr val="accent1"/>
-          </a:fillRef>
-          <a:effectRef idx="0">
-            <a:schemeClr val="accent1"/>
-          </a:effectRef>
-          <a:fontRef idx="minor">
-            <a:schemeClr val="lt1"/>
-          </a:fontRef>
-        </p:style>
-        <p:txBody>
-          <a:bodyPr rtlCol="0" anchor="ctr"/>
-          <a:lstStyle/>
-          <a:p>
-            <a:pPr algn="ctr"/>
-            <a:r>
-              <a:rPr lang="en-US" sz="1200" dirty="0" err="1" smtClean="0">
-                <a:solidFill>
-                  <a:schemeClr val="tx1"/>
-                </a:solidFill>
-              </a:rPr>
-              <a:t>RoutingManagerd</a:t>
-            </a:r>
-            <a:r>
-              <a:rPr lang="en-US" sz="1200" dirty="0" smtClean="0">
-                <a:solidFill>
-                  <a:schemeClr val="tx1"/>
-                </a:solidFill>
-              </a:rPr>
-              <a:t> </a:t>
-            </a:r>
-            <a:r>
-              <a:rPr lang="en-US" sz="1200" dirty="0" err="1" smtClean="0">
-                <a:solidFill>
-                  <a:schemeClr val="tx1"/>
-                </a:solidFill>
-              </a:rPr>
-              <a:t>impl</a:t>
-            </a:r>
-            <a:endParaRPr lang="en-US" sz="1200" dirty="0">
-              <a:solidFill>
-                <a:schemeClr val="tx1"/>
-              </a:solidFill>
-            </a:endParaRPr>
-          </a:p>
-        </p:txBody>
-      </p:sp>
-      <p:sp>
-        <p:nvSpPr>
-          <p:cNvPr id="41" name="Rectangle 40"/>
-          <p:cNvSpPr/>
-          <p:nvPr/>
-        </p:nvSpPr>
-        <p:spPr>
-          <a:xfrm>
-            <a:off x="6128104" y="2531257"/>
-            <a:ext cx="1148130" cy="739348"/>
-          </a:xfrm>
-          <a:prstGeom prst="rect">
-            <a:avLst/>
-          </a:prstGeom>
-          <a:noFill/>
-        </p:spPr>
-        <p:style>
-          <a:lnRef idx="2">
-            <a:schemeClr val="accent1">
-              <a:shade val="50000"/>
-            </a:schemeClr>
-          </a:lnRef>
-          <a:fillRef idx="1">
-            <a:schemeClr val="accent1"/>
-          </a:fillRef>
-          <a:effectRef idx="0">
-            <a:schemeClr val="accent1"/>
-          </a:effectRef>
-          <a:fontRef idx="minor">
-            <a:schemeClr val="lt1"/>
-          </a:fontRef>
-        </p:style>
-        <p:txBody>
-          <a:bodyPr rtlCol="0" anchor="ctr"/>
-          <a:lstStyle/>
-          <a:p>
-            <a:pPr algn="ctr"/>
-            <a:endParaRPr lang="en-US" dirty="0"/>
-          </a:p>
-        </p:txBody>
-      </p:sp>
-      <p:sp>
-        <p:nvSpPr>
-          <p:cNvPr id="42" name="Rectangle 41"/>
-          <p:cNvSpPr/>
-          <p:nvPr/>
-        </p:nvSpPr>
-        <p:spPr>
-          <a:xfrm>
-            <a:off x="6171644" y="2927922"/>
-            <a:ext cx="1061049" cy="276045"/>
-          </a:xfrm>
-          <a:prstGeom prst="rect">
-            <a:avLst/>
-          </a:prstGeom>
-          <a:solidFill>
-            <a:schemeClr val="accent2"/>
-          </a:solidFill>
-        </p:spPr>
-        <p:style>
-          <a:lnRef idx="2">
-            <a:schemeClr val="accent1">
-              <a:shade val="50000"/>
-            </a:schemeClr>
-          </a:lnRef>
-          <a:fillRef idx="1">
-            <a:schemeClr val="accent1"/>
-          </a:fillRef>
-          <a:effectRef idx="0">
-            <a:schemeClr val="accent1"/>
-          </a:effectRef>
-          <a:fontRef idx="minor">
-            <a:schemeClr val="lt1"/>
-          </a:fontRef>
-        </p:style>
-        <p:txBody>
-          <a:bodyPr rtlCol="0" anchor="ctr"/>
-          <a:lstStyle/>
-          <a:p>
-            <a:pPr algn="ctr"/>
-            <a:r>
-              <a:rPr lang="en-US" sz="1400" dirty="0" err="1" smtClean="0"/>
-              <a:t>Vsomeip</a:t>
-            </a:r>
-            <a:r>
-              <a:rPr lang="en-US" sz="1400" dirty="0" smtClean="0"/>
-              <a:t> lib</a:t>
-            </a:r>
-            <a:endParaRPr lang="en-US" sz="1400" dirty="0"/>
-          </a:p>
-        </p:txBody>
-      </p:sp>
-      <p:sp>
-        <p:nvSpPr>
-          <p:cNvPr id="43" name="Rectangle 42"/>
-          <p:cNvSpPr/>
-          <p:nvPr/>
-        </p:nvSpPr>
-        <p:spPr>
-          <a:xfrm>
-            <a:off x="6171645" y="2535419"/>
-            <a:ext cx="1061048" cy="276046"/>
-          </a:xfrm>
-          <a:prstGeom prst="rect">
-            <a:avLst/>
-          </a:prstGeom>
-          <a:noFill/>
-        </p:spPr>
-        <p:style>
-          <a:lnRef idx="2">
-            <a:schemeClr val="accent1">
-              <a:shade val="50000"/>
-            </a:schemeClr>
-          </a:lnRef>
-          <a:fillRef idx="1">
-            <a:schemeClr val="accent1"/>
-          </a:fillRef>
-          <a:effectRef idx="0">
-            <a:schemeClr val="accent1"/>
-          </a:effectRef>
-          <a:fontRef idx="minor">
-            <a:schemeClr val="lt1"/>
-          </a:fontRef>
-        </p:style>
-        <p:txBody>
-          <a:bodyPr rtlCol="0" anchor="ctr"/>
-          <a:lstStyle/>
-          <a:p>
-            <a:pPr algn="ctr"/>
-            <a:endParaRPr lang="en-US" sz="1200" dirty="0">
-              <a:solidFill>
-                <a:schemeClr val="tx1"/>
-              </a:solidFill>
-            </a:endParaRPr>
-          </a:p>
-        </p:txBody>
-      </p:sp>
-      <p:sp>
-        <p:nvSpPr>
-          <p:cNvPr id="49" name="Rectangle 48"/>
-          <p:cNvSpPr/>
-          <p:nvPr/>
-        </p:nvSpPr>
-        <p:spPr>
-          <a:xfrm>
-            <a:off x="630132" y="2596254"/>
-            <a:ext cx="1148130" cy="739348"/>
-          </a:xfrm>
-          <a:prstGeom prst="rect">
-            <a:avLst/>
-          </a:prstGeom>
-          <a:noFill/>
-        </p:spPr>
-        <p:style>
-          <a:lnRef idx="2">
-            <a:schemeClr val="accent1">
-              <a:shade val="50000"/>
-            </a:schemeClr>
-          </a:lnRef>
-          <a:fillRef idx="1">
-            <a:schemeClr val="accent1"/>
-          </a:fillRef>
-          <a:effectRef idx="0">
-            <a:schemeClr val="accent1"/>
-          </a:effectRef>
-          <a:fontRef idx="minor">
-            <a:schemeClr val="lt1"/>
-          </a:fontRef>
-        </p:style>
-        <p:txBody>
-          <a:bodyPr rtlCol="0" anchor="ctr"/>
-          <a:lstStyle/>
-          <a:p>
-            <a:pPr algn="ctr"/>
-            <a:endParaRPr lang="en-US" dirty="0"/>
-          </a:p>
-        </p:txBody>
-      </p:sp>
-      <p:sp>
-        <p:nvSpPr>
-          <p:cNvPr id="50" name="Rectangle 49"/>
-          <p:cNvSpPr/>
-          <p:nvPr/>
-        </p:nvSpPr>
-        <p:spPr>
-          <a:xfrm>
-            <a:off x="673672" y="2992919"/>
-            <a:ext cx="1061049" cy="276045"/>
-          </a:xfrm>
-          <a:prstGeom prst="rect">
-            <a:avLst/>
-          </a:prstGeom>
-          <a:solidFill>
-            <a:schemeClr val="accent2"/>
-          </a:solidFill>
-        </p:spPr>
-        <p:style>
-          <a:lnRef idx="2">
-            <a:schemeClr val="accent1">
-              <a:shade val="50000"/>
-            </a:schemeClr>
-          </a:lnRef>
-          <a:fillRef idx="1">
-            <a:schemeClr val="accent1"/>
-          </a:fillRef>
-          <a:effectRef idx="0">
-            <a:schemeClr val="accent1"/>
-          </a:effectRef>
-          <a:fontRef idx="minor">
-            <a:schemeClr val="lt1"/>
-          </a:fontRef>
-        </p:style>
-        <p:txBody>
-          <a:bodyPr rtlCol="0" anchor="ctr"/>
-          <a:lstStyle/>
-          <a:p>
-            <a:pPr algn="ctr"/>
-            <a:r>
-              <a:rPr lang="en-US" sz="1400" dirty="0" err="1" smtClean="0"/>
-              <a:t>Vsomeip</a:t>
-            </a:r>
-            <a:r>
-              <a:rPr lang="en-US" sz="1400" dirty="0" smtClean="0"/>
-              <a:t> lib</a:t>
-            </a:r>
-            <a:endParaRPr lang="en-US" sz="1400" dirty="0"/>
-          </a:p>
-        </p:txBody>
-      </p:sp>
-      <p:sp>
-        <p:nvSpPr>
-          <p:cNvPr id="51" name="Rectangle 50"/>
-          <p:cNvSpPr/>
-          <p:nvPr/>
-        </p:nvSpPr>
-        <p:spPr>
-          <a:xfrm>
-            <a:off x="655928" y="2673442"/>
-            <a:ext cx="1061048" cy="276046"/>
-          </a:xfrm>
-          <a:prstGeom prst="rect">
-            <a:avLst/>
-          </a:prstGeom>
-          <a:noFill/>
-        </p:spPr>
-        <p:style>
-          <a:lnRef idx="2">
-            <a:schemeClr val="accent1">
-              <a:shade val="50000"/>
-            </a:schemeClr>
-          </a:lnRef>
-          <a:fillRef idx="1">
-            <a:schemeClr val="accent1"/>
-          </a:fillRef>
-          <a:effectRef idx="0">
-            <a:schemeClr val="accent1"/>
-          </a:effectRef>
-          <a:fontRef idx="minor">
-            <a:schemeClr val="lt1"/>
-          </a:fontRef>
-        </p:style>
-        <p:txBody>
-          <a:bodyPr rtlCol="0" anchor="ctr"/>
-          <a:lstStyle/>
-          <a:p>
-            <a:pPr algn="ctr"/>
-            <a:endParaRPr lang="en-US" sz="1200" dirty="0">
-              <a:solidFill>
-                <a:schemeClr val="tx1"/>
-              </a:solidFill>
-            </a:endParaRPr>
-          </a:p>
-        </p:txBody>
-      </p:sp>
-      <p:sp>
-        <p:nvSpPr>
-          <p:cNvPr id="52" name="Rectangle 51"/>
-          <p:cNvSpPr/>
-          <p:nvPr/>
-        </p:nvSpPr>
-        <p:spPr>
-          <a:xfrm>
-            <a:off x="7420563" y="2519066"/>
-            <a:ext cx="1148130" cy="739348"/>
-          </a:xfrm>
-          <a:prstGeom prst="rect">
-            <a:avLst/>
-          </a:prstGeom>
-          <a:noFill/>
-        </p:spPr>
-        <p:style>
-          <a:lnRef idx="2">
-            <a:schemeClr val="accent1">
-              <a:shade val="50000"/>
-            </a:schemeClr>
-          </a:lnRef>
-          <a:fillRef idx="1">
-            <a:schemeClr val="accent1"/>
-          </a:fillRef>
-          <a:effectRef idx="0">
-            <a:schemeClr val="accent1"/>
-          </a:effectRef>
-          <a:fontRef idx="minor">
-            <a:schemeClr val="lt1"/>
-          </a:fontRef>
-        </p:style>
-        <p:txBody>
-          <a:bodyPr rtlCol="0" anchor="ctr"/>
-          <a:lstStyle/>
-          <a:p>
-            <a:pPr algn="ctr"/>
-            <a:endParaRPr lang="en-US" dirty="0"/>
-          </a:p>
-        </p:txBody>
-      </p:sp>
-      <p:sp>
-        <p:nvSpPr>
-          <p:cNvPr id="53" name="Rectangle 52"/>
-          <p:cNvSpPr/>
-          <p:nvPr/>
-        </p:nvSpPr>
-        <p:spPr>
-          <a:xfrm>
-            <a:off x="7464103" y="2915731"/>
-            <a:ext cx="1061049" cy="276045"/>
-          </a:xfrm>
-          <a:prstGeom prst="rect">
-            <a:avLst/>
-          </a:prstGeom>
-          <a:solidFill>
-            <a:schemeClr val="accent2"/>
-          </a:solidFill>
-        </p:spPr>
-        <p:style>
-          <a:lnRef idx="2">
-            <a:schemeClr val="accent1">
-              <a:shade val="50000"/>
-            </a:schemeClr>
-          </a:lnRef>
-          <a:fillRef idx="1">
-            <a:schemeClr val="accent1"/>
-          </a:fillRef>
-          <a:effectRef idx="0">
-            <a:schemeClr val="accent1"/>
-          </a:effectRef>
-          <a:fontRef idx="minor">
-            <a:schemeClr val="lt1"/>
-          </a:fontRef>
-        </p:style>
-        <p:txBody>
-          <a:bodyPr rtlCol="0" anchor="ctr"/>
-          <a:lstStyle/>
-          <a:p>
-            <a:pPr algn="ctr"/>
-            <a:r>
-              <a:rPr lang="en-US" sz="1400" dirty="0" err="1" smtClean="0"/>
-              <a:t>Vsomeip</a:t>
-            </a:r>
-            <a:r>
-              <a:rPr lang="en-US" sz="1400" dirty="0" smtClean="0"/>
-              <a:t> lib</a:t>
-            </a:r>
-            <a:endParaRPr lang="en-US" sz="1400" dirty="0"/>
-          </a:p>
-        </p:txBody>
-      </p:sp>
-      <p:sp>
-        <p:nvSpPr>
-          <p:cNvPr id="54" name="Rectangle 53"/>
-          <p:cNvSpPr/>
-          <p:nvPr/>
-        </p:nvSpPr>
-        <p:spPr>
-          <a:xfrm>
-            <a:off x="7446359" y="2596254"/>
-            <a:ext cx="1061048" cy="276046"/>
-          </a:xfrm>
-          <a:prstGeom prst="rect">
-            <a:avLst/>
-          </a:prstGeom>
-          <a:noFill/>
-        </p:spPr>
-        <p:style>
-          <a:lnRef idx="2">
-            <a:schemeClr val="accent1">
-              <a:shade val="50000"/>
-            </a:schemeClr>
-          </a:lnRef>
-          <a:fillRef idx="1">
-            <a:schemeClr val="accent1"/>
-          </a:fillRef>
-          <a:effectRef idx="0">
-            <a:schemeClr val="accent1"/>
-          </a:effectRef>
-          <a:fontRef idx="minor">
-            <a:schemeClr val="lt1"/>
-          </a:fontRef>
-        </p:style>
-        <p:txBody>
-          <a:bodyPr rtlCol="0" anchor="ctr"/>
-          <a:lstStyle/>
-          <a:p>
-            <a:pPr algn="ctr"/>
-            <a:r>
-              <a:rPr lang="en-US" sz="1200" dirty="0" smtClean="0">
-                <a:solidFill>
-                  <a:schemeClr val="tx1"/>
-                </a:solidFill>
-              </a:rPr>
-              <a:t>App4 </a:t>
-            </a:r>
-            <a:r>
-              <a:rPr lang="en-US" sz="1200" dirty="0" err="1" smtClean="0">
-                <a:solidFill>
-                  <a:schemeClr val="tx1"/>
-                </a:solidFill>
-              </a:rPr>
-              <a:t>impl</a:t>
-            </a:r>
-            <a:endParaRPr lang="en-US" sz="1200" dirty="0">
-              <a:solidFill>
-                <a:schemeClr val="tx1"/>
-              </a:solidFill>
-            </a:endParaRPr>
-          </a:p>
-        </p:txBody>
-      </p:sp>
-      <p:sp>
-        <p:nvSpPr>
-          <p:cNvPr id="55" name="TextBox 54"/>
+      <p:pic>
+        <p:nvPicPr>
+          <p:cNvPr id="5" name="Picture 4"/>
+          <p:cNvPicPr>
+            <a:picLocks noChangeAspect="1"/>
+          </p:cNvPicPr>
+          <p:nvPr/>
+        </p:nvPicPr>
+        <p:blipFill>
+          <a:blip r:embed="rId4"/>
+          <a:stretch>
+            <a:fillRect/>
+          </a:stretch>
+        </p:blipFill>
+        <p:spPr>
+          <a:xfrm>
+            <a:off x="1934516" y="5141916"/>
+            <a:ext cx="5258599" cy="1716084"/>
+          </a:xfrm>
+          <a:prstGeom prst="rect">
+            <a:avLst/>
+          </a:prstGeom>
+        </p:spPr>
+      </p:pic>
+      <p:sp>
+        <p:nvSpPr>
+          <p:cNvPr id="6" name="TextBox 5"/>
           <p:cNvSpPr txBox="1"/>
           <p:nvPr/>
         </p:nvSpPr>
         <p:spPr>
           <a:xfrm>
-            <a:off x="904666" y="1977800"/>
-            <a:ext cx="2503058" cy="369332"/>
+            <a:off x="347330" y="4882776"/>
+            <a:ext cx="2704202" cy="276999"/>
           </a:xfrm>
           <a:prstGeom prst="rect">
             <a:avLst/>
@@ -9204,24 +11385,28 @@
           </a:bodyPr>
           <a:lstStyle/>
           <a:p>
-            <a:r>
-              <a:rPr lang="en-US" dirty="0" smtClean="0"/>
-              <a:t>Device1(192.168.1.3/24)</a:t>
-            </a:r>
-            <a:endParaRPr lang="en-US" dirty="0"/>
-          </a:p>
-        </p:txBody>
-      </p:sp>
-      <p:sp>
-        <p:nvSpPr>
-          <p:cNvPr id="56" name="TextBox 55"/>
+            <a:pPr marL="171450" indent="-171450">
+              <a:buFont typeface="Wingdings" panose="05000000000000000000" pitchFamily="2" charset="2"/>
+              <a:buChar char="q"/>
+            </a:pPr>
+            <a:r>
+              <a:rPr lang="en-US" sz="1200" dirty="0" smtClean="0"/>
+              <a:t>Service-Discovery (Offer/Find service)</a:t>
+            </a:r>
+            <a:endParaRPr lang="en-US" sz="1200" dirty="0"/>
+          </a:p>
+        </p:txBody>
+      </p:sp>
+      <p:sp>
+        <p:nvSpPr>
+          <p:cNvPr id="7" name="TextBox 6"/>
           <p:cNvSpPr txBox="1"/>
           <p:nvPr/>
         </p:nvSpPr>
         <p:spPr>
           <a:xfrm>
-            <a:off x="6150869" y="1923193"/>
-            <a:ext cx="2503058" cy="369332"/>
+            <a:off x="347330" y="1520682"/>
+            <a:ext cx="6845785" cy="276999"/>
           </a:xfrm>
           <a:prstGeom prst="rect">
             <a:avLst/>
@@ -9234,39 +11419,76 @@
           </a:bodyPr>
           <a:lstStyle/>
           <a:p>
-            <a:r>
-              <a:rPr lang="en-US" dirty="0" smtClean="0"/>
-              <a:t>Device2(192.168.1.4/24)</a:t>
-            </a:r>
-            <a:endParaRPr lang="en-US" dirty="0"/>
-          </a:p>
-        </p:txBody>
-      </p:sp>
-      <p:cxnSp>
-        <p:nvCxnSpPr>
-          <p:cNvPr id="58" name="Straight Arrow Connector 57"/>
-          <p:cNvCxnSpPr>
-            <a:stCxn id="49" idx="2"/>
-            <a:endCxn id="38" idx="0"/>
-          </p:cNvCxnSpPr>
-          <p:nvPr/>
-        </p:nvCxnSpPr>
-        <p:spPr>
-          <a:xfrm>
-            <a:off x="1204197" y="3335602"/>
-            <a:ext cx="718448" cy="990096"/>
-          </a:xfrm>
-          <a:prstGeom prst="straightConnector1">
-            <a:avLst/>
-          </a:prstGeom>
-          <a:ln>
-            <a:solidFill>
-              <a:schemeClr val="tx1"/>
-            </a:solidFill>
-            <a:prstDash val="solid"/>
-            <a:headEnd type="triangle"/>
-            <a:tailEnd type="triangle"/>
-          </a:ln>
+            <a:pPr marL="171450" indent="-171450">
+              <a:buFont typeface="Wingdings" panose="05000000000000000000" pitchFamily="2" charset="2"/>
+              <a:buChar char="q"/>
+            </a:pPr>
+            <a:r>
+              <a:rPr lang="en-US" sz="1200" dirty="0"/>
+              <a:t>In principle, SOME/IP communication consists of messages sent between devices or subscribers over IP</a:t>
+            </a:r>
+            <a:r>
+              <a:rPr lang="en-US" sz="1200" dirty="0" smtClean="0"/>
+              <a:t>.</a:t>
+            </a:r>
+            <a:endParaRPr lang="en-US" sz="1200" dirty="0"/>
+          </a:p>
+        </p:txBody>
+      </p:sp>
+      <p:sp>
+        <p:nvSpPr>
+          <p:cNvPr id="8" name="Slide Number Placeholder 7"/>
+          <p:cNvSpPr>
+            <a:spLocks noGrp="1"/>
+          </p:cNvSpPr>
+          <p:nvPr>
+            <p:ph type="sldNum" sz="quarter" idx="12"/>
+          </p:nvPr>
+        </p:nvSpPr>
+        <p:spPr>
+          <a:xfrm>
+            <a:off x="8646968" y="6492875"/>
+            <a:ext cx="2057400" cy="365125"/>
+          </a:xfrm>
+        </p:spPr>
+        <p:txBody>
+          <a:bodyPr/>
+          <a:lstStyle/>
+          <a:p>
+            <a:fld id="{96C55251-E90D-44CC-8B75-53FCEE02E655}" type="slidenum">
+              <a:rPr lang="en-US" smtClean="0">
+                <a:solidFill>
+                  <a:schemeClr val="bg1">
+                    <a:lumMod val="50000"/>
+                  </a:schemeClr>
+                </a:solidFill>
+              </a:rPr>
+              <a:t>12</a:t>
+            </a:fld>
+            <a:endParaRPr lang="en-US" dirty="0">
+              <a:solidFill>
+                <a:schemeClr val="bg1">
+                  <a:lumMod val="50000"/>
+                </a:schemeClr>
+              </a:solidFill>
+            </a:endParaRPr>
+          </a:p>
+        </p:txBody>
+      </p:sp>
+      <p:sp>
+        <p:nvSpPr>
+          <p:cNvPr id="10" name="Left Brace 9"/>
+          <p:cNvSpPr/>
+          <p:nvPr/>
+        </p:nvSpPr>
+        <p:spPr>
+          <a:xfrm>
+            <a:off x="1696248" y="5643418"/>
+            <a:ext cx="151025" cy="674256"/>
+          </a:xfrm>
+          <a:prstGeom prst="leftBrace">
+            <a:avLst/>
+          </a:prstGeom>
         </p:spPr>
         <p:style>
           <a:lnRef idx="1">
@@ -9282,521 +11504,12 @@
             <a:schemeClr val="tx1"/>
           </a:fontRef>
         </p:style>
-      </p:cxnSp>
-      <p:cxnSp>
-        <p:nvCxnSpPr>
-          <p:cNvPr id="60" name="Straight Arrow Connector 59"/>
-          <p:cNvCxnSpPr>
-            <a:stCxn id="22" idx="2"/>
-            <a:endCxn id="38" idx="0"/>
-          </p:cNvCxnSpPr>
-          <p:nvPr/>
-        </p:nvCxnSpPr>
-        <p:spPr>
-          <a:xfrm flipH="1">
-            <a:off x="1922645" y="3335602"/>
-            <a:ext cx="764075" cy="990096"/>
-          </a:xfrm>
-          <a:prstGeom prst="straightConnector1">
-            <a:avLst/>
-          </a:prstGeom>
-          <a:ln>
-            <a:solidFill>
-              <a:schemeClr val="tx1"/>
-            </a:solidFill>
-            <a:headEnd type="triangle"/>
-            <a:tailEnd type="triangle"/>
-          </a:ln>
-        </p:spPr>
-        <p:style>
-          <a:lnRef idx="1">
-            <a:schemeClr val="accent1"/>
-          </a:lnRef>
-          <a:fillRef idx="0">
-            <a:schemeClr val="accent1"/>
-          </a:fillRef>
-          <a:effectRef idx="0">
-            <a:schemeClr val="accent1"/>
-          </a:effectRef>
-          <a:fontRef idx="minor">
-            <a:schemeClr val="tx1"/>
-          </a:fontRef>
-        </p:style>
-      </p:cxnSp>
-      <p:sp>
-        <p:nvSpPr>
-          <p:cNvPr id="61" name="Rectangle 60"/>
-          <p:cNvSpPr/>
-          <p:nvPr/>
-        </p:nvSpPr>
-        <p:spPr>
-          <a:xfrm>
-            <a:off x="6529494" y="4392337"/>
-            <a:ext cx="1373743" cy="985784"/>
-          </a:xfrm>
-          <a:prstGeom prst="rect">
-            <a:avLst/>
-          </a:prstGeom>
-          <a:noFill/>
-        </p:spPr>
-        <p:style>
-          <a:lnRef idx="2">
-            <a:schemeClr val="accent1">
-              <a:shade val="50000"/>
-            </a:schemeClr>
-          </a:lnRef>
-          <a:fillRef idx="1">
-            <a:schemeClr val="accent1"/>
-          </a:fillRef>
-          <a:effectRef idx="0">
-            <a:schemeClr val="accent1"/>
-          </a:effectRef>
-          <a:fontRef idx="minor">
-            <a:schemeClr val="lt1"/>
-          </a:fontRef>
-        </p:style>
         <p:txBody>
           <a:bodyPr rtlCol="0" anchor="ctr"/>
           <a:lstStyle/>
           <a:p>
             <a:pPr algn="ctr"/>
-            <a:endParaRPr lang="en-US" dirty="0"/>
-          </a:p>
-        </p:txBody>
-      </p:sp>
-      <p:sp>
-        <p:nvSpPr>
-          <p:cNvPr id="62" name="Rectangle 61"/>
-          <p:cNvSpPr/>
-          <p:nvPr/>
-        </p:nvSpPr>
-        <p:spPr>
-          <a:xfrm>
-            <a:off x="6573034" y="4839402"/>
-            <a:ext cx="1254008" cy="342683"/>
-          </a:xfrm>
-          <a:prstGeom prst="rect">
-            <a:avLst/>
-          </a:prstGeom>
-          <a:solidFill>
-            <a:schemeClr val="accent2"/>
-          </a:solidFill>
-        </p:spPr>
-        <p:style>
-          <a:lnRef idx="2">
-            <a:schemeClr val="accent1">
-              <a:shade val="50000"/>
-            </a:schemeClr>
-          </a:lnRef>
-          <a:fillRef idx="1">
-            <a:schemeClr val="accent1"/>
-          </a:fillRef>
-          <a:effectRef idx="0">
-            <a:schemeClr val="accent1"/>
-          </a:effectRef>
-          <a:fontRef idx="minor">
-            <a:schemeClr val="lt1"/>
-          </a:fontRef>
-        </p:style>
-        <p:txBody>
-          <a:bodyPr rtlCol="0" anchor="ctr"/>
-          <a:lstStyle/>
-          <a:p>
-            <a:pPr algn="ctr"/>
-            <a:r>
-              <a:rPr lang="en-US" sz="1400" dirty="0" err="1" smtClean="0"/>
-              <a:t>Vsomeip</a:t>
-            </a:r>
-            <a:r>
-              <a:rPr lang="en-US" sz="1400" dirty="0" smtClean="0"/>
-              <a:t> lib</a:t>
-            </a:r>
-            <a:endParaRPr lang="en-US" sz="1400" dirty="0"/>
-          </a:p>
-        </p:txBody>
-      </p:sp>
-      <p:sp>
-        <p:nvSpPr>
-          <p:cNvPr id="63" name="Rectangle 62"/>
-          <p:cNvSpPr/>
-          <p:nvPr/>
-        </p:nvSpPr>
-        <p:spPr>
-          <a:xfrm>
-            <a:off x="6562149" y="4459305"/>
-            <a:ext cx="1341088" cy="313459"/>
-          </a:xfrm>
-          <a:prstGeom prst="rect">
-            <a:avLst/>
-          </a:prstGeom>
-          <a:solidFill>
-            <a:schemeClr val="accent1"/>
-          </a:solidFill>
-          <a:ln>
-            <a:solidFill>
-              <a:schemeClr val="accent1"/>
-            </a:solidFill>
-          </a:ln>
-        </p:spPr>
-        <p:style>
-          <a:lnRef idx="2">
-            <a:schemeClr val="accent1">
-              <a:shade val="50000"/>
-            </a:schemeClr>
-          </a:lnRef>
-          <a:fillRef idx="1">
-            <a:schemeClr val="accent1"/>
-          </a:fillRef>
-          <a:effectRef idx="0">
-            <a:schemeClr val="accent1"/>
-          </a:effectRef>
-          <a:fontRef idx="minor">
-            <a:schemeClr val="lt1"/>
-          </a:fontRef>
-        </p:style>
-        <p:txBody>
-          <a:bodyPr rtlCol="0" anchor="ctr"/>
-          <a:lstStyle/>
-          <a:p>
-            <a:pPr algn="ctr"/>
-            <a:r>
-              <a:rPr lang="en-US" sz="1200" dirty="0" err="1" smtClean="0">
-                <a:solidFill>
-                  <a:schemeClr val="tx1"/>
-                </a:solidFill>
-              </a:rPr>
-              <a:t>RoutingManagerd</a:t>
-            </a:r>
-            <a:r>
-              <a:rPr lang="en-US" sz="1200" dirty="0" smtClean="0">
-                <a:solidFill>
-                  <a:schemeClr val="tx1"/>
-                </a:solidFill>
-              </a:rPr>
-              <a:t> </a:t>
-            </a:r>
-            <a:r>
-              <a:rPr lang="en-US" sz="1200" dirty="0" err="1" smtClean="0">
-                <a:solidFill>
-                  <a:schemeClr val="tx1"/>
-                </a:solidFill>
-              </a:rPr>
-              <a:t>impl</a:t>
-            </a:r>
-            <a:endParaRPr lang="en-US" sz="1200" dirty="0">
-              <a:solidFill>
-                <a:schemeClr val="tx1"/>
-              </a:solidFill>
-            </a:endParaRPr>
-          </a:p>
-        </p:txBody>
-      </p:sp>
-      <p:sp>
-        <p:nvSpPr>
-          <p:cNvPr id="65" name="Rectangle 64"/>
-          <p:cNvSpPr/>
-          <p:nvPr/>
-        </p:nvSpPr>
-        <p:spPr>
-          <a:xfrm>
-            <a:off x="4063043" y="2323344"/>
-            <a:ext cx="1065404" cy="3123789"/>
-          </a:xfrm>
-          <a:prstGeom prst="rect">
-            <a:avLst/>
-          </a:prstGeom>
-          <a:solidFill>
-            <a:schemeClr val="bg1">
-              <a:lumMod val="75000"/>
-            </a:schemeClr>
-          </a:solidFill>
-        </p:spPr>
-        <p:style>
-          <a:lnRef idx="2">
-            <a:schemeClr val="accent1">
-              <a:shade val="50000"/>
-            </a:schemeClr>
-          </a:lnRef>
-          <a:fillRef idx="1">
-            <a:schemeClr val="accent1"/>
-          </a:fillRef>
-          <a:effectRef idx="0">
-            <a:schemeClr val="accent1"/>
-          </a:effectRef>
-          <a:fontRef idx="minor">
-            <a:schemeClr val="lt1"/>
-          </a:fontRef>
-        </p:style>
-        <p:txBody>
-          <a:bodyPr rtlCol="0" anchor="ctr"/>
-          <a:lstStyle/>
-          <a:p>
-            <a:pPr algn="ctr"/>
-            <a:r>
-              <a:rPr lang="en-US" dirty="0" smtClean="0"/>
-              <a:t>Ethernet</a:t>
-            </a:r>
-            <a:endParaRPr lang="en-US" dirty="0"/>
-          </a:p>
-        </p:txBody>
-      </p:sp>
-      <p:cxnSp>
-        <p:nvCxnSpPr>
-          <p:cNvPr id="67" name="Straight Arrow Connector 66"/>
-          <p:cNvCxnSpPr/>
-          <p:nvPr/>
-        </p:nvCxnSpPr>
-        <p:spPr>
-          <a:xfrm flipV="1">
-            <a:off x="2608810" y="4516127"/>
-            <a:ext cx="3895189" cy="33631"/>
-          </a:xfrm>
-          <a:prstGeom prst="straightConnector1">
-            <a:avLst/>
-          </a:prstGeom>
-          <a:ln>
-            <a:headEnd type="triangle"/>
-            <a:tailEnd type="triangle"/>
-          </a:ln>
-        </p:spPr>
-        <p:style>
-          <a:lnRef idx="1">
-            <a:schemeClr val="accent1"/>
-          </a:lnRef>
-          <a:fillRef idx="0">
-            <a:schemeClr val="accent1"/>
-          </a:fillRef>
-          <a:effectRef idx="0">
-            <a:schemeClr val="accent1"/>
-          </a:effectRef>
-          <a:fontRef idx="minor">
-            <a:schemeClr val="tx1"/>
-          </a:fontRef>
-        </p:style>
-      </p:cxnSp>
-      <p:cxnSp>
-        <p:nvCxnSpPr>
-          <p:cNvPr id="69" name="Straight Arrow Connector 68"/>
-          <p:cNvCxnSpPr/>
-          <p:nvPr/>
-        </p:nvCxnSpPr>
-        <p:spPr>
-          <a:xfrm>
-            <a:off x="2624741" y="5004934"/>
-            <a:ext cx="3851410" cy="4223"/>
-          </a:xfrm>
-          <a:prstGeom prst="straightConnector1">
-            <a:avLst/>
-          </a:prstGeom>
-          <a:ln>
-            <a:headEnd type="triangle"/>
-            <a:tailEnd type="triangle"/>
-          </a:ln>
-        </p:spPr>
-        <p:style>
-          <a:lnRef idx="1">
-            <a:schemeClr val="accent1"/>
-          </a:lnRef>
-          <a:fillRef idx="0">
-            <a:schemeClr val="accent1"/>
-          </a:fillRef>
-          <a:effectRef idx="0">
-            <a:schemeClr val="accent1"/>
-          </a:effectRef>
-          <a:fontRef idx="minor">
-            <a:schemeClr val="tx1"/>
-          </a:fontRef>
-        </p:style>
-      </p:cxnSp>
-      <p:sp>
-        <p:nvSpPr>
-          <p:cNvPr id="71" name="TextBox 70"/>
-          <p:cNvSpPr txBox="1"/>
-          <p:nvPr/>
-        </p:nvSpPr>
-        <p:spPr>
-          <a:xfrm>
-            <a:off x="3882548" y="4061425"/>
-            <a:ext cx="1613199" cy="523220"/>
-          </a:xfrm>
-          <a:prstGeom prst="rect">
-            <a:avLst/>
-          </a:prstGeom>
-          <a:noFill/>
-        </p:spPr>
-        <p:txBody>
-          <a:bodyPr wrap="none" rtlCol="0">
-            <a:spAutoFit/>
-          </a:bodyPr>
-          <a:lstStyle/>
-          <a:p>
-            <a:r>
-              <a:rPr lang="en-US" sz="1400" dirty="0" smtClean="0"/>
-              <a:t>service-discovery</a:t>
-            </a:r>
-          </a:p>
-          <a:p>
-            <a:r>
-              <a:rPr lang="en-US" sz="1400" dirty="0" smtClean="0"/>
-              <a:t>(Offer/Find Service)</a:t>
-            </a:r>
-            <a:endParaRPr lang="en-US" sz="1400" dirty="0"/>
-          </a:p>
-        </p:txBody>
-      </p:sp>
-      <p:sp>
-        <p:nvSpPr>
-          <p:cNvPr id="75" name="TextBox 74"/>
-          <p:cNvSpPr txBox="1"/>
-          <p:nvPr/>
-        </p:nvSpPr>
-        <p:spPr>
-          <a:xfrm>
-            <a:off x="3530367" y="4740187"/>
-            <a:ext cx="1740028" cy="523220"/>
-          </a:xfrm>
-          <a:prstGeom prst="rect">
-            <a:avLst/>
-          </a:prstGeom>
-          <a:noFill/>
-        </p:spPr>
-        <p:txBody>
-          <a:bodyPr wrap="none" rtlCol="0">
-            <a:spAutoFit/>
-          </a:bodyPr>
-          <a:lstStyle/>
-          <a:p>
-            <a:r>
-              <a:rPr lang="en-US" sz="1400" b="1" dirty="0" smtClean="0"/>
-              <a:t>    request/response/</a:t>
-            </a:r>
-          </a:p>
-          <a:p>
-            <a:r>
-              <a:rPr lang="en-US" sz="1400" b="1" dirty="0"/>
-              <a:t> </a:t>
-            </a:r>
-            <a:r>
-              <a:rPr lang="en-US" sz="1400" b="1" dirty="0" smtClean="0"/>
-              <a:t>    publish-subscribe</a:t>
-            </a:r>
-            <a:endParaRPr lang="en-US" sz="1400" b="1" dirty="0"/>
-          </a:p>
-        </p:txBody>
-      </p:sp>
-      <p:cxnSp>
-        <p:nvCxnSpPr>
-          <p:cNvPr id="77" name="Straight Arrow Connector 76"/>
-          <p:cNvCxnSpPr>
-            <a:stCxn id="61" idx="0"/>
-            <a:endCxn id="41" idx="2"/>
-          </p:cNvCxnSpPr>
-          <p:nvPr/>
-        </p:nvCxnSpPr>
-        <p:spPr>
-          <a:xfrm flipH="1" flipV="1">
-            <a:off x="6702169" y="3270605"/>
-            <a:ext cx="514197" cy="1121732"/>
-          </a:xfrm>
-          <a:prstGeom prst="straightConnector1">
-            <a:avLst/>
-          </a:prstGeom>
-          <a:ln>
-            <a:solidFill>
-              <a:schemeClr val="tx1"/>
-            </a:solidFill>
-            <a:headEnd type="triangle"/>
-            <a:tailEnd type="triangle"/>
-          </a:ln>
-        </p:spPr>
-        <p:style>
-          <a:lnRef idx="1">
-            <a:schemeClr val="accent1"/>
-          </a:lnRef>
-          <a:fillRef idx="0">
-            <a:schemeClr val="accent1"/>
-          </a:fillRef>
-          <a:effectRef idx="0">
-            <a:schemeClr val="accent1"/>
-          </a:effectRef>
-          <a:fontRef idx="minor">
-            <a:schemeClr val="tx1"/>
-          </a:fontRef>
-        </p:style>
-      </p:cxnSp>
-      <p:cxnSp>
-        <p:nvCxnSpPr>
-          <p:cNvPr id="79" name="Straight Arrow Connector 78"/>
-          <p:cNvCxnSpPr>
-            <a:stCxn id="61" idx="0"/>
-            <a:endCxn id="52" idx="2"/>
-          </p:cNvCxnSpPr>
-          <p:nvPr/>
-        </p:nvCxnSpPr>
-        <p:spPr>
-          <a:xfrm flipV="1">
-            <a:off x="7216366" y="3258414"/>
-            <a:ext cx="778262" cy="1133923"/>
-          </a:xfrm>
-          <a:prstGeom prst="straightConnector1">
-            <a:avLst/>
-          </a:prstGeom>
-          <a:ln>
-            <a:solidFill>
-              <a:schemeClr val="tx1"/>
-            </a:solidFill>
-            <a:headEnd type="triangle"/>
-            <a:tailEnd type="triangle"/>
-          </a:ln>
-        </p:spPr>
-        <p:style>
-          <a:lnRef idx="1">
-            <a:schemeClr val="accent1"/>
-          </a:lnRef>
-          <a:fillRef idx="0">
-            <a:schemeClr val="accent1"/>
-          </a:fillRef>
-          <a:effectRef idx="0">
-            <a:schemeClr val="accent1"/>
-          </a:effectRef>
-          <a:fontRef idx="minor">
-            <a:schemeClr val="tx1"/>
-          </a:fontRef>
-        </p:style>
-      </p:cxnSp>
-      <p:sp>
-        <p:nvSpPr>
-          <p:cNvPr id="80" name="TextBox 79"/>
-          <p:cNvSpPr txBox="1"/>
-          <p:nvPr/>
-        </p:nvSpPr>
-        <p:spPr>
-          <a:xfrm>
-            <a:off x="1734721" y="3656676"/>
-            <a:ext cx="1333378" cy="276999"/>
-          </a:xfrm>
-          <a:prstGeom prst="rect">
-            <a:avLst/>
-          </a:prstGeom>
-          <a:noFill/>
-        </p:spPr>
-        <p:txBody>
-          <a:bodyPr wrap="none" rtlCol="0">
-            <a:spAutoFit/>
-          </a:bodyPr>
-          <a:lstStyle/>
-          <a:p>
-            <a:r>
-              <a:rPr lang="en-US" sz="1200" dirty="0" smtClean="0">
-                <a:solidFill>
-                  <a:schemeClr val="bg1">
-                    <a:lumMod val="50000"/>
-                  </a:schemeClr>
-                </a:solidFill>
-              </a:rPr>
-              <a:t>Local socket (UDS)</a:t>
-            </a:r>
-            <a:endParaRPr lang="en-US" sz="1200" dirty="0">
+            <a:endParaRPr lang="en-US">
               <a:solidFill>
                 <a:schemeClr val="bg1">
                   <a:lumMod val="50000"/>
@@ -9808,14 +11521,14 @@
       </p:sp>
       <p:sp>
         <p:nvSpPr>
-          <p:cNvPr id="81" name="TextBox 80"/>
+          <p:cNvPr id="11" name="TextBox 10"/>
           <p:cNvSpPr txBox="1"/>
           <p:nvPr/>
         </p:nvSpPr>
         <p:spPr>
           <a:xfrm>
-            <a:off x="6263035" y="3567798"/>
-            <a:ext cx="1333378" cy="276999"/>
+            <a:off x="880043" y="5835003"/>
+            <a:ext cx="772584" cy="307777"/>
           </a:xfrm>
           <a:prstGeom prst="rect">
             <a:avLst/>
@@ -9829,1266 +11542,17 @@
           <a:lstStyle/>
           <a:p>
             <a:r>
-              <a:rPr lang="en-US" sz="1200" dirty="0" smtClean="0">
-                <a:solidFill>
-                  <a:schemeClr val="bg1">
-                    <a:lumMod val="50000"/>
-                  </a:schemeClr>
-                </a:solidFill>
-              </a:rPr>
-              <a:t>Local socket (UDS)</a:t>
-            </a:r>
-            <a:endParaRPr lang="en-US" sz="1200" dirty="0">
-              <a:solidFill>
-                <a:schemeClr val="bg1">
-                  <a:lumMod val="50000"/>
-                </a:schemeClr>
-              </a:solidFill>
-            </a:endParaRPr>
-          </a:p>
-        </p:txBody>
-      </p:sp>
-      <p:sp>
-        <p:nvSpPr>
-          <p:cNvPr id="84" name="TextBox 83"/>
-          <p:cNvSpPr txBox="1"/>
-          <p:nvPr/>
-        </p:nvSpPr>
-        <p:spPr>
-          <a:xfrm>
-            <a:off x="2623713" y="4149549"/>
-            <a:ext cx="1438214" cy="830997"/>
-          </a:xfrm>
-          <a:prstGeom prst="rect">
-            <a:avLst/>
-          </a:prstGeom>
-          <a:noFill/>
-        </p:spPr>
-        <p:txBody>
-          <a:bodyPr wrap="none" rtlCol="0">
-            <a:spAutoFit/>
-          </a:bodyPr>
-          <a:lstStyle/>
-          <a:p>
-            <a:r>
-              <a:rPr lang="en-US" sz="1200" dirty="0" err="1" smtClean="0">
-                <a:solidFill>
-                  <a:schemeClr val="bg1">
-                    <a:lumMod val="50000"/>
-                  </a:schemeClr>
-                </a:solidFill>
-              </a:rPr>
-              <a:t>Mutilcast</a:t>
-            </a:r>
-            <a:r>
-              <a:rPr lang="en-US" sz="1200" dirty="0" smtClean="0">
-                <a:solidFill>
-                  <a:schemeClr val="bg1">
-                    <a:lumMod val="50000"/>
-                  </a:schemeClr>
-                </a:solidFill>
-              </a:rPr>
-              <a:t> {</a:t>
-            </a:r>
-          </a:p>
-          <a:p>
-            <a:r>
-              <a:rPr lang="en-US" sz="1200" dirty="0" smtClean="0">
-                <a:solidFill>
-                  <a:schemeClr val="bg1">
-                    <a:lumMod val="50000"/>
-                  </a:schemeClr>
-                </a:solidFill>
-              </a:rPr>
-              <a:t>IP: 224.224.224.245</a:t>
-            </a:r>
-          </a:p>
-          <a:p>
-            <a:r>
-              <a:rPr lang="en-US" sz="1200" dirty="0" smtClean="0">
-                <a:solidFill>
-                  <a:schemeClr val="bg1">
-                    <a:lumMod val="50000"/>
-                  </a:schemeClr>
-                </a:solidFill>
-              </a:rPr>
-              <a:t>Port: 30490</a:t>
-            </a:r>
-          </a:p>
-          <a:p>
-            <a:r>
-              <a:rPr lang="en-US" sz="1200" dirty="0">
-                <a:solidFill>
-                  <a:schemeClr val="bg1">
-                    <a:lumMod val="50000"/>
-                  </a:schemeClr>
-                </a:solidFill>
-              </a:rPr>
-              <a:t>}</a:t>
-            </a:r>
-            <a:endParaRPr lang="en-US" sz="1200" dirty="0" smtClean="0">
-              <a:solidFill>
-                <a:schemeClr val="bg1">
-                  <a:lumMod val="50000"/>
-                </a:schemeClr>
-              </a:solidFill>
-            </a:endParaRPr>
-          </a:p>
-        </p:txBody>
-      </p:sp>
-      <p:sp>
-        <p:nvSpPr>
-          <p:cNvPr id="87" name="TextBox 86"/>
-          <p:cNvSpPr txBox="1"/>
-          <p:nvPr/>
-        </p:nvSpPr>
-        <p:spPr>
-          <a:xfrm>
-            <a:off x="4693442" y="5564882"/>
-            <a:ext cx="4719500" cy="1384995"/>
-          </a:xfrm>
-          <a:prstGeom prst="rect">
-            <a:avLst/>
-          </a:prstGeom>
-          <a:noFill/>
-        </p:spPr>
-        <p:txBody>
-          <a:bodyPr wrap="square" rtlCol="0">
-            <a:spAutoFit/>
-          </a:bodyPr>
-          <a:lstStyle/>
-          <a:p>
-            <a:pPr marL="171450" indent="-171450">
-              <a:buFont typeface="Wingdings" panose="05000000000000000000" pitchFamily="2" charset="2"/>
-              <a:buChar char="§"/>
-            </a:pPr>
-            <a:r>
-              <a:rPr lang="en-US" sz="1200" dirty="0"/>
-              <a:t>The </a:t>
-            </a:r>
-            <a:r>
-              <a:rPr lang="en-US" sz="1200" b="1" dirty="0" err="1" smtClean="0"/>
-              <a:t>RoutingManagerd</a:t>
-            </a:r>
-            <a:r>
-              <a:rPr lang="en-US" sz="1200" dirty="0" smtClean="0"/>
-              <a:t> </a:t>
-            </a:r>
-            <a:r>
-              <a:rPr lang="en-US" sz="1200" dirty="0"/>
-              <a:t>(</a:t>
-            </a:r>
-            <a:r>
-              <a:rPr lang="en-US" sz="1200" dirty="0" smtClean="0"/>
-              <a:t>Middleware </a:t>
-            </a:r>
-            <a:r>
-              <a:rPr lang="en-US" sz="1200" dirty="0" err="1" smtClean="0"/>
-              <a:t>deamon</a:t>
-            </a:r>
-            <a:r>
-              <a:rPr lang="en-US" sz="1200" dirty="0" smtClean="0"/>
-              <a:t>) is </a:t>
-            </a:r>
-            <a:r>
-              <a:rPr lang="en-US" sz="1200" dirty="0"/>
-              <a:t>responsible </a:t>
-            </a:r>
-            <a:r>
-              <a:rPr lang="en-US" sz="1200" dirty="0" smtClean="0"/>
-              <a:t>for:</a:t>
-            </a:r>
-          </a:p>
-          <a:p>
-            <a:r>
-              <a:rPr lang="en-US" sz="1200" dirty="0"/>
-              <a:t> </a:t>
-            </a:r>
-            <a:r>
-              <a:rPr lang="en-US" sz="1200" dirty="0" smtClean="0"/>
-              <a:t>   </a:t>
-            </a:r>
-            <a:r>
-              <a:rPr lang="en-US" sz="1200" b="1" dirty="0" smtClean="0"/>
-              <a:t>Routing</a:t>
-            </a:r>
-            <a:r>
-              <a:rPr lang="en-US" sz="1200" dirty="0" smtClean="0"/>
-              <a:t> </a:t>
-            </a:r>
-            <a:r>
-              <a:rPr lang="en-US" sz="1200" dirty="0"/>
-              <a:t>service messages between applications on the same device.</a:t>
-            </a:r>
-          </a:p>
-          <a:p>
-            <a:r>
-              <a:rPr lang="en-US" sz="1200" dirty="0" smtClean="0"/>
-              <a:t>    Forwarding </a:t>
-            </a:r>
-            <a:r>
-              <a:rPr lang="en-US" sz="1200" dirty="0"/>
-              <a:t>messages between devices over Ethernet.</a:t>
-            </a:r>
-          </a:p>
-          <a:p>
-            <a:r>
-              <a:rPr lang="en-US" sz="1200" dirty="0" smtClean="0"/>
-              <a:t>    Managing </a:t>
-            </a:r>
-            <a:r>
-              <a:rPr lang="en-US" sz="1200" b="1" dirty="0"/>
-              <a:t>service discovery</a:t>
-            </a:r>
-            <a:r>
-              <a:rPr lang="en-US" sz="1200" dirty="0"/>
-              <a:t> and subscription handling</a:t>
-            </a:r>
-            <a:r>
-              <a:rPr lang="en-US" sz="1200" dirty="0" smtClean="0"/>
-              <a:t>.</a:t>
-            </a:r>
-          </a:p>
-          <a:p>
-            <a:r>
-              <a:rPr lang="en-US" sz="1200" dirty="0"/>
-              <a:t>    </a:t>
-            </a:r>
-            <a:r>
-              <a:rPr lang="en-US" sz="1200" i="1" dirty="0" smtClean="0"/>
-              <a:t>There </a:t>
-            </a:r>
-            <a:r>
-              <a:rPr lang="en-US" sz="1200" i="1" dirty="0"/>
-              <a:t>is only one </a:t>
-            </a:r>
-            <a:r>
-              <a:rPr lang="en-US" sz="1200" i="1" dirty="0" err="1"/>
-              <a:t>routingmanagerd</a:t>
-            </a:r>
-            <a:r>
-              <a:rPr lang="en-US" sz="1200" i="1" dirty="0"/>
-              <a:t> per </a:t>
-            </a:r>
-            <a:r>
-              <a:rPr lang="en-US" sz="1200" i="1" dirty="0" smtClean="0"/>
-              <a:t>device/host</a:t>
-            </a:r>
-            <a:r>
-              <a:rPr lang="en-US" sz="1200" i="1" dirty="0" smtClean="0"/>
-              <a:t>.</a:t>
-            </a:r>
-          </a:p>
-          <a:p>
-            <a:pPr marL="171450" indent="-171450">
-              <a:buFont typeface="Wingdings" panose="05000000000000000000" pitchFamily="2" charset="2"/>
-              <a:buChar char="§"/>
-            </a:pPr>
-            <a:r>
-              <a:rPr lang="en-US" sz="1200" b="1" dirty="0" err="1">
-                <a:solidFill>
-                  <a:srgbClr val="FF0000"/>
-                </a:solidFill>
-              </a:rPr>
-              <a:t>v</a:t>
-            </a:r>
-            <a:r>
-              <a:rPr lang="en-US" sz="1200" b="1" dirty="0" err="1" smtClean="0">
-                <a:solidFill>
-                  <a:srgbClr val="FF0000"/>
-                </a:solidFill>
-              </a:rPr>
-              <a:t>someip.json</a:t>
-            </a:r>
-            <a:r>
-              <a:rPr lang="en-US" sz="1200" dirty="0" smtClean="0"/>
-              <a:t> </a:t>
-            </a:r>
-            <a:r>
-              <a:rPr lang="en-US" sz="1200" dirty="0"/>
-              <a:t>define multiple critical purposes in the </a:t>
-            </a:r>
-            <a:r>
-              <a:rPr lang="en-US" sz="1200" dirty="0" err="1"/>
-              <a:t>vsomeip</a:t>
-            </a:r>
-            <a:r>
-              <a:rPr lang="en-US" sz="1200" dirty="0"/>
-              <a:t> </a:t>
-            </a:r>
-            <a:r>
-              <a:rPr lang="en-US" sz="1200" dirty="0" smtClean="0"/>
-              <a:t>architecture (include </a:t>
-            </a:r>
-            <a:r>
-              <a:rPr lang="fr-FR" sz="1200" i="1" dirty="0" err="1"/>
-              <a:t>ServiceA</a:t>
-            </a:r>
-            <a:r>
-              <a:rPr lang="fr-FR" sz="1200" i="1" dirty="0"/>
-              <a:t> </a:t>
-            </a:r>
-            <a:r>
-              <a:rPr lang="fr-FR" sz="1200" i="1" dirty="0" smtClean="0"/>
-              <a:t>identifier, </a:t>
-            </a:r>
-            <a:r>
-              <a:rPr lang="fr-FR" sz="1200" i="1" dirty="0" err="1"/>
-              <a:t>ServiceA</a:t>
-            </a:r>
-            <a:r>
-              <a:rPr lang="fr-FR" sz="1200" i="1" dirty="0"/>
-              <a:t> </a:t>
-            </a:r>
-            <a:r>
-              <a:rPr lang="fr-FR" sz="1200" i="1" dirty="0" err="1"/>
-              <a:t>endpoint</a:t>
-            </a:r>
-            <a:r>
-              <a:rPr lang="en-US" sz="1200" dirty="0" smtClean="0"/>
-              <a:t>)</a:t>
-            </a:r>
-            <a:endParaRPr lang="en-US" sz="1200" dirty="0"/>
-          </a:p>
-        </p:txBody>
-      </p:sp>
-      <p:sp>
-        <p:nvSpPr>
-          <p:cNvPr id="2" name="TextBox 1"/>
-          <p:cNvSpPr txBox="1"/>
-          <p:nvPr/>
-        </p:nvSpPr>
-        <p:spPr>
-          <a:xfrm>
-            <a:off x="6249893" y="2272297"/>
-            <a:ext cx="823260" cy="276999"/>
-          </a:xfrm>
-          <a:prstGeom prst="rect">
-            <a:avLst/>
-          </a:prstGeom>
-          <a:noFill/>
-        </p:spPr>
-        <p:txBody>
-          <a:bodyPr wrap="square" rtlCol="0">
-            <a:spAutoFit/>
-          </a:bodyPr>
-          <a:lstStyle/>
-          <a:p>
-            <a:r>
-              <a:rPr lang="en-US" sz="1200" dirty="0"/>
-              <a:t>App3 </a:t>
-            </a:r>
-            <a:r>
-              <a:rPr lang="en-US" sz="1200" dirty="0" err="1" smtClean="0"/>
-              <a:t>impl</a:t>
-            </a:r>
-            <a:endParaRPr lang="en-US" sz="1200" dirty="0"/>
-          </a:p>
-        </p:txBody>
-      </p:sp>
-      <p:sp>
-        <p:nvSpPr>
-          <p:cNvPr id="4" name="Rectangle 3"/>
-          <p:cNvSpPr/>
-          <p:nvPr/>
-        </p:nvSpPr>
-        <p:spPr>
-          <a:xfrm>
-            <a:off x="6176963" y="2558616"/>
-            <a:ext cx="528836" cy="225390"/>
-          </a:xfrm>
-          <a:prstGeom prst="rect">
-            <a:avLst/>
-          </a:prstGeom>
-        </p:spPr>
-        <p:style>
-          <a:lnRef idx="2">
-            <a:schemeClr val="accent1"/>
-          </a:lnRef>
-          <a:fillRef idx="1">
-            <a:schemeClr val="lt1"/>
-          </a:fillRef>
-          <a:effectRef idx="0">
-            <a:schemeClr val="accent1"/>
-          </a:effectRef>
-          <a:fontRef idx="minor">
-            <a:schemeClr val="dk1"/>
-          </a:fontRef>
-        </p:style>
-        <p:txBody>
-          <a:bodyPr rtlCol="0" anchor="ctr"/>
-          <a:lstStyle/>
-          <a:p>
-            <a:pPr algn="ctr"/>
-            <a:r>
-              <a:rPr lang="en-US" sz="800" dirty="0" smtClean="0"/>
-              <a:t>Service A</a:t>
-            </a:r>
-            <a:endParaRPr lang="en-US" sz="800" dirty="0"/>
-          </a:p>
-        </p:txBody>
-      </p:sp>
-      <p:sp>
-        <p:nvSpPr>
-          <p:cNvPr id="44" name="Rectangle 43"/>
-          <p:cNvSpPr/>
-          <p:nvPr/>
-        </p:nvSpPr>
-        <p:spPr>
-          <a:xfrm>
-            <a:off x="6731595" y="2565944"/>
-            <a:ext cx="528836" cy="225390"/>
-          </a:xfrm>
-          <a:prstGeom prst="rect">
-            <a:avLst/>
-          </a:prstGeom>
-        </p:spPr>
-        <p:style>
-          <a:lnRef idx="2">
-            <a:schemeClr val="accent1"/>
-          </a:lnRef>
-          <a:fillRef idx="1">
-            <a:schemeClr val="lt1"/>
-          </a:fillRef>
-          <a:effectRef idx="0">
-            <a:schemeClr val="accent1"/>
-          </a:effectRef>
-          <a:fontRef idx="minor">
-            <a:schemeClr val="dk1"/>
-          </a:fontRef>
-        </p:style>
-        <p:txBody>
-          <a:bodyPr rtlCol="0" anchor="ctr"/>
-          <a:lstStyle/>
-          <a:p>
-            <a:pPr algn="ctr"/>
-            <a:r>
-              <a:rPr lang="en-US" sz="800" dirty="0" smtClean="0"/>
-              <a:t>Service B</a:t>
-            </a:r>
-            <a:endParaRPr lang="en-US" sz="800" dirty="0"/>
-          </a:p>
-        </p:txBody>
-      </p:sp>
-      <p:sp>
-        <p:nvSpPr>
-          <p:cNvPr id="5" name="TextBox 4"/>
-          <p:cNvSpPr txBox="1"/>
-          <p:nvPr/>
-        </p:nvSpPr>
-        <p:spPr>
-          <a:xfrm>
-            <a:off x="761190" y="1269363"/>
-            <a:ext cx="3473002" cy="523220"/>
-          </a:xfrm>
-          <a:prstGeom prst="rect">
-            <a:avLst/>
-          </a:prstGeom>
-          <a:noFill/>
-        </p:spPr>
-        <p:txBody>
-          <a:bodyPr wrap="none" rtlCol="0">
-            <a:spAutoFit/>
-          </a:bodyPr>
-          <a:lstStyle/>
-          <a:p>
-            <a:pPr marL="285750" indent="-285750">
-              <a:buFont typeface="Wingdings" panose="05000000000000000000" pitchFamily="2" charset="2"/>
-              <a:buChar char="q"/>
-            </a:pPr>
-            <a:r>
-              <a:rPr lang="en-US" sz="1400" dirty="0" smtClean="0"/>
-              <a:t>Discoverability</a:t>
-            </a:r>
-            <a:r>
-              <a:rPr lang="en-US" sz="1400" dirty="0" smtClean="0"/>
-              <a:t>: </a:t>
-            </a:r>
-            <a:r>
-              <a:rPr lang="en-US" sz="1400" dirty="0"/>
-              <a:t>Find services </a:t>
-            </a:r>
-            <a:r>
-              <a:rPr lang="en-US" sz="1400" dirty="0" smtClean="0"/>
-              <a:t>dynamically</a:t>
-            </a:r>
-          </a:p>
-          <a:p>
-            <a:pPr marL="285750" indent="-285750">
-              <a:buFont typeface="Wingdings" panose="05000000000000000000" pitchFamily="2" charset="2"/>
-              <a:buChar char="q"/>
-            </a:pPr>
-            <a:r>
-              <a:rPr lang="en-US" sz="1400" dirty="0" smtClean="0"/>
-              <a:t>…</a:t>
-            </a:r>
-            <a:endParaRPr lang="en-US" sz="1400" dirty="0"/>
-          </a:p>
-        </p:txBody>
-      </p:sp>
-      <p:cxnSp>
-        <p:nvCxnSpPr>
-          <p:cNvPr id="10" name="Straight Connector 9"/>
-          <p:cNvCxnSpPr/>
-          <p:nvPr/>
-        </p:nvCxnSpPr>
-        <p:spPr>
-          <a:xfrm flipV="1">
-            <a:off x="6503999" y="1579874"/>
-            <a:ext cx="485311" cy="1078419"/>
-          </a:xfrm>
-          <a:prstGeom prst="line">
-            <a:avLst/>
-          </a:prstGeom>
-          <a:ln w="6350">
-            <a:prstDash val="dash"/>
-          </a:ln>
-        </p:spPr>
-        <p:style>
-          <a:lnRef idx="1">
-            <a:schemeClr val="accent1"/>
-          </a:lnRef>
-          <a:fillRef idx="0">
-            <a:schemeClr val="accent1"/>
-          </a:fillRef>
-          <a:effectRef idx="0">
-            <a:schemeClr val="accent1"/>
-          </a:effectRef>
-          <a:fontRef idx="minor">
-            <a:schemeClr val="tx1"/>
-          </a:fontRef>
-        </p:style>
-      </p:cxnSp>
-      <p:sp>
-        <p:nvSpPr>
-          <p:cNvPr id="12" name="Double Brace 11"/>
-          <p:cNvSpPr/>
-          <p:nvPr/>
-        </p:nvSpPr>
-        <p:spPr>
-          <a:xfrm>
-            <a:off x="7976883" y="1214107"/>
-            <a:ext cx="767387" cy="228830"/>
-          </a:xfrm>
-          <a:prstGeom prst="bracePair">
-            <a:avLst/>
-          </a:prstGeom>
-        </p:spPr>
-        <p:style>
-          <a:lnRef idx="1">
-            <a:schemeClr val="accent1"/>
-          </a:lnRef>
-          <a:fillRef idx="0">
-            <a:schemeClr val="accent1"/>
-          </a:fillRef>
-          <a:effectRef idx="0">
-            <a:schemeClr val="accent1"/>
-          </a:effectRef>
-          <a:fontRef idx="minor">
-            <a:schemeClr val="tx1"/>
-          </a:fontRef>
-        </p:style>
-        <p:txBody>
-          <a:bodyPr rtlCol="0" anchor="ctr"/>
-          <a:lstStyle/>
-          <a:p>
-            <a:pPr algn="ctr"/>
-            <a:r>
-              <a:rPr lang="en-US" sz="1200" i="1" dirty="0" smtClean="0"/>
-              <a:t>App ID = 0x1212</a:t>
-            </a:r>
-            <a:endParaRPr lang="en-US" sz="1200" i="1" dirty="0"/>
-          </a:p>
-        </p:txBody>
-      </p:sp>
-      <p:cxnSp>
-        <p:nvCxnSpPr>
-          <p:cNvPr id="14" name="Straight Connector 13"/>
-          <p:cNvCxnSpPr>
-            <a:endCxn id="41" idx="3"/>
-          </p:cNvCxnSpPr>
-          <p:nvPr/>
-        </p:nvCxnSpPr>
-        <p:spPr>
-          <a:xfrm flipH="1">
-            <a:off x="7276234" y="1471567"/>
-            <a:ext cx="1107658" cy="1429364"/>
-          </a:xfrm>
-          <a:prstGeom prst="line">
-            <a:avLst/>
-          </a:prstGeom>
-          <a:ln w="6350">
-            <a:prstDash val="dash"/>
-          </a:ln>
-        </p:spPr>
-        <p:style>
-          <a:lnRef idx="1">
-            <a:schemeClr val="accent1"/>
-          </a:lnRef>
-          <a:fillRef idx="0">
-            <a:schemeClr val="accent1"/>
-          </a:fillRef>
-          <a:effectRef idx="0">
-            <a:schemeClr val="accent1"/>
-          </a:effectRef>
-          <a:fontRef idx="minor">
-            <a:schemeClr val="tx1"/>
-          </a:fontRef>
-        </p:style>
-      </p:cxnSp>
-      <p:sp>
-        <p:nvSpPr>
-          <p:cNvPr id="6" name="TextBox 5"/>
-          <p:cNvSpPr txBox="1"/>
-          <p:nvPr/>
-        </p:nvSpPr>
-        <p:spPr>
-          <a:xfrm>
-            <a:off x="729262" y="2363171"/>
-            <a:ext cx="822661" cy="276999"/>
-          </a:xfrm>
-          <a:prstGeom prst="rect">
-            <a:avLst/>
-          </a:prstGeom>
-          <a:noFill/>
-        </p:spPr>
-        <p:txBody>
-          <a:bodyPr wrap="none" rtlCol="0">
-            <a:spAutoFit/>
-          </a:bodyPr>
-          <a:lstStyle/>
-          <a:p>
-            <a:r>
-              <a:rPr lang="en-US" sz="1200" dirty="0" smtClean="0"/>
-              <a:t>App1 </a:t>
-            </a:r>
-            <a:r>
-              <a:rPr lang="en-US" sz="1200" dirty="0" err="1" smtClean="0"/>
-              <a:t>impl</a:t>
-            </a:r>
-            <a:endParaRPr lang="en-US" sz="1200" dirty="0"/>
-          </a:p>
-        </p:txBody>
-      </p:sp>
-      <p:sp>
-        <p:nvSpPr>
-          <p:cNvPr id="57" name="Rectangle 56"/>
-          <p:cNvSpPr/>
-          <p:nvPr/>
-        </p:nvSpPr>
-        <p:spPr>
-          <a:xfrm>
-            <a:off x="682912" y="2705963"/>
-            <a:ext cx="528836" cy="225390"/>
-          </a:xfrm>
-          <a:prstGeom prst="rect">
-            <a:avLst/>
-          </a:prstGeom>
-        </p:spPr>
-        <p:style>
-          <a:lnRef idx="2">
-            <a:schemeClr val="accent1"/>
-          </a:lnRef>
-          <a:fillRef idx="1">
-            <a:schemeClr val="lt1"/>
-          </a:fillRef>
-          <a:effectRef idx="0">
-            <a:schemeClr val="accent1"/>
-          </a:effectRef>
-          <a:fontRef idx="minor">
-            <a:schemeClr val="dk1"/>
-          </a:fontRef>
-        </p:style>
-        <p:txBody>
-          <a:bodyPr rtlCol="0" anchor="ctr"/>
-          <a:lstStyle/>
-          <a:p>
-            <a:pPr algn="ctr"/>
-            <a:r>
-              <a:rPr lang="en-US" sz="800" dirty="0" smtClean="0"/>
-              <a:t>Service C</a:t>
-            </a:r>
-            <a:endParaRPr lang="en-US" sz="800" dirty="0"/>
-          </a:p>
-        </p:txBody>
-      </p:sp>
-      <p:sp>
-        <p:nvSpPr>
-          <p:cNvPr id="59" name="Rectangle 58"/>
-          <p:cNvSpPr/>
-          <p:nvPr/>
-        </p:nvSpPr>
-        <p:spPr>
-          <a:xfrm>
-            <a:off x="1240715" y="2712218"/>
-            <a:ext cx="475320" cy="218453"/>
-          </a:xfrm>
-          <a:prstGeom prst="rect">
-            <a:avLst/>
-          </a:prstGeom>
-        </p:spPr>
-        <p:style>
-          <a:lnRef idx="2">
-            <a:schemeClr val="accent1"/>
-          </a:lnRef>
-          <a:fillRef idx="1">
-            <a:schemeClr val="lt1"/>
-          </a:fillRef>
-          <a:effectRef idx="0">
-            <a:schemeClr val="accent1"/>
-          </a:effectRef>
-          <a:fontRef idx="minor">
-            <a:schemeClr val="dk1"/>
-          </a:fontRef>
-        </p:style>
-        <p:txBody>
-          <a:bodyPr rtlCol="0" anchor="ctr"/>
-          <a:lstStyle/>
-          <a:p>
-            <a:pPr algn="ctr"/>
-            <a:r>
-              <a:rPr lang="en-US" sz="800" dirty="0" smtClean="0"/>
-              <a:t>Client  A</a:t>
-            </a:r>
-            <a:endParaRPr lang="en-US" sz="800" dirty="0"/>
-          </a:p>
-        </p:txBody>
-      </p:sp>
-      <p:sp>
-        <p:nvSpPr>
-          <p:cNvPr id="64" name="TextBox 63"/>
-          <p:cNvSpPr txBox="1"/>
-          <p:nvPr/>
-        </p:nvSpPr>
-        <p:spPr>
-          <a:xfrm>
-            <a:off x="2131392" y="2336358"/>
-            <a:ext cx="822661" cy="276999"/>
-          </a:xfrm>
-          <a:prstGeom prst="rect">
-            <a:avLst/>
-          </a:prstGeom>
-          <a:noFill/>
-        </p:spPr>
-        <p:txBody>
-          <a:bodyPr wrap="none" rtlCol="0">
-            <a:spAutoFit/>
-          </a:bodyPr>
-          <a:lstStyle/>
-          <a:p>
-            <a:r>
-              <a:rPr lang="en-US" sz="1200" dirty="0" smtClean="0"/>
-              <a:t>App2 </a:t>
-            </a:r>
-            <a:r>
-              <a:rPr lang="en-US" sz="1200" dirty="0" err="1" smtClean="0"/>
-              <a:t>impl</a:t>
-            </a:r>
-            <a:endParaRPr lang="en-US" sz="1200" dirty="0"/>
-          </a:p>
-        </p:txBody>
-      </p:sp>
-      <p:sp>
-        <p:nvSpPr>
-          <p:cNvPr id="66" name="Rectangle 65"/>
-          <p:cNvSpPr/>
-          <p:nvPr/>
-        </p:nvSpPr>
-        <p:spPr>
-          <a:xfrm>
-            <a:off x="2187973" y="2697687"/>
-            <a:ext cx="475320" cy="218453"/>
-          </a:xfrm>
-          <a:prstGeom prst="rect">
-            <a:avLst/>
-          </a:prstGeom>
-        </p:spPr>
-        <p:style>
-          <a:lnRef idx="2">
-            <a:schemeClr val="accent1"/>
-          </a:lnRef>
-          <a:fillRef idx="1">
-            <a:schemeClr val="lt1"/>
-          </a:fillRef>
-          <a:effectRef idx="0">
-            <a:schemeClr val="accent1"/>
-          </a:effectRef>
-          <a:fontRef idx="minor">
-            <a:schemeClr val="dk1"/>
-          </a:fontRef>
-        </p:style>
-        <p:txBody>
-          <a:bodyPr rtlCol="0" anchor="ctr"/>
-          <a:lstStyle/>
-          <a:p>
-            <a:pPr algn="ctr"/>
-            <a:r>
-              <a:rPr lang="en-US" sz="800" dirty="0" smtClean="0"/>
-              <a:t>Client  </a:t>
-            </a:r>
-            <a:r>
-              <a:rPr lang="en-US" sz="800" dirty="0"/>
-              <a:t>C</a:t>
-            </a:r>
-          </a:p>
-        </p:txBody>
-      </p:sp>
-      <p:sp>
-        <p:nvSpPr>
-          <p:cNvPr id="68" name="Rectangle 67"/>
-          <p:cNvSpPr/>
-          <p:nvPr/>
-        </p:nvSpPr>
-        <p:spPr>
-          <a:xfrm>
-            <a:off x="2686546" y="2708695"/>
-            <a:ext cx="475320" cy="218453"/>
-          </a:xfrm>
-          <a:prstGeom prst="rect">
-            <a:avLst/>
-          </a:prstGeom>
-        </p:spPr>
-        <p:style>
-          <a:lnRef idx="2">
-            <a:schemeClr val="accent1"/>
-          </a:lnRef>
-          <a:fillRef idx="1">
-            <a:schemeClr val="lt1"/>
-          </a:fillRef>
-          <a:effectRef idx="0">
-            <a:schemeClr val="accent1"/>
-          </a:effectRef>
-          <a:fontRef idx="minor">
-            <a:schemeClr val="dk1"/>
-          </a:fontRef>
-        </p:style>
-        <p:txBody>
-          <a:bodyPr rtlCol="0" anchor="ctr"/>
-          <a:lstStyle/>
-          <a:p>
-            <a:pPr algn="ctr"/>
-            <a:r>
-              <a:rPr lang="en-US" sz="800" dirty="0" smtClean="0"/>
-              <a:t>Client  A</a:t>
-            </a:r>
-            <a:endParaRPr lang="en-US" sz="800" dirty="0"/>
-          </a:p>
-        </p:txBody>
-      </p:sp>
-      <p:sp>
-        <p:nvSpPr>
-          <p:cNvPr id="13" name="TextBox 12"/>
-          <p:cNvSpPr txBox="1"/>
-          <p:nvPr/>
-        </p:nvSpPr>
-        <p:spPr>
-          <a:xfrm>
-            <a:off x="5171987" y="4603547"/>
-            <a:ext cx="1401346" cy="830997"/>
-          </a:xfrm>
-          <a:prstGeom prst="rect">
-            <a:avLst/>
-          </a:prstGeom>
-          <a:noFill/>
-        </p:spPr>
-        <p:txBody>
-          <a:bodyPr wrap="none" rtlCol="0">
-            <a:spAutoFit/>
-          </a:bodyPr>
-          <a:lstStyle/>
-          <a:p>
-            <a:r>
-              <a:rPr lang="fr-FR" sz="1200" i="1" dirty="0" err="1"/>
-              <a:t>ServiceA</a:t>
-            </a:r>
-            <a:r>
-              <a:rPr lang="fr-FR" sz="1200" i="1" dirty="0"/>
-              <a:t> </a:t>
-            </a:r>
-            <a:r>
-              <a:rPr lang="fr-FR" sz="1200" i="1" dirty="0" err="1" smtClean="0"/>
-              <a:t>endpoint</a:t>
-            </a:r>
-            <a:r>
-              <a:rPr lang="fr-FR" sz="1200" i="1" dirty="0" smtClean="0"/>
-              <a:t>{</a:t>
-            </a:r>
-            <a:endParaRPr lang="fr-FR" sz="1200" i="1" dirty="0"/>
-          </a:p>
-          <a:p>
-            <a:r>
-              <a:rPr lang="fr-FR" sz="1200" i="1" dirty="0"/>
-              <a:t>   </a:t>
-            </a:r>
-            <a:r>
-              <a:rPr lang="fr-FR" sz="1200" i="1" dirty="0">
-                <a:solidFill>
-                  <a:srgbClr val="00B050"/>
-                </a:solidFill>
-              </a:rPr>
-              <a:t>TCP port= </a:t>
-            </a:r>
-            <a:r>
-              <a:rPr lang="fr-FR" sz="1200" i="1" dirty="0" smtClean="0">
-                <a:solidFill>
-                  <a:srgbClr val="00B050"/>
-                </a:solidFill>
-              </a:rPr>
-              <a:t>30500</a:t>
-            </a:r>
-            <a:endParaRPr lang="fr-FR" sz="1200" i="1" dirty="0">
-              <a:solidFill>
-                <a:srgbClr val="00B050"/>
-              </a:solidFill>
-            </a:endParaRPr>
-          </a:p>
-          <a:p>
-            <a:r>
-              <a:rPr lang="fr-FR" sz="1200" i="1" dirty="0">
-                <a:solidFill>
-                  <a:srgbClr val="00B050"/>
-                </a:solidFill>
-              </a:rPr>
-              <a:t>   UDP port = </a:t>
-            </a:r>
-            <a:r>
-              <a:rPr lang="fr-FR" sz="1200" i="1" dirty="0" smtClean="0">
-                <a:solidFill>
-                  <a:srgbClr val="00B050"/>
-                </a:solidFill>
-              </a:rPr>
-              <a:t>30501</a:t>
-            </a:r>
-            <a:endParaRPr lang="fr-FR" sz="1200" i="1" dirty="0">
-              <a:solidFill>
-                <a:srgbClr val="00B050"/>
-              </a:solidFill>
-            </a:endParaRPr>
-          </a:p>
-          <a:p>
-            <a:r>
-              <a:rPr lang="fr-FR" sz="1200" i="1" dirty="0"/>
-              <a:t>}</a:t>
-            </a:r>
-            <a:endParaRPr lang="en-US" sz="1200" i="1" dirty="0"/>
-          </a:p>
-        </p:txBody>
-      </p:sp>
-      <p:sp>
-        <p:nvSpPr>
-          <p:cNvPr id="70" name="TextBox 69"/>
-          <p:cNvSpPr txBox="1"/>
-          <p:nvPr/>
-        </p:nvSpPr>
-        <p:spPr>
-          <a:xfrm>
-            <a:off x="6214795" y="1152314"/>
-            <a:ext cx="1580882" cy="830997"/>
-          </a:xfrm>
-          <a:prstGeom prst="rect">
-            <a:avLst/>
-          </a:prstGeom>
-          <a:noFill/>
-        </p:spPr>
-        <p:txBody>
-          <a:bodyPr wrap="none" rtlCol="0">
-            <a:spAutoFit/>
-          </a:bodyPr>
-          <a:lstStyle/>
-          <a:p>
-            <a:r>
-              <a:rPr lang="fr-FR" sz="1200" i="1" dirty="0" err="1"/>
-              <a:t>ServiceA</a:t>
-            </a:r>
-            <a:r>
-              <a:rPr lang="fr-FR" sz="1200" i="1" dirty="0"/>
-              <a:t> identifier {</a:t>
-            </a:r>
-          </a:p>
-          <a:p>
-            <a:r>
-              <a:rPr lang="fr-FR" sz="1200" i="1" dirty="0"/>
-              <a:t>   </a:t>
-            </a:r>
-            <a:r>
-              <a:rPr lang="fr-FR" sz="1200" i="1" dirty="0">
-                <a:solidFill>
-                  <a:srgbClr val="00B050"/>
-                </a:solidFill>
-              </a:rPr>
-              <a:t>service </a:t>
-            </a:r>
-            <a:r>
-              <a:rPr lang="fr-FR" sz="1200" i="1" dirty="0" smtClean="0">
-                <a:solidFill>
-                  <a:srgbClr val="00B050"/>
-                </a:solidFill>
-              </a:rPr>
-              <a:t>ID = 0x1234</a:t>
-            </a:r>
-            <a:endParaRPr lang="fr-FR" sz="1200" i="1" dirty="0">
-              <a:solidFill>
-                <a:srgbClr val="00B050"/>
-              </a:solidFill>
-            </a:endParaRPr>
-          </a:p>
-          <a:p>
-            <a:r>
-              <a:rPr lang="fr-FR" sz="1200" i="1" dirty="0"/>
-              <a:t>   </a:t>
-            </a:r>
-            <a:r>
-              <a:rPr lang="fr-FR" sz="1200" i="1" dirty="0">
-                <a:solidFill>
-                  <a:srgbClr val="00B050"/>
-                </a:solidFill>
-              </a:rPr>
-              <a:t>instance </a:t>
-            </a:r>
-            <a:r>
-              <a:rPr lang="fr-FR" sz="1200" i="1" dirty="0" smtClean="0">
-                <a:solidFill>
-                  <a:srgbClr val="00B050"/>
-                </a:solidFill>
-              </a:rPr>
-              <a:t>ID = 0x5678</a:t>
-            </a:r>
-            <a:endParaRPr lang="fr-FR" sz="1200" i="1" dirty="0">
-              <a:solidFill>
-                <a:srgbClr val="00B050"/>
-              </a:solidFill>
-            </a:endParaRPr>
-          </a:p>
-          <a:p>
-            <a:r>
-              <a:rPr lang="fr-FR" sz="1200" i="1" dirty="0"/>
-              <a:t>}</a:t>
-            </a:r>
-            <a:endParaRPr lang="en-US" sz="1200" i="1" dirty="0"/>
-          </a:p>
-        </p:txBody>
-      </p:sp>
-      <p:sp>
-        <p:nvSpPr>
-          <p:cNvPr id="17" name="TextBox 16"/>
-          <p:cNvSpPr txBox="1"/>
-          <p:nvPr/>
-        </p:nvSpPr>
-        <p:spPr>
-          <a:xfrm>
-            <a:off x="208753" y="5696255"/>
-            <a:ext cx="4048288" cy="677108"/>
-          </a:xfrm>
-          <a:prstGeom prst="rect">
-            <a:avLst/>
-          </a:prstGeom>
-          <a:noFill/>
-        </p:spPr>
-        <p:txBody>
-          <a:bodyPr wrap="none" rtlCol="0">
-            <a:spAutoFit/>
-          </a:bodyPr>
-          <a:lstStyle/>
-          <a:p>
-            <a:r>
-              <a:rPr lang="fr-FR" sz="1200" i="1" dirty="0" err="1" smtClean="0"/>
-              <a:t>ClientA</a:t>
-            </a:r>
-            <a:r>
-              <a:rPr lang="fr-FR" sz="1200" i="1" dirty="0" smtClean="0"/>
-              <a:t> </a:t>
-            </a:r>
-            <a:r>
-              <a:rPr lang="fr-FR" sz="1200" i="1" dirty="0" err="1" smtClean="0"/>
-              <a:t>don’t</a:t>
-            </a:r>
-            <a:r>
-              <a:rPr lang="fr-FR" sz="1200" i="1" dirty="0" smtClean="0"/>
-              <a:t> know Device2 (IP + TCP/UDP Port)</a:t>
-            </a:r>
-          </a:p>
-          <a:p>
-            <a:r>
-              <a:rPr lang="en-US" sz="1200" i="1" dirty="0" err="1"/>
-              <a:t>ClientA</a:t>
-            </a:r>
-            <a:r>
-              <a:rPr lang="en-US" sz="1200" i="1" dirty="0"/>
-              <a:t> only know </a:t>
-            </a:r>
-            <a:r>
-              <a:rPr lang="fr-FR" sz="1200" i="1" dirty="0" err="1"/>
-              <a:t>ServiceA</a:t>
-            </a:r>
-            <a:r>
-              <a:rPr lang="fr-FR" sz="1200" i="1" dirty="0"/>
-              <a:t> identifier </a:t>
-            </a:r>
-            <a:r>
-              <a:rPr lang="fr-FR" sz="1200" i="1" dirty="0" smtClean="0"/>
-              <a:t>(</a:t>
-            </a:r>
-            <a:r>
-              <a:rPr lang="fr-FR" sz="1200" i="1" dirty="0"/>
-              <a:t>service ID + instance ID</a:t>
-            </a:r>
-            <a:r>
-              <a:rPr lang="fr-FR" sz="1200" i="1" dirty="0" smtClean="0"/>
-              <a:t>).</a:t>
-            </a:r>
-          </a:p>
-          <a:p>
-            <a:r>
-              <a:rPr lang="en-US" sz="1400" dirty="0" smtClean="0">
-                <a:solidFill>
-                  <a:srgbClr val="FF0000"/>
-                </a:solidFill>
-              </a:rPr>
-              <a:t>Q</a:t>
-            </a:r>
-            <a:r>
-              <a:rPr lang="en-US" sz="1400" dirty="0">
-                <a:solidFill>
-                  <a:srgbClr val="FF0000"/>
-                </a:solidFill>
-              </a:rPr>
-              <a:t>: </a:t>
-            </a:r>
-            <a:r>
-              <a:rPr lang="en-US" sz="1400" dirty="0" smtClean="0">
-                <a:solidFill>
-                  <a:srgbClr val="FF0000"/>
-                </a:solidFill>
-              </a:rPr>
-              <a:t>How client A can send data to Service A ?</a:t>
-            </a:r>
-            <a:endParaRPr lang="en-US" sz="1400" dirty="0">
-              <a:solidFill>
-                <a:srgbClr val="FF0000"/>
-              </a:solidFill>
-            </a:endParaRPr>
-          </a:p>
-        </p:txBody>
-      </p:sp>
-      <p:sp>
-        <p:nvSpPr>
-          <p:cNvPr id="20" name="Right Arrow 19"/>
-          <p:cNvSpPr/>
-          <p:nvPr/>
-        </p:nvSpPr>
-        <p:spPr>
-          <a:xfrm>
-            <a:off x="3845062" y="6139717"/>
-            <a:ext cx="960020" cy="264834"/>
-          </a:xfrm>
-          <a:prstGeom prst="rightArrow">
-            <a:avLst/>
-          </a:prstGeom>
-        </p:spPr>
-        <p:style>
-          <a:lnRef idx="2">
-            <a:schemeClr val="accent1">
-              <a:shade val="50000"/>
-            </a:schemeClr>
-          </a:lnRef>
-          <a:fillRef idx="1">
-            <a:schemeClr val="accent1"/>
-          </a:fillRef>
-          <a:effectRef idx="0">
-            <a:schemeClr val="accent1"/>
-          </a:effectRef>
-          <a:fontRef idx="minor">
-            <a:schemeClr val="lt1"/>
-          </a:fontRef>
-        </p:style>
-        <p:txBody>
-          <a:bodyPr rtlCol="0" anchor="ctr"/>
-          <a:lstStyle/>
-          <a:p>
-            <a:pPr algn="ctr"/>
-            <a:endParaRPr lang="en-US"/>
-          </a:p>
-        </p:txBody>
-      </p:sp>
-      <p:sp>
-        <p:nvSpPr>
-          <p:cNvPr id="8" name="TextBox 7"/>
-          <p:cNvSpPr txBox="1"/>
-          <p:nvPr/>
-        </p:nvSpPr>
-        <p:spPr>
-          <a:xfrm>
-            <a:off x="6757790" y="4164749"/>
-            <a:ext cx="870751" cy="215444"/>
-          </a:xfrm>
-          <a:prstGeom prst="rect">
-            <a:avLst/>
-          </a:prstGeom>
-          <a:noFill/>
-        </p:spPr>
-        <p:txBody>
-          <a:bodyPr wrap="none" rtlCol="0">
-            <a:spAutoFit/>
-          </a:bodyPr>
-          <a:lstStyle/>
-          <a:p>
-            <a:r>
-              <a:rPr lang="en-US" sz="800" dirty="0"/>
-              <a:t>/</a:t>
-            </a:r>
-            <a:r>
-              <a:rPr lang="en-US" sz="800" dirty="0" err="1"/>
-              <a:t>tmp</a:t>
-            </a:r>
-            <a:r>
-              <a:rPr lang="en-US" sz="800" dirty="0"/>
-              <a:t>/vsomeip-0</a:t>
-            </a:r>
-          </a:p>
-        </p:txBody>
-      </p:sp>
-      <p:sp>
-        <p:nvSpPr>
-          <p:cNvPr id="72" name="TextBox 71"/>
-          <p:cNvSpPr txBox="1"/>
-          <p:nvPr/>
-        </p:nvSpPr>
-        <p:spPr>
-          <a:xfrm>
-            <a:off x="6256991" y="3277744"/>
-            <a:ext cx="1024639" cy="215444"/>
-          </a:xfrm>
-          <a:prstGeom prst="rect">
-            <a:avLst/>
-          </a:prstGeom>
-          <a:noFill/>
-        </p:spPr>
-        <p:txBody>
-          <a:bodyPr wrap="none" rtlCol="0">
-            <a:spAutoFit/>
-          </a:bodyPr>
-          <a:lstStyle/>
-          <a:p>
-            <a:r>
-              <a:rPr lang="en-US" sz="800" dirty="0"/>
-              <a:t>/</a:t>
-            </a:r>
-            <a:r>
-              <a:rPr lang="en-US" sz="800" dirty="0" err="1" smtClean="0"/>
-              <a:t>tmp</a:t>
-            </a:r>
-            <a:r>
-              <a:rPr lang="en-US" sz="800" dirty="0" smtClean="0"/>
-              <a:t>/vsomeip-1212</a:t>
-            </a:r>
-            <a:endParaRPr lang="en-US" sz="800" dirty="0"/>
+              <a:rPr lang="en-US" sz="1400" b="1" dirty="0" smtClean="0"/>
+              <a:t>Payload</a:t>
+            </a:r>
+            <a:endParaRPr lang="en-US" sz="1400" b="1" dirty="0"/>
           </a:p>
         </p:txBody>
       </p:sp>
     </p:spTree>
     <p:extLst>
       <p:ext uri="{BB962C8B-B14F-4D97-AF65-F5344CB8AC3E}">
-        <p14:creationId xmlns:p14="http://schemas.microsoft.com/office/powerpoint/2010/main" val="3212027933"/>
+        <p14:creationId xmlns:p14="http://schemas.microsoft.com/office/powerpoint/2010/main" val="592141662"/>
       </p:ext>
     </p:extLst>
   </p:cSld>
@@ -11122,9 +11586,851 @@
           <a:chExt cx="0" cy="0"/>
         </a:xfrm>
       </p:grpSpPr>
+      <p:sp>
+        <p:nvSpPr>
+          <p:cNvPr id="3" name="Content Placeholder 2"/>
+          <p:cNvSpPr>
+            <a:spLocks noGrp="1"/>
+          </p:cNvSpPr>
+          <p:nvPr>
+            <p:ph idx="1"/>
+          </p:nvPr>
+        </p:nvSpPr>
+        <p:spPr>
+          <a:xfrm>
+            <a:off x="347330" y="467833"/>
+            <a:ext cx="8168020" cy="5709130"/>
+          </a:xfrm>
+        </p:spPr>
+        <p:txBody>
+          <a:bodyPr/>
+          <a:lstStyle/>
+          <a:p>
+            <a:pPr marL="0" indent="0">
+              <a:buNone/>
+            </a:pPr>
+            <a:r>
+              <a:rPr lang="en-US" sz="2400" b="1" dirty="0"/>
+              <a:t>3</a:t>
+            </a:r>
+            <a:r>
+              <a:rPr lang="en-US" sz="2400" b="1" dirty="0" smtClean="0"/>
+              <a:t>. </a:t>
+            </a:r>
+            <a:r>
+              <a:rPr lang="en-US" sz="2400" b="1" dirty="0" err="1"/>
+              <a:t>Vsomeip</a:t>
+            </a:r>
+            <a:endParaRPr lang="en-US" sz="2400" b="1" dirty="0" smtClean="0"/>
+          </a:p>
+        </p:txBody>
+      </p:sp>
+      <p:sp>
+        <p:nvSpPr>
+          <p:cNvPr id="37" name="TextBox 36"/>
+          <p:cNvSpPr txBox="1"/>
+          <p:nvPr/>
+        </p:nvSpPr>
+        <p:spPr>
+          <a:xfrm>
+            <a:off x="351940" y="948721"/>
+            <a:ext cx="2945996" cy="646331"/>
+          </a:xfrm>
+          <a:prstGeom prst="rect">
+            <a:avLst/>
+          </a:prstGeom>
+          <a:noFill/>
+        </p:spPr>
+        <p:txBody>
+          <a:bodyPr wrap="square" rtlCol="0">
+            <a:spAutoFit/>
+          </a:bodyPr>
+          <a:lstStyle/>
+          <a:p>
+            <a:pPr marL="285750" indent="-285750">
+              <a:buFont typeface="Wingdings" panose="05000000000000000000" pitchFamily="2" charset="2"/>
+              <a:buChar char="Ø"/>
+            </a:pPr>
+            <a:r>
+              <a:rPr lang="en-US" dirty="0"/>
+              <a:t>SOME/IP </a:t>
+            </a:r>
+            <a:r>
+              <a:rPr lang="en-US" dirty="0" smtClean="0"/>
+              <a:t>header</a:t>
+            </a:r>
+            <a:endParaRPr lang="en-US" dirty="0"/>
+          </a:p>
+          <a:p>
+            <a:pPr marL="285750" indent="-285750">
+              <a:buFont typeface="Wingdings" panose="05000000000000000000" pitchFamily="2" charset="2"/>
+              <a:buChar char="Ø"/>
+            </a:pPr>
+            <a:endParaRPr lang="en-US" dirty="0"/>
+          </a:p>
+        </p:txBody>
+      </p:sp>
+      <p:sp>
+        <p:nvSpPr>
+          <p:cNvPr id="2" name="TextBox 1"/>
+          <p:cNvSpPr txBox="1"/>
+          <p:nvPr/>
+        </p:nvSpPr>
+        <p:spPr>
+          <a:xfrm>
+            <a:off x="741082" y="1846729"/>
+            <a:ext cx="184731" cy="369332"/>
+          </a:xfrm>
+          <a:prstGeom prst="rect">
+            <a:avLst/>
+          </a:prstGeom>
+          <a:noFill/>
+        </p:spPr>
+        <p:txBody>
+          <a:bodyPr wrap="none" rtlCol="0">
+            <a:spAutoFit/>
+          </a:bodyPr>
+          <a:lstStyle/>
+          <a:p>
+            <a:endParaRPr lang="en-US" dirty="0"/>
+          </a:p>
+        </p:txBody>
+      </p:sp>
+      <p:graphicFrame>
+        <p:nvGraphicFramePr>
+          <p:cNvPr id="8" name="Table 7"/>
+          <p:cNvGraphicFramePr>
+            <a:graphicFrameLocks noGrp="1"/>
+          </p:cNvGraphicFramePr>
+          <p:nvPr>
+            <p:extLst>
+              <p:ext uri="{D42A27DB-BD31-4B8C-83A1-F6EECF244321}">
+                <p14:modId xmlns:p14="http://schemas.microsoft.com/office/powerpoint/2010/main" val="3871652915"/>
+              </p:ext>
+            </p:extLst>
+          </p:nvPr>
+        </p:nvGraphicFramePr>
+        <p:xfrm>
+          <a:off x="431001" y="1656608"/>
+          <a:ext cx="8361081" cy="4724400"/>
+        </p:xfrm>
+        <a:graphic>
+          <a:graphicData uri="http://schemas.openxmlformats.org/drawingml/2006/table">
+            <a:tbl>
+              <a:tblPr firstRow="1" bandRow="1">
+                <a:tableStyleId>{5C22544A-7EE6-4342-B048-85BDC9FD1C3A}</a:tableStyleId>
+              </a:tblPr>
+              <a:tblGrid>
+                <a:gridCol w="1333144"/>
+                <a:gridCol w="7027937"/>
+              </a:tblGrid>
+              <a:tr h="370840">
+                <a:tc>
+                  <a:txBody>
+                    <a:bodyPr/>
+                    <a:lstStyle/>
+                    <a:p>
+                      <a:r>
+                        <a:rPr lang="en-US" sz="1400" dirty="0" smtClean="0"/>
+                        <a:t>Field</a:t>
+                      </a:r>
+                      <a:endParaRPr lang="en-US" sz="1400" dirty="0"/>
+                    </a:p>
+                  </a:txBody>
+                  <a:tcPr/>
+                </a:tc>
+                <a:tc>
+                  <a:txBody>
+                    <a:bodyPr/>
+                    <a:lstStyle/>
+                    <a:p>
+                      <a:r>
+                        <a:rPr lang="en-US" sz="1400" dirty="0" smtClean="0"/>
+                        <a:t>Description</a:t>
+                      </a:r>
+                      <a:endParaRPr lang="en-US" sz="1400" dirty="0"/>
+                    </a:p>
+                  </a:txBody>
+                  <a:tcPr/>
+                </a:tc>
+              </a:tr>
+              <a:tr h="370840">
+                <a:tc>
+                  <a:txBody>
+                    <a:bodyPr/>
+                    <a:lstStyle/>
+                    <a:p>
+                      <a:r>
+                        <a:rPr lang="en-US" sz="1200" b="1" i="0" kern="1200" dirty="0" smtClean="0">
+                          <a:solidFill>
+                            <a:schemeClr val="dk1"/>
+                          </a:solidFill>
+                          <a:effectLst/>
+                          <a:latin typeface="+mn-lt"/>
+                          <a:ea typeface="+mn-ea"/>
+                          <a:cs typeface="+mn-cs"/>
+                        </a:rPr>
+                        <a:t>Service ID</a:t>
+                      </a:r>
+                      <a:endParaRPr lang="en-US" sz="1200" b="1" dirty="0"/>
+                    </a:p>
+                  </a:txBody>
+                  <a:tcPr/>
+                </a:tc>
+                <a:tc>
+                  <a:txBody>
+                    <a:bodyPr/>
+                    <a:lstStyle/>
+                    <a:p>
+                      <a:r>
+                        <a:rPr lang="en-US" sz="1200" b="0" i="0" kern="1200" dirty="0" smtClean="0">
+                          <a:solidFill>
+                            <a:schemeClr val="dk1"/>
+                          </a:solidFill>
+                          <a:effectLst/>
+                          <a:latin typeface="+mn-lt"/>
+                          <a:ea typeface="+mn-ea"/>
+                          <a:cs typeface="+mn-cs"/>
+                        </a:rPr>
+                        <a:t>unique identifier for each service</a:t>
+                      </a:r>
+                      <a:endParaRPr lang="en-US" sz="1200" dirty="0"/>
+                    </a:p>
+                  </a:txBody>
+                  <a:tcPr/>
+                </a:tc>
+              </a:tr>
+              <a:tr h="299720">
+                <a:tc>
+                  <a:txBody>
+                    <a:bodyPr/>
+                    <a:lstStyle/>
+                    <a:p>
+                      <a:r>
+                        <a:rPr lang="en-US" sz="1200" b="1" i="0" kern="1200" dirty="0" smtClean="0">
+                          <a:solidFill>
+                            <a:schemeClr val="dk1"/>
+                          </a:solidFill>
+                          <a:effectLst/>
+                          <a:latin typeface="+mn-lt"/>
+                          <a:ea typeface="+mn-ea"/>
+                          <a:cs typeface="+mn-cs"/>
+                        </a:rPr>
+                        <a:t>Method ID</a:t>
+                      </a:r>
+                      <a:endParaRPr lang="en-US" sz="1200" b="1" dirty="0"/>
+                    </a:p>
+                  </a:txBody>
+                  <a:tcPr/>
+                </a:tc>
+                <a:tc>
+                  <a:txBody>
+                    <a:bodyPr/>
+                    <a:lstStyle/>
+                    <a:p>
+                      <a:r>
+                        <a:rPr lang="en-US" sz="1200" b="0" i="0" kern="1200" dirty="0" smtClean="0">
+                          <a:solidFill>
+                            <a:schemeClr val="dk1"/>
+                          </a:solidFill>
+                          <a:effectLst/>
+                          <a:latin typeface="+mn-lt"/>
+                          <a:ea typeface="+mn-ea"/>
+                          <a:cs typeface="+mn-cs"/>
+                        </a:rPr>
+                        <a:t>0-32767 for methods, 32768-65535 for events</a:t>
+                      </a:r>
+                      <a:endParaRPr lang="en-US" sz="1200" dirty="0"/>
+                    </a:p>
+                  </a:txBody>
+                  <a:tcPr/>
+                </a:tc>
+              </a:tr>
+              <a:tr h="370840">
+                <a:tc>
+                  <a:txBody>
+                    <a:bodyPr/>
+                    <a:lstStyle/>
+                    <a:p>
+                      <a:r>
+                        <a:rPr lang="en-US" sz="1200" b="1" i="0" kern="1200" dirty="0" smtClean="0">
+                          <a:solidFill>
+                            <a:schemeClr val="dk1"/>
+                          </a:solidFill>
+                          <a:effectLst/>
+                          <a:latin typeface="+mn-lt"/>
+                          <a:ea typeface="+mn-ea"/>
+                          <a:cs typeface="+mn-cs"/>
+                        </a:rPr>
+                        <a:t>Length</a:t>
+                      </a:r>
+                      <a:endParaRPr lang="en-US" sz="1200" b="1" dirty="0"/>
+                    </a:p>
+                  </a:txBody>
+                  <a:tcPr/>
+                </a:tc>
+                <a:tc>
+                  <a:txBody>
+                    <a:bodyPr/>
+                    <a:lstStyle/>
+                    <a:p>
+                      <a:r>
+                        <a:rPr lang="en-US" sz="1200" b="0" i="0" kern="1200" dirty="0" smtClean="0">
+                          <a:solidFill>
+                            <a:schemeClr val="dk1"/>
+                          </a:solidFill>
+                          <a:effectLst/>
+                          <a:latin typeface="+mn-lt"/>
+                          <a:ea typeface="+mn-ea"/>
+                          <a:cs typeface="+mn-cs"/>
+                        </a:rPr>
+                        <a:t>length of payload in byte (covers also the next IDs, that means 8 additional bytes)</a:t>
+                      </a:r>
+                      <a:endParaRPr lang="en-US" sz="1200" dirty="0"/>
+                    </a:p>
+                  </a:txBody>
+                  <a:tcPr/>
+                </a:tc>
+              </a:tr>
+              <a:tr h="370840">
+                <a:tc>
+                  <a:txBody>
+                    <a:bodyPr/>
+                    <a:lstStyle/>
+                    <a:p>
+                      <a:r>
+                        <a:rPr lang="en-US" sz="1200" b="1" i="0" kern="1200" dirty="0" smtClean="0">
+                          <a:solidFill>
+                            <a:schemeClr val="dk1"/>
+                          </a:solidFill>
+                          <a:effectLst/>
+                          <a:latin typeface="+mn-lt"/>
+                          <a:ea typeface="+mn-ea"/>
+                          <a:cs typeface="+mn-cs"/>
+                        </a:rPr>
+                        <a:t>Client ID</a:t>
+                      </a:r>
+                      <a:r>
+                        <a:rPr lang="en-US" sz="1200" b="1" i="0" kern="1200" baseline="0" dirty="0" smtClean="0">
+                          <a:solidFill>
+                            <a:schemeClr val="dk1"/>
+                          </a:solidFill>
+                          <a:effectLst/>
+                          <a:latin typeface="+mn-lt"/>
+                          <a:ea typeface="+mn-ea"/>
+                          <a:cs typeface="+mn-cs"/>
+                        </a:rPr>
+                        <a:t> (</a:t>
+                      </a:r>
+                      <a:r>
+                        <a:rPr lang="en-US" sz="1200" b="1" i="0" kern="1200" dirty="0" smtClean="0">
+                          <a:solidFill>
+                            <a:schemeClr val="dk1"/>
+                          </a:solidFill>
+                          <a:effectLst/>
+                          <a:latin typeface="+mn-lt"/>
+                          <a:ea typeface="+mn-ea"/>
+                          <a:cs typeface="+mn-cs"/>
+                        </a:rPr>
+                        <a:t>App ID)</a:t>
+                      </a:r>
+                      <a:endParaRPr lang="en-US" sz="1200" b="1" dirty="0"/>
+                    </a:p>
+                  </a:txBody>
+                  <a:tcPr/>
+                </a:tc>
+                <a:tc>
+                  <a:txBody>
+                    <a:bodyPr/>
+                    <a:lstStyle/>
+                    <a:p>
+                      <a:r>
+                        <a:rPr lang="en-US" sz="1200" b="0" i="0" kern="1200" dirty="0" smtClean="0">
+                          <a:solidFill>
+                            <a:schemeClr val="dk1"/>
+                          </a:solidFill>
+                          <a:effectLst/>
+                          <a:latin typeface="+mn-lt"/>
+                          <a:ea typeface="+mn-ea"/>
+                          <a:cs typeface="+mn-cs"/>
+                        </a:rPr>
+                        <a:t>unique identifier for the calling client inside the ECU; has to be unique in the overall vehicle</a:t>
+                      </a:r>
+                      <a:endParaRPr lang="en-US" sz="1200" dirty="0"/>
+                    </a:p>
+                  </a:txBody>
+                  <a:tcPr/>
+                </a:tc>
+              </a:tr>
+              <a:tr h="370840">
+                <a:tc>
+                  <a:txBody>
+                    <a:bodyPr/>
+                    <a:lstStyle/>
+                    <a:p>
+                      <a:r>
+                        <a:rPr lang="en-US" sz="1200" b="1" i="0" kern="1200" dirty="0" smtClean="0">
+                          <a:solidFill>
+                            <a:schemeClr val="dk1"/>
+                          </a:solidFill>
+                          <a:effectLst/>
+                          <a:latin typeface="+mn-lt"/>
+                          <a:ea typeface="+mn-ea"/>
+                          <a:cs typeface="+mn-cs"/>
+                        </a:rPr>
+                        <a:t>Session ID</a:t>
+                      </a:r>
+                      <a:endParaRPr lang="en-US" sz="1200" b="1" dirty="0"/>
+                    </a:p>
+                  </a:txBody>
+                  <a:tcPr/>
+                </a:tc>
+                <a:tc>
+                  <a:txBody>
+                    <a:bodyPr/>
+                    <a:lstStyle/>
+                    <a:p>
+                      <a:r>
+                        <a:rPr lang="en-US" sz="1200" b="0" i="0" kern="1200" dirty="0" smtClean="0">
+                          <a:solidFill>
+                            <a:schemeClr val="dk1"/>
+                          </a:solidFill>
+                          <a:effectLst/>
+                          <a:latin typeface="+mn-lt"/>
+                          <a:ea typeface="+mn-ea"/>
+                          <a:cs typeface="+mn-cs"/>
+                        </a:rPr>
+                        <a:t>identifier for session handling; has to be incremented for each call</a:t>
+                      </a:r>
+                      <a:endParaRPr lang="en-US" sz="1200" dirty="0"/>
+                    </a:p>
+                  </a:txBody>
+                  <a:tcPr/>
+                </a:tc>
+              </a:tr>
+              <a:tr h="370840">
+                <a:tc>
+                  <a:txBody>
+                    <a:bodyPr/>
+                    <a:lstStyle/>
+                    <a:p>
+                      <a:r>
+                        <a:rPr lang="en-US" sz="1200" b="1" i="0" kern="1200" dirty="0" smtClean="0">
+                          <a:solidFill>
+                            <a:schemeClr val="dk1"/>
+                          </a:solidFill>
+                          <a:effectLst/>
+                          <a:latin typeface="+mn-lt"/>
+                          <a:ea typeface="+mn-ea"/>
+                          <a:cs typeface="+mn-cs"/>
+                        </a:rPr>
+                        <a:t>Protocol Version</a:t>
+                      </a:r>
+                      <a:endParaRPr lang="en-US" sz="1200" b="1" dirty="0"/>
+                    </a:p>
+                  </a:txBody>
+                  <a:tcPr/>
+                </a:tc>
+                <a:tc>
+                  <a:txBody>
+                    <a:bodyPr/>
+                    <a:lstStyle/>
+                    <a:p>
+                      <a:r>
+                        <a:rPr lang="en-US" sz="1200" b="0" i="0" kern="1200" dirty="0" smtClean="0">
+                          <a:solidFill>
+                            <a:schemeClr val="dk1"/>
+                          </a:solidFill>
+                          <a:effectLst/>
+                          <a:latin typeface="+mn-lt"/>
+                          <a:ea typeface="+mn-ea"/>
+                          <a:cs typeface="+mn-cs"/>
+                        </a:rPr>
+                        <a:t>0x01</a:t>
+                      </a:r>
+                      <a:endParaRPr lang="en-US" sz="1200" dirty="0"/>
+                    </a:p>
+                  </a:txBody>
+                  <a:tcPr/>
+                </a:tc>
+              </a:tr>
+              <a:tr h="370840">
+                <a:tc>
+                  <a:txBody>
+                    <a:bodyPr/>
+                    <a:lstStyle/>
+                    <a:p>
+                      <a:r>
+                        <a:rPr lang="en-US" sz="1200" b="1" i="0" kern="1200" dirty="0" smtClean="0">
+                          <a:solidFill>
+                            <a:schemeClr val="dk1"/>
+                          </a:solidFill>
+                          <a:effectLst/>
+                          <a:latin typeface="+mn-lt"/>
+                          <a:ea typeface="+mn-ea"/>
+                          <a:cs typeface="+mn-cs"/>
+                        </a:rPr>
+                        <a:t>Interface Version</a:t>
+                      </a:r>
+                      <a:endParaRPr lang="en-US" sz="1200" b="1" dirty="0"/>
+                    </a:p>
+                  </a:txBody>
+                  <a:tcPr/>
+                </a:tc>
+                <a:tc>
+                  <a:txBody>
+                    <a:bodyPr/>
+                    <a:lstStyle/>
+                    <a:p>
+                      <a:r>
+                        <a:rPr lang="en-US" sz="1200" b="0" i="0" kern="1200" dirty="0" smtClean="0">
+                          <a:solidFill>
+                            <a:schemeClr val="dk1"/>
+                          </a:solidFill>
+                          <a:effectLst/>
+                          <a:latin typeface="+mn-lt"/>
+                          <a:ea typeface="+mn-ea"/>
+                          <a:cs typeface="+mn-cs"/>
+                        </a:rPr>
+                        <a:t>major version of the service interface</a:t>
+                      </a:r>
+                      <a:endParaRPr lang="en-US" sz="1200" dirty="0"/>
+                    </a:p>
+                  </a:txBody>
+                  <a:tcPr/>
+                </a:tc>
+              </a:tr>
+              <a:tr h="370840">
+                <a:tc>
+                  <a:txBody>
+                    <a:bodyPr/>
+                    <a:lstStyle/>
+                    <a:p>
+                      <a:r>
+                        <a:rPr lang="en-US" sz="1200" b="1" i="0" kern="1200" dirty="0" smtClean="0">
+                          <a:solidFill>
+                            <a:schemeClr val="dk1"/>
+                          </a:solidFill>
+                          <a:effectLst/>
+                          <a:latin typeface="+mn-lt"/>
+                          <a:ea typeface="+mn-ea"/>
+                          <a:cs typeface="+mn-cs"/>
+                        </a:rPr>
+                        <a:t>Message Type</a:t>
+                      </a:r>
+                      <a:endParaRPr lang="en-US" sz="1200" b="1" dirty="0"/>
+                    </a:p>
+                  </a:txBody>
+                  <a:tcPr/>
+                </a:tc>
+                <a:tc>
+                  <a:txBody>
+                    <a:bodyPr/>
+                    <a:lstStyle/>
+                    <a:p>
+                      <a:r>
+                        <a:rPr lang="en-US" sz="1200" dirty="0" smtClean="0"/>
+                        <a:t>REQUEST (0x00) /  REQUEST_NO_RETURN (0x01) / NOTIFICATION (0x02) / RESPONSE (0x80)/ </a:t>
+                      </a:r>
+                    </a:p>
+                    <a:p>
+                      <a:r>
+                        <a:rPr lang="en-US" sz="1200" dirty="0" smtClean="0"/>
+                        <a:t>REQUEST_ACK (0x40) / NOTIFICATION_ACK (0x42 / ERROR (0x81) / RESPONSE_ACK (0xC0 / </a:t>
+                      </a:r>
+                    </a:p>
+                    <a:p>
+                      <a:r>
+                        <a:rPr lang="en-US" sz="1200" dirty="0" smtClean="0"/>
+                        <a:t>RESPONSE_ACK (0xC0)  / ERROR_ACK (0xC1) / UNKNOWN (0xFF)</a:t>
+                      </a:r>
+                      <a:endParaRPr lang="en-US" sz="1200" dirty="0"/>
+                    </a:p>
+                  </a:txBody>
+                  <a:tcPr/>
+                </a:tc>
+              </a:tr>
+              <a:tr h="370840">
+                <a:tc>
+                  <a:txBody>
+                    <a:bodyPr/>
+                    <a:lstStyle/>
+                    <a:p>
+                      <a:r>
+                        <a:rPr lang="en-US" sz="1200" b="1" i="0" kern="1200" dirty="0" smtClean="0">
+                          <a:solidFill>
+                            <a:schemeClr val="dk1"/>
+                          </a:solidFill>
+                          <a:effectLst/>
+                          <a:latin typeface="+mn-lt"/>
+                          <a:ea typeface="+mn-ea"/>
+                          <a:cs typeface="+mn-cs"/>
+                        </a:rPr>
+                        <a:t>Return Code</a:t>
+                      </a:r>
+                      <a:endParaRPr lang="en-US" sz="1200" b="1" dirty="0"/>
+                    </a:p>
+                  </a:txBody>
+                  <a:tcPr/>
+                </a:tc>
+                <a:tc>
+                  <a:txBody>
+                    <a:bodyPr/>
+                    <a:lstStyle/>
+                    <a:p>
+                      <a:r>
+                        <a:rPr lang="en-US" sz="1200" dirty="0" smtClean="0"/>
+                        <a:t>E_OK (0x00) /  E_NOT_OK (0x01) / E_WRONG_INTERFACE_VERSION (0x08) / E_MALFORMED_MESSAGE (0x09)</a:t>
+                      </a:r>
+                    </a:p>
+                    <a:p>
+                      <a:r>
+                        <a:rPr lang="en-US" sz="1200" dirty="0" smtClean="0"/>
+                        <a:t>E_WRONG_MESSAGE_TYPE (0x0A) / E_UNKNOWN_SERVICE (0x02) / E_UNKNOWN_METHOD (0x03) / E_UNKNOWN_METHOD (0x03)</a:t>
+                      </a:r>
+                    </a:p>
+                    <a:p>
+                      <a:r>
+                        <a:rPr lang="en-US" sz="1200" dirty="0" smtClean="0"/>
+                        <a:t>E_NOT_READY (0x04) / E_NOT_REACHABLE (0x05) / E_NOT_REACHABLE (0x05) / E_TIMEOUT (0x06)</a:t>
+                      </a:r>
+                    </a:p>
+                    <a:p>
+                      <a:r>
+                        <a:rPr lang="en-US" sz="1200" dirty="0" smtClean="0"/>
+                        <a:t>E_WRONG_PROTOCOL_VERSION (0x07) / E_UNKNOWN (0xFF)</a:t>
+                      </a:r>
+                    </a:p>
+                    <a:p>
+                      <a:endParaRPr lang="en-US" sz="1200" dirty="0"/>
+                    </a:p>
+                  </a:txBody>
+                  <a:tcPr/>
+                </a:tc>
+              </a:tr>
+            </a:tbl>
+          </a:graphicData>
+        </a:graphic>
+      </p:graphicFrame>
+      <p:sp>
+        <p:nvSpPr>
+          <p:cNvPr id="9" name="TextBox 8"/>
+          <p:cNvSpPr txBox="1"/>
+          <p:nvPr/>
+        </p:nvSpPr>
+        <p:spPr>
+          <a:xfrm>
+            <a:off x="41835" y="1271886"/>
+            <a:ext cx="184731" cy="369332"/>
+          </a:xfrm>
+          <a:prstGeom prst="rect">
+            <a:avLst/>
+          </a:prstGeom>
+          <a:noFill/>
+        </p:spPr>
+        <p:txBody>
+          <a:bodyPr wrap="none" rtlCol="0">
+            <a:spAutoFit/>
+          </a:bodyPr>
+          <a:lstStyle/>
+          <a:p>
+            <a:endParaRPr lang="en-US" dirty="0"/>
+          </a:p>
+        </p:txBody>
+      </p:sp>
+      <p:sp>
+        <p:nvSpPr>
+          <p:cNvPr id="10" name="TextBox 9"/>
+          <p:cNvSpPr txBox="1"/>
+          <p:nvPr/>
+        </p:nvSpPr>
+        <p:spPr>
+          <a:xfrm>
+            <a:off x="394447" y="1379608"/>
+            <a:ext cx="5029775" cy="523220"/>
+          </a:xfrm>
+          <a:prstGeom prst="rect">
+            <a:avLst/>
+          </a:prstGeom>
+          <a:noFill/>
+        </p:spPr>
+        <p:txBody>
+          <a:bodyPr wrap="none" rtlCol="0">
+            <a:spAutoFit/>
+          </a:bodyPr>
+          <a:lstStyle/>
+          <a:p>
+            <a:r>
+              <a:rPr lang="en-US" sz="1400" dirty="0"/>
+              <a:t>https://github.com/COVESA/vsomeip/wiki/vsomeip-in-10-minutes</a:t>
+            </a:r>
+          </a:p>
+          <a:p>
+            <a:endParaRPr lang="en-US" sz="1400" dirty="0"/>
+          </a:p>
+        </p:txBody>
+      </p:sp>
+      <p:sp>
+        <p:nvSpPr>
+          <p:cNvPr id="5" name="Slide Number Placeholder 4"/>
+          <p:cNvSpPr>
+            <a:spLocks noGrp="1"/>
+          </p:cNvSpPr>
+          <p:nvPr>
+            <p:ph type="sldNum" sz="quarter" idx="12"/>
+          </p:nvPr>
+        </p:nvSpPr>
+        <p:spPr>
+          <a:xfrm>
+            <a:off x="8610023" y="6492875"/>
+            <a:ext cx="2057400" cy="365125"/>
+          </a:xfrm>
+        </p:spPr>
+        <p:txBody>
+          <a:bodyPr/>
+          <a:lstStyle/>
+          <a:p>
+            <a:fld id="{96C55251-E90D-44CC-8B75-53FCEE02E655}" type="slidenum">
+              <a:rPr lang="en-US" smtClean="0">
+                <a:solidFill>
+                  <a:schemeClr val="bg1">
+                    <a:lumMod val="50000"/>
+                  </a:schemeClr>
+                </a:solidFill>
+              </a:rPr>
+              <a:t>13</a:t>
+            </a:fld>
+            <a:endParaRPr lang="en-US" dirty="0">
+              <a:solidFill>
+                <a:schemeClr val="bg1">
+                  <a:lumMod val="50000"/>
+                </a:schemeClr>
+              </a:solidFill>
+            </a:endParaRPr>
+          </a:p>
+        </p:txBody>
+      </p:sp>
+    </p:spTree>
+    <p:extLst>
+      <p:ext uri="{BB962C8B-B14F-4D97-AF65-F5344CB8AC3E}">
+        <p14:creationId xmlns:p14="http://schemas.microsoft.com/office/powerpoint/2010/main" val="2054512820"/>
+      </p:ext>
+    </p:extLst>
+  </p:cSld>
+  <p:clrMapOvr>
+    <a:masterClrMapping/>
+  </p:clrMapOvr>
+  <p:timing>
+    <p:tnLst>
+      <p:par>
+        <p:cTn id="1" dur="indefinite" restart="never" nodeType="tmRoot"/>
+      </p:par>
+    </p:tnLst>
+  </p:timing>
+</p:sld>
+</file>
+
+<file path=ppt/slides/slide14.xml><?xml version="1.0" encoding="utf-8"?>
+<p:sld xmlns:a="http://schemas.openxmlformats.org/drawingml/2006/main" xmlns:r="http://schemas.openxmlformats.org/officeDocument/2006/relationships" xmlns:p="http://schemas.openxmlformats.org/presentationml/2006/main">
+  <p:cSld>
+    <p:spTree>
+      <p:nvGrpSpPr>
+        <p:cNvPr id="1" name=""/>
+        <p:cNvGrpSpPr/>
+        <p:nvPr/>
+      </p:nvGrpSpPr>
+      <p:grpSpPr>
+        <a:xfrm>
+          <a:off x="0" y="0"/>
+          <a:ext cx="0" cy="0"/>
+          <a:chOff x="0" y="0"/>
+          <a:chExt cx="0" cy="0"/>
+        </a:xfrm>
+      </p:grpSpPr>
+      <p:sp>
+        <p:nvSpPr>
+          <p:cNvPr id="3" name="Content Placeholder 2"/>
+          <p:cNvSpPr>
+            <a:spLocks noGrp="1"/>
+          </p:cNvSpPr>
+          <p:nvPr>
+            <p:ph idx="1"/>
+          </p:nvPr>
+        </p:nvSpPr>
+        <p:spPr>
+          <a:xfrm>
+            <a:off x="347330" y="467833"/>
+            <a:ext cx="8168020" cy="5709130"/>
+          </a:xfrm>
+        </p:spPr>
+        <p:txBody>
+          <a:bodyPr/>
+          <a:lstStyle/>
+          <a:p>
+            <a:pPr marL="0" indent="0">
+              <a:buNone/>
+            </a:pPr>
+            <a:r>
+              <a:rPr lang="en-US" sz="2400" b="1" dirty="0"/>
+              <a:t>3</a:t>
+            </a:r>
+            <a:r>
+              <a:rPr lang="en-US" sz="2400" b="1" dirty="0" smtClean="0"/>
+              <a:t>. </a:t>
+            </a:r>
+            <a:r>
+              <a:rPr lang="en-US" sz="2400" b="1" dirty="0" err="1"/>
+              <a:t>Vsomeip</a:t>
+            </a:r>
+            <a:endParaRPr lang="en-US" sz="2400" b="1" dirty="0" smtClean="0"/>
+          </a:p>
+        </p:txBody>
+      </p:sp>
+      <p:sp>
+        <p:nvSpPr>
+          <p:cNvPr id="37" name="TextBox 36"/>
+          <p:cNvSpPr txBox="1"/>
+          <p:nvPr/>
+        </p:nvSpPr>
+        <p:spPr>
+          <a:xfrm>
+            <a:off x="351940" y="948721"/>
+            <a:ext cx="4016036" cy="369332"/>
+          </a:xfrm>
+          <a:prstGeom prst="rect">
+            <a:avLst/>
+          </a:prstGeom>
+          <a:noFill/>
+        </p:spPr>
+        <p:txBody>
+          <a:bodyPr wrap="none" rtlCol="0">
+            <a:spAutoFit/>
+          </a:bodyPr>
+          <a:lstStyle/>
+          <a:p>
+            <a:pPr marL="285750" indent="-285750">
+              <a:buFont typeface="Wingdings" panose="05000000000000000000" pitchFamily="2" charset="2"/>
+              <a:buChar char="Ø"/>
+            </a:pPr>
+            <a:r>
+              <a:rPr lang="en-US" dirty="0" smtClean="0"/>
+              <a:t>Service-Discovery (</a:t>
+            </a:r>
+            <a:r>
+              <a:rPr lang="en-US" dirty="0"/>
+              <a:t>Offer/Find Service</a:t>
+            </a:r>
+            <a:r>
+              <a:rPr lang="en-US" dirty="0" smtClean="0"/>
+              <a:t>)</a:t>
+            </a:r>
+            <a:endParaRPr lang="en-US" b="1" dirty="0"/>
+          </a:p>
+        </p:txBody>
+      </p:sp>
       <p:pic>
         <p:nvPicPr>
-          <p:cNvPr id="2" name="Picture 1"/>
+          <p:cNvPr id="17" name="Picture 16"/>
           <p:cNvPicPr>
             <a:picLocks noChangeAspect="1"/>
           </p:cNvPicPr>
@@ -11138,95 +12444,14 @@
         </p:blipFill>
         <p:spPr>
           <a:xfrm>
-            <a:off x="1010023" y="1318053"/>
-            <a:ext cx="7176153" cy="5610713"/>
+            <a:off x="1115188" y="1266825"/>
+            <a:ext cx="6505575" cy="5591175"/>
           </a:xfrm>
           <a:prstGeom prst="rect">
             <a:avLst/>
           </a:prstGeom>
         </p:spPr>
       </p:pic>
-      <p:sp>
-        <p:nvSpPr>
-          <p:cNvPr id="3" name="Content Placeholder 2"/>
-          <p:cNvSpPr>
-            <a:spLocks noGrp="1"/>
-          </p:cNvSpPr>
-          <p:nvPr>
-            <p:ph idx="1"/>
-          </p:nvPr>
-        </p:nvSpPr>
-        <p:spPr>
-          <a:xfrm>
-            <a:off x="347330" y="467833"/>
-            <a:ext cx="8168020" cy="5709130"/>
-          </a:xfrm>
-        </p:spPr>
-        <p:txBody>
-          <a:bodyPr/>
-          <a:lstStyle/>
-          <a:p>
-            <a:pPr marL="0" indent="0">
-              <a:buNone/>
-            </a:pPr>
-            <a:r>
-              <a:rPr lang="en-US" sz="2400" b="1" dirty="0"/>
-              <a:t>3</a:t>
-            </a:r>
-            <a:r>
-              <a:rPr lang="en-US" sz="2400" b="1" dirty="0" smtClean="0"/>
-              <a:t>. </a:t>
-            </a:r>
-            <a:r>
-              <a:rPr lang="en-US" sz="2400" b="1" dirty="0" err="1"/>
-              <a:t>Vsomeip</a:t>
-            </a:r>
-            <a:endParaRPr lang="en-US" sz="2400" b="1" dirty="0" smtClean="0"/>
-          </a:p>
-        </p:txBody>
-      </p:sp>
-      <p:sp>
-        <p:nvSpPr>
-          <p:cNvPr id="37" name="TextBox 36"/>
-          <p:cNvSpPr txBox="1"/>
-          <p:nvPr/>
-        </p:nvSpPr>
-        <p:spPr>
-          <a:xfrm>
-            <a:off x="351940" y="948721"/>
-            <a:ext cx="4016036" cy="369332"/>
-          </a:xfrm>
-          <a:prstGeom prst="rect">
-            <a:avLst/>
-          </a:prstGeom>
-          <a:noFill/>
-        </p:spPr>
-        <p:txBody>
-          <a:bodyPr wrap="none" rtlCol="0">
-            <a:spAutoFit/>
-          </a:bodyPr>
-          <a:lstStyle/>
-          <a:p>
-            <a:pPr marL="285750" indent="-285750">
-              <a:buFont typeface="Wingdings" panose="05000000000000000000" pitchFamily="2" charset="2"/>
-              <a:buChar char="Ø"/>
-            </a:pPr>
-            <a:r>
-              <a:rPr lang="en-US" dirty="0" smtClean="0"/>
-              <a:t>Service-Discovery (</a:t>
-            </a:r>
-            <a:r>
-              <a:rPr lang="en-US" dirty="0"/>
-              <a:t>Offer/Find Service</a:t>
-            </a:r>
-            <a:r>
-              <a:rPr lang="en-US" dirty="0" smtClean="0"/>
-              <a:t>)</a:t>
-            </a:r>
-            <a:endParaRPr lang="en-US" b="1" dirty="0"/>
-          </a:p>
-        </p:txBody>
-      </p:sp>
       <p:sp>
         <p:nvSpPr>
           <p:cNvPr id="11" name="Rectangle 10"/>
@@ -11235,8 +12460,8 @@
         </p:nvSpPr>
         <p:spPr>
           <a:xfrm>
-            <a:off x="6280151" y="3765178"/>
-            <a:ext cx="1961403" cy="1362634"/>
+            <a:off x="6004638" y="2974109"/>
+            <a:ext cx="2714489" cy="2292249"/>
           </a:xfrm>
           <a:prstGeom prst="rect">
             <a:avLst/>
@@ -11324,7 +12549,65 @@
                   <a:schemeClr val="accent5"/>
                 </a:solidFill>
               </a:rPr>
-              <a:t> address)</a:t>
+              <a:t> address</a:t>
+            </a:r>
+            <a:r>
+              <a:rPr lang="en-US" sz="1000" dirty="0" smtClean="0">
+                <a:solidFill>
+                  <a:schemeClr val="accent5"/>
+                </a:solidFill>
+              </a:rPr>
+              <a:t>)</a:t>
+            </a:r>
+          </a:p>
+          <a:p>
+            <a:r>
+              <a:rPr lang="en-US" sz="1000" dirty="0">
+                <a:solidFill>
+                  <a:schemeClr val="tx1"/>
+                </a:solidFill>
+              </a:rPr>
+              <a:t>header {</a:t>
+            </a:r>
+          </a:p>
+          <a:p>
+            <a:r>
+              <a:rPr lang="en-US" sz="1000" dirty="0">
+                <a:solidFill>
+                  <a:schemeClr val="tx1"/>
+                </a:solidFill>
+              </a:rPr>
+              <a:t>    Service ID: 0xffff</a:t>
+            </a:r>
+          </a:p>
+          <a:p>
+            <a:r>
+              <a:rPr lang="en-US" sz="1000" dirty="0">
+                <a:solidFill>
+                  <a:schemeClr val="tx1"/>
+                </a:solidFill>
+              </a:rPr>
+              <a:t>    Method ID: 0x8100</a:t>
+            </a:r>
+          </a:p>
+          <a:p>
+            <a:r>
+              <a:rPr lang="en-US" sz="1000" dirty="0">
+                <a:solidFill>
+                  <a:schemeClr val="tx1"/>
+                </a:solidFill>
+              </a:rPr>
+              <a:t>    ...</a:t>
+            </a:r>
+          </a:p>
+          <a:p>
+            <a:r>
+              <a:rPr lang="en-US" sz="1000" dirty="0">
+                <a:solidFill>
+                  <a:schemeClr val="tx1"/>
+                </a:solidFill>
+              </a:rPr>
+              <a:t>}</a:t>
             </a:r>
           </a:p>
           <a:p>
@@ -11341,8 +12624,47 @@
                   <a:schemeClr val="tx1"/>
                 </a:solidFill>
               </a:rPr>
-              <a:t>FIND Message {</a:t>
-            </a:r>
+              <a:t>p</a:t>
+            </a:r>
+            <a:r>
+              <a:rPr lang="en-US" sz="1000" dirty="0" smtClean="0">
+                <a:solidFill>
+                  <a:schemeClr val="tx1"/>
+                </a:solidFill>
+              </a:rPr>
+              <a:t>ayload {</a:t>
+            </a:r>
+          </a:p>
+          <a:p>
+            <a:r>
+              <a:rPr lang="en-US" sz="1000" dirty="0">
+                <a:solidFill>
+                  <a:schemeClr val="tx1"/>
+                </a:solidFill>
+              </a:rPr>
+              <a:t> </a:t>
+            </a:r>
+            <a:r>
+              <a:rPr lang="en-US" sz="1000" dirty="0" smtClean="0">
+                <a:solidFill>
+                  <a:schemeClr val="tx1"/>
+                </a:solidFill>
+              </a:rPr>
+              <a:t>   </a:t>
+            </a:r>
+            <a:r>
+              <a:rPr lang="en-US" sz="1000" dirty="0" smtClean="0">
+                <a:solidFill>
+                  <a:schemeClr val="accent5"/>
+                </a:solidFill>
+              </a:rPr>
+              <a:t>Type: 0x00 (find service)</a:t>
+            </a:r>
+            <a:endParaRPr lang="en-US" sz="1000" dirty="0">
+              <a:solidFill>
+                <a:schemeClr val="accent5"/>
+              </a:solidFill>
+            </a:endParaRPr>
           </a:p>
           <a:p>
             <a:r>
@@ -11421,13 +12743,15 @@
       <p:cxnSp>
         <p:nvCxnSpPr>
           <p:cNvPr id="13" name="Straight Connector 12"/>
-          <p:cNvCxnSpPr/>
+          <p:cNvCxnSpPr>
+            <a:endCxn id="11" idx="1"/>
+          </p:cNvCxnSpPr>
           <p:nvPr/>
         </p:nvCxnSpPr>
         <p:spPr>
           <a:xfrm flipV="1">
-            <a:off x="5277224" y="4446495"/>
-            <a:ext cx="1002927" cy="358587"/>
+            <a:off x="4978400" y="4120234"/>
+            <a:ext cx="1026238" cy="821224"/>
           </a:xfrm>
           <a:prstGeom prst="line">
             <a:avLst/>
@@ -11451,10 +12775,697 @@
           </a:fontRef>
         </p:style>
       </p:cxnSp>
+      <p:sp>
+        <p:nvSpPr>
+          <p:cNvPr id="4" name="Slide Number Placeholder 3"/>
+          <p:cNvSpPr>
+            <a:spLocks noGrp="1"/>
+          </p:cNvSpPr>
+          <p:nvPr>
+            <p:ph type="sldNum" sz="quarter" idx="12"/>
+          </p:nvPr>
+        </p:nvSpPr>
+        <p:spPr>
+          <a:xfrm>
+            <a:off x="8646968" y="6492875"/>
+            <a:ext cx="2057400" cy="365125"/>
+          </a:xfrm>
+        </p:spPr>
+        <p:txBody>
+          <a:bodyPr/>
+          <a:lstStyle/>
+          <a:p>
+            <a:fld id="{96C55251-E90D-44CC-8B75-53FCEE02E655}" type="slidenum">
+              <a:rPr lang="en-US" smtClean="0">
+                <a:solidFill>
+                  <a:schemeClr val="bg1">
+                    <a:lumMod val="50000"/>
+                  </a:schemeClr>
+                </a:solidFill>
+              </a:rPr>
+              <a:t>14</a:t>
+            </a:fld>
+            <a:endParaRPr lang="en-US" dirty="0">
+              <a:solidFill>
+                <a:schemeClr val="bg1">
+                  <a:lumMod val="50000"/>
+                </a:schemeClr>
+              </a:solidFill>
+            </a:endParaRPr>
+          </a:p>
+        </p:txBody>
+      </p:sp>
     </p:spTree>
     <p:extLst>
       <p:ext uri="{BB962C8B-B14F-4D97-AF65-F5344CB8AC3E}">
         <p14:creationId xmlns:p14="http://schemas.microsoft.com/office/powerpoint/2010/main" val="2809136197"/>
+      </p:ext>
+    </p:extLst>
+  </p:cSld>
+  <p:clrMapOvr>
+    <a:masterClrMapping/>
+  </p:clrMapOvr>
+  <p:timing>
+    <p:tnLst>
+      <p:par>
+        <p:cTn id="1" dur="indefinite" restart="never" nodeType="tmRoot"/>
+      </p:par>
+    </p:tnLst>
+  </p:timing>
+</p:sld>
+</file>
+
+<file path=ppt/slides/slide15.xml><?xml version="1.0" encoding="utf-8"?>
+<p:sld xmlns:a="http://schemas.openxmlformats.org/drawingml/2006/main" xmlns:r="http://schemas.openxmlformats.org/officeDocument/2006/relationships" xmlns:p="http://schemas.openxmlformats.org/presentationml/2006/main">
+  <p:cSld>
+    <p:spTree>
+      <p:nvGrpSpPr>
+        <p:cNvPr id="1" name=""/>
+        <p:cNvGrpSpPr/>
+        <p:nvPr/>
+      </p:nvGrpSpPr>
+      <p:grpSpPr>
+        <a:xfrm>
+          <a:off x="0" y="0"/>
+          <a:ext cx="0" cy="0"/>
+          <a:chOff x="0" y="0"/>
+          <a:chExt cx="0" cy="0"/>
+        </a:xfrm>
+      </p:grpSpPr>
+      <p:sp>
+        <p:nvSpPr>
+          <p:cNvPr id="3" name="Content Placeholder 2"/>
+          <p:cNvSpPr>
+            <a:spLocks noGrp="1"/>
+          </p:cNvSpPr>
+          <p:nvPr>
+            <p:ph idx="1"/>
+          </p:nvPr>
+        </p:nvSpPr>
+        <p:spPr>
+          <a:xfrm>
+            <a:off x="347330" y="467833"/>
+            <a:ext cx="8168020" cy="5709130"/>
+          </a:xfrm>
+        </p:spPr>
+        <p:txBody>
+          <a:bodyPr/>
+          <a:lstStyle/>
+          <a:p>
+            <a:pPr marL="0" indent="0">
+              <a:buNone/>
+            </a:pPr>
+            <a:r>
+              <a:rPr lang="en-US" sz="2400" b="1" dirty="0"/>
+              <a:t>3</a:t>
+            </a:r>
+            <a:r>
+              <a:rPr lang="en-US" sz="2400" b="1" dirty="0" smtClean="0"/>
+              <a:t>. </a:t>
+            </a:r>
+            <a:r>
+              <a:rPr lang="en-US" sz="2400" b="1" dirty="0" err="1"/>
+              <a:t>Vsomeip</a:t>
+            </a:r>
+            <a:endParaRPr lang="en-US" sz="2400" b="1" dirty="0" smtClean="0"/>
+          </a:p>
+        </p:txBody>
+      </p:sp>
+      <p:sp>
+        <p:nvSpPr>
+          <p:cNvPr id="37" name="TextBox 36"/>
+          <p:cNvSpPr txBox="1"/>
+          <p:nvPr/>
+        </p:nvSpPr>
+        <p:spPr>
+          <a:xfrm>
+            <a:off x="351940" y="948721"/>
+            <a:ext cx="2219454" cy="369332"/>
+          </a:xfrm>
+          <a:prstGeom prst="rect">
+            <a:avLst/>
+          </a:prstGeom>
+          <a:noFill/>
+        </p:spPr>
+        <p:txBody>
+          <a:bodyPr wrap="none" rtlCol="0">
+            <a:spAutoFit/>
+          </a:bodyPr>
+          <a:lstStyle/>
+          <a:p>
+            <a:pPr marL="285750" indent="-285750">
+              <a:buFont typeface="Wingdings" panose="05000000000000000000" pitchFamily="2" charset="2"/>
+              <a:buChar char="Ø"/>
+            </a:pPr>
+            <a:r>
+              <a:rPr lang="en-US" dirty="0" smtClean="0"/>
+              <a:t>Request/Response</a:t>
+            </a:r>
+            <a:endParaRPr lang="en-US" b="1" dirty="0"/>
+          </a:p>
+        </p:txBody>
+      </p:sp>
+      <p:pic>
+        <p:nvPicPr>
+          <p:cNvPr id="4" name="Picture 3"/>
+          <p:cNvPicPr>
+            <a:picLocks noChangeAspect="1"/>
+          </p:cNvPicPr>
+          <p:nvPr/>
+        </p:nvPicPr>
+        <p:blipFill>
+          <a:blip r:embed="rId3"/>
+          <a:stretch>
+            <a:fillRect/>
+          </a:stretch>
+        </p:blipFill>
+        <p:spPr>
+          <a:xfrm>
+            <a:off x="1649506" y="1259572"/>
+            <a:ext cx="6961094" cy="5598427"/>
+          </a:xfrm>
+          <a:prstGeom prst="rect">
+            <a:avLst/>
+          </a:prstGeom>
+        </p:spPr>
+      </p:pic>
+      <p:sp>
+        <p:nvSpPr>
+          <p:cNvPr id="8" name="Rectangle 7"/>
+          <p:cNvSpPr/>
+          <p:nvPr/>
+        </p:nvSpPr>
+        <p:spPr>
+          <a:xfrm>
+            <a:off x="1983069" y="4111812"/>
+            <a:ext cx="2015190" cy="1841513"/>
+          </a:xfrm>
+          <a:prstGeom prst="rect">
+            <a:avLst/>
+          </a:prstGeom>
+          <a:solidFill>
+            <a:schemeClr val="accent4">
+              <a:lumMod val="20000"/>
+              <a:lumOff val="80000"/>
+            </a:schemeClr>
+          </a:solidFill>
+        </p:spPr>
+        <p:style>
+          <a:lnRef idx="2">
+            <a:schemeClr val="accent1">
+              <a:shade val="50000"/>
+            </a:schemeClr>
+          </a:lnRef>
+          <a:fillRef idx="1">
+            <a:schemeClr val="accent1"/>
+          </a:fillRef>
+          <a:effectRef idx="0">
+            <a:schemeClr val="accent1"/>
+          </a:effectRef>
+          <a:fontRef idx="minor">
+            <a:schemeClr val="lt1"/>
+          </a:fontRef>
+        </p:style>
+        <p:txBody>
+          <a:bodyPr rtlCol="0" anchor="ctr"/>
+          <a:lstStyle/>
+          <a:p>
+            <a:r>
+              <a:rPr lang="en-US" sz="1000" dirty="0" smtClean="0">
+                <a:solidFill>
+                  <a:schemeClr val="tx1"/>
+                </a:solidFill>
+              </a:rPr>
+              <a:t>header {</a:t>
+            </a:r>
+          </a:p>
+          <a:p>
+            <a:r>
+              <a:rPr lang="en-US" sz="1000" dirty="0">
+                <a:solidFill>
+                  <a:schemeClr val="tx1"/>
+                </a:solidFill>
+              </a:rPr>
+              <a:t> </a:t>
+            </a:r>
+            <a:r>
+              <a:rPr lang="en-US" sz="1000" dirty="0" smtClean="0">
+                <a:solidFill>
+                  <a:schemeClr val="tx1"/>
+                </a:solidFill>
+              </a:rPr>
+              <a:t>   Service </a:t>
+            </a:r>
+            <a:r>
+              <a:rPr lang="en-US" sz="1000" dirty="0">
+                <a:solidFill>
+                  <a:schemeClr val="tx1"/>
+                </a:solidFill>
+              </a:rPr>
+              <a:t>ID: 0x1234</a:t>
+            </a:r>
+          </a:p>
+          <a:p>
+            <a:r>
+              <a:rPr lang="en-US" sz="1000" dirty="0" smtClean="0">
+                <a:solidFill>
+                  <a:schemeClr val="tx1"/>
+                </a:solidFill>
+              </a:rPr>
+              <a:t>    </a:t>
+            </a:r>
+            <a:r>
+              <a:rPr lang="en-US" sz="1000" b="1" dirty="0" smtClean="0">
+                <a:solidFill>
+                  <a:schemeClr val="accent5"/>
+                </a:solidFill>
+              </a:rPr>
+              <a:t>Method ID: 0x0421</a:t>
+            </a:r>
+          </a:p>
+          <a:p>
+            <a:r>
+              <a:rPr lang="en-US" sz="1000" dirty="0" smtClean="0">
+                <a:solidFill>
+                  <a:schemeClr val="tx1"/>
+                </a:solidFill>
+              </a:rPr>
+              <a:t>    Length: 18</a:t>
+            </a:r>
+          </a:p>
+          <a:p>
+            <a:r>
+              <a:rPr lang="en-US" sz="1000" dirty="0" smtClean="0">
+                <a:solidFill>
+                  <a:schemeClr val="tx1"/>
+                </a:solidFill>
+              </a:rPr>
+              <a:t>    </a:t>
+            </a:r>
+            <a:r>
+              <a:rPr lang="en-US" sz="1000" dirty="0">
+                <a:solidFill>
+                  <a:schemeClr val="tx1"/>
+                </a:solidFill>
+              </a:rPr>
+              <a:t>Client ID: 0x1314</a:t>
+            </a:r>
+          </a:p>
+          <a:p>
+            <a:r>
+              <a:rPr lang="en-US" sz="1000" dirty="0">
+                <a:solidFill>
+                  <a:schemeClr val="tx1"/>
+                </a:solidFill>
+              </a:rPr>
+              <a:t>    </a:t>
+            </a:r>
+            <a:r>
+              <a:rPr lang="en-US" sz="1000" b="1" dirty="0">
+                <a:solidFill>
+                  <a:schemeClr val="accent5"/>
+                </a:solidFill>
+              </a:rPr>
+              <a:t>Session ID: 0x0001</a:t>
+            </a:r>
+          </a:p>
+          <a:p>
+            <a:r>
+              <a:rPr lang="en-US" sz="1000" dirty="0">
+                <a:solidFill>
+                  <a:schemeClr val="tx1"/>
+                </a:solidFill>
+              </a:rPr>
+              <a:t>    SOME/IP Version: 0x01</a:t>
+            </a:r>
+          </a:p>
+          <a:p>
+            <a:r>
+              <a:rPr lang="en-US" sz="1000" dirty="0">
+                <a:solidFill>
+                  <a:schemeClr val="tx1"/>
+                </a:solidFill>
+              </a:rPr>
+              <a:t>    Interface Version: 0x00</a:t>
+            </a:r>
+          </a:p>
+          <a:p>
+            <a:r>
+              <a:rPr lang="en-US" sz="1000" dirty="0">
+                <a:solidFill>
+                  <a:schemeClr val="tx1"/>
+                </a:solidFill>
+              </a:rPr>
+              <a:t>    </a:t>
+            </a:r>
+            <a:r>
+              <a:rPr lang="en-US" sz="1000" b="1" dirty="0">
+                <a:solidFill>
+                  <a:schemeClr val="accent5"/>
+                </a:solidFill>
+              </a:rPr>
+              <a:t>Message Type: 0x80 (Response)</a:t>
+            </a:r>
+          </a:p>
+          <a:p>
+            <a:r>
+              <a:rPr lang="en-US" sz="1000" dirty="0">
+                <a:solidFill>
+                  <a:schemeClr val="tx1"/>
+                </a:solidFill>
+              </a:rPr>
+              <a:t>    </a:t>
+            </a:r>
+            <a:r>
+              <a:rPr lang="en-US" sz="1000" b="1" dirty="0">
+                <a:solidFill>
+                  <a:schemeClr val="accent5"/>
+                </a:solidFill>
+              </a:rPr>
+              <a:t>Return Code: 0x00 (Ok)</a:t>
+            </a:r>
+          </a:p>
+          <a:p>
+            <a:r>
+              <a:rPr lang="en-US" sz="1000" dirty="0" smtClean="0">
+                <a:solidFill>
+                  <a:schemeClr val="tx1"/>
+                </a:solidFill>
+              </a:rPr>
+              <a:t>}</a:t>
+            </a:r>
+            <a:endParaRPr lang="en-US" sz="1000" dirty="0">
+              <a:solidFill>
+                <a:schemeClr val="tx1"/>
+              </a:solidFill>
+            </a:endParaRPr>
+          </a:p>
+          <a:p>
+            <a:r>
+              <a:rPr lang="en-US" sz="1000" dirty="0">
+                <a:solidFill>
+                  <a:schemeClr val="tx1"/>
+                </a:solidFill>
+              </a:rPr>
+              <a:t>Payload: 09080706050403020100</a:t>
+            </a:r>
+          </a:p>
+        </p:txBody>
+      </p:sp>
+      <p:sp>
+        <p:nvSpPr>
+          <p:cNvPr id="2" name="Oval 1"/>
+          <p:cNvSpPr/>
+          <p:nvPr/>
+        </p:nvSpPr>
+        <p:spPr>
+          <a:xfrm>
+            <a:off x="6049818" y="3934691"/>
+            <a:ext cx="905164" cy="535709"/>
+          </a:xfrm>
+          <a:prstGeom prst="ellipse">
+            <a:avLst/>
+          </a:prstGeom>
+          <a:noFill/>
+          <a:ln>
+            <a:solidFill>
+              <a:schemeClr val="accent2"/>
+            </a:solidFill>
+          </a:ln>
+        </p:spPr>
+        <p:style>
+          <a:lnRef idx="2">
+            <a:schemeClr val="accent1">
+              <a:shade val="50000"/>
+            </a:schemeClr>
+          </a:lnRef>
+          <a:fillRef idx="1">
+            <a:schemeClr val="accent1"/>
+          </a:fillRef>
+          <a:effectRef idx="0">
+            <a:schemeClr val="accent1"/>
+          </a:effectRef>
+          <a:fontRef idx="minor">
+            <a:schemeClr val="lt1"/>
+          </a:fontRef>
+        </p:style>
+        <p:txBody>
+          <a:bodyPr rtlCol="0" anchor="ctr"/>
+          <a:lstStyle/>
+          <a:p>
+            <a:pPr algn="ctr"/>
+            <a:endParaRPr lang="en-US">
+              <a:solidFill>
+                <a:srgbClr val="FF0000"/>
+              </a:solidFill>
+            </a:endParaRPr>
+          </a:p>
+        </p:txBody>
+      </p:sp>
+      <p:sp>
+        <p:nvSpPr>
+          <p:cNvPr id="7" name="Oval 6"/>
+          <p:cNvSpPr/>
+          <p:nvPr/>
+        </p:nvSpPr>
+        <p:spPr>
+          <a:xfrm>
+            <a:off x="3218872" y="5121564"/>
+            <a:ext cx="905164" cy="535709"/>
+          </a:xfrm>
+          <a:prstGeom prst="ellipse">
+            <a:avLst/>
+          </a:prstGeom>
+          <a:noFill/>
+          <a:ln>
+            <a:solidFill>
+              <a:schemeClr val="accent2"/>
+            </a:solidFill>
+          </a:ln>
+        </p:spPr>
+        <p:style>
+          <a:lnRef idx="2">
+            <a:schemeClr val="accent1">
+              <a:shade val="50000"/>
+            </a:schemeClr>
+          </a:lnRef>
+          <a:fillRef idx="1">
+            <a:schemeClr val="accent1"/>
+          </a:fillRef>
+          <a:effectRef idx="0">
+            <a:schemeClr val="accent1"/>
+          </a:effectRef>
+          <a:fontRef idx="minor">
+            <a:schemeClr val="lt1"/>
+          </a:fontRef>
+        </p:style>
+        <p:txBody>
+          <a:bodyPr rtlCol="0" anchor="ctr"/>
+          <a:lstStyle/>
+          <a:p>
+            <a:pPr algn="ctr"/>
+            <a:endParaRPr lang="en-US">
+              <a:solidFill>
+                <a:srgbClr val="FF0000"/>
+              </a:solidFill>
+            </a:endParaRPr>
+          </a:p>
+        </p:txBody>
+      </p:sp>
+      <p:sp>
+        <p:nvSpPr>
+          <p:cNvPr id="6" name="Slide Number Placeholder 5"/>
+          <p:cNvSpPr>
+            <a:spLocks noGrp="1"/>
+          </p:cNvSpPr>
+          <p:nvPr>
+            <p:ph type="sldNum" sz="quarter" idx="12"/>
+          </p:nvPr>
+        </p:nvSpPr>
+        <p:spPr>
+          <a:xfrm>
+            <a:off x="8693150" y="6492875"/>
+            <a:ext cx="2057400" cy="365125"/>
+          </a:xfrm>
+        </p:spPr>
+        <p:txBody>
+          <a:bodyPr/>
+          <a:lstStyle/>
+          <a:p>
+            <a:fld id="{96C55251-E90D-44CC-8B75-53FCEE02E655}" type="slidenum">
+              <a:rPr lang="en-US" smtClean="0">
+                <a:solidFill>
+                  <a:schemeClr val="bg1">
+                    <a:lumMod val="50000"/>
+                  </a:schemeClr>
+                </a:solidFill>
+              </a:rPr>
+              <a:t>15</a:t>
+            </a:fld>
+            <a:endParaRPr lang="en-US" dirty="0">
+              <a:solidFill>
+                <a:schemeClr val="bg1">
+                  <a:lumMod val="50000"/>
+                </a:schemeClr>
+              </a:solidFill>
+            </a:endParaRPr>
+          </a:p>
+        </p:txBody>
+      </p:sp>
+    </p:spTree>
+    <p:extLst>
+      <p:ext uri="{BB962C8B-B14F-4D97-AF65-F5344CB8AC3E}">
+        <p14:creationId xmlns:p14="http://schemas.microsoft.com/office/powerpoint/2010/main" val="2904920364"/>
+      </p:ext>
+    </p:extLst>
+  </p:cSld>
+  <p:clrMapOvr>
+    <a:masterClrMapping/>
+  </p:clrMapOvr>
+  <p:timing>
+    <p:tnLst>
+      <p:par>
+        <p:cTn id="1" dur="indefinite" restart="never" nodeType="tmRoot"/>
+      </p:par>
+    </p:tnLst>
+  </p:timing>
+</p:sld>
+</file>
+
+<file path=ppt/slides/slide16.xml><?xml version="1.0" encoding="utf-8"?>
+<p:sld xmlns:a="http://schemas.openxmlformats.org/drawingml/2006/main" xmlns:r="http://schemas.openxmlformats.org/officeDocument/2006/relationships" xmlns:p="http://schemas.openxmlformats.org/presentationml/2006/main">
+  <p:cSld>
+    <p:spTree>
+      <p:nvGrpSpPr>
+        <p:cNvPr id="1" name=""/>
+        <p:cNvGrpSpPr/>
+        <p:nvPr/>
+      </p:nvGrpSpPr>
+      <p:grpSpPr>
+        <a:xfrm>
+          <a:off x="0" y="0"/>
+          <a:ext cx="0" cy="0"/>
+          <a:chOff x="0" y="0"/>
+          <a:chExt cx="0" cy="0"/>
+        </a:xfrm>
+      </p:grpSpPr>
+      <p:sp>
+        <p:nvSpPr>
+          <p:cNvPr id="3" name="Content Placeholder 2"/>
+          <p:cNvSpPr>
+            <a:spLocks noGrp="1"/>
+          </p:cNvSpPr>
+          <p:nvPr>
+            <p:ph idx="1"/>
+          </p:nvPr>
+        </p:nvSpPr>
+        <p:spPr>
+          <a:xfrm>
+            <a:off x="347330" y="467833"/>
+            <a:ext cx="8168020" cy="5709130"/>
+          </a:xfrm>
+        </p:spPr>
+        <p:txBody>
+          <a:bodyPr/>
+          <a:lstStyle/>
+          <a:p>
+            <a:pPr marL="0" indent="0">
+              <a:buNone/>
+            </a:pPr>
+            <a:r>
+              <a:rPr lang="en-US" sz="2400" b="1" dirty="0"/>
+              <a:t>3</a:t>
+            </a:r>
+            <a:r>
+              <a:rPr lang="en-US" sz="2400" b="1" dirty="0" smtClean="0"/>
+              <a:t>. </a:t>
+            </a:r>
+            <a:r>
+              <a:rPr lang="en-US" sz="2400" b="1" dirty="0" err="1"/>
+              <a:t>Vsomeip</a:t>
+            </a:r>
+            <a:endParaRPr lang="en-US" sz="2400" b="1" dirty="0" smtClean="0"/>
+          </a:p>
+        </p:txBody>
+      </p:sp>
+      <p:sp>
+        <p:nvSpPr>
+          <p:cNvPr id="37" name="TextBox 36"/>
+          <p:cNvSpPr txBox="1"/>
+          <p:nvPr/>
+        </p:nvSpPr>
+        <p:spPr>
+          <a:xfrm>
+            <a:off x="351940" y="948721"/>
+            <a:ext cx="2148793" cy="369332"/>
+          </a:xfrm>
+          <a:prstGeom prst="rect">
+            <a:avLst/>
+          </a:prstGeom>
+          <a:noFill/>
+        </p:spPr>
+        <p:txBody>
+          <a:bodyPr wrap="none" rtlCol="0">
+            <a:spAutoFit/>
+          </a:bodyPr>
+          <a:lstStyle/>
+          <a:p>
+            <a:pPr marL="285750" indent="-285750">
+              <a:buFont typeface="Wingdings" panose="05000000000000000000" pitchFamily="2" charset="2"/>
+              <a:buChar char="Ø"/>
+            </a:pPr>
+            <a:r>
+              <a:rPr lang="en-US" dirty="0" smtClean="0"/>
+              <a:t>Publish/Subscribe</a:t>
+            </a:r>
+            <a:endParaRPr lang="en-US" b="1" dirty="0"/>
+          </a:p>
+        </p:txBody>
+      </p:sp>
+      <p:sp>
+        <p:nvSpPr>
+          <p:cNvPr id="6" name="Slide Number Placeholder 5"/>
+          <p:cNvSpPr>
+            <a:spLocks noGrp="1"/>
+          </p:cNvSpPr>
+          <p:nvPr>
+            <p:ph type="sldNum" sz="quarter" idx="12"/>
+          </p:nvPr>
+        </p:nvSpPr>
+        <p:spPr>
+          <a:xfrm>
+            <a:off x="8693150" y="6492875"/>
+            <a:ext cx="2057400" cy="365125"/>
+          </a:xfrm>
+        </p:spPr>
+        <p:txBody>
+          <a:bodyPr/>
+          <a:lstStyle/>
+          <a:p>
+            <a:fld id="{96C55251-E90D-44CC-8B75-53FCEE02E655}" type="slidenum">
+              <a:rPr lang="en-US" smtClean="0">
+                <a:solidFill>
+                  <a:schemeClr val="bg1">
+                    <a:lumMod val="50000"/>
+                  </a:schemeClr>
+                </a:solidFill>
+              </a:rPr>
+              <a:t>16</a:t>
+            </a:fld>
+            <a:endParaRPr lang="en-US" dirty="0">
+              <a:solidFill>
+                <a:schemeClr val="bg1">
+                  <a:lumMod val="50000"/>
+                </a:schemeClr>
+              </a:solidFill>
+            </a:endParaRPr>
+          </a:p>
+        </p:txBody>
+      </p:sp>
+    </p:spTree>
+    <p:extLst>
+      <p:ext uri="{BB962C8B-B14F-4D97-AF65-F5344CB8AC3E}">
+        <p14:creationId xmlns:p14="http://schemas.microsoft.com/office/powerpoint/2010/main" val="3028680768"/>
       </p:ext>
     </p:extLst>
   </p:cSld>
@@ -11715,6 +13726,46 @@
           </a:prstGeom>
         </p:spPr>
       </p:pic>
+      <p:sp>
+        <p:nvSpPr>
+          <p:cNvPr id="4" name="Slide Number Placeholder 3"/>
+          <p:cNvSpPr>
+            <a:spLocks noGrp="1"/>
+          </p:cNvSpPr>
+          <p:nvPr>
+            <p:ph type="sldNum" sz="quarter" idx="12"/>
+          </p:nvPr>
+        </p:nvSpPr>
+        <p:spPr>
+          <a:xfrm>
+            <a:off x="8739332" y="6492875"/>
+            <a:ext cx="2057400" cy="365125"/>
+          </a:xfrm>
+        </p:spPr>
+        <p:txBody>
+          <a:bodyPr/>
+          <a:lstStyle/>
+          <a:p>
+            <a:fld id="{96C55251-E90D-44CC-8B75-53FCEE02E655}" type="slidenum">
+              <a:rPr lang="en-US" smtClean="0">
+                <a:solidFill>
+                  <a:schemeClr val="bg1">
+                    <a:lumMod val="50000"/>
+                  </a:schemeClr>
+                </a:solidFill>
+              </a:rPr>
+              <a:t>2</a:t>
+            </a:fld>
+            <a:endParaRPr lang="en-US" dirty="0">
+              <a:solidFill>
+                <a:schemeClr val="bg1">
+                  <a:lumMod val="50000"/>
+                </a:schemeClr>
+              </a:solidFill>
+            </a:endParaRPr>
+          </a:p>
+        </p:txBody>
+      </p:sp>
     </p:spTree>
     <p:extLst>
       <p:ext uri="{BB962C8B-B14F-4D97-AF65-F5344CB8AC3E}">
@@ -11802,8 +13853,8 @@
         </p:blipFill>
         <p:spPr>
           <a:xfrm>
-            <a:off x="347330" y="2821576"/>
-            <a:ext cx="8369950" cy="4114801"/>
+            <a:off x="347331" y="2821578"/>
+            <a:ext cx="8251724" cy="4056680"/>
           </a:xfrm>
           <a:prstGeom prst="rect">
             <a:avLst/>
@@ -12098,6 +14149,46 @@
           </a:graphicData>
         </a:graphic>
       </p:graphicFrame>
+      <p:sp>
+        <p:nvSpPr>
+          <p:cNvPr id="4" name="Slide Number Placeholder 3"/>
+          <p:cNvSpPr>
+            <a:spLocks noGrp="1"/>
+          </p:cNvSpPr>
+          <p:nvPr>
+            <p:ph type="sldNum" sz="quarter" idx="12"/>
+          </p:nvPr>
+        </p:nvSpPr>
+        <p:spPr>
+          <a:xfrm>
+            <a:off x="8776276" y="6492875"/>
+            <a:ext cx="2057400" cy="365125"/>
+          </a:xfrm>
+        </p:spPr>
+        <p:txBody>
+          <a:bodyPr/>
+          <a:lstStyle/>
+          <a:p>
+            <a:fld id="{96C55251-E90D-44CC-8B75-53FCEE02E655}" type="slidenum">
+              <a:rPr lang="en-US" smtClean="0">
+                <a:solidFill>
+                  <a:schemeClr val="bg1">
+                    <a:lumMod val="50000"/>
+                  </a:schemeClr>
+                </a:solidFill>
+              </a:rPr>
+              <a:t>3</a:t>
+            </a:fld>
+            <a:endParaRPr lang="en-US" dirty="0">
+              <a:solidFill>
+                <a:schemeClr val="bg1">
+                  <a:lumMod val="50000"/>
+                </a:schemeClr>
+              </a:solidFill>
+            </a:endParaRPr>
+          </a:p>
+        </p:txBody>
+      </p:sp>
     </p:spTree>
     <p:extLst>
       <p:ext uri="{BB962C8B-B14F-4D97-AF65-F5344CB8AC3E}">
@@ -13729,6 +15820,46 @@
           </a:p>
         </p:txBody>
       </p:sp>
+      <p:sp>
+        <p:nvSpPr>
+          <p:cNvPr id="42" name="Slide Number Placeholder 41"/>
+          <p:cNvSpPr>
+            <a:spLocks noGrp="1"/>
+          </p:cNvSpPr>
+          <p:nvPr>
+            <p:ph type="sldNum" sz="quarter" idx="12"/>
+          </p:nvPr>
+        </p:nvSpPr>
+        <p:spPr>
+          <a:xfrm>
+            <a:off x="8721774" y="6492875"/>
+            <a:ext cx="2057400" cy="365125"/>
+          </a:xfrm>
+        </p:spPr>
+        <p:txBody>
+          <a:bodyPr/>
+          <a:lstStyle/>
+          <a:p>
+            <a:fld id="{96C55251-E90D-44CC-8B75-53FCEE02E655}" type="slidenum">
+              <a:rPr lang="en-US" smtClean="0">
+                <a:solidFill>
+                  <a:schemeClr val="bg1">
+                    <a:lumMod val="50000"/>
+                  </a:schemeClr>
+                </a:solidFill>
+              </a:rPr>
+              <a:t>4</a:t>
+            </a:fld>
+            <a:endParaRPr lang="en-US" dirty="0">
+              <a:solidFill>
+                <a:schemeClr val="bg1">
+                  <a:lumMod val="50000"/>
+                </a:schemeClr>
+              </a:solidFill>
+            </a:endParaRPr>
+          </a:p>
+        </p:txBody>
+      </p:sp>
     </p:spTree>
     <p:extLst>
       <p:ext uri="{BB962C8B-B14F-4D97-AF65-F5344CB8AC3E}">
@@ -13842,7 +15973,7 @@
           <p:nvPr>
             <p:extLst>
               <p:ext uri="{D42A27DB-BD31-4B8C-83A1-F6EECF244321}">
-                <p14:modId xmlns:p14="http://schemas.microsoft.com/office/powerpoint/2010/main" val="2245167313"/>
+                <p14:modId xmlns:p14="http://schemas.microsoft.com/office/powerpoint/2010/main" val="2051932324"/>
               </p:ext>
             </p:extLst>
           </p:nvPr>
@@ -14554,10 +16685,14 @@
                     <a:lstStyle/>
                     <a:p>
                       <a:r>
-                        <a:rPr lang="en-US" sz="1200" b="1" dirty="0"/>
-                        <a:t>DDS</a:t>
+                        <a:rPr lang="en-US" sz="1200" b="1" dirty="0" smtClean="0"/>
+                        <a:t>DDS </a:t>
                       </a:r>
-                      <a:endParaRPr lang="en-US" sz="1200" dirty="0"/>
+                      <a:r>
+                        <a:rPr lang="en-US" sz="1200" b="0" dirty="0" smtClean="0"/>
+                        <a:t>(Data Distribution Service)</a:t>
+                      </a:r>
+                      <a:endParaRPr lang="en-US" sz="1200" b="0" dirty="0"/>
                     </a:p>
                   </a:txBody>
                   <a:tcPr marL="63063" marR="63063" marT="31531" marB="31531" anchor="ctr">
@@ -15237,8 +17372,12 @@
                     <a:lstStyle/>
                     <a:p>
                       <a:r>
-                        <a:rPr lang="en-US" sz="1200" b="1" dirty="0"/>
-                        <a:t>MQTT</a:t>
+                        <a:rPr lang="en-US" sz="1200" b="1" dirty="0" smtClean="0"/>
+                        <a:t>MQTT </a:t>
+                      </a:r>
+                      <a:r>
+                        <a:rPr lang="en-US" sz="1200" dirty="0" smtClean="0"/>
+                        <a:t>(Message Queuing Telemetry Transport)</a:t>
                       </a:r>
                       <a:endParaRPr lang="en-US" sz="1200" dirty="0"/>
                     </a:p>
@@ -16022,6 +18161,46 @@
           </a:p>
         </p:txBody>
       </p:sp>
+      <p:sp>
+        <p:nvSpPr>
+          <p:cNvPr id="5" name="Slide Number Placeholder 4"/>
+          <p:cNvSpPr>
+            <a:spLocks noGrp="1"/>
+          </p:cNvSpPr>
+          <p:nvPr>
+            <p:ph type="sldNum" sz="quarter" idx="12"/>
+          </p:nvPr>
+        </p:nvSpPr>
+        <p:spPr>
+          <a:xfrm>
+            <a:off x="8741261" y="6508169"/>
+            <a:ext cx="2057400" cy="365125"/>
+          </a:xfrm>
+        </p:spPr>
+        <p:txBody>
+          <a:bodyPr/>
+          <a:lstStyle/>
+          <a:p>
+            <a:fld id="{96C55251-E90D-44CC-8B75-53FCEE02E655}" type="slidenum">
+              <a:rPr lang="en-US" smtClean="0">
+                <a:solidFill>
+                  <a:schemeClr val="bg1">
+                    <a:lumMod val="50000"/>
+                  </a:schemeClr>
+                </a:solidFill>
+              </a:rPr>
+              <a:t>5</a:t>
+            </a:fld>
+            <a:endParaRPr lang="en-US" dirty="0">
+              <a:solidFill>
+                <a:schemeClr val="bg1">
+                  <a:lumMod val="50000"/>
+                </a:schemeClr>
+              </a:solidFill>
+            </a:endParaRPr>
+          </a:p>
+        </p:txBody>
+      </p:sp>
     </p:spTree>
     <p:extLst>
       <p:ext uri="{BB962C8B-B14F-4D97-AF65-F5344CB8AC3E}">
@@ -16722,6 +18901,46 @@
           </a:p>
         </p:txBody>
       </p:sp>
+      <p:sp>
+        <p:nvSpPr>
+          <p:cNvPr id="4" name="Slide Number Placeholder 3"/>
+          <p:cNvSpPr>
+            <a:spLocks noGrp="1"/>
+          </p:cNvSpPr>
+          <p:nvPr>
+            <p:ph type="sldNum" sz="quarter" idx="12"/>
+          </p:nvPr>
+        </p:nvSpPr>
+        <p:spPr>
+          <a:xfrm>
+            <a:off x="8748569" y="6492875"/>
+            <a:ext cx="2057400" cy="365125"/>
+          </a:xfrm>
+        </p:spPr>
+        <p:txBody>
+          <a:bodyPr/>
+          <a:lstStyle/>
+          <a:p>
+            <a:fld id="{96C55251-E90D-44CC-8B75-53FCEE02E655}" type="slidenum">
+              <a:rPr lang="en-US" smtClean="0">
+                <a:solidFill>
+                  <a:schemeClr val="bg1">
+                    <a:lumMod val="50000"/>
+                  </a:schemeClr>
+                </a:solidFill>
+              </a:rPr>
+              <a:t>6</a:t>
+            </a:fld>
+            <a:endParaRPr lang="en-US" dirty="0">
+              <a:solidFill>
+                <a:schemeClr val="bg1">
+                  <a:lumMod val="50000"/>
+                </a:schemeClr>
+              </a:solidFill>
+            </a:endParaRPr>
+          </a:p>
+        </p:txBody>
+      </p:sp>
     </p:spTree>
     <p:extLst>
       <p:ext uri="{BB962C8B-B14F-4D97-AF65-F5344CB8AC3E}">
@@ -18014,6 +20233,46 @@
           </a:fontRef>
         </p:style>
       </p:cxnSp>
+      <p:sp>
+        <p:nvSpPr>
+          <p:cNvPr id="4" name="Slide Number Placeholder 3"/>
+          <p:cNvSpPr>
+            <a:spLocks noGrp="1"/>
+          </p:cNvSpPr>
+          <p:nvPr>
+            <p:ph type="sldNum" sz="quarter" idx="12"/>
+          </p:nvPr>
+        </p:nvSpPr>
+        <p:spPr>
+          <a:xfrm>
+            <a:off x="8748568" y="6492875"/>
+            <a:ext cx="2057400" cy="365125"/>
+          </a:xfrm>
+        </p:spPr>
+        <p:txBody>
+          <a:bodyPr/>
+          <a:lstStyle/>
+          <a:p>
+            <a:fld id="{96C55251-E90D-44CC-8B75-53FCEE02E655}" type="slidenum">
+              <a:rPr lang="en-US" smtClean="0">
+                <a:solidFill>
+                  <a:schemeClr val="bg1">
+                    <a:lumMod val="50000"/>
+                  </a:schemeClr>
+                </a:solidFill>
+              </a:rPr>
+              <a:t>7</a:t>
+            </a:fld>
+            <a:endParaRPr lang="en-US" dirty="0">
+              <a:solidFill>
+                <a:schemeClr val="bg1">
+                  <a:lumMod val="50000"/>
+                </a:schemeClr>
+              </a:solidFill>
+            </a:endParaRPr>
+          </a:p>
+        </p:txBody>
+      </p:sp>
     </p:spTree>
     <p:extLst>
       <p:ext uri="{BB962C8B-B14F-4D97-AF65-F5344CB8AC3E}">
@@ -19147,6 +21406,46 @@
           </a:p>
         </p:txBody>
       </p:sp>
+      <p:sp>
+        <p:nvSpPr>
+          <p:cNvPr id="15" name="Slide Number Placeholder 14"/>
+          <p:cNvSpPr>
+            <a:spLocks noGrp="1"/>
+          </p:cNvSpPr>
+          <p:nvPr>
+            <p:ph type="sldNum" sz="quarter" idx="12"/>
+          </p:nvPr>
+        </p:nvSpPr>
+        <p:spPr>
+          <a:xfrm>
+            <a:off x="8748568" y="6492875"/>
+            <a:ext cx="2057400" cy="365125"/>
+          </a:xfrm>
+        </p:spPr>
+        <p:txBody>
+          <a:bodyPr/>
+          <a:lstStyle/>
+          <a:p>
+            <a:fld id="{96C55251-E90D-44CC-8B75-53FCEE02E655}" type="slidenum">
+              <a:rPr lang="en-US" smtClean="0">
+                <a:solidFill>
+                  <a:schemeClr val="bg1">
+                    <a:lumMod val="50000"/>
+                  </a:schemeClr>
+                </a:solidFill>
+              </a:rPr>
+              <a:t>8</a:t>
+            </a:fld>
+            <a:endParaRPr lang="en-US" dirty="0">
+              <a:solidFill>
+                <a:schemeClr val="bg1">
+                  <a:lumMod val="50000"/>
+                </a:schemeClr>
+              </a:solidFill>
+            </a:endParaRPr>
+          </a:p>
+        </p:txBody>
+      </p:sp>
     </p:spTree>
     <p:extLst>
       <p:ext uri="{BB962C8B-B14F-4D97-AF65-F5344CB8AC3E}">
@@ -19511,7 +21810,7 @@
         </p:nvSpPr>
         <p:spPr>
           <a:xfrm rot="20054033">
-            <a:off x="1668848" y="3995372"/>
+            <a:off x="1668848" y="3995373"/>
             <a:ext cx="1630318" cy="523220"/>
           </a:xfrm>
           <a:prstGeom prst="rect">
@@ -19533,7 +21832,7 @@
           <a:p>
             <a:r>
               <a:rPr lang="en-US" sz="1400" dirty="0"/>
-              <a:t>239.1.1.1</a:t>
+              <a:t>224.224.224.245</a:t>
             </a:r>
           </a:p>
         </p:txBody>
@@ -19546,7 +21845,7 @@
         </p:nvSpPr>
         <p:spPr>
           <a:xfrm rot="19917075">
-            <a:off x="1655153" y="2778401"/>
+            <a:off x="1655153" y="2778402"/>
             <a:ext cx="1615892" cy="523220"/>
           </a:xfrm>
           <a:prstGeom prst="rect">
@@ -19568,7 +21867,7 @@
           <a:p>
             <a:r>
               <a:rPr lang="en-US" sz="1400" dirty="0"/>
-              <a:t>239.1.1.1</a:t>
+              <a:t>224.224.224.245</a:t>
             </a:r>
           </a:p>
         </p:txBody>
@@ -19582,14 +21881,14 @@
           <p:nvPr>
             <p:extLst>
               <p:ext uri="{D42A27DB-BD31-4B8C-83A1-F6EECF244321}">
-                <p14:modId xmlns:p14="http://schemas.microsoft.com/office/powerpoint/2010/main" val="3839640236"/>
+                <p14:modId xmlns:p14="http://schemas.microsoft.com/office/powerpoint/2010/main" val="2395628389"/>
               </p:ext>
             </p:extLst>
           </p:nvPr>
         </p:nvGraphicFramePr>
         <p:xfrm>
           <a:off x="4464591" y="1662770"/>
-          <a:ext cx="3599956" cy="889000"/>
+          <a:ext cx="3949736" cy="889000"/>
         </p:xfrm>
         <a:graphic>
           <a:graphicData uri="http://schemas.openxmlformats.org/drawingml/2006/table">
@@ -19598,8 +21897,8 @@
                 <a:tableStyleId>{5C22544A-7EE6-4342-B048-85BDC9FD1C3A}</a:tableStyleId>
               </a:tblPr>
               <a:tblGrid>
-                <a:gridCol w="1396583"/>
-                <a:gridCol w="2203373"/>
+                <a:gridCol w="1532278"/>
+                <a:gridCol w="2417458"/>
               </a:tblGrid>
               <a:tr h="370840">
                 <a:tc>
@@ -19651,7 +21950,7 @@
                     <a:p>
                       <a:r>
                         <a:rPr lang="en-US" sz="1400" dirty="0" smtClean="0"/>
-                        <a:t>239.1.1.1</a:t>
+                        <a:t>224.224.224.245</a:t>
                       </a:r>
                       <a:endParaRPr lang="en-US" sz="1400" dirty="0"/>
                     </a:p>
@@ -19698,14 +21997,14 @@
           <p:nvPr>
             <p:extLst>
               <p:ext uri="{D42A27DB-BD31-4B8C-83A1-F6EECF244321}">
-                <p14:modId xmlns:p14="http://schemas.microsoft.com/office/powerpoint/2010/main" val="140010406"/>
+                <p14:modId xmlns:p14="http://schemas.microsoft.com/office/powerpoint/2010/main" val="945308281"/>
               </p:ext>
             </p:extLst>
           </p:nvPr>
         </p:nvGraphicFramePr>
         <p:xfrm>
           <a:off x="4464591" y="3813311"/>
-          <a:ext cx="3599956" cy="889000"/>
+          <a:ext cx="3792718" cy="889000"/>
         </p:xfrm>
         <a:graphic>
           <a:graphicData uri="http://schemas.openxmlformats.org/drawingml/2006/table">
@@ -19714,8 +22013,8 @@
                 <a:tableStyleId>{5C22544A-7EE6-4342-B048-85BDC9FD1C3A}</a:tableStyleId>
               </a:tblPr>
               <a:tblGrid>
-                <a:gridCol w="1396583"/>
-                <a:gridCol w="2203373"/>
+                <a:gridCol w="1471364"/>
+                <a:gridCol w="2321354"/>
               </a:tblGrid>
               <a:tr h="370840">
                 <a:tc>
@@ -19767,7 +22066,7 @@
                     <a:p>
                       <a:r>
                         <a:rPr lang="en-US" sz="1400" dirty="0" smtClean="0"/>
-                        <a:t>239.1.1.1</a:t>
+                        <a:t>224.224.224.245</a:t>
                       </a:r>
                       <a:endParaRPr lang="en-US" sz="1400" dirty="0"/>
                     </a:p>
@@ -20312,15 +22611,7 @@
           <a:p>
             <a:r>
               <a:rPr lang="en-US" dirty="0"/>
-              <a:t>PC2 and PC3 join a multicast group </a:t>
-            </a:r>
-            <a:r>
-              <a:rPr lang="en-US" dirty="0" smtClean="0"/>
-              <a:t>(239.1.1.1</a:t>
-            </a:r>
-            <a:r>
-              <a:rPr lang="en-US" dirty="0"/>
-              <a:t>), </a:t>
+              <a:t>PC2 and PC3 join a multicast group (224.224.224.245), </a:t>
             </a:r>
           </a:p>
           <a:p>
@@ -20386,6 +22677,46 @@
           </a:fontRef>
         </p:style>
       </p:cxnSp>
+      <p:sp>
+        <p:nvSpPr>
+          <p:cNvPr id="16" name="Slide Number Placeholder 15"/>
+          <p:cNvSpPr>
+            <a:spLocks noGrp="1"/>
+          </p:cNvSpPr>
+          <p:nvPr>
+            <p:ph type="sldNum" sz="quarter" idx="12"/>
+          </p:nvPr>
+        </p:nvSpPr>
+        <p:spPr>
+          <a:xfrm>
+            <a:off x="8730095" y="6492875"/>
+            <a:ext cx="2057400" cy="365125"/>
+          </a:xfrm>
+        </p:spPr>
+        <p:txBody>
+          <a:bodyPr/>
+          <a:lstStyle/>
+          <a:p>
+            <a:fld id="{96C55251-E90D-44CC-8B75-53FCEE02E655}" type="slidenum">
+              <a:rPr lang="en-US" smtClean="0">
+                <a:solidFill>
+                  <a:schemeClr val="bg1">
+                    <a:lumMod val="50000"/>
+                  </a:schemeClr>
+                </a:solidFill>
+              </a:rPr>
+              <a:t>9</a:t>
+            </a:fld>
+            <a:endParaRPr lang="en-US" dirty="0">
+              <a:solidFill>
+                <a:schemeClr val="bg1">
+                  <a:lumMod val="50000"/>
+                </a:schemeClr>
+              </a:solidFill>
+            </a:endParaRPr>
+          </a:p>
+        </p:txBody>
+      </p:sp>
     </p:spTree>
     <p:extLst>
       <p:ext uri="{BB962C8B-B14F-4D97-AF65-F5344CB8AC3E}">
@@ -20926,4 +23257,265 @@
     </a:ext>
   </a:extLst>
 </a:theme>
+</file>
+
+<file path=ppt/theme/theme3.xml><?xml version="1.0" encoding="utf-8"?>
+<a:theme xmlns:a="http://schemas.openxmlformats.org/drawingml/2006/main" name="Office Theme">
+  <a:themeElements>
+    <a:clrScheme name="Office">
+      <a:dk1>
+        <a:sysClr val="windowText" lastClr="000000"/>
+      </a:dk1>
+      <a:lt1>
+        <a:sysClr val="window" lastClr="FFFFFF"/>
+      </a:lt1>
+      <a:dk2>
+        <a:srgbClr val="44546A"/>
+      </a:dk2>
+      <a:lt2>
+        <a:srgbClr val="E7E6E6"/>
+      </a:lt2>
+      <a:accent1>
+        <a:srgbClr val="5B9BD5"/>
+      </a:accent1>
+      <a:accent2>
+        <a:srgbClr val="ED7D31"/>
+      </a:accent2>
+      <a:accent3>
+        <a:srgbClr val="A5A5A5"/>
+      </a:accent3>
+      <a:accent4>
+        <a:srgbClr val="FFC000"/>
+      </a:accent4>
+      <a:accent5>
+        <a:srgbClr val="4472C4"/>
+      </a:accent5>
+      <a:accent6>
+        <a:srgbClr val="70AD47"/>
+      </a:accent6>
+      <a:hlink>
+        <a:srgbClr val="0563C1"/>
+      </a:hlink>
+      <a:folHlink>
+        <a:srgbClr val="954F72"/>
+      </a:folHlink>
+    </a:clrScheme>
+    <a:fontScheme name="Office">
+      <a:majorFont>
+        <a:latin typeface="Calibri Light" panose="020F0302020204030204"/>
+        <a:ea typeface=""/>
+        <a:cs typeface=""/>
+        <a:font script="Jpan" typeface="ＭＳ Ｐゴシック"/>
+        <a:font script="Hang" typeface="맑은 고딕"/>
+        <a:font script="Hans" typeface="宋体"/>
+        <a:font script="Hant" typeface="新細明體"/>
+        <a:font script="Arab" typeface="Times New Roman"/>
+        <a:font script="Hebr" typeface="Times New Roman"/>
+        <a:font script="Thai" typeface="Angsana New"/>
+        <a:font script="Ethi" typeface="Nyala"/>
+        <a:font script="Beng" typeface="Vrinda"/>
+        <a:font script="Gujr" typeface="Shruti"/>
+        <a:font script="Khmr" typeface="MoolBoran"/>
+        <a:font script="Knda" typeface="Tunga"/>
+        <a:font script="Guru" typeface="Raavi"/>
+        <a:font script="Cans" typeface="Euphemia"/>
+        <a:font script="Cher" typeface="Plantagenet Cherokee"/>
+        <a:font script="Yiii" typeface="Microsoft Yi Baiti"/>
+        <a:font script="Tibt" typeface="Microsoft Himalaya"/>
+        <a:font script="Thaa" typeface="MV Boli"/>
+        <a:font script="Deva" typeface="Mangal"/>
+        <a:font script="Telu" typeface="Gautami"/>
+        <a:font script="Taml" typeface="Latha"/>
+        <a:font script="Syrc" typeface="Estrangelo Edessa"/>
+        <a:font script="Orya" typeface="Kalinga"/>
+        <a:font script="Mlym" typeface="Kartika"/>
+        <a:font script="Laoo" typeface="DokChampa"/>
+        <a:font script="Sinh" typeface="Iskoola Pota"/>
+        <a:font script="Mong" typeface="Mongolian Baiti"/>
+        <a:font script="Viet" typeface="Times New Roman"/>
+        <a:font script="Uigh" typeface="Microsoft Uighur"/>
+        <a:font script="Geor" typeface="Sylfaen"/>
+      </a:majorFont>
+      <a:minorFont>
+        <a:latin typeface="Calibri" panose="020F0502020204030204"/>
+        <a:ea typeface=""/>
+        <a:cs typeface=""/>
+        <a:font script="Jpan" typeface="ＭＳ Ｐゴシック"/>
+        <a:font script="Hang" typeface="맑은 고딕"/>
+        <a:font script="Hans" typeface="宋体"/>
+        <a:font script="Hant" typeface="新細明體"/>
+        <a:font script="Arab" typeface="Arial"/>
+        <a:font script="Hebr" typeface="Arial"/>
+        <a:font script="Thai" typeface="Cordia New"/>
+        <a:font script="Ethi" typeface="Nyala"/>
+        <a:font script="Beng" typeface="Vrinda"/>
+        <a:font script="Gujr" typeface="Shruti"/>
+        <a:font script="Khmr" typeface="DaunPenh"/>
+        <a:font script="Knda" typeface="Tunga"/>
+        <a:font script="Guru" typeface="Raavi"/>
+        <a:font script="Cans" typeface="Euphemia"/>
+        <a:font script="Cher" typeface="Plantagenet Cherokee"/>
+        <a:font script="Yiii" typeface="Microsoft Yi Baiti"/>
+        <a:font script="Tibt" typeface="Microsoft Himalaya"/>
+        <a:font script="Thaa" typeface="MV Boli"/>
+        <a:font script="Deva" typeface="Mangal"/>
+        <a:font script="Telu" typeface="Gautami"/>
+        <a:font script="Taml" typeface="Latha"/>
+        <a:font script="Syrc" typeface="Estrangelo Edessa"/>
+        <a:font script="Orya" typeface="Kalinga"/>
+        <a:font script="Mlym" typeface="Kartika"/>
+        <a:font script="Laoo" typeface="DokChampa"/>
+        <a:font script="Sinh" typeface="Iskoola Pota"/>
+        <a:font script="Mong" typeface="Mongolian Baiti"/>
+        <a:font script="Viet" typeface="Arial"/>
+        <a:font script="Uigh" typeface="Microsoft Uighur"/>
+        <a:font script="Geor" typeface="Sylfaen"/>
+      </a:minorFont>
+    </a:fontScheme>
+    <a:fmtScheme name="Office">
+      <a:fillStyleLst>
+        <a:solidFill>
+          <a:schemeClr val="phClr"/>
+        </a:solidFill>
+        <a:gradFill rotWithShape="1">
+          <a:gsLst>
+            <a:gs pos="0">
+              <a:schemeClr val="phClr">
+                <a:lumMod val="110000"/>
+                <a:satMod val="105000"/>
+                <a:tint val="67000"/>
+              </a:schemeClr>
+            </a:gs>
+            <a:gs pos="50000">
+              <a:schemeClr val="phClr">
+                <a:lumMod val="105000"/>
+                <a:satMod val="103000"/>
+                <a:tint val="73000"/>
+              </a:schemeClr>
+            </a:gs>
+            <a:gs pos="100000">
+              <a:schemeClr val="phClr">
+                <a:lumMod val="105000"/>
+                <a:satMod val="109000"/>
+                <a:tint val="81000"/>
+              </a:schemeClr>
+            </a:gs>
+          </a:gsLst>
+          <a:lin ang="5400000" scaled="0"/>
+        </a:gradFill>
+        <a:gradFill rotWithShape="1">
+          <a:gsLst>
+            <a:gs pos="0">
+              <a:schemeClr val="phClr">
+                <a:satMod val="103000"/>
+                <a:lumMod val="102000"/>
+                <a:tint val="94000"/>
+              </a:schemeClr>
+            </a:gs>
+            <a:gs pos="50000">
+              <a:schemeClr val="phClr">
+                <a:satMod val="110000"/>
+                <a:lumMod val="100000"/>
+                <a:shade val="100000"/>
+              </a:schemeClr>
+            </a:gs>
+            <a:gs pos="100000">
+              <a:schemeClr val="phClr">
+                <a:lumMod val="99000"/>
+                <a:satMod val="120000"/>
+                <a:shade val="78000"/>
+              </a:schemeClr>
+            </a:gs>
+          </a:gsLst>
+          <a:lin ang="5400000" scaled="0"/>
+        </a:gradFill>
+      </a:fillStyleLst>
+      <a:lnStyleLst>
+        <a:ln w="6350" cap="flat" cmpd="sng" algn="ctr">
+          <a:solidFill>
+            <a:schemeClr val="phClr"/>
+          </a:solidFill>
+          <a:prstDash val="solid"/>
+          <a:miter lim="800000"/>
+        </a:ln>
+        <a:ln w="12700" cap="flat" cmpd="sng" algn="ctr">
+          <a:solidFill>
+            <a:schemeClr val="phClr"/>
+          </a:solidFill>
+          <a:prstDash val="solid"/>
+          <a:miter lim="800000"/>
+        </a:ln>
+        <a:ln w="19050" cap="flat" cmpd="sng" algn="ctr">
+          <a:solidFill>
+            <a:schemeClr val="phClr"/>
+          </a:solidFill>
+          <a:prstDash val="solid"/>
+          <a:miter lim="800000"/>
+        </a:ln>
+      </a:lnStyleLst>
+      <a:effectStyleLst>
+        <a:effectStyle>
+          <a:effectLst/>
+        </a:effectStyle>
+        <a:effectStyle>
+          <a:effectLst/>
+        </a:effectStyle>
+        <a:effectStyle>
+          <a:effectLst>
+            <a:outerShdw blurRad="57150" dist="19050" dir="5400000" algn="ctr" rotWithShape="0">
+              <a:srgbClr val="000000">
+                <a:alpha val="63000"/>
+              </a:srgbClr>
+            </a:outerShdw>
+          </a:effectLst>
+        </a:effectStyle>
+      </a:effectStyleLst>
+      <a:bgFillStyleLst>
+        <a:solidFill>
+          <a:schemeClr val="phClr"/>
+        </a:solidFill>
+        <a:solidFill>
+          <a:schemeClr val="phClr">
+            <a:tint val="95000"/>
+            <a:satMod val="170000"/>
+          </a:schemeClr>
+        </a:solidFill>
+        <a:gradFill rotWithShape="1">
+          <a:gsLst>
+            <a:gs pos="0">
+              <a:schemeClr val="phClr">
+                <a:tint val="93000"/>
+                <a:satMod val="150000"/>
+                <a:shade val="98000"/>
+                <a:lumMod val="102000"/>
+              </a:schemeClr>
+            </a:gs>
+            <a:gs pos="50000">
+              <a:schemeClr val="phClr">
+                <a:tint val="98000"/>
+                <a:satMod val="130000"/>
+                <a:shade val="90000"/>
+                <a:lumMod val="103000"/>
+              </a:schemeClr>
+            </a:gs>
+            <a:gs pos="100000">
+              <a:schemeClr val="phClr">
+                <a:shade val="63000"/>
+                <a:satMod val="120000"/>
+              </a:schemeClr>
+            </a:gs>
+          </a:gsLst>
+          <a:lin ang="5400000" scaled="0"/>
+        </a:gradFill>
+      </a:bgFillStyleLst>
+    </a:fmtScheme>
+  </a:themeElements>
+  <a:objectDefaults/>
+  <a:extraClrSchemeLst/>
+  <a:extLst>
+    <a:ext uri="{05A4C25C-085E-4340-85A3-A5531E510DB2}">
+      <thm15:themeFamily xmlns:thm15="http://schemas.microsoft.com/office/thememl/2012/main" name="Office Theme" id="{62F939B6-93AF-4DB8-9C6B-D6C7DFDC589F}" vid="{4A3C46E8-61CC-4603-A589-7422A47A8E4A}"/>
+    </a:ext>
+  </a:extLst>
+</a:theme>
 </file>
--- a/doc/Vsomeip knowledge.pptx
+++ b/doc/Vsomeip knowledge.pptx
@@ -5,10 +5,10 @@
     <p:sldMasterId id="2147483660" r:id="rId1"/>
   </p:sldMasterIdLst>
   <p:notesMasterIdLst>
-    <p:notesMasterId r:id="rId24"/>
+    <p:notesMasterId r:id="rId27"/>
   </p:notesMasterIdLst>
   <p:handoutMasterIdLst>
-    <p:handoutMasterId r:id="rId25"/>
+    <p:handoutMasterId r:id="rId28"/>
   </p:handoutMasterIdLst>
   <p:sldIdLst>
     <p:sldId id="256" r:id="rId2"/>
@@ -33,6 +33,9 @@
     <p:sldId id="276" r:id="rId21"/>
     <p:sldId id="277" r:id="rId22"/>
     <p:sldId id="278" r:id="rId23"/>
+    <p:sldId id="279" r:id="rId24"/>
+    <p:sldId id="280" r:id="rId25"/>
+    <p:sldId id="281" r:id="rId26"/>
   </p:sldIdLst>
   <p:sldSz cx="9144000" cy="6858000" type="screen4x3"/>
   <p:notesSz cx="6858000" cy="9144000"/>
@@ -344,7 +347,7 @@
           <a:p>
             <a:fld id="{FE167CA5-76A5-4126-94F0-796E0C5E0D54}" type="datetimeFigureOut">
               <a:rPr lang="en-US" smtClean="0"/>
-              <a:t>10/13/2025</a:t>
+              <a:t>10/14/2025</a:t>
             </a:fld>
             <a:endParaRPr lang="en-US"/>
           </a:p>
@@ -510,7 +513,7 @@
           <a:p>
             <a:fld id="{A0BE7B6A-3411-47A0-8068-0F7C7217377E}" type="datetimeFigureOut">
               <a:rPr lang="en-US" smtClean="0"/>
-              <a:t>10/13/2025</a:t>
+              <a:t>10/14/2025</a:t>
             </a:fld>
             <a:endParaRPr lang="en-US"/>
           </a:p>
@@ -3494,8 +3497,83 @@
           <a:p>
             <a:r>
               <a:rPr lang="en-US" dirty="0" smtClean="0"/>
-              <a:t>https://www.iqpc.com/media/9048/29408.pdf</a:t>
-            </a:r>
+              <a:t>https://</a:t>
+            </a:r>
+            <a:r>
+              <a:rPr lang="en-US" dirty="0" smtClean="0"/>
+              <a:t>www.iqpc.com/media/9048/29408.pdf</a:t>
+            </a:r>
+          </a:p>
+          <a:p>
+            <a:endParaRPr lang="en-US" dirty="0" smtClean="0"/>
+          </a:p>
+          <a:p>
+            <a:r>
+              <a:rPr lang="en-US" dirty="0" smtClean="0"/>
+              <a:t>// Difference between attribute and broadcast:</a:t>
+            </a:r>
+          </a:p>
+          <a:p>
+            <a:r>
+              <a:rPr lang="en-US" dirty="0" smtClean="0"/>
+              <a:t>// - attribute: Represents a readable (and optionally writable) property of the interface. Clients can query its current value at any time.</a:t>
+            </a:r>
+          </a:p>
+          <a:p>
+            <a:r>
+              <a:rPr lang="en-US" dirty="0" smtClean="0"/>
+              <a:t>// - broadcast: Represents an event notification. Clients register to receive notifications when the event occurs (e.g., state changes).</a:t>
+            </a:r>
+          </a:p>
+          <a:p>
+            <a:endParaRPr lang="en-US" dirty="0" smtClean="0"/>
+          </a:p>
+          <a:p>
+            <a:r>
+              <a:rPr lang="en-US" dirty="0" smtClean="0"/>
+              <a:t>// For attribute:</a:t>
+            </a:r>
+          </a:p>
+          <a:p>
+            <a:r>
+              <a:rPr lang="en-US" dirty="0" smtClean="0"/>
+              <a:t>// - Clients receive notification only if the attribute is defined as "observable" or "</a:t>
+            </a:r>
+            <a:r>
+              <a:rPr lang="en-US" dirty="0" err="1" smtClean="0"/>
+              <a:t>readonly</a:t>
+            </a:r>
+            <a:r>
+              <a:rPr lang="en-US" dirty="0" smtClean="0"/>
+              <a:t> observable".</a:t>
+            </a:r>
+          </a:p>
+          <a:p>
+            <a:r>
+              <a:rPr lang="en-US" dirty="0" smtClean="0"/>
+              <a:t>// - Notification is sent when the attribute value changes.</a:t>
+            </a:r>
+          </a:p>
+          <a:p>
+            <a:r>
+              <a:rPr lang="en-US" dirty="0" smtClean="0"/>
+              <a:t>// - Notification is also sent immediately when a client first registers for the attribute (initial value).</a:t>
+            </a:r>
+          </a:p>
+          <a:p>
+            <a:r>
+              <a:rPr lang="en-US" dirty="0" smtClean="0"/>
+              <a:t>// - If the attribute is just "</a:t>
+            </a:r>
+            <a:r>
+              <a:rPr lang="en-US" dirty="0" err="1" smtClean="0"/>
+              <a:t>readonly</a:t>
+            </a:r>
+            <a:r>
+              <a:rPr lang="en-US" dirty="0" smtClean="0"/>
+              <a:t>" (not observable), clients must poll to get updates; no automatic notification.</a:t>
+            </a:r>
+            <a:endParaRPr lang="en-US" dirty="0" smtClean="0"/>
           </a:p>
         </p:txBody>
       </p:sp>
@@ -3503,6 +3581,423 @@
     <p:extLst>
       <p:ext uri="{BB962C8B-B14F-4D97-AF65-F5344CB8AC3E}">
         <p14:creationId xmlns:p14="http://schemas.microsoft.com/office/powerpoint/2010/main" val="1541732805"/>
+      </p:ext>
+    </p:extLst>
+  </p:cSld>
+  <p:clrMapOvr>
+    <a:masterClrMapping/>
+  </p:clrMapOvr>
+</p:notes>
+</file>
+
+<file path=ppt/notesSlides/notesSlide23.xml><?xml version="1.0" encoding="utf-8"?>
+<p:notes xmlns:a="http://schemas.openxmlformats.org/drawingml/2006/main" xmlns:r="http://schemas.openxmlformats.org/officeDocument/2006/relationships" xmlns:p="http://schemas.openxmlformats.org/presentationml/2006/main">
+  <p:cSld>
+    <p:spTree>
+      <p:nvGrpSpPr>
+        <p:cNvPr id="1" name=""/>
+        <p:cNvGrpSpPr/>
+        <p:nvPr/>
+      </p:nvGrpSpPr>
+      <p:grpSpPr>
+        <a:xfrm>
+          <a:off x="0" y="0"/>
+          <a:ext cx="0" cy="0"/>
+          <a:chOff x="0" y="0"/>
+          <a:chExt cx="0" cy="0"/>
+        </a:xfrm>
+      </p:grpSpPr>
+      <p:sp>
+        <p:nvSpPr>
+          <p:cNvPr id="2" name="Slide Image Placeholder 1"/>
+          <p:cNvSpPr>
+            <a:spLocks noGrp="1" noRot="1" noChangeAspect="1"/>
+          </p:cNvSpPr>
+          <p:nvPr>
+            <p:ph type="sldImg"/>
+          </p:nvPr>
+        </p:nvSpPr>
+        <p:spPr/>
+      </p:sp>
+      <p:sp>
+        <p:nvSpPr>
+          <p:cNvPr id="3" name="Notes Placeholder 2"/>
+          <p:cNvSpPr>
+            <a:spLocks noGrp="1"/>
+          </p:cNvSpPr>
+          <p:nvPr>
+            <p:ph type="body" idx="1"/>
+          </p:nvPr>
+        </p:nvSpPr>
+        <p:spPr/>
+        <p:txBody>
+          <a:bodyPr/>
+          <a:lstStyle/>
+          <a:p>
+            <a:r>
+              <a:rPr lang="en-US" dirty="0" smtClean="0"/>
+              <a:t>https://</a:t>
+            </a:r>
+            <a:r>
+              <a:rPr lang="en-US" dirty="0" smtClean="0"/>
+              <a:t>www.iqpc.com/media/9048/29408.pdf</a:t>
+            </a:r>
+          </a:p>
+          <a:p>
+            <a:endParaRPr lang="en-US" dirty="0" smtClean="0"/>
+          </a:p>
+          <a:p>
+            <a:r>
+              <a:rPr lang="en-US" dirty="0" smtClean="0"/>
+              <a:t>// Difference between attribute and broadcast:</a:t>
+            </a:r>
+          </a:p>
+          <a:p>
+            <a:r>
+              <a:rPr lang="en-US" dirty="0" smtClean="0"/>
+              <a:t>// - attribute: Represents a readable (and optionally writable) property of the interface. Clients can query its current value at any time.</a:t>
+            </a:r>
+          </a:p>
+          <a:p>
+            <a:r>
+              <a:rPr lang="en-US" dirty="0" smtClean="0"/>
+              <a:t>// - broadcast: Represents an event notification. Clients register to receive notifications when the event occurs (e.g., state changes).</a:t>
+            </a:r>
+          </a:p>
+          <a:p>
+            <a:endParaRPr lang="en-US" dirty="0" smtClean="0"/>
+          </a:p>
+          <a:p>
+            <a:r>
+              <a:rPr lang="en-US" dirty="0" smtClean="0"/>
+              <a:t>// For attribute:</a:t>
+            </a:r>
+          </a:p>
+          <a:p>
+            <a:r>
+              <a:rPr lang="en-US" dirty="0" smtClean="0"/>
+              <a:t>// - Clients receive notification only if the attribute is defined as "observable" or "</a:t>
+            </a:r>
+            <a:r>
+              <a:rPr lang="en-US" dirty="0" err="1" smtClean="0"/>
+              <a:t>readonly</a:t>
+            </a:r>
+            <a:r>
+              <a:rPr lang="en-US" dirty="0" smtClean="0"/>
+              <a:t> observable".</a:t>
+            </a:r>
+          </a:p>
+          <a:p>
+            <a:r>
+              <a:rPr lang="en-US" dirty="0" smtClean="0"/>
+              <a:t>// - Notification is sent when the attribute value changes.</a:t>
+            </a:r>
+          </a:p>
+          <a:p>
+            <a:r>
+              <a:rPr lang="en-US" dirty="0" smtClean="0"/>
+              <a:t>// - Notification is also sent immediately when a client first registers for the attribute (initial value).</a:t>
+            </a:r>
+          </a:p>
+          <a:p>
+            <a:r>
+              <a:rPr lang="en-US" dirty="0" smtClean="0"/>
+              <a:t>// - If the attribute is just "</a:t>
+            </a:r>
+            <a:r>
+              <a:rPr lang="en-US" dirty="0" err="1" smtClean="0"/>
+              <a:t>readonly</a:t>
+            </a:r>
+            <a:r>
+              <a:rPr lang="en-US" dirty="0" smtClean="0"/>
+              <a:t>" (not observable), clients must poll to get updates; no automatic notification.</a:t>
+            </a:r>
+            <a:endParaRPr lang="en-US" dirty="0" smtClean="0"/>
+          </a:p>
+        </p:txBody>
+      </p:sp>
+    </p:spTree>
+    <p:extLst>
+      <p:ext uri="{BB962C8B-B14F-4D97-AF65-F5344CB8AC3E}">
+        <p14:creationId xmlns:p14="http://schemas.microsoft.com/office/powerpoint/2010/main" val="3691545147"/>
+      </p:ext>
+    </p:extLst>
+  </p:cSld>
+  <p:clrMapOvr>
+    <a:masterClrMapping/>
+  </p:clrMapOvr>
+</p:notes>
+</file>
+
+<file path=ppt/notesSlides/notesSlide24.xml><?xml version="1.0" encoding="utf-8"?>
+<p:notes xmlns:a="http://schemas.openxmlformats.org/drawingml/2006/main" xmlns:r="http://schemas.openxmlformats.org/officeDocument/2006/relationships" xmlns:p="http://schemas.openxmlformats.org/presentationml/2006/main">
+  <p:cSld>
+    <p:spTree>
+      <p:nvGrpSpPr>
+        <p:cNvPr id="1" name=""/>
+        <p:cNvGrpSpPr/>
+        <p:nvPr/>
+      </p:nvGrpSpPr>
+      <p:grpSpPr>
+        <a:xfrm>
+          <a:off x="0" y="0"/>
+          <a:ext cx="0" cy="0"/>
+          <a:chOff x="0" y="0"/>
+          <a:chExt cx="0" cy="0"/>
+        </a:xfrm>
+      </p:grpSpPr>
+      <p:sp>
+        <p:nvSpPr>
+          <p:cNvPr id="2" name="Slide Image Placeholder 1"/>
+          <p:cNvSpPr>
+            <a:spLocks noGrp="1" noRot="1" noChangeAspect="1"/>
+          </p:cNvSpPr>
+          <p:nvPr>
+            <p:ph type="sldImg"/>
+          </p:nvPr>
+        </p:nvSpPr>
+        <p:spPr/>
+      </p:sp>
+      <p:sp>
+        <p:nvSpPr>
+          <p:cNvPr id="3" name="Notes Placeholder 2"/>
+          <p:cNvSpPr>
+            <a:spLocks noGrp="1"/>
+          </p:cNvSpPr>
+          <p:nvPr>
+            <p:ph type="body" idx="1"/>
+          </p:nvPr>
+        </p:nvSpPr>
+        <p:spPr/>
+        <p:txBody>
+          <a:bodyPr/>
+          <a:lstStyle/>
+          <a:p>
+            <a:r>
+              <a:rPr lang="en-US" dirty="0" smtClean="0"/>
+              <a:t>https://</a:t>
+            </a:r>
+            <a:r>
+              <a:rPr lang="en-US" dirty="0" smtClean="0"/>
+              <a:t>www.iqpc.com/media/9048/29408.pdf</a:t>
+            </a:r>
+          </a:p>
+          <a:p>
+            <a:endParaRPr lang="en-US" dirty="0" smtClean="0"/>
+          </a:p>
+          <a:p>
+            <a:r>
+              <a:rPr lang="en-US" dirty="0" smtClean="0"/>
+              <a:t>// Difference between attribute and broadcast:</a:t>
+            </a:r>
+          </a:p>
+          <a:p>
+            <a:r>
+              <a:rPr lang="en-US" dirty="0" smtClean="0"/>
+              <a:t>// - attribute: Represents a readable (and optionally writable) property of the interface. Clients can query its current value at any time.</a:t>
+            </a:r>
+          </a:p>
+          <a:p>
+            <a:r>
+              <a:rPr lang="en-US" dirty="0" smtClean="0"/>
+              <a:t>// - broadcast: Represents an event notification. Clients register to receive notifications when the event occurs (e.g., state changes).</a:t>
+            </a:r>
+          </a:p>
+          <a:p>
+            <a:endParaRPr lang="en-US" dirty="0" smtClean="0"/>
+          </a:p>
+          <a:p>
+            <a:r>
+              <a:rPr lang="en-US" dirty="0" smtClean="0"/>
+              <a:t>// For attribute:</a:t>
+            </a:r>
+          </a:p>
+          <a:p>
+            <a:r>
+              <a:rPr lang="en-US" dirty="0" smtClean="0"/>
+              <a:t>// - Clients receive notification only if the attribute is defined as "observable" or "</a:t>
+            </a:r>
+            <a:r>
+              <a:rPr lang="en-US" dirty="0" err="1" smtClean="0"/>
+              <a:t>readonly</a:t>
+            </a:r>
+            <a:r>
+              <a:rPr lang="en-US" dirty="0" smtClean="0"/>
+              <a:t> observable".</a:t>
+            </a:r>
+          </a:p>
+          <a:p>
+            <a:r>
+              <a:rPr lang="en-US" dirty="0" smtClean="0"/>
+              <a:t>// - Notification is sent when the attribute value changes.</a:t>
+            </a:r>
+          </a:p>
+          <a:p>
+            <a:r>
+              <a:rPr lang="en-US" dirty="0" smtClean="0"/>
+              <a:t>// - Notification is also sent immediately when a client first registers for the attribute (initial value).</a:t>
+            </a:r>
+          </a:p>
+          <a:p>
+            <a:r>
+              <a:rPr lang="en-US" dirty="0" smtClean="0"/>
+              <a:t>// - If the attribute is just "</a:t>
+            </a:r>
+            <a:r>
+              <a:rPr lang="en-US" dirty="0" err="1" smtClean="0"/>
+              <a:t>readonly</a:t>
+            </a:r>
+            <a:r>
+              <a:rPr lang="en-US" dirty="0" smtClean="0"/>
+              <a:t>" (not observable), clients must poll to get updates; no automatic notification.</a:t>
+            </a:r>
+            <a:endParaRPr lang="en-US" dirty="0" smtClean="0"/>
+          </a:p>
+        </p:txBody>
+      </p:sp>
+    </p:spTree>
+    <p:extLst>
+      <p:ext uri="{BB962C8B-B14F-4D97-AF65-F5344CB8AC3E}">
+        <p14:creationId xmlns:p14="http://schemas.microsoft.com/office/powerpoint/2010/main" val="2246834535"/>
+      </p:ext>
+    </p:extLst>
+  </p:cSld>
+  <p:clrMapOvr>
+    <a:masterClrMapping/>
+  </p:clrMapOvr>
+</p:notes>
+</file>
+
+<file path=ppt/notesSlides/notesSlide25.xml><?xml version="1.0" encoding="utf-8"?>
+<p:notes xmlns:a="http://schemas.openxmlformats.org/drawingml/2006/main" xmlns:r="http://schemas.openxmlformats.org/officeDocument/2006/relationships" xmlns:p="http://schemas.openxmlformats.org/presentationml/2006/main">
+  <p:cSld>
+    <p:spTree>
+      <p:nvGrpSpPr>
+        <p:cNvPr id="1" name=""/>
+        <p:cNvGrpSpPr/>
+        <p:nvPr/>
+      </p:nvGrpSpPr>
+      <p:grpSpPr>
+        <a:xfrm>
+          <a:off x="0" y="0"/>
+          <a:ext cx="0" cy="0"/>
+          <a:chOff x="0" y="0"/>
+          <a:chExt cx="0" cy="0"/>
+        </a:xfrm>
+      </p:grpSpPr>
+      <p:sp>
+        <p:nvSpPr>
+          <p:cNvPr id="2" name="Slide Image Placeholder 1"/>
+          <p:cNvSpPr>
+            <a:spLocks noGrp="1" noRot="1" noChangeAspect="1"/>
+          </p:cNvSpPr>
+          <p:nvPr>
+            <p:ph type="sldImg"/>
+          </p:nvPr>
+        </p:nvSpPr>
+        <p:spPr/>
+      </p:sp>
+      <p:sp>
+        <p:nvSpPr>
+          <p:cNvPr id="3" name="Notes Placeholder 2"/>
+          <p:cNvSpPr>
+            <a:spLocks noGrp="1"/>
+          </p:cNvSpPr>
+          <p:nvPr>
+            <p:ph type="body" idx="1"/>
+          </p:nvPr>
+        </p:nvSpPr>
+        <p:spPr/>
+        <p:txBody>
+          <a:bodyPr/>
+          <a:lstStyle/>
+          <a:p>
+            <a:r>
+              <a:rPr lang="en-US" dirty="0" smtClean="0"/>
+              <a:t>https://</a:t>
+            </a:r>
+            <a:r>
+              <a:rPr lang="en-US" dirty="0" smtClean="0"/>
+              <a:t>www.iqpc.com/media/9048/29408.pdf</a:t>
+            </a:r>
+          </a:p>
+          <a:p>
+            <a:endParaRPr lang="en-US" dirty="0" smtClean="0"/>
+          </a:p>
+          <a:p>
+            <a:r>
+              <a:rPr lang="en-US" dirty="0" smtClean="0"/>
+              <a:t>// Difference between attribute and broadcast:</a:t>
+            </a:r>
+          </a:p>
+          <a:p>
+            <a:r>
+              <a:rPr lang="en-US" dirty="0" smtClean="0"/>
+              <a:t>// - attribute: Represents a readable (and optionally writable) property of the interface. Clients can query its current value at any time.</a:t>
+            </a:r>
+          </a:p>
+          <a:p>
+            <a:r>
+              <a:rPr lang="en-US" dirty="0" smtClean="0"/>
+              <a:t>// - broadcast: Represents an event notification. Clients register to receive notifications when the event occurs (e.g., state changes).</a:t>
+            </a:r>
+          </a:p>
+          <a:p>
+            <a:endParaRPr lang="en-US" dirty="0" smtClean="0"/>
+          </a:p>
+          <a:p>
+            <a:r>
+              <a:rPr lang="en-US" dirty="0" smtClean="0"/>
+              <a:t>// For attribute:</a:t>
+            </a:r>
+          </a:p>
+          <a:p>
+            <a:r>
+              <a:rPr lang="en-US" dirty="0" smtClean="0"/>
+              <a:t>// - Clients receive notification only if the attribute is defined as "observable" or "</a:t>
+            </a:r>
+            <a:r>
+              <a:rPr lang="en-US" dirty="0" err="1" smtClean="0"/>
+              <a:t>readonly</a:t>
+            </a:r>
+            <a:r>
+              <a:rPr lang="en-US" dirty="0" smtClean="0"/>
+              <a:t> observable".</a:t>
+            </a:r>
+          </a:p>
+          <a:p>
+            <a:r>
+              <a:rPr lang="en-US" dirty="0" smtClean="0"/>
+              <a:t>// - Notification is sent when the attribute value changes.</a:t>
+            </a:r>
+          </a:p>
+          <a:p>
+            <a:r>
+              <a:rPr lang="en-US" dirty="0" smtClean="0"/>
+              <a:t>// - Notification is also sent immediately when a client first registers for the attribute (initial value).</a:t>
+            </a:r>
+          </a:p>
+          <a:p>
+            <a:r>
+              <a:rPr lang="en-US" dirty="0" smtClean="0"/>
+              <a:t>// - If the attribute is just "</a:t>
+            </a:r>
+            <a:r>
+              <a:rPr lang="en-US" dirty="0" err="1" smtClean="0"/>
+              <a:t>readonly</a:t>
+            </a:r>
+            <a:r>
+              <a:rPr lang="en-US" dirty="0" smtClean="0"/>
+              <a:t>" (not observable), clients must poll to get updates; no automatic notification.</a:t>
+            </a:r>
+            <a:endParaRPr lang="en-US" dirty="0" smtClean="0"/>
+          </a:p>
+        </p:txBody>
+      </p:sp>
+    </p:spTree>
+    <p:extLst>
+      <p:ext uri="{BB962C8B-B14F-4D97-AF65-F5344CB8AC3E}">
+        <p14:creationId xmlns:p14="http://schemas.microsoft.com/office/powerpoint/2010/main" val="3582565266"/>
       </p:ext>
     </p:extLst>
   </p:cSld>
@@ -18181,7 +18676,7 @@
         <p:spPr>
           <a:xfrm>
             <a:off x="4214685" y="2463311"/>
-            <a:ext cx="4043799" cy="1600438"/>
+            <a:ext cx="4566532" cy="2031325"/>
           </a:xfrm>
           <a:prstGeom prst="rect">
             <a:avLst/>
@@ -18193,7 +18688,7 @@
           </a:solidFill>
         </p:spPr>
         <p:txBody>
-          <a:bodyPr wrap="none" rtlCol="0">
+          <a:bodyPr wrap="square" rtlCol="0">
             <a:spAutoFit/>
           </a:bodyPr>
           <a:lstStyle/>
@@ -18218,8 +18713,35 @@
           <a:p>
             <a:r>
               <a:rPr lang="en-US" sz="1400" i="1" dirty="0" smtClean="0"/>
-              <a:t>Int32_t sum = 0;</a:t>
-            </a:r>
+              <a:t>Int32_t sum = 0</a:t>
+            </a:r>
+            <a:r>
+              <a:rPr lang="en-US" sz="1400" i="1" dirty="0" smtClean="0"/>
+              <a:t>;</a:t>
+            </a:r>
+          </a:p>
+          <a:p>
+            <a:r>
+              <a:rPr lang="en-US" sz="1400" i="1" dirty="0" err="1"/>
+              <a:t>CommonAPI</a:t>
+            </a:r>
+            <a:r>
+              <a:rPr lang="en-US" sz="1400" i="1" dirty="0"/>
+              <a:t>::</a:t>
+            </a:r>
+            <a:r>
+              <a:rPr lang="en-US" sz="1400" i="1" dirty="0" err="1"/>
+              <a:t>CallInfo</a:t>
+            </a:r>
+            <a:r>
+              <a:rPr lang="en-US" sz="1400" i="1" dirty="0"/>
+              <a:t> </a:t>
+            </a:r>
+            <a:r>
+              <a:rPr lang="en-US" sz="1400" i="1" dirty="0" smtClean="0"/>
+              <a:t>info(3000ms); //timeout default = 5s</a:t>
+            </a:r>
+            <a:endParaRPr lang="en-US" sz="1400" i="1" dirty="0"/>
           </a:p>
           <a:p>
             <a:r>
@@ -18307,6 +18829,44 @@
             <a:endParaRPr lang="en-US" sz="1400" i="1" dirty="0"/>
           </a:p>
           <a:p>
+            <a:r>
+              <a:rPr lang="en-US" sz="1400" i="1" dirty="0" smtClean="0"/>
+              <a:t>// </a:t>
+            </a:r>
+            <a:r>
+              <a:rPr lang="en-US" sz="1400" i="1" dirty="0" err="1" smtClean="0"/>
+              <a:t>async</a:t>
+            </a:r>
+            <a:r>
+              <a:rPr lang="en-US" sz="1400" i="1" dirty="0" smtClean="0"/>
+              <a:t> call</a:t>
+            </a:r>
+          </a:p>
+          <a:p>
+            <a:r>
+              <a:rPr lang="en-US" sz="1400" i="1" dirty="0" err="1"/>
+              <a:t>myProxy</a:t>
+            </a:r>
+            <a:r>
+              <a:rPr lang="en-US" sz="1400" i="1" dirty="0"/>
+              <a:t>-&gt;</a:t>
+            </a:r>
+            <a:r>
+              <a:rPr lang="en-US" sz="1400" i="1" dirty="0" err="1"/>
+              <a:t>calculateSum</a:t>
+            </a:r>
+            <a:r>
+              <a:rPr lang="en-US" sz="1400" dirty="0" err="1"/>
+              <a:t>Async</a:t>
+            </a:r>
+            <a:r>
+              <a:rPr lang="en-US" sz="1400" i="1" dirty="0"/>
+              <a:t>(a, b, callback, &amp;info</a:t>
+            </a:r>
+            <a:r>
+              <a:rPr lang="en-US" sz="1400" i="1" dirty="0" smtClean="0"/>
+              <a:t>);</a:t>
+            </a:r>
             <a:endParaRPr lang="en-US" sz="1400" i="1" dirty="0"/>
           </a:p>
         </p:txBody>
@@ -18319,7 +18879,7 @@
         </p:nvSpPr>
         <p:spPr>
           <a:xfrm>
-            <a:off x="4216100" y="4411745"/>
+            <a:off x="4214685" y="4674232"/>
             <a:ext cx="4221540" cy="1815882"/>
           </a:xfrm>
           <a:prstGeom prst="rect">
@@ -20694,7 +21254,7 @@
         <p:spPr>
           <a:xfrm>
             <a:off x="646545" y="1318053"/>
-            <a:ext cx="4350037" cy="1384995"/>
+            <a:ext cx="8429808" cy="1384995"/>
           </a:xfrm>
           <a:prstGeom prst="rect">
             <a:avLst/>
@@ -20771,13 +21331,78 @@
               <a:rPr lang="en-US" sz="1400" dirty="0"/>
               <a:t> (sends out Events with new values on </a:t>
             </a:r>
-          </a:p>
-          <a:p>
+            <a:r>
+              <a:rPr lang="en-US" sz="1400" dirty="0" smtClean="0"/>
+              <a:t>change </a:t>
+            </a:r>
             <a:r>
               <a:rPr lang="en-US" sz="1400" dirty="0"/>
-              <a:t>change of field value).</a:t>
-            </a:r>
-            <a:endParaRPr lang="en-US" sz="1400" i="1" dirty="0"/>
+              <a:t>of field </a:t>
+            </a:r>
+            <a:r>
+              <a:rPr lang="en-US" sz="1400" dirty="0"/>
+              <a:t>value, </a:t>
+            </a:r>
+            <a:r>
+              <a:rPr lang="en-US" sz="1400" dirty="0" smtClean="0">
+                <a:solidFill>
+                  <a:schemeClr val="accent2"/>
+                </a:solidFill>
+              </a:rPr>
+              <a:t>notification </a:t>
+            </a:r>
+            <a:r>
+              <a:rPr lang="en-US" sz="1400" dirty="0">
+                <a:solidFill>
+                  <a:schemeClr val="accent2"/>
+                </a:solidFill>
+              </a:rPr>
+              <a:t>is also sent immediately </a:t>
+            </a:r>
+            <a:endParaRPr lang="en-US" sz="1400" dirty="0" smtClean="0">
+              <a:solidFill>
+                <a:schemeClr val="accent2"/>
+              </a:solidFill>
+            </a:endParaRPr>
+          </a:p>
+          <a:p>
+            <a:r>
+              <a:rPr lang="en-US" sz="1400" dirty="0" smtClean="0">
+                <a:solidFill>
+                  <a:schemeClr val="accent2"/>
+                </a:solidFill>
+              </a:rPr>
+              <a:t>when a </a:t>
+            </a:r>
+            <a:r>
+              <a:rPr lang="en-US" sz="1400" dirty="0">
+                <a:solidFill>
+                  <a:schemeClr val="accent2"/>
+                </a:solidFill>
+              </a:rPr>
+              <a:t>client first registers for the attribute (initial value</a:t>
+            </a:r>
+            <a:r>
+              <a:rPr lang="en-US" sz="1400" dirty="0" smtClean="0">
+                <a:solidFill>
+                  <a:schemeClr val="accent2"/>
+                </a:solidFill>
+              </a:rPr>
+              <a:t>)</a:t>
+            </a:r>
+            <a:r>
+              <a:rPr lang="en-US" sz="1400" dirty="0" smtClean="0">
+                <a:solidFill>
+                  <a:schemeClr val="accent2"/>
+                </a:solidFill>
+              </a:rPr>
+              <a:t>).</a:t>
+            </a:r>
+            <a:endParaRPr lang="en-US" sz="1400" i="1" dirty="0">
+              <a:solidFill>
+                <a:schemeClr val="accent2"/>
+              </a:solidFill>
+            </a:endParaRPr>
           </a:p>
         </p:txBody>
       </p:sp>
@@ -20975,7 +21600,7 @@
         <p:spPr>
           <a:xfrm>
             <a:off x="4152697" y="2784926"/>
-            <a:ext cx="4904099" cy="2154436"/>
+            <a:ext cx="4904099" cy="2123658"/>
           </a:xfrm>
           <a:prstGeom prst="rect">
             <a:avLst/>
@@ -21115,7 +21740,11 @@
           <a:p>
             <a:r>
               <a:rPr lang="en-US" sz="1200" i="1" dirty="0" smtClean="0"/>
-              <a:t>//Subscribe</a:t>
+              <a:t>//</a:t>
+            </a:r>
+            <a:r>
+              <a:rPr lang="en-US" sz="1200" i="1" dirty="0" smtClean="0"/>
+              <a:t>Subscribe</a:t>
             </a:r>
           </a:p>
           <a:p>
@@ -21623,6 +22252,1343 @@
     <p:extLst>
       <p:ext uri="{BB962C8B-B14F-4D97-AF65-F5344CB8AC3E}">
         <p14:creationId xmlns:p14="http://schemas.microsoft.com/office/powerpoint/2010/main" val="2670480877"/>
+      </p:ext>
+    </p:extLst>
+  </p:cSld>
+  <p:clrMapOvr>
+    <a:masterClrMapping/>
+  </p:clrMapOvr>
+  <p:timing>
+    <p:tnLst>
+      <p:par>
+        <p:cTn id="1" dur="indefinite" restart="never" nodeType="tmRoot"/>
+      </p:par>
+    </p:tnLst>
+  </p:timing>
+</p:sld>
+</file>
+
+<file path=ppt/slides/slide23.xml><?xml version="1.0" encoding="utf-8"?>
+<p:sld xmlns:a="http://schemas.openxmlformats.org/drawingml/2006/main" xmlns:r="http://schemas.openxmlformats.org/officeDocument/2006/relationships" xmlns:p="http://schemas.openxmlformats.org/presentationml/2006/main">
+  <p:cSld>
+    <p:spTree>
+      <p:nvGrpSpPr>
+        <p:cNvPr id="1" name=""/>
+        <p:cNvGrpSpPr/>
+        <p:nvPr/>
+      </p:nvGrpSpPr>
+      <p:grpSpPr>
+        <a:xfrm>
+          <a:off x="0" y="0"/>
+          <a:ext cx="0" cy="0"/>
+          <a:chOff x="0" y="0"/>
+          <a:chExt cx="0" cy="0"/>
+        </a:xfrm>
+      </p:grpSpPr>
+      <p:sp>
+        <p:nvSpPr>
+          <p:cNvPr id="3" name="Content Placeholder 2"/>
+          <p:cNvSpPr>
+            <a:spLocks noGrp="1"/>
+          </p:cNvSpPr>
+          <p:nvPr>
+            <p:ph idx="1"/>
+          </p:nvPr>
+        </p:nvSpPr>
+        <p:spPr>
+          <a:xfrm>
+            <a:off x="347330" y="467833"/>
+            <a:ext cx="8168020" cy="5709130"/>
+          </a:xfrm>
+        </p:spPr>
+        <p:txBody>
+          <a:bodyPr/>
+          <a:lstStyle/>
+          <a:p>
+            <a:pPr marL="0" indent="0">
+              <a:buNone/>
+            </a:pPr>
+            <a:r>
+              <a:rPr lang="en-US" sz="2400" b="1" dirty="0"/>
+              <a:t>4</a:t>
+            </a:r>
+            <a:r>
+              <a:rPr lang="en-US" sz="2400" b="1" dirty="0" smtClean="0"/>
+              <a:t>. Demo </a:t>
+            </a:r>
+            <a:r>
+              <a:rPr lang="en-US" sz="1400" dirty="0"/>
+              <a:t>(https://github.com/minhthedt/vsomeip-example)</a:t>
+            </a:r>
+            <a:endParaRPr lang="en-US" sz="1400" b="1" dirty="0" smtClean="0"/>
+          </a:p>
+        </p:txBody>
+      </p:sp>
+      <p:sp>
+        <p:nvSpPr>
+          <p:cNvPr id="9" name="Slide Number Placeholder 8"/>
+          <p:cNvSpPr>
+            <a:spLocks noGrp="1"/>
+          </p:cNvSpPr>
+          <p:nvPr>
+            <p:ph type="sldNum" sz="quarter" idx="12"/>
+          </p:nvPr>
+        </p:nvSpPr>
+        <p:spPr>
+          <a:xfrm>
+            <a:off x="8744270" y="6492875"/>
+            <a:ext cx="2057400" cy="365125"/>
+          </a:xfrm>
+        </p:spPr>
+        <p:txBody>
+          <a:bodyPr/>
+          <a:lstStyle/>
+          <a:p>
+            <a:fld id="{96C55251-E90D-44CC-8B75-53FCEE02E655}" type="slidenum">
+              <a:rPr lang="en-US" smtClean="0">
+                <a:solidFill>
+                  <a:schemeClr val="bg1">
+                    <a:lumMod val="50000"/>
+                  </a:schemeClr>
+                </a:solidFill>
+              </a:rPr>
+              <a:t>23</a:t>
+            </a:fld>
+            <a:endParaRPr lang="en-US" dirty="0">
+              <a:solidFill>
+                <a:schemeClr val="bg1">
+                  <a:lumMod val="50000"/>
+                </a:schemeClr>
+              </a:solidFill>
+            </a:endParaRPr>
+          </a:p>
+        </p:txBody>
+      </p:sp>
+      <p:sp>
+        <p:nvSpPr>
+          <p:cNvPr id="4" name="TextBox 3"/>
+          <p:cNvSpPr txBox="1"/>
+          <p:nvPr/>
+        </p:nvSpPr>
+        <p:spPr>
+          <a:xfrm>
+            <a:off x="550489" y="1256716"/>
+            <a:ext cx="4666534" cy="3754874"/>
+          </a:xfrm>
+          <a:prstGeom prst="rect">
+            <a:avLst/>
+          </a:prstGeom>
+          <a:solidFill>
+            <a:schemeClr val="bg1">
+              <a:lumMod val="95000"/>
+            </a:schemeClr>
+          </a:solidFill>
+        </p:spPr>
+        <p:txBody>
+          <a:bodyPr wrap="none" rtlCol="0">
+            <a:spAutoFit/>
+          </a:bodyPr>
+          <a:lstStyle/>
+          <a:p>
+            <a:r>
+              <a:rPr lang="en-US" sz="1400" b="1" dirty="0" smtClean="0"/>
+              <a:t>Environment: </a:t>
+            </a:r>
+            <a:r>
+              <a:rPr lang="en-US" sz="1400" b="1" dirty="0"/>
+              <a:t>Ubuntu </a:t>
+            </a:r>
+            <a:r>
+              <a:rPr lang="en-US" sz="1400" b="1" dirty="0" smtClean="0"/>
+              <a:t>18.04 and higher</a:t>
+            </a:r>
+          </a:p>
+          <a:p>
+            <a:endParaRPr lang="en-US" sz="1400" b="1" dirty="0" smtClean="0"/>
+          </a:p>
+          <a:p>
+            <a:r>
+              <a:rPr lang="en-US" sz="1400" b="1" dirty="0" smtClean="0"/>
+              <a:t>1) Download </a:t>
+            </a:r>
+            <a:r>
+              <a:rPr lang="en-US" sz="1400" b="1" dirty="0" err="1" smtClean="0"/>
+              <a:t>vsomeip</a:t>
+            </a:r>
+            <a:r>
+              <a:rPr lang="en-US" sz="1400" b="1" dirty="0" smtClean="0"/>
+              <a:t>-example</a:t>
+            </a:r>
+          </a:p>
+          <a:p>
+            <a:r>
+              <a:rPr lang="en-US" sz="1400" b="1" dirty="0" smtClean="0"/>
+              <a:t># </a:t>
+            </a:r>
+            <a:r>
+              <a:rPr lang="en-US" sz="1400" b="1" dirty="0"/>
+              <a:t>Install essential tools</a:t>
+            </a:r>
+          </a:p>
+          <a:p>
+            <a:r>
+              <a:rPr lang="en-US" sz="1400" dirty="0" err="1"/>
+              <a:t>sudo</a:t>
+            </a:r>
+            <a:r>
+              <a:rPr lang="en-US" sz="1400" dirty="0"/>
+              <a:t> apt update</a:t>
+            </a:r>
+          </a:p>
+          <a:p>
+            <a:r>
+              <a:rPr lang="en-US" sz="1400" dirty="0" err="1"/>
+              <a:t>sudo</a:t>
+            </a:r>
+            <a:r>
+              <a:rPr lang="en-US" sz="1400" dirty="0"/>
+              <a:t> apt install -y </a:t>
+            </a:r>
+            <a:r>
+              <a:rPr lang="en-US" sz="1400" dirty="0" err="1"/>
+              <a:t>openssh</a:t>
+            </a:r>
+            <a:r>
+              <a:rPr lang="en-US" sz="1400" dirty="0"/>
+              <a:t>-server screen </a:t>
+            </a:r>
+            <a:r>
+              <a:rPr lang="en-US" sz="1400" dirty="0" err="1"/>
+              <a:t>git</a:t>
+            </a:r>
+            <a:endParaRPr lang="en-US" sz="1400" dirty="0"/>
+          </a:p>
+          <a:p>
+            <a:r>
+              <a:rPr lang="en-US" sz="1400" dirty="0" err="1"/>
+              <a:t>sudo</a:t>
+            </a:r>
+            <a:r>
+              <a:rPr lang="en-US" sz="1400" dirty="0"/>
+              <a:t> apt install -y net-tools </a:t>
+            </a:r>
+            <a:r>
+              <a:rPr lang="en-US" sz="1400" dirty="0" err="1"/>
+              <a:t>netcat</a:t>
+            </a:r>
+            <a:r>
+              <a:rPr lang="en-US" sz="1400" dirty="0"/>
+              <a:t> </a:t>
+            </a:r>
+            <a:r>
+              <a:rPr lang="en-US" sz="1400" dirty="0" err="1"/>
+              <a:t>socat</a:t>
+            </a:r>
+            <a:r>
+              <a:rPr lang="en-US" sz="1400" dirty="0"/>
+              <a:t> </a:t>
+            </a:r>
+            <a:r>
+              <a:rPr lang="en-US" sz="1400" dirty="0" err="1"/>
+              <a:t>tcpdump</a:t>
+            </a:r>
+            <a:endParaRPr lang="en-US" sz="1400" dirty="0"/>
+          </a:p>
+          <a:p>
+            <a:endParaRPr lang="en-US" sz="1400" dirty="0"/>
+          </a:p>
+          <a:p>
+            <a:r>
+              <a:rPr lang="en-US" sz="1400" b="1" dirty="0"/>
+              <a:t># Clone example and install dependencies</a:t>
+            </a:r>
+          </a:p>
+          <a:p>
+            <a:r>
+              <a:rPr lang="en-US" sz="1400" dirty="0" err="1"/>
+              <a:t>git</a:t>
+            </a:r>
+            <a:r>
+              <a:rPr lang="en-US" sz="1400" dirty="0"/>
+              <a:t> clone https://github.com/minhthedt/vsomeip-example.git</a:t>
+            </a:r>
+          </a:p>
+          <a:p>
+            <a:r>
+              <a:rPr lang="en-US" sz="1400" dirty="0"/>
+              <a:t>cd </a:t>
+            </a:r>
+            <a:r>
+              <a:rPr lang="en-US" sz="1400" dirty="0" err="1"/>
+              <a:t>vsomeip</a:t>
+            </a:r>
+            <a:r>
+              <a:rPr lang="en-US" sz="1400" dirty="0"/>
+              <a:t>-example</a:t>
+            </a:r>
+          </a:p>
+          <a:p>
+            <a:r>
+              <a:rPr lang="en-US" sz="1400" dirty="0" err="1"/>
+              <a:t>sudo</a:t>
+            </a:r>
+            <a:r>
+              <a:rPr lang="en-US" sz="1400" dirty="0"/>
+              <a:t> ./set_env.sh 2&gt;&amp;1 | tee </a:t>
+            </a:r>
+            <a:r>
+              <a:rPr lang="en-US" sz="1400" dirty="0" smtClean="0"/>
+              <a:t>log.txt</a:t>
+            </a:r>
+          </a:p>
+          <a:p>
+            <a:endParaRPr lang="en-US" sz="1400" dirty="0" smtClean="0"/>
+          </a:p>
+          <a:p>
+            <a:r>
+              <a:rPr lang="en-US" sz="1400" b="1" dirty="0" smtClean="0"/>
+              <a:t>2) Build </a:t>
+            </a:r>
+            <a:r>
+              <a:rPr lang="en-US" sz="1400" b="1" dirty="0" err="1"/>
+              <a:t>vsomeip</a:t>
+            </a:r>
+            <a:r>
+              <a:rPr lang="en-US" sz="1400" b="1" dirty="0"/>
+              <a:t>-example</a:t>
+            </a:r>
+            <a:endParaRPr lang="en-US" sz="1400" dirty="0"/>
+          </a:p>
+          <a:p>
+            <a:r>
+              <a:rPr lang="en-US" sz="1400" dirty="0"/>
+              <a:t>cd </a:t>
+            </a:r>
+            <a:r>
+              <a:rPr lang="en-US" sz="1400" dirty="0" err="1"/>
+              <a:t>vsomeip</a:t>
+            </a:r>
+            <a:r>
+              <a:rPr lang="en-US" sz="1400" dirty="0"/>
+              <a:t>-example</a:t>
+            </a:r>
+          </a:p>
+          <a:p>
+            <a:r>
+              <a:rPr lang="en-US" sz="1400" dirty="0" err="1"/>
+              <a:t>sudo</a:t>
+            </a:r>
+            <a:r>
+              <a:rPr lang="en-US" sz="1400" dirty="0"/>
+              <a:t> ./build.sh</a:t>
+            </a:r>
+          </a:p>
+          <a:p>
+            <a:r>
+              <a:rPr lang="en-US" sz="1400" dirty="0"/>
+              <a:t># Output: ./</a:t>
+            </a:r>
+            <a:r>
+              <a:rPr lang="en-US" sz="1400" dirty="0" err="1"/>
+              <a:t>vsomeip</a:t>
+            </a:r>
+            <a:r>
+              <a:rPr lang="en-US" sz="1400" dirty="0"/>
+              <a:t>-example/bin</a:t>
+            </a:r>
+            <a:r>
+              <a:rPr lang="en-US" sz="1400" dirty="0" smtClean="0"/>
+              <a:t>/...</a:t>
+            </a:r>
+            <a:endParaRPr lang="en-US" sz="1400" dirty="0"/>
+          </a:p>
+        </p:txBody>
+      </p:sp>
+      <p:pic>
+        <p:nvPicPr>
+          <p:cNvPr id="13" name="Picture 12"/>
+          <p:cNvPicPr>
+            <a:picLocks noChangeAspect="1"/>
+          </p:cNvPicPr>
+          <p:nvPr/>
+        </p:nvPicPr>
+        <p:blipFill>
+          <a:blip r:embed="rId3"/>
+          <a:stretch>
+            <a:fillRect/>
+          </a:stretch>
+        </p:blipFill>
+        <p:spPr>
+          <a:xfrm>
+            <a:off x="6133967" y="990208"/>
+            <a:ext cx="1986775" cy="5867792"/>
+          </a:xfrm>
+          <a:prstGeom prst="rect">
+            <a:avLst/>
+          </a:prstGeom>
+        </p:spPr>
+      </p:pic>
+      <p:sp>
+        <p:nvSpPr>
+          <p:cNvPr id="18" name="TextBox 17"/>
+          <p:cNvSpPr txBox="1"/>
+          <p:nvPr/>
+        </p:nvSpPr>
+        <p:spPr>
+          <a:xfrm>
+            <a:off x="550489" y="887384"/>
+            <a:ext cx="1013804" cy="369332"/>
+          </a:xfrm>
+          <a:prstGeom prst="rect">
+            <a:avLst/>
+          </a:prstGeom>
+          <a:noFill/>
+        </p:spPr>
+        <p:txBody>
+          <a:bodyPr wrap="none" rtlCol="0">
+            <a:spAutoFit/>
+          </a:bodyPr>
+          <a:lstStyle/>
+          <a:p>
+            <a:pPr marL="285750" indent="-285750">
+              <a:buFont typeface="Wingdings" panose="05000000000000000000" pitchFamily="2" charset="2"/>
+              <a:buChar char="Ø"/>
+            </a:pPr>
+            <a:r>
+              <a:rPr lang="en-US" b="1" dirty="0" smtClean="0"/>
+              <a:t>Setup</a:t>
+            </a:r>
+            <a:endParaRPr lang="en-US" b="1" dirty="0"/>
+          </a:p>
+        </p:txBody>
+      </p:sp>
+    </p:spTree>
+    <p:extLst>
+      <p:ext uri="{BB962C8B-B14F-4D97-AF65-F5344CB8AC3E}">
+        <p14:creationId xmlns:p14="http://schemas.microsoft.com/office/powerpoint/2010/main" val="1419911163"/>
+      </p:ext>
+    </p:extLst>
+  </p:cSld>
+  <p:clrMapOvr>
+    <a:masterClrMapping/>
+  </p:clrMapOvr>
+  <p:timing>
+    <p:tnLst>
+      <p:par>
+        <p:cTn id="1" dur="indefinite" restart="never" nodeType="tmRoot"/>
+      </p:par>
+    </p:tnLst>
+  </p:timing>
+</p:sld>
+</file>
+
+<file path=ppt/slides/slide24.xml><?xml version="1.0" encoding="utf-8"?>
+<p:sld xmlns:a="http://schemas.openxmlformats.org/drawingml/2006/main" xmlns:r="http://schemas.openxmlformats.org/officeDocument/2006/relationships" xmlns:p="http://schemas.openxmlformats.org/presentationml/2006/main">
+  <p:cSld>
+    <p:spTree>
+      <p:nvGrpSpPr>
+        <p:cNvPr id="1" name=""/>
+        <p:cNvGrpSpPr/>
+        <p:nvPr/>
+      </p:nvGrpSpPr>
+      <p:grpSpPr>
+        <a:xfrm>
+          <a:off x="0" y="0"/>
+          <a:ext cx="0" cy="0"/>
+          <a:chOff x="0" y="0"/>
+          <a:chExt cx="0" cy="0"/>
+        </a:xfrm>
+      </p:grpSpPr>
+      <p:sp>
+        <p:nvSpPr>
+          <p:cNvPr id="3" name="Content Placeholder 2"/>
+          <p:cNvSpPr>
+            <a:spLocks noGrp="1"/>
+          </p:cNvSpPr>
+          <p:nvPr>
+            <p:ph idx="1"/>
+          </p:nvPr>
+        </p:nvSpPr>
+        <p:spPr>
+          <a:xfrm>
+            <a:off x="347330" y="467833"/>
+            <a:ext cx="8168020" cy="5709130"/>
+          </a:xfrm>
+        </p:spPr>
+        <p:txBody>
+          <a:bodyPr/>
+          <a:lstStyle/>
+          <a:p>
+            <a:pPr marL="0" indent="0">
+              <a:buNone/>
+            </a:pPr>
+            <a:r>
+              <a:rPr lang="en-US" sz="2400" b="1" dirty="0"/>
+              <a:t>4</a:t>
+            </a:r>
+            <a:r>
+              <a:rPr lang="en-US" sz="2400" b="1" dirty="0" smtClean="0"/>
+              <a:t>. Demo </a:t>
+            </a:r>
+            <a:r>
+              <a:rPr lang="en-US" sz="1400" dirty="0"/>
+              <a:t>(https://github.com/minhthedt/vsomeip-example)</a:t>
+            </a:r>
+            <a:endParaRPr lang="en-US" sz="1400" b="1" dirty="0" smtClean="0"/>
+          </a:p>
+        </p:txBody>
+      </p:sp>
+      <p:sp>
+        <p:nvSpPr>
+          <p:cNvPr id="9" name="Slide Number Placeholder 8"/>
+          <p:cNvSpPr>
+            <a:spLocks noGrp="1"/>
+          </p:cNvSpPr>
+          <p:nvPr>
+            <p:ph type="sldNum" sz="quarter" idx="12"/>
+          </p:nvPr>
+        </p:nvSpPr>
+        <p:spPr>
+          <a:xfrm>
+            <a:off x="8744270" y="6492875"/>
+            <a:ext cx="2057400" cy="365125"/>
+          </a:xfrm>
+        </p:spPr>
+        <p:txBody>
+          <a:bodyPr/>
+          <a:lstStyle/>
+          <a:p>
+            <a:fld id="{96C55251-E90D-44CC-8B75-53FCEE02E655}" type="slidenum">
+              <a:rPr lang="en-US" smtClean="0">
+                <a:solidFill>
+                  <a:schemeClr val="bg1">
+                    <a:lumMod val="50000"/>
+                  </a:schemeClr>
+                </a:solidFill>
+              </a:rPr>
+              <a:t>24</a:t>
+            </a:fld>
+            <a:endParaRPr lang="en-US" dirty="0">
+              <a:solidFill>
+                <a:schemeClr val="bg1">
+                  <a:lumMod val="50000"/>
+                </a:schemeClr>
+              </a:solidFill>
+            </a:endParaRPr>
+          </a:p>
+        </p:txBody>
+      </p:sp>
+      <p:sp>
+        <p:nvSpPr>
+          <p:cNvPr id="2" name="TextBox 1"/>
+          <p:cNvSpPr txBox="1"/>
+          <p:nvPr/>
+        </p:nvSpPr>
+        <p:spPr>
+          <a:xfrm>
+            <a:off x="527957" y="922173"/>
+            <a:ext cx="6307881" cy="369332"/>
+          </a:xfrm>
+          <a:prstGeom prst="rect">
+            <a:avLst/>
+          </a:prstGeom>
+          <a:noFill/>
+        </p:spPr>
+        <p:txBody>
+          <a:bodyPr wrap="none" rtlCol="0">
+            <a:spAutoFit/>
+          </a:bodyPr>
+          <a:lstStyle/>
+          <a:p>
+            <a:pPr marL="285750" indent="-285750">
+              <a:buFont typeface="Wingdings" panose="05000000000000000000" pitchFamily="2" charset="2"/>
+              <a:buChar char="Ø"/>
+            </a:pPr>
+            <a:r>
+              <a:rPr lang="en-US" dirty="0">
+                <a:solidFill>
+                  <a:srgbClr val="FF0000"/>
+                </a:solidFill>
+              </a:rPr>
+              <a:t>Make sure both PCs can send/receive multicast before testing.</a:t>
+            </a:r>
+            <a:endParaRPr lang="en-US" dirty="0">
+              <a:solidFill>
+                <a:srgbClr val="FF0000"/>
+              </a:solidFill>
+            </a:endParaRPr>
+          </a:p>
+        </p:txBody>
+      </p:sp>
+      <p:sp>
+        <p:nvSpPr>
+          <p:cNvPr id="5" name="TextBox 4"/>
+          <p:cNvSpPr txBox="1"/>
+          <p:nvPr/>
+        </p:nvSpPr>
+        <p:spPr>
+          <a:xfrm>
+            <a:off x="527957" y="1370511"/>
+            <a:ext cx="4637039" cy="1600438"/>
+          </a:xfrm>
+          <a:prstGeom prst="rect">
+            <a:avLst/>
+          </a:prstGeom>
+          <a:solidFill>
+            <a:schemeClr val="bg1">
+              <a:lumMod val="95000"/>
+            </a:schemeClr>
+          </a:solidFill>
+        </p:spPr>
+        <p:txBody>
+          <a:bodyPr wrap="none" rtlCol="0">
+            <a:spAutoFit/>
+          </a:bodyPr>
+          <a:lstStyle/>
+          <a:p>
+            <a:r>
+              <a:rPr lang="en-US" sz="1400" b="1" dirty="0"/>
+              <a:t># (Optional) Route all multicast traffic (224.0.0.0/4) via eth0</a:t>
+            </a:r>
+          </a:p>
+          <a:p>
+            <a:r>
+              <a:rPr lang="en-US" sz="1400" dirty="0" err="1"/>
+              <a:t>ifconfig</a:t>
+            </a:r>
+            <a:endParaRPr lang="en-US" sz="1400" dirty="0"/>
+          </a:p>
+          <a:p>
+            <a:r>
+              <a:rPr lang="en-US" sz="1400" dirty="0" err="1"/>
+              <a:t>sudo</a:t>
+            </a:r>
+            <a:r>
+              <a:rPr lang="en-US" sz="1400" dirty="0"/>
+              <a:t> </a:t>
+            </a:r>
+            <a:r>
+              <a:rPr lang="en-US" sz="1400" dirty="0" err="1"/>
+              <a:t>ip</a:t>
+            </a:r>
+            <a:r>
+              <a:rPr lang="en-US" sz="1400" dirty="0"/>
+              <a:t> route add 224.0.0.0/4 </a:t>
+            </a:r>
+            <a:r>
+              <a:rPr lang="en-US" sz="1400" dirty="0" err="1"/>
+              <a:t>dev</a:t>
+            </a:r>
+            <a:r>
+              <a:rPr lang="en-US" sz="1400" dirty="0"/>
+              <a:t> eth0</a:t>
+            </a:r>
+          </a:p>
+          <a:p>
+            <a:r>
+              <a:rPr lang="en-US" sz="1400" dirty="0"/>
+              <a:t># or: </a:t>
+            </a:r>
+            <a:r>
+              <a:rPr lang="en-US" sz="1400" dirty="0" err="1"/>
+              <a:t>sudo</a:t>
+            </a:r>
+            <a:r>
+              <a:rPr lang="en-US" sz="1400" dirty="0"/>
+              <a:t> route add -net 224.0.0.0/4 </a:t>
+            </a:r>
+            <a:r>
+              <a:rPr lang="en-US" sz="1400" dirty="0" err="1"/>
+              <a:t>dev</a:t>
+            </a:r>
+            <a:r>
+              <a:rPr lang="en-US" sz="1400" dirty="0"/>
+              <a:t> eth0</a:t>
+            </a:r>
+          </a:p>
+          <a:p>
+            <a:endParaRPr lang="en-US" sz="1400" dirty="0"/>
+          </a:p>
+          <a:p>
+            <a:r>
+              <a:rPr lang="en-US" sz="1400" b="1" dirty="0"/>
+              <a:t># Show routing table</a:t>
+            </a:r>
+          </a:p>
+          <a:p>
+            <a:r>
+              <a:rPr lang="en-US" sz="1400" dirty="0" err="1"/>
+              <a:t>netstat</a:t>
+            </a:r>
+            <a:r>
+              <a:rPr lang="en-US" sz="1400" dirty="0"/>
+              <a:t> -</a:t>
+            </a:r>
+            <a:r>
+              <a:rPr lang="en-US" sz="1400" dirty="0" err="1"/>
+              <a:t>rn</a:t>
+            </a:r>
+            <a:endParaRPr lang="en-US" sz="1400" dirty="0"/>
+          </a:p>
+        </p:txBody>
+      </p:sp>
+      <p:pic>
+        <p:nvPicPr>
+          <p:cNvPr id="8" name="Picture 7"/>
+          <p:cNvPicPr>
+            <a:picLocks noChangeAspect="1"/>
+          </p:cNvPicPr>
+          <p:nvPr/>
+        </p:nvPicPr>
+        <p:blipFill>
+          <a:blip r:embed="rId3"/>
+          <a:stretch>
+            <a:fillRect/>
+          </a:stretch>
+        </p:blipFill>
+        <p:spPr>
+          <a:xfrm>
+            <a:off x="591910" y="3128962"/>
+            <a:ext cx="6153150" cy="1057275"/>
+          </a:xfrm>
+          <a:prstGeom prst="rect">
+            <a:avLst/>
+          </a:prstGeom>
+        </p:spPr>
+      </p:pic>
+      <p:sp>
+        <p:nvSpPr>
+          <p:cNvPr id="10" name="TextBox 9"/>
+          <p:cNvSpPr txBox="1"/>
+          <p:nvPr/>
+        </p:nvSpPr>
+        <p:spPr>
+          <a:xfrm>
+            <a:off x="591910" y="4501643"/>
+            <a:ext cx="5824608" cy="1169551"/>
+          </a:xfrm>
+          <a:prstGeom prst="rect">
+            <a:avLst/>
+          </a:prstGeom>
+          <a:solidFill>
+            <a:schemeClr val="bg1">
+              <a:lumMod val="95000"/>
+            </a:schemeClr>
+          </a:solidFill>
+        </p:spPr>
+        <p:txBody>
+          <a:bodyPr wrap="none" rtlCol="0">
+            <a:spAutoFit/>
+          </a:bodyPr>
+          <a:lstStyle/>
+          <a:p>
+            <a:r>
+              <a:rPr lang="en-US" sz="1400" dirty="0"/>
+              <a:t># Sender</a:t>
+            </a:r>
+          </a:p>
+          <a:p>
+            <a:r>
+              <a:rPr lang="en-US" sz="1400" dirty="0"/>
+              <a:t>echo "Hello multicast" | </a:t>
+            </a:r>
+            <a:r>
+              <a:rPr lang="en-US" sz="1400" dirty="0" err="1"/>
+              <a:t>socat</a:t>
+            </a:r>
+            <a:r>
+              <a:rPr lang="en-US" sz="1400" dirty="0"/>
+              <a:t> - UDP4-DATAGRAM:239.0.0.1:12345</a:t>
+            </a:r>
+          </a:p>
+          <a:p>
+            <a:endParaRPr lang="en-US" sz="1400" dirty="0"/>
+          </a:p>
+          <a:p>
+            <a:r>
+              <a:rPr lang="en-US" sz="1400" dirty="0"/>
+              <a:t># Receiver</a:t>
+            </a:r>
+          </a:p>
+          <a:p>
+            <a:r>
+              <a:rPr lang="en-US" sz="1400" dirty="0" err="1"/>
+              <a:t>socat</a:t>
+            </a:r>
+            <a:r>
+              <a:rPr lang="en-US" sz="1400" dirty="0"/>
+              <a:t> -v UDP4-RECVFROM:12345,ip-add-membership=239.0.0.1:0.0.0.0,fork -</a:t>
+            </a:r>
+          </a:p>
+        </p:txBody>
+      </p:sp>
+      <p:pic>
+        <p:nvPicPr>
+          <p:cNvPr id="11" name="Picture 10"/>
+          <p:cNvPicPr>
+            <a:picLocks noChangeAspect="1"/>
+          </p:cNvPicPr>
+          <p:nvPr/>
+        </p:nvPicPr>
+        <p:blipFill>
+          <a:blip r:embed="rId4"/>
+          <a:stretch>
+            <a:fillRect/>
+          </a:stretch>
+        </p:blipFill>
+        <p:spPr>
+          <a:xfrm>
+            <a:off x="527957" y="5813916"/>
+            <a:ext cx="8675828" cy="615931"/>
+          </a:xfrm>
+          <a:prstGeom prst="rect">
+            <a:avLst/>
+          </a:prstGeom>
+        </p:spPr>
+      </p:pic>
+    </p:spTree>
+    <p:extLst>
+      <p:ext uri="{BB962C8B-B14F-4D97-AF65-F5344CB8AC3E}">
+        <p14:creationId xmlns:p14="http://schemas.microsoft.com/office/powerpoint/2010/main" val="4092934171"/>
+      </p:ext>
+    </p:extLst>
+  </p:cSld>
+  <p:clrMapOvr>
+    <a:masterClrMapping/>
+  </p:clrMapOvr>
+  <p:timing>
+    <p:tnLst>
+      <p:par>
+        <p:cTn id="1" dur="indefinite" restart="never" nodeType="tmRoot"/>
+      </p:par>
+    </p:tnLst>
+  </p:timing>
+</p:sld>
+</file>
+
+<file path=ppt/slides/slide25.xml><?xml version="1.0" encoding="utf-8"?>
+<p:sld xmlns:a="http://schemas.openxmlformats.org/drawingml/2006/main" xmlns:r="http://schemas.openxmlformats.org/officeDocument/2006/relationships" xmlns:p="http://schemas.openxmlformats.org/presentationml/2006/main">
+  <p:cSld>
+    <p:spTree>
+      <p:nvGrpSpPr>
+        <p:cNvPr id="1" name=""/>
+        <p:cNvGrpSpPr/>
+        <p:nvPr/>
+      </p:nvGrpSpPr>
+      <p:grpSpPr>
+        <a:xfrm>
+          <a:off x="0" y="0"/>
+          <a:ext cx="0" cy="0"/>
+          <a:chOff x="0" y="0"/>
+          <a:chExt cx="0" cy="0"/>
+        </a:xfrm>
+      </p:grpSpPr>
+      <p:sp>
+        <p:nvSpPr>
+          <p:cNvPr id="3" name="Content Placeholder 2"/>
+          <p:cNvSpPr>
+            <a:spLocks noGrp="1"/>
+          </p:cNvSpPr>
+          <p:nvPr>
+            <p:ph idx="1"/>
+          </p:nvPr>
+        </p:nvSpPr>
+        <p:spPr>
+          <a:xfrm>
+            <a:off x="347330" y="467833"/>
+            <a:ext cx="8168020" cy="5709130"/>
+          </a:xfrm>
+        </p:spPr>
+        <p:txBody>
+          <a:bodyPr/>
+          <a:lstStyle/>
+          <a:p>
+            <a:pPr marL="0" indent="0">
+              <a:buNone/>
+            </a:pPr>
+            <a:r>
+              <a:rPr lang="en-US" sz="2400" b="1" dirty="0"/>
+              <a:t>4</a:t>
+            </a:r>
+            <a:r>
+              <a:rPr lang="en-US" sz="2400" b="1" dirty="0" smtClean="0"/>
+              <a:t>. Demo </a:t>
+            </a:r>
+            <a:r>
+              <a:rPr lang="en-US" sz="1400" dirty="0"/>
+              <a:t>(https://github.com/minhthedt/vsomeip-example)</a:t>
+            </a:r>
+            <a:endParaRPr lang="en-US" sz="1400" b="1" dirty="0" smtClean="0"/>
+          </a:p>
+        </p:txBody>
+      </p:sp>
+      <p:sp>
+        <p:nvSpPr>
+          <p:cNvPr id="9" name="Slide Number Placeholder 8"/>
+          <p:cNvSpPr>
+            <a:spLocks noGrp="1"/>
+          </p:cNvSpPr>
+          <p:nvPr>
+            <p:ph type="sldNum" sz="quarter" idx="12"/>
+          </p:nvPr>
+        </p:nvSpPr>
+        <p:spPr>
+          <a:xfrm>
+            <a:off x="8744270" y="6492875"/>
+            <a:ext cx="2057400" cy="365125"/>
+          </a:xfrm>
+        </p:spPr>
+        <p:txBody>
+          <a:bodyPr/>
+          <a:lstStyle/>
+          <a:p>
+            <a:fld id="{96C55251-E90D-44CC-8B75-53FCEE02E655}" type="slidenum">
+              <a:rPr lang="en-US" smtClean="0">
+                <a:solidFill>
+                  <a:schemeClr val="bg1">
+                    <a:lumMod val="50000"/>
+                  </a:schemeClr>
+                </a:solidFill>
+              </a:rPr>
+              <a:t>25</a:t>
+            </a:fld>
+            <a:endParaRPr lang="en-US" dirty="0">
+              <a:solidFill>
+                <a:schemeClr val="bg1">
+                  <a:lumMod val="50000"/>
+                </a:schemeClr>
+              </a:solidFill>
+            </a:endParaRPr>
+          </a:p>
+        </p:txBody>
+      </p:sp>
+      <p:sp>
+        <p:nvSpPr>
+          <p:cNvPr id="2" name="TextBox 1"/>
+          <p:cNvSpPr txBox="1"/>
+          <p:nvPr/>
+        </p:nvSpPr>
+        <p:spPr>
+          <a:xfrm>
+            <a:off x="527957" y="922173"/>
+            <a:ext cx="1372427" cy="369332"/>
+          </a:xfrm>
+          <a:prstGeom prst="rect">
+            <a:avLst/>
+          </a:prstGeom>
+          <a:noFill/>
+        </p:spPr>
+        <p:txBody>
+          <a:bodyPr wrap="none" rtlCol="0">
+            <a:spAutoFit/>
+          </a:bodyPr>
+          <a:lstStyle/>
+          <a:p>
+            <a:pPr marL="285750" indent="-285750">
+              <a:buFont typeface="Wingdings" panose="05000000000000000000" pitchFamily="2" charset="2"/>
+              <a:buChar char="Ø"/>
+            </a:pPr>
+            <a:r>
+              <a:rPr lang="en-US" b="1" dirty="0"/>
+              <a:t>Run Tests</a:t>
+            </a:r>
+          </a:p>
+        </p:txBody>
+      </p:sp>
+      <p:graphicFrame>
+        <p:nvGraphicFramePr>
+          <p:cNvPr id="13" name="Table 12"/>
+          <p:cNvGraphicFramePr>
+            <a:graphicFrameLocks noGrp="1"/>
+          </p:cNvGraphicFramePr>
+          <p:nvPr>
+            <p:extLst>
+              <p:ext uri="{D42A27DB-BD31-4B8C-83A1-F6EECF244321}">
+                <p14:modId xmlns:p14="http://schemas.microsoft.com/office/powerpoint/2010/main" val="2324215230"/>
+              </p:ext>
+            </p:extLst>
+          </p:nvPr>
+        </p:nvGraphicFramePr>
+        <p:xfrm>
+          <a:off x="527956" y="1397000"/>
+          <a:ext cx="7987394" cy="1859280"/>
+        </p:xfrm>
+        <a:graphic>
+          <a:graphicData uri="http://schemas.openxmlformats.org/drawingml/2006/table">
+            <a:tbl>
+              <a:tblPr firstRow="1" bandRow="1">
+                <a:tableStyleId>{5C22544A-7EE6-4342-B048-85BDC9FD1C3A}</a:tableStyleId>
+              </a:tblPr>
+              <a:tblGrid>
+                <a:gridCol w="3880914"/>
+                <a:gridCol w="4106480"/>
+              </a:tblGrid>
+              <a:tr h="351136">
+                <a:tc>
+                  <a:txBody>
+                    <a:bodyPr/>
+                    <a:lstStyle/>
+                    <a:p>
+                      <a:pPr marL="0" marR="0" indent="0" algn="l" defTabSz="914400" rtl="0" eaLnBrk="1" fontAlgn="auto" latinLnBrk="0" hangingPunct="1">
+                        <a:lnSpc>
+                          <a:spcPct val="100000"/>
+                        </a:lnSpc>
+                        <a:spcBef>
+                          <a:spcPts val="0"/>
+                        </a:spcBef>
+                        <a:spcAft>
+                          <a:spcPts val="0"/>
+                        </a:spcAft>
+                        <a:buClrTx/>
+                        <a:buSzTx/>
+                        <a:buFontTx/>
+                        <a:buNone/>
+                        <a:tabLst/>
+                        <a:defRPr/>
+                      </a:pPr>
+                      <a:r>
+                        <a:rPr lang="en-US" dirty="0" smtClean="0"/>
+                        <a:t>PC1 (</a:t>
+                      </a:r>
+                      <a:r>
+                        <a:rPr lang="en-US" sz="1800" b="0" kern="1200" dirty="0" smtClean="0">
+                          <a:solidFill>
+                            <a:schemeClr val="lt1"/>
+                          </a:solidFill>
+                          <a:effectLst/>
+                          <a:latin typeface="+mn-lt"/>
+                          <a:ea typeface="+mn-ea"/>
+                          <a:cs typeface="+mn-cs"/>
+                        </a:rPr>
+                        <a:t>172.17.0.6</a:t>
+                      </a:r>
+                      <a:r>
+                        <a:rPr lang="en-US" dirty="0" smtClean="0"/>
+                        <a:t>)</a:t>
+                      </a:r>
+                      <a:endParaRPr lang="en-US" dirty="0"/>
+                    </a:p>
+                  </a:txBody>
+                  <a:tcPr/>
+                </a:tc>
+                <a:tc>
+                  <a:txBody>
+                    <a:bodyPr/>
+                    <a:lstStyle/>
+                    <a:p>
+                      <a:r>
+                        <a:rPr lang="en-US" dirty="0" smtClean="0"/>
+                        <a:t>PC2</a:t>
+                      </a:r>
+                      <a:r>
+                        <a:rPr lang="en-US" dirty="0" smtClean="0"/>
+                        <a:t>(</a:t>
+                      </a:r>
+                      <a:r>
+                        <a:rPr lang="en-US" sz="1800" b="0" kern="1200" dirty="0" smtClean="0">
+                          <a:solidFill>
+                            <a:schemeClr val="lt1"/>
+                          </a:solidFill>
+                          <a:effectLst/>
+                          <a:latin typeface="+mn-lt"/>
+                          <a:ea typeface="+mn-ea"/>
+                          <a:cs typeface="+mn-cs"/>
+                        </a:rPr>
+                        <a:t>172.17.0.5</a:t>
+                      </a:r>
+                      <a:r>
+                        <a:rPr lang="en-US" dirty="0" smtClean="0"/>
+                        <a:t>)</a:t>
+                      </a:r>
+                      <a:endParaRPr lang="en-US" dirty="0"/>
+                    </a:p>
+                  </a:txBody>
+                  <a:tcPr/>
+                </a:tc>
+              </a:tr>
+              <a:tr h="548349">
+                <a:tc>
+                  <a:txBody>
+                    <a:bodyPr/>
+                    <a:lstStyle/>
+                    <a:p>
+                      <a:r>
+                        <a:rPr lang="en-US" sz="1400" b="1" i="0" kern="1200" dirty="0" smtClean="0">
+                          <a:solidFill>
+                            <a:schemeClr val="dk1"/>
+                          </a:solidFill>
+                          <a:effectLst/>
+                          <a:latin typeface="+mn-lt"/>
+                          <a:ea typeface="+mn-ea"/>
+                          <a:cs typeface="+mn-cs"/>
+                        </a:rPr>
+                        <a:t>Set correct IP addresses to </a:t>
+                      </a:r>
+                      <a:r>
+                        <a:rPr lang="en-US" sz="1400" b="1" i="0" kern="1200" dirty="0" err="1" smtClean="0">
+                          <a:solidFill>
+                            <a:schemeClr val="dk1"/>
+                          </a:solidFill>
+                          <a:effectLst/>
+                          <a:latin typeface="+mn-lt"/>
+                          <a:ea typeface="+mn-ea"/>
+                          <a:cs typeface="+mn-cs"/>
+                        </a:rPr>
+                        <a:t>HelloWorldClient.json</a:t>
+                      </a:r>
+                      <a:endParaRPr lang="en-US" sz="1400" dirty="0"/>
+                    </a:p>
+                  </a:txBody>
+                  <a:tcPr/>
+                </a:tc>
+                <a:tc>
+                  <a:txBody>
+                    <a:bodyPr/>
+                    <a:lstStyle/>
+                    <a:p>
+                      <a:pPr marL="0" marR="0" indent="0" algn="l" defTabSz="914400" rtl="0" eaLnBrk="1" fontAlgn="auto" latinLnBrk="0" hangingPunct="1">
+                        <a:lnSpc>
+                          <a:spcPct val="100000"/>
+                        </a:lnSpc>
+                        <a:spcBef>
+                          <a:spcPts val="0"/>
+                        </a:spcBef>
+                        <a:spcAft>
+                          <a:spcPts val="0"/>
+                        </a:spcAft>
+                        <a:buClrTx/>
+                        <a:buSzTx/>
+                        <a:buFontTx/>
+                        <a:buNone/>
+                        <a:tabLst/>
+                        <a:defRPr/>
+                      </a:pPr>
+                      <a:r>
+                        <a:rPr lang="en-US" sz="1400" b="1" i="0" kern="1200" dirty="0" smtClean="0">
+                          <a:solidFill>
+                            <a:schemeClr val="dk1"/>
+                          </a:solidFill>
+                          <a:effectLst/>
+                          <a:latin typeface="+mn-lt"/>
+                          <a:ea typeface="+mn-ea"/>
+                          <a:cs typeface="+mn-cs"/>
+                        </a:rPr>
+                        <a:t>Set correct IP addresses to </a:t>
+                      </a:r>
+                      <a:r>
+                        <a:rPr lang="en-US" sz="1400" b="1" i="0" kern="1200" dirty="0" err="1" smtClean="0">
+                          <a:solidFill>
+                            <a:schemeClr val="dk1"/>
+                          </a:solidFill>
+                          <a:effectLst/>
+                          <a:latin typeface="+mn-lt"/>
+                          <a:ea typeface="+mn-ea"/>
+                          <a:cs typeface="+mn-cs"/>
+                        </a:rPr>
+                        <a:t>HelloWorldService.json</a:t>
+                      </a:r>
+                      <a:endParaRPr lang="en-US" sz="1400" dirty="0" smtClean="0"/>
+                    </a:p>
+                    <a:p>
+                      <a:endParaRPr lang="en-US" dirty="0"/>
+                    </a:p>
+                  </a:txBody>
+                  <a:tcPr/>
+                </a:tc>
+              </a:tr>
+              <a:tr h="865815">
+                <a:tc>
+                  <a:txBody>
+                    <a:bodyPr/>
+                    <a:lstStyle/>
+                    <a:p>
+                      <a:r>
+                        <a:rPr lang="en-US" dirty="0" smtClean="0"/>
+                        <a:t>cd </a:t>
+                      </a:r>
+                      <a:r>
+                        <a:rPr lang="en-US" dirty="0" err="1" smtClean="0"/>
+                        <a:t>vsomeip</a:t>
+                      </a:r>
+                      <a:r>
+                        <a:rPr lang="en-US" dirty="0" smtClean="0"/>
+                        <a:t>-example</a:t>
+                      </a:r>
+                    </a:p>
+                    <a:p>
+                      <a:r>
+                        <a:rPr lang="en-US" dirty="0" err="1" smtClean="0"/>
+                        <a:t>sudo</a:t>
+                      </a:r>
+                      <a:r>
+                        <a:rPr lang="en-US" dirty="0" smtClean="0"/>
+                        <a:t> ./bin/run_HelloWorldClient.sh</a:t>
+                      </a:r>
+                    </a:p>
+                    <a:p>
+                      <a:endParaRPr lang="en-US" dirty="0"/>
+                    </a:p>
+                  </a:txBody>
+                  <a:tcPr/>
+                </a:tc>
+                <a:tc>
+                  <a:txBody>
+                    <a:bodyPr/>
+                    <a:lstStyle/>
+                    <a:p>
+                      <a:r>
+                        <a:rPr lang="en-US" dirty="0" smtClean="0"/>
+                        <a:t>cd </a:t>
+                      </a:r>
+                      <a:r>
+                        <a:rPr lang="en-US" dirty="0" err="1" smtClean="0"/>
+                        <a:t>vsomeip</a:t>
+                      </a:r>
+                      <a:r>
+                        <a:rPr lang="en-US" dirty="0" smtClean="0"/>
+                        <a:t>-example</a:t>
+                      </a:r>
+                    </a:p>
+                    <a:p>
+                      <a:r>
+                        <a:rPr lang="en-US" dirty="0" err="1" smtClean="0"/>
+                        <a:t>sudo</a:t>
+                      </a:r>
+                      <a:r>
+                        <a:rPr lang="en-US" dirty="0" smtClean="0"/>
+                        <a:t> ./bin/run_HelloWorldService.sh</a:t>
+                      </a:r>
+                    </a:p>
+                  </a:txBody>
+                  <a:tcPr/>
+                </a:tc>
+              </a:tr>
+            </a:tbl>
+          </a:graphicData>
+        </a:graphic>
+      </p:graphicFrame>
+      <p:pic>
+        <p:nvPicPr>
+          <p:cNvPr id="14" name="Picture 13"/>
+          <p:cNvPicPr>
+            <a:picLocks noChangeAspect="1"/>
+          </p:cNvPicPr>
+          <p:nvPr/>
+        </p:nvPicPr>
+        <p:blipFill>
+          <a:blip r:embed="rId3"/>
+          <a:stretch>
+            <a:fillRect/>
+          </a:stretch>
+        </p:blipFill>
+        <p:spPr>
+          <a:xfrm>
+            <a:off x="527957" y="5160962"/>
+            <a:ext cx="5353050" cy="1514475"/>
+          </a:xfrm>
+          <a:prstGeom prst="rect">
+            <a:avLst/>
+          </a:prstGeom>
+        </p:spPr>
+      </p:pic>
+      <p:sp>
+        <p:nvSpPr>
+          <p:cNvPr id="15" name="TextBox 14"/>
+          <p:cNvSpPr txBox="1"/>
+          <p:nvPr/>
+        </p:nvSpPr>
+        <p:spPr>
+          <a:xfrm>
+            <a:off x="516672" y="3412671"/>
+            <a:ext cx="1383712" cy="369332"/>
+          </a:xfrm>
+          <a:prstGeom prst="rect">
+            <a:avLst/>
+          </a:prstGeom>
+          <a:noFill/>
+        </p:spPr>
+        <p:txBody>
+          <a:bodyPr wrap="none" rtlCol="0">
+            <a:spAutoFit/>
+          </a:bodyPr>
+          <a:lstStyle/>
+          <a:p>
+            <a:r>
+              <a:rPr lang="en-US" dirty="0" smtClean="0"/>
+              <a:t>Console log: </a:t>
+            </a:r>
+            <a:endParaRPr lang="en-US" dirty="0"/>
+          </a:p>
+        </p:txBody>
+      </p:sp>
+      <p:sp>
+        <p:nvSpPr>
+          <p:cNvPr id="17" name="TextBox 16"/>
+          <p:cNvSpPr txBox="1"/>
+          <p:nvPr/>
+        </p:nvSpPr>
+        <p:spPr>
+          <a:xfrm>
+            <a:off x="527957" y="3917484"/>
+            <a:ext cx="919547" cy="369332"/>
+          </a:xfrm>
+          <a:prstGeom prst="rect">
+            <a:avLst/>
+          </a:prstGeom>
+          <a:noFill/>
+        </p:spPr>
+        <p:txBody>
+          <a:bodyPr wrap="none" rtlCol="0">
+            <a:spAutoFit/>
+          </a:bodyPr>
+          <a:lstStyle/>
+          <a:p>
+            <a:r>
+              <a:rPr lang="en-US" dirty="0" smtClean="0"/>
+              <a:t>DLT log:</a:t>
+            </a:r>
+            <a:endParaRPr lang="en-US" dirty="0"/>
+          </a:p>
+        </p:txBody>
+      </p:sp>
+      <p:sp>
+        <p:nvSpPr>
+          <p:cNvPr id="18" name="TextBox 17"/>
+          <p:cNvSpPr txBox="1"/>
+          <p:nvPr/>
+        </p:nvSpPr>
+        <p:spPr>
+          <a:xfrm>
+            <a:off x="566057" y="4677580"/>
+            <a:ext cx="963341" cy="369332"/>
+          </a:xfrm>
+          <a:prstGeom prst="rect">
+            <a:avLst/>
+          </a:prstGeom>
+          <a:noFill/>
+        </p:spPr>
+        <p:txBody>
+          <a:bodyPr wrap="none" rtlCol="0">
+            <a:spAutoFit/>
+          </a:bodyPr>
+          <a:lstStyle/>
+          <a:p>
+            <a:r>
+              <a:rPr lang="en-US" dirty="0" err="1" smtClean="0"/>
+              <a:t>Pcap</a:t>
+            </a:r>
+            <a:r>
+              <a:rPr lang="en-US" dirty="0" smtClean="0"/>
+              <a:t> log</a:t>
+            </a:r>
+            <a:endParaRPr lang="en-US" dirty="0"/>
+          </a:p>
+        </p:txBody>
+      </p:sp>
+    </p:spTree>
+    <p:extLst>
+      <p:ext uri="{BB962C8B-B14F-4D97-AF65-F5344CB8AC3E}">
+        <p14:creationId xmlns:p14="http://schemas.microsoft.com/office/powerpoint/2010/main" val="1478246796"/>
       </p:ext>
     </p:extLst>
   </p:cSld>
